--- a/ver_4_kc_house/Mô hình dự đoán giá nhà.pptx
+++ b/ver_4_kc_house/Mô hình dự đoán giá nhà.pptx
@@ -7,7 +7,16 @@
   <p:sldIdLst>
     <p:sldId id="256" r:id="rId2"/>
     <p:sldId id="258" r:id="rId3"/>
-    <p:sldId id="259" r:id="rId4"/>
+    <p:sldId id="261" r:id="rId4"/>
+    <p:sldId id="263" r:id="rId5"/>
+    <p:sldId id="264" r:id="rId6"/>
+    <p:sldId id="265" r:id="rId7"/>
+    <p:sldId id="267" r:id="rId8"/>
+    <p:sldId id="268" r:id="rId9"/>
+    <p:sldId id="269" r:id="rId10"/>
+    <p:sldId id="266" r:id="rId11"/>
+    <p:sldId id="262" r:id="rId12"/>
+    <p:sldId id="270" r:id="rId13"/>
   </p:sldIdLst>
   <p:sldSz cx="12192000" cy="6858000"/>
   <p:notesSz cx="6858000" cy="9144000"/>
@@ -106,6 +115,11 @@
       </a:defRPr>
     </a:lvl9pPr>
   </p:defaultTextStyle>
+  <p:extLst>
+    <p:ext uri="{EFAFB233-063F-42B5-8137-9DF3F51BA10A}">
+      <p15:sldGuideLst xmlns:p15="http://schemas.microsoft.com/office/powerpoint/2012/main"/>
+    </p:ext>
+  </p:extLst>
 </p:presentation>
 </file>
 
@@ -3799,6 +3813,3560 @@
 </p:sld>
 </file>
 
+<file path=ppt/slides/slide10.xml><?xml version="1.0" encoding="utf-8"?>
+<p:sld xmlns:a="http://schemas.openxmlformats.org/drawingml/2006/main" xmlns:r="http://schemas.openxmlformats.org/officeDocument/2006/relationships" xmlns:p="http://schemas.openxmlformats.org/presentationml/2006/main">
+  <p:cSld>
+    <p:spTree>
+      <p:nvGrpSpPr>
+        <p:cNvPr id="1" name=""/>
+        <p:cNvGrpSpPr/>
+        <p:nvPr/>
+      </p:nvGrpSpPr>
+      <p:grpSpPr>
+        <a:xfrm>
+          <a:off x="0" y="0"/>
+          <a:ext cx="0" cy="0"/>
+          <a:chOff x="0" y="0"/>
+          <a:chExt cx="0" cy="0"/>
+        </a:xfrm>
+      </p:grpSpPr>
+      <p:sp>
+        <p:nvSpPr>
+          <p:cNvPr id="2" name="Title 1"/>
+          <p:cNvSpPr txBox="1">
+            <a:spLocks/>
+          </p:cNvSpPr>
+          <p:nvPr/>
+        </p:nvSpPr>
+        <p:spPr>
+          <a:xfrm>
+            <a:off x="1088491" y="167780"/>
+            <a:ext cx="9605635" cy="857515"/>
+          </a:xfrm>
+          <a:prstGeom prst="rect">
+            <a:avLst/>
+          </a:prstGeom>
+        </p:spPr>
+        <p:txBody>
+          <a:bodyPr/>
+          <a:lstStyle>
+            <a:lvl1pPr algn="l" defTabSz="914400" rtl="0" eaLnBrk="1" latinLnBrk="0" hangingPunct="1">
+              <a:lnSpc>
+                <a:spcPct val="90000"/>
+              </a:lnSpc>
+              <a:spcBef>
+                <a:spcPct val="0"/>
+              </a:spcBef>
+              <a:buNone/>
+              <a:defRPr sz="3200" b="0" i="0" kern="1200" cap="all">
+                <a:solidFill>
+                  <a:schemeClr val="tx1"/>
+                </a:solidFill>
+                <a:effectLst/>
+                <a:latin typeface="+mj-lt"/>
+                <a:ea typeface="+mj-ea"/>
+                <a:cs typeface="+mj-cs"/>
+              </a:defRPr>
+            </a:lvl1pPr>
+          </a:lstStyle>
+          <a:p>
+            <a:r>
+              <a:rPr lang="en-US" dirty="0" err="1" smtClean="0">
+                <a:latin typeface="Arial" panose="020B0604020202020204" pitchFamily="34" charset="0"/>
+                <a:cs typeface="Arial" panose="020B0604020202020204" pitchFamily="34" charset="0"/>
+              </a:rPr>
+              <a:t>Xử</a:t>
+            </a:r>
+            <a:r>
+              <a:rPr lang="en-US" dirty="0" smtClean="0">
+                <a:latin typeface="Arial" panose="020B0604020202020204" pitchFamily="34" charset="0"/>
+                <a:cs typeface="Arial" panose="020B0604020202020204" pitchFamily="34" charset="0"/>
+              </a:rPr>
+              <a:t> </a:t>
+            </a:r>
+            <a:r>
+              <a:rPr lang="en-US" dirty="0" err="1" smtClean="0">
+                <a:latin typeface="Arial" panose="020B0604020202020204" pitchFamily="34" charset="0"/>
+                <a:cs typeface="Arial" panose="020B0604020202020204" pitchFamily="34" charset="0"/>
+              </a:rPr>
+              <a:t>lý</a:t>
+            </a:r>
+            <a:r>
+              <a:rPr lang="en-US" dirty="0" smtClean="0">
+                <a:latin typeface="Arial" panose="020B0604020202020204" pitchFamily="34" charset="0"/>
+                <a:cs typeface="Arial" panose="020B0604020202020204" pitchFamily="34" charset="0"/>
+              </a:rPr>
+              <a:t> </a:t>
+            </a:r>
+            <a:r>
+              <a:rPr lang="en-US" dirty="0" err="1" smtClean="0">
+                <a:latin typeface="Arial" panose="020B0604020202020204" pitchFamily="34" charset="0"/>
+                <a:cs typeface="Arial" panose="020B0604020202020204" pitchFamily="34" charset="0"/>
+              </a:rPr>
+              <a:t>dữ</a:t>
+            </a:r>
+            <a:r>
+              <a:rPr lang="en-US" dirty="0" smtClean="0">
+                <a:latin typeface="Arial" panose="020B0604020202020204" pitchFamily="34" charset="0"/>
+                <a:cs typeface="Arial" panose="020B0604020202020204" pitchFamily="34" charset="0"/>
+              </a:rPr>
+              <a:t> </a:t>
+            </a:r>
+            <a:r>
+              <a:rPr lang="en-US" dirty="0" err="1" smtClean="0">
+                <a:latin typeface="Arial" panose="020B0604020202020204" pitchFamily="34" charset="0"/>
+                <a:cs typeface="Arial" panose="020B0604020202020204" pitchFamily="34" charset="0"/>
+              </a:rPr>
+              <a:t>liệu</a:t>
+            </a:r>
+            <a:r>
+              <a:rPr lang="en-US" dirty="0" smtClean="0">
+                <a:latin typeface="Arial" panose="020B0604020202020204" pitchFamily="34" charset="0"/>
+                <a:cs typeface="Arial" panose="020B0604020202020204" pitchFamily="34" charset="0"/>
+              </a:rPr>
+              <a:t/>
+            </a:r>
+            <a:br>
+              <a:rPr lang="en-US" dirty="0" smtClean="0">
+                <a:latin typeface="Arial" panose="020B0604020202020204" pitchFamily="34" charset="0"/>
+                <a:cs typeface="Arial" panose="020B0604020202020204" pitchFamily="34" charset="0"/>
+              </a:rPr>
+            </a:br>
+            <a:r>
+              <a:rPr lang="en-US" sz="2000" dirty="0" err="1">
+                <a:latin typeface="Arial" panose="020B0604020202020204" pitchFamily="34" charset="0"/>
+                <a:cs typeface="Arial" panose="020B0604020202020204" pitchFamily="34" charset="0"/>
+              </a:rPr>
+              <a:t>Xử</a:t>
+            </a:r>
+            <a:r>
+              <a:rPr lang="en-US" sz="2000" dirty="0">
+                <a:latin typeface="Arial" panose="020B0604020202020204" pitchFamily="34" charset="0"/>
+                <a:cs typeface="Arial" panose="020B0604020202020204" pitchFamily="34" charset="0"/>
+              </a:rPr>
+              <a:t> </a:t>
+            </a:r>
+            <a:r>
+              <a:rPr lang="en-US" sz="2000" dirty="0" err="1">
+                <a:latin typeface="Arial" panose="020B0604020202020204" pitchFamily="34" charset="0"/>
+                <a:cs typeface="Arial" panose="020B0604020202020204" pitchFamily="34" charset="0"/>
+              </a:rPr>
+              <a:t>lý</a:t>
+            </a:r>
+            <a:r>
+              <a:rPr lang="en-US" sz="2000" dirty="0">
+                <a:latin typeface="Arial" panose="020B0604020202020204" pitchFamily="34" charset="0"/>
+                <a:cs typeface="Arial" panose="020B0604020202020204" pitchFamily="34" charset="0"/>
+              </a:rPr>
+              <a:t> </a:t>
+            </a:r>
+            <a:r>
+              <a:rPr lang="en-US" sz="2000" dirty="0" err="1">
+                <a:latin typeface="Arial" panose="020B0604020202020204" pitchFamily="34" charset="0"/>
+                <a:cs typeface="Arial" panose="020B0604020202020204" pitchFamily="34" charset="0"/>
+              </a:rPr>
+              <a:t>giá</a:t>
+            </a:r>
+            <a:r>
+              <a:rPr lang="en-US" sz="2000" dirty="0">
+                <a:latin typeface="Arial" panose="020B0604020202020204" pitchFamily="34" charset="0"/>
+                <a:cs typeface="Arial" panose="020B0604020202020204" pitchFamily="34" charset="0"/>
+              </a:rPr>
+              <a:t> </a:t>
+            </a:r>
+            <a:r>
+              <a:rPr lang="en-US" sz="2000" dirty="0" err="1" smtClean="0">
+                <a:latin typeface="Arial" panose="020B0604020202020204" pitchFamily="34" charset="0"/>
+                <a:cs typeface="Arial" panose="020B0604020202020204" pitchFamily="34" charset="0"/>
+              </a:rPr>
+              <a:t>trị</a:t>
+            </a:r>
+            <a:r>
+              <a:rPr lang="en-US" sz="2000" dirty="0" smtClean="0">
+                <a:latin typeface="Arial" panose="020B0604020202020204" pitchFamily="34" charset="0"/>
+                <a:cs typeface="Arial" panose="020B0604020202020204" pitchFamily="34" charset="0"/>
+              </a:rPr>
+              <a:t> </a:t>
+            </a:r>
+            <a:r>
+              <a:rPr lang="en-US" sz="2000" dirty="0" err="1" smtClean="0">
+                <a:latin typeface="Arial" panose="020B0604020202020204" pitchFamily="34" charset="0"/>
+                <a:cs typeface="Arial" panose="020B0604020202020204" pitchFamily="34" charset="0"/>
+              </a:rPr>
+              <a:t>tại</a:t>
+            </a:r>
+            <a:r>
+              <a:rPr lang="en-US" sz="2000" dirty="0" smtClean="0">
+                <a:latin typeface="Arial" panose="020B0604020202020204" pitchFamily="34" charset="0"/>
+                <a:cs typeface="Arial" panose="020B0604020202020204" pitchFamily="34" charset="0"/>
+              </a:rPr>
+              <a:t> </a:t>
+            </a:r>
+            <a:r>
+              <a:rPr lang="en-US" sz="2000" dirty="0" err="1" smtClean="0">
+                <a:latin typeface="Arial" panose="020B0604020202020204" pitchFamily="34" charset="0"/>
+                <a:cs typeface="Arial" panose="020B0604020202020204" pitchFamily="34" charset="0"/>
+              </a:rPr>
+              <a:t>các</a:t>
+            </a:r>
+            <a:r>
+              <a:rPr lang="en-US" sz="2000" dirty="0" smtClean="0">
+                <a:latin typeface="Arial" panose="020B0604020202020204" pitchFamily="34" charset="0"/>
+                <a:cs typeface="Arial" panose="020B0604020202020204" pitchFamily="34" charset="0"/>
+              </a:rPr>
+              <a:t> </a:t>
+            </a:r>
+            <a:r>
+              <a:rPr lang="en-US" sz="2000" dirty="0" err="1" smtClean="0">
+                <a:latin typeface="Arial" panose="020B0604020202020204" pitchFamily="34" charset="0"/>
+                <a:cs typeface="Arial" panose="020B0604020202020204" pitchFamily="34" charset="0"/>
+              </a:rPr>
+              <a:t>cột</a:t>
+            </a:r>
+            <a:r>
+              <a:rPr lang="en-US" sz="2000" dirty="0" smtClean="0">
+                <a:latin typeface="Arial" panose="020B0604020202020204" pitchFamily="34" charset="0"/>
+                <a:cs typeface="Arial" panose="020B0604020202020204" pitchFamily="34" charset="0"/>
+              </a:rPr>
+              <a:t> </a:t>
+            </a:r>
+            <a:r>
+              <a:rPr lang="en-US" sz="2000" dirty="0" err="1" smtClean="0">
+                <a:latin typeface="Arial" panose="020B0604020202020204" pitchFamily="34" charset="0"/>
+                <a:cs typeface="Arial" panose="020B0604020202020204" pitchFamily="34" charset="0"/>
+              </a:rPr>
+              <a:t>sqft</a:t>
+            </a:r>
+            <a:endParaRPr lang="en-US" sz="2000" dirty="0">
+              <a:latin typeface="Arial" panose="020B0604020202020204" pitchFamily="34" charset="0"/>
+              <a:cs typeface="Arial" panose="020B0604020202020204" pitchFamily="34" charset="0"/>
+            </a:endParaRPr>
+          </a:p>
+        </p:txBody>
+      </p:sp>
+      <p:sp>
+        <p:nvSpPr>
+          <p:cNvPr id="3" name="Content Placeholder 2"/>
+          <p:cNvSpPr txBox="1">
+            <a:spLocks/>
+          </p:cNvSpPr>
+          <p:nvPr/>
+        </p:nvSpPr>
+        <p:spPr>
+          <a:xfrm>
+            <a:off x="1088490" y="1025296"/>
+            <a:ext cx="10756765" cy="1294879"/>
+          </a:xfrm>
+          <a:prstGeom prst="rect">
+            <a:avLst/>
+          </a:prstGeom>
+        </p:spPr>
+        <p:txBody>
+          <a:bodyPr/>
+          <a:lstStyle>
+            <a:lvl1pPr marL="228600" indent="-228600" algn="l" defTabSz="914400" rtl="0" eaLnBrk="1" latinLnBrk="0" hangingPunct="1">
+              <a:lnSpc>
+                <a:spcPct val="120000"/>
+              </a:lnSpc>
+              <a:spcBef>
+                <a:spcPts val="1000"/>
+              </a:spcBef>
+              <a:buClr>
+                <a:schemeClr val="accent1"/>
+              </a:buClr>
+              <a:buSzPct val="100000"/>
+              <a:buFont typeface="Arial" panose="020B0604020202020204" pitchFamily="34" charset="0"/>
+              <a:buChar char="•"/>
+              <a:defRPr sz="2000" kern="1200">
+                <a:solidFill>
+                  <a:schemeClr val="tx1"/>
+                </a:solidFill>
+                <a:effectLst/>
+                <a:latin typeface="+mn-lt"/>
+                <a:ea typeface="+mn-ea"/>
+                <a:cs typeface="+mn-cs"/>
+              </a:defRPr>
+            </a:lvl1pPr>
+            <a:lvl2pPr marL="685800" indent="-228600" algn="l" defTabSz="914400" rtl="0" eaLnBrk="1" latinLnBrk="0" hangingPunct="1">
+              <a:lnSpc>
+                <a:spcPct val="120000"/>
+              </a:lnSpc>
+              <a:spcBef>
+                <a:spcPts val="500"/>
+              </a:spcBef>
+              <a:buClr>
+                <a:schemeClr val="accent1"/>
+              </a:buClr>
+              <a:buSzPct val="100000"/>
+              <a:buFont typeface="Arial" panose="020B0604020202020204" pitchFamily="34" charset="0"/>
+              <a:buChar char="•"/>
+              <a:defRPr sz="1800" kern="1200" cap="none" baseline="0">
+                <a:solidFill>
+                  <a:schemeClr val="tx1"/>
+                </a:solidFill>
+                <a:effectLst/>
+                <a:latin typeface="+mn-lt"/>
+                <a:ea typeface="+mn-ea"/>
+                <a:cs typeface="+mn-cs"/>
+              </a:defRPr>
+            </a:lvl2pPr>
+            <a:lvl3pPr marL="1143000" indent="-228600" algn="l" defTabSz="914400" rtl="0" eaLnBrk="1" latinLnBrk="0" hangingPunct="1">
+              <a:lnSpc>
+                <a:spcPct val="120000"/>
+              </a:lnSpc>
+              <a:spcBef>
+                <a:spcPts val="500"/>
+              </a:spcBef>
+              <a:buClr>
+                <a:schemeClr val="accent1"/>
+              </a:buClr>
+              <a:buSzPct val="100000"/>
+              <a:buFont typeface="Arial" panose="020B0604020202020204" pitchFamily="34" charset="0"/>
+              <a:buChar char="•"/>
+              <a:defRPr sz="1600" kern="1200">
+                <a:solidFill>
+                  <a:schemeClr val="tx1"/>
+                </a:solidFill>
+                <a:effectLst/>
+                <a:latin typeface="+mn-lt"/>
+                <a:ea typeface="+mn-ea"/>
+                <a:cs typeface="+mn-cs"/>
+              </a:defRPr>
+            </a:lvl3pPr>
+            <a:lvl4pPr marL="1600200" indent="-228600" algn="l" defTabSz="914400" rtl="0" eaLnBrk="1" latinLnBrk="0" hangingPunct="1">
+              <a:lnSpc>
+                <a:spcPct val="120000"/>
+              </a:lnSpc>
+              <a:spcBef>
+                <a:spcPts val="500"/>
+              </a:spcBef>
+              <a:buClr>
+                <a:schemeClr val="accent1"/>
+              </a:buClr>
+              <a:buSzPct val="100000"/>
+              <a:buFont typeface="Arial" panose="020B0604020202020204" pitchFamily="34" charset="0"/>
+              <a:buChar char="•"/>
+              <a:defRPr sz="1400" kern="1200" cap="none" baseline="0">
+                <a:solidFill>
+                  <a:schemeClr val="tx1"/>
+                </a:solidFill>
+                <a:effectLst/>
+                <a:latin typeface="+mn-lt"/>
+                <a:ea typeface="+mn-ea"/>
+                <a:cs typeface="+mn-cs"/>
+              </a:defRPr>
+            </a:lvl4pPr>
+            <a:lvl5pPr marL="2057400" indent="-228600" algn="l" defTabSz="914400" rtl="0" eaLnBrk="1" latinLnBrk="0" hangingPunct="1">
+              <a:lnSpc>
+                <a:spcPct val="120000"/>
+              </a:lnSpc>
+              <a:spcBef>
+                <a:spcPts val="500"/>
+              </a:spcBef>
+              <a:buClr>
+                <a:schemeClr val="accent1"/>
+              </a:buClr>
+              <a:buSzPct val="100000"/>
+              <a:buFont typeface="Arial" panose="020B0604020202020204" pitchFamily="34" charset="0"/>
+              <a:buChar char="•"/>
+              <a:defRPr sz="1200" kern="1200">
+                <a:solidFill>
+                  <a:schemeClr val="tx1"/>
+                </a:solidFill>
+                <a:effectLst/>
+                <a:latin typeface="+mn-lt"/>
+                <a:ea typeface="+mn-ea"/>
+                <a:cs typeface="+mn-cs"/>
+              </a:defRPr>
+            </a:lvl5pPr>
+            <a:lvl6pPr marL="2514600" indent="-228600" algn="l" defTabSz="914400" rtl="0" eaLnBrk="1" latinLnBrk="0" hangingPunct="1">
+              <a:lnSpc>
+                <a:spcPct val="120000"/>
+              </a:lnSpc>
+              <a:spcBef>
+                <a:spcPts val="500"/>
+              </a:spcBef>
+              <a:buClr>
+                <a:schemeClr val="accent1"/>
+              </a:buClr>
+              <a:buSzPct val="100000"/>
+              <a:buFont typeface="Arial" panose="020B0604020202020204" pitchFamily="34" charset="0"/>
+              <a:buChar char="•"/>
+              <a:defRPr sz="1200" kern="1200">
+                <a:solidFill>
+                  <a:schemeClr val="tx1"/>
+                </a:solidFill>
+                <a:effectLst/>
+                <a:latin typeface="+mn-lt"/>
+                <a:ea typeface="+mn-ea"/>
+                <a:cs typeface="+mn-cs"/>
+              </a:defRPr>
+            </a:lvl6pPr>
+            <a:lvl7pPr marL="2971800" indent="-228600" algn="l" defTabSz="914400" rtl="0" eaLnBrk="1" latinLnBrk="0" hangingPunct="1">
+              <a:lnSpc>
+                <a:spcPct val="120000"/>
+              </a:lnSpc>
+              <a:spcBef>
+                <a:spcPts val="500"/>
+              </a:spcBef>
+              <a:buClr>
+                <a:schemeClr val="accent1"/>
+              </a:buClr>
+              <a:buSzPct val="100000"/>
+              <a:buFont typeface="Arial" panose="020B0604020202020204" pitchFamily="34" charset="0"/>
+              <a:buChar char="•"/>
+              <a:defRPr sz="1200" kern="1200">
+                <a:solidFill>
+                  <a:schemeClr val="tx1"/>
+                </a:solidFill>
+                <a:effectLst/>
+                <a:latin typeface="+mn-lt"/>
+                <a:ea typeface="+mn-ea"/>
+                <a:cs typeface="+mn-cs"/>
+              </a:defRPr>
+            </a:lvl7pPr>
+            <a:lvl8pPr marL="3429000" indent="-228600" algn="l" defTabSz="914400" rtl="0" eaLnBrk="1" latinLnBrk="0" hangingPunct="1">
+              <a:lnSpc>
+                <a:spcPct val="120000"/>
+              </a:lnSpc>
+              <a:spcBef>
+                <a:spcPts val="500"/>
+              </a:spcBef>
+              <a:buClr>
+                <a:schemeClr val="accent1"/>
+              </a:buClr>
+              <a:buSzPct val="100000"/>
+              <a:buFont typeface="Arial" panose="020B0604020202020204" pitchFamily="34" charset="0"/>
+              <a:buChar char="•"/>
+              <a:defRPr sz="1200" kern="1200" baseline="0">
+                <a:solidFill>
+                  <a:schemeClr val="tx1"/>
+                </a:solidFill>
+                <a:effectLst/>
+                <a:latin typeface="+mn-lt"/>
+                <a:ea typeface="+mn-ea"/>
+                <a:cs typeface="+mn-cs"/>
+              </a:defRPr>
+            </a:lvl8pPr>
+            <a:lvl9pPr marL="3886200" indent="-228600" algn="l" defTabSz="914400" rtl="0" eaLnBrk="1" latinLnBrk="0" hangingPunct="1">
+              <a:lnSpc>
+                <a:spcPct val="120000"/>
+              </a:lnSpc>
+              <a:spcBef>
+                <a:spcPts val="500"/>
+              </a:spcBef>
+              <a:buClr>
+                <a:schemeClr val="accent1"/>
+              </a:buClr>
+              <a:buSzPct val="100000"/>
+              <a:buFont typeface="Arial" panose="020B0604020202020204" pitchFamily="34" charset="0"/>
+              <a:buChar char="•"/>
+              <a:defRPr sz="1200" kern="1200" baseline="0">
+                <a:solidFill>
+                  <a:schemeClr val="tx1"/>
+                </a:solidFill>
+                <a:effectLst/>
+                <a:latin typeface="+mn-lt"/>
+                <a:ea typeface="+mn-ea"/>
+                <a:cs typeface="+mn-cs"/>
+              </a:defRPr>
+            </a:lvl9pPr>
+          </a:lstStyle>
+          <a:p>
+            <a:r>
+              <a:rPr lang="en-US" sz="1500" dirty="0" err="1" smtClean="0">
+                <a:latin typeface="Arial" panose="020B0604020202020204" pitchFamily="34" charset="0"/>
+                <a:cs typeface="Arial" panose="020B0604020202020204" pitchFamily="34" charset="0"/>
+              </a:rPr>
+              <a:t>Kiểm</a:t>
+            </a:r>
+            <a:r>
+              <a:rPr lang="en-US" sz="1500" dirty="0" smtClean="0">
+                <a:latin typeface="Arial" panose="020B0604020202020204" pitchFamily="34" charset="0"/>
+                <a:cs typeface="Arial" panose="020B0604020202020204" pitchFamily="34" charset="0"/>
+              </a:rPr>
+              <a:t> </a:t>
+            </a:r>
+            <a:r>
+              <a:rPr lang="en-US" sz="1500" dirty="0" err="1" smtClean="0">
+                <a:latin typeface="Arial" panose="020B0604020202020204" pitchFamily="34" charset="0"/>
+                <a:cs typeface="Arial" panose="020B0604020202020204" pitchFamily="34" charset="0"/>
+              </a:rPr>
+              <a:t>tra</a:t>
+            </a:r>
+            <a:r>
+              <a:rPr lang="en-US" sz="1500" dirty="0" smtClean="0">
+                <a:latin typeface="Arial" panose="020B0604020202020204" pitchFamily="34" charset="0"/>
+                <a:cs typeface="Arial" panose="020B0604020202020204" pitchFamily="34" charset="0"/>
+              </a:rPr>
+              <a:t> </a:t>
+            </a:r>
+            <a:r>
+              <a:rPr lang="en-US" sz="1500" dirty="0" err="1" smtClean="0">
+                <a:latin typeface="Arial" panose="020B0604020202020204" pitchFamily="34" charset="0"/>
+                <a:cs typeface="Arial" panose="020B0604020202020204" pitchFamily="34" charset="0"/>
+              </a:rPr>
+              <a:t>và</a:t>
+            </a:r>
+            <a:r>
+              <a:rPr lang="en-US" sz="1500" dirty="0" smtClean="0">
+                <a:latin typeface="Arial" panose="020B0604020202020204" pitchFamily="34" charset="0"/>
+                <a:cs typeface="Arial" panose="020B0604020202020204" pitchFamily="34" charset="0"/>
+              </a:rPr>
+              <a:t> </a:t>
+            </a:r>
+            <a:r>
+              <a:rPr lang="en-US" sz="1500" dirty="0" err="1" smtClean="0">
+                <a:latin typeface="Arial" panose="020B0604020202020204" pitchFamily="34" charset="0"/>
+                <a:cs typeface="Arial" panose="020B0604020202020204" pitchFamily="34" charset="0"/>
+              </a:rPr>
+              <a:t>loại</a:t>
+            </a:r>
+            <a:r>
+              <a:rPr lang="en-US" sz="1500" dirty="0" smtClean="0">
+                <a:latin typeface="Arial" panose="020B0604020202020204" pitchFamily="34" charset="0"/>
+                <a:cs typeface="Arial" panose="020B0604020202020204" pitchFamily="34" charset="0"/>
+              </a:rPr>
+              <a:t> </a:t>
+            </a:r>
+            <a:r>
+              <a:rPr lang="en-US" sz="1500" dirty="0" err="1" smtClean="0">
+                <a:latin typeface="Arial" panose="020B0604020202020204" pitchFamily="34" charset="0"/>
+                <a:cs typeface="Arial" panose="020B0604020202020204" pitchFamily="34" charset="0"/>
+              </a:rPr>
+              <a:t>bỏ</a:t>
+            </a:r>
+            <a:r>
+              <a:rPr lang="en-US" sz="1500" dirty="0" smtClean="0">
+                <a:latin typeface="Arial" panose="020B0604020202020204" pitchFamily="34" charset="0"/>
+                <a:cs typeface="Arial" panose="020B0604020202020204" pitchFamily="34" charset="0"/>
+              </a:rPr>
+              <a:t> </a:t>
+            </a:r>
+            <a:r>
+              <a:rPr lang="en-US" sz="1500" dirty="0" err="1" smtClean="0">
+                <a:latin typeface="Arial" panose="020B0604020202020204" pitchFamily="34" charset="0"/>
+                <a:cs typeface="Arial" panose="020B0604020202020204" pitchFamily="34" charset="0"/>
+              </a:rPr>
+              <a:t>các</a:t>
+            </a:r>
+            <a:r>
+              <a:rPr lang="en-US" sz="1500" dirty="0" smtClean="0">
+                <a:latin typeface="Arial" panose="020B0604020202020204" pitchFamily="34" charset="0"/>
+                <a:cs typeface="Arial" panose="020B0604020202020204" pitchFamily="34" charset="0"/>
+              </a:rPr>
+              <a:t> </a:t>
+            </a:r>
+            <a:r>
+              <a:rPr lang="en-US" sz="1500" dirty="0" err="1" smtClean="0">
+                <a:latin typeface="Arial" panose="020B0604020202020204" pitchFamily="34" charset="0"/>
+                <a:cs typeface="Arial" panose="020B0604020202020204" pitchFamily="34" charset="0"/>
+              </a:rPr>
+              <a:t>giá</a:t>
+            </a:r>
+            <a:r>
+              <a:rPr lang="en-US" sz="1500" dirty="0" smtClean="0">
+                <a:latin typeface="Arial" panose="020B0604020202020204" pitchFamily="34" charset="0"/>
+                <a:cs typeface="Arial" panose="020B0604020202020204" pitchFamily="34" charset="0"/>
+              </a:rPr>
+              <a:t> </a:t>
+            </a:r>
+            <a:r>
+              <a:rPr lang="en-US" sz="1500" dirty="0" err="1" smtClean="0">
+                <a:latin typeface="Arial" panose="020B0604020202020204" pitchFamily="34" charset="0"/>
+                <a:cs typeface="Arial" panose="020B0604020202020204" pitchFamily="34" charset="0"/>
+              </a:rPr>
+              <a:t>trị</a:t>
+            </a:r>
+            <a:r>
+              <a:rPr lang="en-US" sz="1500" dirty="0" smtClean="0">
+                <a:latin typeface="Arial" panose="020B0604020202020204" pitchFamily="34" charset="0"/>
+                <a:cs typeface="Arial" panose="020B0604020202020204" pitchFamily="34" charset="0"/>
+              </a:rPr>
+              <a:t> outline</a:t>
+            </a:r>
+          </a:p>
+        </p:txBody>
+      </p:sp>
+      <p:cxnSp>
+        <p:nvCxnSpPr>
+          <p:cNvPr id="9" name="Straight Connector 8"/>
+          <p:cNvCxnSpPr/>
+          <p:nvPr/>
+        </p:nvCxnSpPr>
+        <p:spPr>
+          <a:xfrm flipV="1">
+            <a:off x="864066" y="922789"/>
+            <a:ext cx="10981189" cy="16778"/>
+          </a:xfrm>
+          <a:prstGeom prst="line">
+            <a:avLst/>
+          </a:prstGeom>
+          <a:ln>
+            <a:solidFill>
+              <a:srgbClr val="C00000"/>
+            </a:solidFill>
+          </a:ln>
+        </p:spPr>
+        <p:style>
+          <a:lnRef idx="3">
+            <a:schemeClr val="accent1"/>
+          </a:lnRef>
+          <a:fillRef idx="0">
+            <a:schemeClr val="accent1"/>
+          </a:fillRef>
+          <a:effectRef idx="2">
+            <a:schemeClr val="accent1"/>
+          </a:effectRef>
+          <a:fontRef idx="minor">
+            <a:schemeClr val="tx1"/>
+          </a:fontRef>
+        </p:style>
+      </p:cxnSp>
+      <p:sp>
+        <p:nvSpPr>
+          <p:cNvPr id="10" name="Right Arrow 9"/>
+          <p:cNvSpPr/>
+          <p:nvPr/>
+        </p:nvSpPr>
+        <p:spPr>
+          <a:xfrm>
+            <a:off x="5567027" y="2822891"/>
+            <a:ext cx="906011" cy="1417739"/>
+          </a:xfrm>
+          <a:prstGeom prst="rightArrow">
+            <a:avLst/>
+          </a:prstGeom>
+        </p:spPr>
+        <p:style>
+          <a:lnRef idx="2">
+            <a:schemeClr val="accent1">
+              <a:shade val="50000"/>
+            </a:schemeClr>
+          </a:lnRef>
+          <a:fillRef idx="1">
+            <a:schemeClr val="accent1"/>
+          </a:fillRef>
+          <a:effectRef idx="0">
+            <a:schemeClr val="accent1"/>
+          </a:effectRef>
+          <a:fontRef idx="minor">
+            <a:schemeClr val="lt1"/>
+          </a:fontRef>
+        </p:style>
+        <p:txBody>
+          <a:bodyPr rtlCol="0" anchor="ctr"/>
+          <a:lstStyle/>
+          <a:p>
+            <a:pPr algn="ctr"/>
+            <a:endParaRPr lang="en-US"/>
+          </a:p>
+        </p:txBody>
+      </p:sp>
+      <p:pic>
+        <p:nvPicPr>
+          <p:cNvPr id="5" name="Picture 4"/>
+          <p:cNvPicPr>
+            <a:picLocks noChangeAspect="1"/>
+          </p:cNvPicPr>
+          <p:nvPr/>
+        </p:nvPicPr>
+        <p:blipFill>
+          <a:blip r:embed="rId2"/>
+          <a:stretch>
+            <a:fillRect/>
+          </a:stretch>
+        </p:blipFill>
+        <p:spPr>
+          <a:xfrm>
+            <a:off x="97233" y="1556156"/>
+            <a:ext cx="5422568" cy="3951215"/>
+          </a:xfrm>
+          <a:prstGeom prst="rect">
+            <a:avLst/>
+          </a:prstGeom>
+        </p:spPr>
+      </p:pic>
+      <p:pic>
+        <p:nvPicPr>
+          <p:cNvPr id="7" name="Picture 6"/>
+          <p:cNvPicPr>
+            <a:picLocks noChangeAspect="1"/>
+          </p:cNvPicPr>
+          <p:nvPr/>
+        </p:nvPicPr>
+        <p:blipFill>
+          <a:blip r:embed="rId3"/>
+          <a:stretch>
+            <a:fillRect/>
+          </a:stretch>
+        </p:blipFill>
+        <p:spPr>
+          <a:xfrm>
+            <a:off x="6520265" y="1556153"/>
+            <a:ext cx="5611474" cy="3951217"/>
+          </a:xfrm>
+          <a:prstGeom prst="rect">
+            <a:avLst/>
+          </a:prstGeom>
+        </p:spPr>
+      </p:pic>
+    </p:spTree>
+    <p:extLst>
+      <p:ext uri="{BB962C8B-B14F-4D97-AF65-F5344CB8AC3E}">
+        <p14:creationId xmlns:p14="http://schemas.microsoft.com/office/powerpoint/2010/main" val="3593045225"/>
+      </p:ext>
+    </p:extLst>
+  </p:cSld>
+  <p:clrMapOvr>
+    <a:masterClrMapping/>
+  </p:clrMapOvr>
+</p:sld>
+</file>
+
+<file path=ppt/slides/slide11.xml><?xml version="1.0" encoding="utf-8"?>
+<p:sld xmlns:a="http://schemas.openxmlformats.org/drawingml/2006/main" xmlns:r="http://schemas.openxmlformats.org/officeDocument/2006/relationships" xmlns:p="http://schemas.openxmlformats.org/presentationml/2006/main">
+  <p:cSld>
+    <p:spTree>
+      <p:nvGrpSpPr>
+        <p:cNvPr id="1" name=""/>
+        <p:cNvGrpSpPr/>
+        <p:nvPr/>
+      </p:nvGrpSpPr>
+      <p:grpSpPr>
+        <a:xfrm>
+          <a:off x="0" y="0"/>
+          <a:ext cx="0" cy="0"/>
+          <a:chOff x="0" y="0"/>
+          <a:chExt cx="0" cy="0"/>
+        </a:xfrm>
+      </p:grpSpPr>
+      <p:sp>
+        <p:nvSpPr>
+          <p:cNvPr id="2" name="Title 1"/>
+          <p:cNvSpPr txBox="1">
+            <a:spLocks/>
+          </p:cNvSpPr>
+          <p:nvPr/>
+        </p:nvSpPr>
+        <p:spPr>
+          <a:xfrm>
+            <a:off x="1088491" y="167780"/>
+            <a:ext cx="9605635" cy="857515"/>
+          </a:xfrm>
+          <a:prstGeom prst="rect">
+            <a:avLst/>
+          </a:prstGeom>
+        </p:spPr>
+        <p:txBody>
+          <a:bodyPr/>
+          <a:lstStyle>
+            <a:lvl1pPr algn="l" defTabSz="914400" rtl="0" eaLnBrk="1" latinLnBrk="0" hangingPunct="1">
+              <a:lnSpc>
+                <a:spcPct val="90000"/>
+              </a:lnSpc>
+              <a:spcBef>
+                <a:spcPct val="0"/>
+              </a:spcBef>
+              <a:buNone/>
+              <a:defRPr sz="3200" b="0" i="0" kern="1200" cap="all">
+                <a:solidFill>
+                  <a:schemeClr val="tx1"/>
+                </a:solidFill>
+                <a:effectLst/>
+                <a:latin typeface="+mj-lt"/>
+                <a:ea typeface="+mj-ea"/>
+                <a:cs typeface="+mj-cs"/>
+              </a:defRPr>
+            </a:lvl1pPr>
+          </a:lstStyle>
+          <a:p>
+            <a:r>
+              <a:rPr lang="en-US" dirty="0" err="1" smtClean="0">
+                <a:latin typeface="Arial" panose="020B0604020202020204" pitchFamily="34" charset="0"/>
+                <a:cs typeface="Arial" panose="020B0604020202020204" pitchFamily="34" charset="0"/>
+              </a:rPr>
+              <a:t>Xử</a:t>
+            </a:r>
+            <a:r>
+              <a:rPr lang="en-US" dirty="0" smtClean="0">
+                <a:latin typeface="Arial" panose="020B0604020202020204" pitchFamily="34" charset="0"/>
+                <a:cs typeface="Arial" panose="020B0604020202020204" pitchFamily="34" charset="0"/>
+              </a:rPr>
+              <a:t> </a:t>
+            </a:r>
+            <a:r>
+              <a:rPr lang="en-US" dirty="0" err="1" smtClean="0">
+                <a:latin typeface="Arial" panose="020B0604020202020204" pitchFamily="34" charset="0"/>
+                <a:cs typeface="Arial" panose="020B0604020202020204" pitchFamily="34" charset="0"/>
+              </a:rPr>
+              <a:t>lý</a:t>
+            </a:r>
+            <a:r>
+              <a:rPr lang="en-US" dirty="0" smtClean="0">
+                <a:latin typeface="Arial" panose="020B0604020202020204" pitchFamily="34" charset="0"/>
+                <a:cs typeface="Arial" panose="020B0604020202020204" pitchFamily="34" charset="0"/>
+              </a:rPr>
+              <a:t> </a:t>
+            </a:r>
+            <a:r>
+              <a:rPr lang="en-US" dirty="0" err="1" smtClean="0">
+                <a:latin typeface="Arial" panose="020B0604020202020204" pitchFamily="34" charset="0"/>
+                <a:cs typeface="Arial" panose="020B0604020202020204" pitchFamily="34" charset="0"/>
+              </a:rPr>
+              <a:t>dữ</a:t>
+            </a:r>
+            <a:r>
+              <a:rPr lang="en-US" dirty="0" smtClean="0">
+                <a:latin typeface="Arial" panose="020B0604020202020204" pitchFamily="34" charset="0"/>
+                <a:cs typeface="Arial" panose="020B0604020202020204" pitchFamily="34" charset="0"/>
+              </a:rPr>
+              <a:t> </a:t>
+            </a:r>
+            <a:r>
+              <a:rPr lang="en-US" dirty="0" err="1" smtClean="0">
+                <a:latin typeface="Arial" panose="020B0604020202020204" pitchFamily="34" charset="0"/>
+                <a:cs typeface="Arial" panose="020B0604020202020204" pitchFamily="34" charset="0"/>
+              </a:rPr>
+              <a:t>liệu</a:t>
+            </a:r>
+            <a:r>
+              <a:rPr lang="en-US" dirty="0" smtClean="0">
+                <a:latin typeface="Arial" panose="020B0604020202020204" pitchFamily="34" charset="0"/>
+                <a:cs typeface="Arial" panose="020B0604020202020204" pitchFamily="34" charset="0"/>
+              </a:rPr>
+              <a:t/>
+            </a:r>
+            <a:br>
+              <a:rPr lang="en-US" dirty="0" smtClean="0">
+                <a:latin typeface="Arial" panose="020B0604020202020204" pitchFamily="34" charset="0"/>
+                <a:cs typeface="Arial" panose="020B0604020202020204" pitchFamily="34" charset="0"/>
+              </a:rPr>
+            </a:br>
+            <a:r>
+              <a:rPr lang="en-US" sz="2000" dirty="0" err="1">
+                <a:latin typeface="Arial" panose="020B0604020202020204" pitchFamily="34" charset="0"/>
+                <a:cs typeface="Arial" panose="020B0604020202020204" pitchFamily="34" charset="0"/>
+              </a:rPr>
+              <a:t>Xử</a:t>
+            </a:r>
+            <a:r>
+              <a:rPr lang="en-US" sz="2000" dirty="0">
+                <a:latin typeface="Arial" panose="020B0604020202020204" pitchFamily="34" charset="0"/>
+                <a:cs typeface="Arial" panose="020B0604020202020204" pitchFamily="34" charset="0"/>
+              </a:rPr>
+              <a:t> </a:t>
+            </a:r>
+            <a:r>
+              <a:rPr lang="en-US" sz="2000" dirty="0" err="1">
+                <a:latin typeface="Arial" panose="020B0604020202020204" pitchFamily="34" charset="0"/>
+                <a:cs typeface="Arial" panose="020B0604020202020204" pitchFamily="34" charset="0"/>
+              </a:rPr>
+              <a:t>lý</a:t>
+            </a:r>
+            <a:r>
+              <a:rPr lang="en-US" sz="2000" dirty="0">
+                <a:latin typeface="Arial" panose="020B0604020202020204" pitchFamily="34" charset="0"/>
+                <a:cs typeface="Arial" panose="020B0604020202020204" pitchFamily="34" charset="0"/>
+              </a:rPr>
+              <a:t> </a:t>
+            </a:r>
+            <a:r>
+              <a:rPr lang="en-US" sz="2000" dirty="0" err="1">
+                <a:latin typeface="Arial" panose="020B0604020202020204" pitchFamily="34" charset="0"/>
+                <a:cs typeface="Arial" panose="020B0604020202020204" pitchFamily="34" charset="0"/>
+              </a:rPr>
+              <a:t>giá</a:t>
+            </a:r>
+            <a:r>
+              <a:rPr lang="en-US" sz="2000" dirty="0">
+                <a:latin typeface="Arial" panose="020B0604020202020204" pitchFamily="34" charset="0"/>
+                <a:cs typeface="Arial" panose="020B0604020202020204" pitchFamily="34" charset="0"/>
+              </a:rPr>
+              <a:t> </a:t>
+            </a:r>
+            <a:r>
+              <a:rPr lang="en-US" sz="2000" dirty="0" err="1">
+                <a:latin typeface="Arial" panose="020B0604020202020204" pitchFamily="34" charset="0"/>
+                <a:cs typeface="Arial" panose="020B0604020202020204" pitchFamily="34" charset="0"/>
+              </a:rPr>
+              <a:t>trị</a:t>
+            </a:r>
+            <a:r>
+              <a:rPr lang="en-US" sz="2000" dirty="0">
+                <a:latin typeface="Arial" panose="020B0604020202020204" pitchFamily="34" charset="0"/>
+                <a:cs typeface="Arial" panose="020B0604020202020204" pitchFamily="34" charset="0"/>
+              </a:rPr>
+              <a:t> </a:t>
+            </a:r>
+            <a:r>
+              <a:rPr lang="en-US" sz="2000" dirty="0" err="1">
+                <a:latin typeface="Arial" panose="020B0604020202020204" pitchFamily="34" charset="0"/>
+                <a:cs typeface="Arial" panose="020B0604020202020204" pitchFamily="34" charset="0"/>
+              </a:rPr>
+              <a:t>cột</a:t>
+            </a:r>
+            <a:r>
+              <a:rPr lang="en-US" sz="2000" dirty="0">
+                <a:latin typeface="Arial" panose="020B0604020202020204" pitchFamily="34" charset="0"/>
+                <a:cs typeface="Arial" panose="020B0604020202020204" pitchFamily="34" charset="0"/>
+              </a:rPr>
+              <a:t> </a:t>
+            </a:r>
+            <a:r>
+              <a:rPr lang="en-US" sz="2000" dirty="0" err="1" smtClean="0">
+                <a:latin typeface="Arial" panose="020B0604020202020204" pitchFamily="34" charset="0"/>
+                <a:cs typeface="Arial" panose="020B0604020202020204" pitchFamily="34" charset="0"/>
+              </a:rPr>
+              <a:t>yr_renovated</a:t>
+            </a:r>
+            <a:r>
+              <a:rPr lang="en-US" sz="2000" dirty="0" smtClean="0">
+                <a:latin typeface="Arial" panose="020B0604020202020204" pitchFamily="34" charset="0"/>
+                <a:cs typeface="Arial" panose="020B0604020202020204" pitchFamily="34" charset="0"/>
+              </a:rPr>
+              <a:t>, </a:t>
+            </a:r>
+            <a:r>
+              <a:rPr lang="en-US" sz="2000" dirty="0" err="1" smtClean="0">
+                <a:latin typeface="Arial" panose="020B0604020202020204" pitchFamily="34" charset="0"/>
+                <a:cs typeface="Arial" panose="020B0604020202020204" pitchFamily="34" charset="0"/>
+              </a:rPr>
+              <a:t>yr_built</a:t>
+            </a:r>
+            <a:endParaRPr lang="en-US" sz="2000" dirty="0">
+              <a:latin typeface="Arial" panose="020B0604020202020204" pitchFamily="34" charset="0"/>
+              <a:cs typeface="Arial" panose="020B0604020202020204" pitchFamily="34" charset="0"/>
+            </a:endParaRPr>
+          </a:p>
+        </p:txBody>
+      </p:sp>
+      <p:sp>
+        <p:nvSpPr>
+          <p:cNvPr id="3" name="Content Placeholder 2"/>
+          <p:cNvSpPr txBox="1">
+            <a:spLocks/>
+          </p:cNvSpPr>
+          <p:nvPr/>
+        </p:nvSpPr>
+        <p:spPr>
+          <a:xfrm>
+            <a:off x="1088491" y="1025296"/>
+            <a:ext cx="6335766" cy="1877296"/>
+          </a:xfrm>
+          <a:prstGeom prst="rect">
+            <a:avLst/>
+          </a:prstGeom>
+        </p:spPr>
+        <p:txBody>
+          <a:bodyPr/>
+          <a:lstStyle>
+            <a:lvl1pPr marL="228600" indent="-228600" algn="l" defTabSz="914400" rtl="0" eaLnBrk="1" latinLnBrk="0" hangingPunct="1">
+              <a:lnSpc>
+                <a:spcPct val="120000"/>
+              </a:lnSpc>
+              <a:spcBef>
+                <a:spcPts val="1000"/>
+              </a:spcBef>
+              <a:buClr>
+                <a:schemeClr val="accent1"/>
+              </a:buClr>
+              <a:buSzPct val="100000"/>
+              <a:buFont typeface="Arial" panose="020B0604020202020204" pitchFamily="34" charset="0"/>
+              <a:buChar char="•"/>
+              <a:defRPr sz="2000" kern="1200">
+                <a:solidFill>
+                  <a:schemeClr val="tx1"/>
+                </a:solidFill>
+                <a:effectLst/>
+                <a:latin typeface="+mn-lt"/>
+                <a:ea typeface="+mn-ea"/>
+                <a:cs typeface="+mn-cs"/>
+              </a:defRPr>
+            </a:lvl1pPr>
+            <a:lvl2pPr marL="685800" indent="-228600" algn="l" defTabSz="914400" rtl="0" eaLnBrk="1" latinLnBrk="0" hangingPunct="1">
+              <a:lnSpc>
+                <a:spcPct val="120000"/>
+              </a:lnSpc>
+              <a:spcBef>
+                <a:spcPts val="500"/>
+              </a:spcBef>
+              <a:buClr>
+                <a:schemeClr val="accent1"/>
+              </a:buClr>
+              <a:buSzPct val="100000"/>
+              <a:buFont typeface="Arial" panose="020B0604020202020204" pitchFamily="34" charset="0"/>
+              <a:buChar char="•"/>
+              <a:defRPr sz="1800" kern="1200" cap="none" baseline="0">
+                <a:solidFill>
+                  <a:schemeClr val="tx1"/>
+                </a:solidFill>
+                <a:effectLst/>
+                <a:latin typeface="+mn-lt"/>
+                <a:ea typeface="+mn-ea"/>
+                <a:cs typeface="+mn-cs"/>
+              </a:defRPr>
+            </a:lvl2pPr>
+            <a:lvl3pPr marL="1143000" indent="-228600" algn="l" defTabSz="914400" rtl="0" eaLnBrk="1" latinLnBrk="0" hangingPunct="1">
+              <a:lnSpc>
+                <a:spcPct val="120000"/>
+              </a:lnSpc>
+              <a:spcBef>
+                <a:spcPts val="500"/>
+              </a:spcBef>
+              <a:buClr>
+                <a:schemeClr val="accent1"/>
+              </a:buClr>
+              <a:buSzPct val="100000"/>
+              <a:buFont typeface="Arial" panose="020B0604020202020204" pitchFamily="34" charset="0"/>
+              <a:buChar char="•"/>
+              <a:defRPr sz="1600" kern="1200">
+                <a:solidFill>
+                  <a:schemeClr val="tx1"/>
+                </a:solidFill>
+                <a:effectLst/>
+                <a:latin typeface="+mn-lt"/>
+                <a:ea typeface="+mn-ea"/>
+                <a:cs typeface="+mn-cs"/>
+              </a:defRPr>
+            </a:lvl3pPr>
+            <a:lvl4pPr marL="1600200" indent="-228600" algn="l" defTabSz="914400" rtl="0" eaLnBrk="1" latinLnBrk="0" hangingPunct="1">
+              <a:lnSpc>
+                <a:spcPct val="120000"/>
+              </a:lnSpc>
+              <a:spcBef>
+                <a:spcPts val="500"/>
+              </a:spcBef>
+              <a:buClr>
+                <a:schemeClr val="accent1"/>
+              </a:buClr>
+              <a:buSzPct val="100000"/>
+              <a:buFont typeface="Arial" panose="020B0604020202020204" pitchFamily="34" charset="0"/>
+              <a:buChar char="•"/>
+              <a:defRPr sz="1400" kern="1200" cap="none" baseline="0">
+                <a:solidFill>
+                  <a:schemeClr val="tx1"/>
+                </a:solidFill>
+                <a:effectLst/>
+                <a:latin typeface="+mn-lt"/>
+                <a:ea typeface="+mn-ea"/>
+                <a:cs typeface="+mn-cs"/>
+              </a:defRPr>
+            </a:lvl4pPr>
+            <a:lvl5pPr marL="2057400" indent="-228600" algn="l" defTabSz="914400" rtl="0" eaLnBrk="1" latinLnBrk="0" hangingPunct="1">
+              <a:lnSpc>
+                <a:spcPct val="120000"/>
+              </a:lnSpc>
+              <a:spcBef>
+                <a:spcPts val="500"/>
+              </a:spcBef>
+              <a:buClr>
+                <a:schemeClr val="accent1"/>
+              </a:buClr>
+              <a:buSzPct val="100000"/>
+              <a:buFont typeface="Arial" panose="020B0604020202020204" pitchFamily="34" charset="0"/>
+              <a:buChar char="•"/>
+              <a:defRPr sz="1200" kern="1200">
+                <a:solidFill>
+                  <a:schemeClr val="tx1"/>
+                </a:solidFill>
+                <a:effectLst/>
+                <a:latin typeface="+mn-lt"/>
+                <a:ea typeface="+mn-ea"/>
+                <a:cs typeface="+mn-cs"/>
+              </a:defRPr>
+            </a:lvl5pPr>
+            <a:lvl6pPr marL="2514600" indent="-228600" algn="l" defTabSz="914400" rtl="0" eaLnBrk="1" latinLnBrk="0" hangingPunct="1">
+              <a:lnSpc>
+                <a:spcPct val="120000"/>
+              </a:lnSpc>
+              <a:spcBef>
+                <a:spcPts val="500"/>
+              </a:spcBef>
+              <a:buClr>
+                <a:schemeClr val="accent1"/>
+              </a:buClr>
+              <a:buSzPct val="100000"/>
+              <a:buFont typeface="Arial" panose="020B0604020202020204" pitchFamily="34" charset="0"/>
+              <a:buChar char="•"/>
+              <a:defRPr sz="1200" kern="1200">
+                <a:solidFill>
+                  <a:schemeClr val="tx1"/>
+                </a:solidFill>
+                <a:effectLst/>
+                <a:latin typeface="+mn-lt"/>
+                <a:ea typeface="+mn-ea"/>
+                <a:cs typeface="+mn-cs"/>
+              </a:defRPr>
+            </a:lvl6pPr>
+            <a:lvl7pPr marL="2971800" indent="-228600" algn="l" defTabSz="914400" rtl="0" eaLnBrk="1" latinLnBrk="0" hangingPunct="1">
+              <a:lnSpc>
+                <a:spcPct val="120000"/>
+              </a:lnSpc>
+              <a:spcBef>
+                <a:spcPts val="500"/>
+              </a:spcBef>
+              <a:buClr>
+                <a:schemeClr val="accent1"/>
+              </a:buClr>
+              <a:buSzPct val="100000"/>
+              <a:buFont typeface="Arial" panose="020B0604020202020204" pitchFamily="34" charset="0"/>
+              <a:buChar char="•"/>
+              <a:defRPr sz="1200" kern="1200">
+                <a:solidFill>
+                  <a:schemeClr val="tx1"/>
+                </a:solidFill>
+                <a:effectLst/>
+                <a:latin typeface="+mn-lt"/>
+                <a:ea typeface="+mn-ea"/>
+                <a:cs typeface="+mn-cs"/>
+              </a:defRPr>
+            </a:lvl7pPr>
+            <a:lvl8pPr marL="3429000" indent="-228600" algn="l" defTabSz="914400" rtl="0" eaLnBrk="1" latinLnBrk="0" hangingPunct="1">
+              <a:lnSpc>
+                <a:spcPct val="120000"/>
+              </a:lnSpc>
+              <a:spcBef>
+                <a:spcPts val="500"/>
+              </a:spcBef>
+              <a:buClr>
+                <a:schemeClr val="accent1"/>
+              </a:buClr>
+              <a:buSzPct val="100000"/>
+              <a:buFont typeface="Arial" panose="020B0604020202020204" pitchFamily="34" charset="0"/>
+              <a:buChar char="•"/>
+              <a:defRPr sz="1200" kern="1200" baseline="0">
+                <a:solidFill>
+                  <a:schemeClr val="tx1"/>
+                </a:solidFill>
+                <a:effectLst/>
+                <a:latin typeface="+mn-lt"/>
+                <a:ea typeface="+mn-ea"/>
+                <a:cs typeface="+mn-cs"/>
+              </a:defRPr>
+            </a:lvl8pPr>
+            <a:lvl9pPr marL="3886200" indent="-228600" algn="l" defTabSz="914400" rtl="0" eaLnBrk="1" latinLnBrk="0" hangingPunct="1">
+              <a:lnSpc>
+                <a:spcPct val="120000"/>
+              </a:lnSpc>
+              <a:spcBef>
+                <a:spcPts val="500"/>
+              </a:spcBef>
+              <a:buClr>
+                <a:schemeClr val="accent1"/>
+              </a:buClr>
+              <a:buSzPct val="100000"/>
+              <a:buFont typeface="Arial" panose="020B0604020202020204" pitchFamily="34" charset="0"/>
+              <a:buChar char="•"/>
+              <a:defRPr sz="1200" kern="1200" baseline="0">
+                <a:solidFill>
+                  <a:schemeClr val="tx1"/>
+                </a:solidFill>
+                <a:effectLst/>
+                <a:latin typeface="+mn-lt"/>
+                <a:ea typeface="+mn-ea"/>
+                <a:cs typeface="+mn-cs"/>
+              </a:defRPr>
+            </a:lvl9pPr>
+          </a:lstStyle>
+          <a:p>
+            <a:r>
+              <a:rPr lang="en-US" dirty="0" err="1">
+                <a:latin typeface="Arial" panose="020B0604020202020204" pitchFamily="34" charset="0"/>
+                <a:cs typeface="Arial" panose="020B0604020202020204" pitchFamily="34" charset="0"/>
+              </a:rPr>
+              <a:t>Chuyển</a:t>
+            </a:r>
+            <a:r>
+              <a:rPr lang="en-US" dirty="0">
+                <a:latin typeface="Arial" panose="020B0604020202020204" pitchFamily="34" charset="0"/>
+                <a:cs typeface="Arial" panose="020B0604020202020204" pitchFamily="34" charset="0"/>
+              </a:rPr>
+              <a:t> </a:t>
+            </a:r>
+            <a:r>
+              <a:rPr lang="en-US" dirty="0" err="1">
+                <a:latin typeface="Arial" panose="020B0604020202020204" pitchFamily="34" charset="0"/>
+                <a:cs typeface="Arial" panose="020B0604020202020204" pitchFamily="34" charset="0"/>
+              </a:rPr>
+              <a:t>đổi</a:t>
+            </a:r>
+            <a:r>
+              <a:rPr lang="en-US" dirty="0">
+                <a:latin typeface="Arial" panose="020B0604020202020204" pitchFamily="34" charset="0"/>
+                <a:cs typeface="Arial" panose="020B0604020202020204" pitchFamily="34" charset="0"/>
+              </a:rPr>
+              <a:t> </a:t>
+            </a:r>
+            <a:r>
+              <a:rPr lang="en-US" dirty="0" err="1">
+                <a:latin typeface="Arial" panose="020B0604020202020204" pitchFamily="34" charset="0"/>
+                <a:cs typeface="Arial" panose="020B0604020202020204" pitchFamily="34" charset="0"/>
+              </a:rPr>
+              <a:t>giá</a:t>
+            </a:r>
+            <a:r>
+              <a:rPr lang="en-US" dirty="0">
+                <a:latin typeface="Arial" panose="020B0604020202020204" pitchFamily="34" charset="0"/>
+                <a:cs typeface="Arial" panose="020B0604020202020204" pitchFamily="34" charset="0"/>
+              </a:rPr>
+              <a:t> </a:t>
+            </a:r>
+            <a:r>
+              <a:rPr lang="en-US" dirty="0" err="1">
+                <a:latin typeface="Arial" panose="020B0604020202020204" pitchFamily="34" charset="0"/>
+                <a:cs typeface="Arial" panose="020B0604020202020204" pitchFamily="34" charset="0"/>
+              </a:rPr>
+              <a:t>trị</a:t>
+            </a:r>
+            <a:r>
+              <a:rPr lang="en-US" dirty="0">
+                <a:latin typeface="Arial" panose="020B0604020202020204" pitchFamily="34" charset="0"/>
+                <a:cs typeface="Arial" panose="020B0604020202020204" pitchFamily="34" charset="0"/>
+              </a:rPr>
+              <a:t> </a:t>
+            </a:r>
+            <a:r>
+              <a:rPr lang="en-US" dirty="0" err="1">
+                <a:latin typeface="Arial" panose="020B0604020202020204" pitchFamily="34" charset="0"/>
+                <a:cs typeface="Arial" panose="020B0604020202020204" pitchFamily="34" charset="0"/>
+              </a:rPr>
+              <a:t>năm</a:t>
+            </a:r>
+            <a:r>
+              <a:rPr lang="en-US" dirty="0">
+                <a:latin typeface="Arial" panose="020B0604020202020204" pitchFamily="34" charset="0"/>
+                <a:cs typeface="Arial" panose="020B0604020202020204" pitchFamily="34" charset="0"/>
+              </a:rPr>
+              <a:t> </a:t>
+            </a:r>
+            <a:r>
+              <a:rPr lang="en-US" dirty="0" err="1">
+                <a:latin typeface="Arial" panose="020B0604020202020204" pitchFamily="34" charset="0"/>
+                <a:cs typeface="Arial" panose="020B0604020202020204" pitchFamily="34" charset="0"/>
+              </a:rPr>
+              <a:t>sửa</a:t>
+            </a:r>
+            <a:r>
+              <a:rPr lang="en-US" dirty="0">
+                <a:latin typeface="Arial" panose="020B0604020202020204" pitchFamily="34" charset="0"/>
+                <a:cs typeface="Arial" panose="020B0604020202020204" pitchFamily="34" charset="0"/>
+              </a:rPr>
+              <a:t> </a:t>
+            </a:r>
+            <a:r>
+              <a:rPr lang="en-US" dirty="0" err="1">
+                <a:latin typeface="Arial" panose="020B0604020202020204" pitchFamily="34" charset="0"/>
+                <a:cs typeface="Arial" panose="020B0604020202020204" pitchFamily="34" charset="0"/>
+              </a:rPr>
+              <a:t>chữa</a:t>
+            </a:r>
+            <a:r>
+              <a:rPr lang="en-US" dirty="0">
+                <a:latin typeface="Arial" panose="020B0604020202020204" pitchFamily="34" charset="0"/>
+                <a:cs typeface="Arial" panose="020B0604020202020204" pitchFamily="34" charset="0"/>
+              </a:rPr>
+              <a:t> </a:t>
+            </a:r>
+            <a:r>
+              <a:rPr lang="en-US" dirty="0" err="1">
+                <a:latin typeface="Arial" panose="020B0604020202020204" pitchFamily="34" charset="0"/>
+                <a:cs typeface="Arial" panose="020B0604020202020204" pitchFamily="34" charset="0"/>
+              </a:rPr>
+              <a:t>thành</a:t>
+            </a:r>
+            <a:r>
+              <a:rPr lang="en-US" dirty="0">
+                <a:latin typeface="Arial" panose="020B0604020202020204" pitchFamily="34" charset="0"/>
+                <a:cs typeface="Arial" panose="020B0604020202020204" pitchFamily="34" charset="0"/>
+              </a:rPr>
+              <a:t> </a:t>
+            </a:r>
+            <a:r>
+              <a:rPr lang="en-US" dirty="0" err="1">
+                <a:latin typeface="Arial" panose="020B0604020202020204" pitchFamily="34" charset="0"/>
+                <a:cs typeface="Arial" panose="020B0604020202020204" pitchFamily="34" charset="0"/>
+              </a:rPr>
+              <a:t>giá</a:t>
+            </a:r>
+            <a:r>
+              <a:rPr lang="en-US" dirty="0">
+                <a:latin typeface="Arial" panose="020B0604020202020204" pitchFamily="34" charset="0"/>
+                <a:cs typeface="Arial" panose="020B0604020202020204" pitchFamily="34" charset="0"/>
+              </a:rPr>
+              <a:t> </a:t>
+            </a:r>
+            <a:r>
+              <a:rPr lang="en-US" dirty="0" err="1">
+                <a:latin typeface="Arial" panose="020B0604020202020204" pitchFamily="34" charset="0"/>
+                <a:cs typeface="Arial" panose="020B0604020202020204" pitchFamily="34" charset="0"/>
+              </a:rPr>
+              <a:t>trị</a:t>
+            </a:r>
+            <a:r>
+              <a:rPr lang="en-US" dirty="0">
+                <a:latin typeface="Arial" panose="020B0604020202020204" pitchFamily="34" charset="0"/>
+                <a:cs typeface="Arial" panose="020B0604020202020204" pitchFamily="34" charset="0"/>
+              </a:rPr>
+              <a:t> </a:t>
+            </a:r>
+            <a:r>
+              <a:rPr lang="en-US" dirty="0" err="1">
+                <a:latin typeface="Arial" panose="020B0604020202020204" pitchFamily="34" charset="0"/>
+                <a:cs typeface="Arial" panose="020B0604020202020204" pitchFamily="34" charset="0"/>
+              </a:rPr>
+              <a:t>catergory</a:t>
+            </a:r>
+            <a:endParaRPr lang="en-US" dirty="0">
+              <a:latin typeface="Arial" panose="020B0604020202020204" pitchFamily="34" charset="0"/>
+              <a:cs typeface="Arial" panose="020B0604020202020204" pitchFamily="34" charset="0"/>
+            </a:endParaRPr>
+          </a:p>
+          <a:p>
+            <a:r>
+              <a:rPr lang="en-US" dirty="0" err="1">
+                <a:latin typeface="Arial" panose="020B0604020202020204" pitchFamily="34" charset="0"/>
+                <a:cs typeface="Arial" panose="020B0604020202020204" pitchFamily="34" charset="0"/>
+              </a:rPr>
+              <a:t>Nếu</a:t>
+            </a:r>
+            <a:r>
+              <a:rPr lang="en-US" dirty="0">
+                <a:latin typeface="Arial" panose="020B0604020202020204" pitchFamily="34" charset="0"/>
+                <a:cs typeface="Arial" panose="020B0604020202020204" pitchFamily="34" charset="0"/>
+              </a:rPr>
+              <a:t> </a:t>
+            </a:r>
+            <a:r>
+              <a:rPr lang="en-US" dirty="0" err="1">
+                <a:latin typeface="Arial" panose="020B0604020202020204" pitchFamily="34" charset="0"/>
+                <a:cs typeface="Arial" panose="020B0604020202020204" pitchFamily="34" charset="0"/>
+              </a:rPr>
+              <a:t>nhà</a:t>
+            </a:r>
+            <a:r>
+              <a:rPr lang="en-US" dirty="0">
+                <a:latin typeface="Arial" panose="020B0604020202020204" pitchFamily="34" charset="0"/>
+                <a:cs typeface="Arial" panose="020B0604020202020204" pitchFamily="34" charset="0"/>
+              </a:rPr>
+              <a:t> </a:t>
+            </a:r>
+            <a:r>
+              <a:rPr lang="en-US" dirty="0" err="1">
+                <a:latin typeface="Arial" panose="020B0604020202020204" pitchFamily="34" charset="0"/>
+                <a:cs typeface="Arial" panose="020B0604020202020204" pitchFamily="34" charset="0"/>
+              </a:rPr>
+              <a:t>đã</a:t>
+            </a:r>
+            <a:r>
+              <a:rPr lang="en-US" dirty="0">
+                <a:latin typeface="Arial" panose="020B0604020202020204" pitchFamily="34" charset="0"/>
+                <a:cs typeface="Arial" panose="020B0604020202020204" pitchFamily="34" charset="0"/>
+              </a:rPr>
+              <a:t> qua </a:t>
+            </a:r>
+            <a:r>
+              <a:rPr lang="en-US" dirty="0" err="1">
+                <a:latin typeface="Arial" panose="020B0604020202020204" pitchFamily="34" charset="0"/>
+                <a:cs typeface="Arial" panose="020B0604020202020204" pitchFamily="34" charset="0"/>
+              </a:rPr>
+              <a:t>sửa</a:t>
+            </a:r>
+            <a:r>
+              <a:rPr lang="en-US" dirty="0">
+                <a:latin typeface="Arial" panose="020B0604020202020204" pitchFamily="34" charset="0"/>
+                <a:cs typeface="Arial" panose="020B0604020202020204" pitchFamily="34" charset="0"/>
+              </a:rPr>
+              <a:t> </a:t>
+            </a:r>
+            <a:r>
+              <a:rPr lang="en-US" dirty="0" err="1">
+                <a:latin typeface="Arial" panose="020B0604020202020204" pitchFamily="34" charset="0"/>
+                <a:cs typeface="Arial" panose="020B0604020202020204" pitchFamily="34" charset="0"/>
+              </a:rPr>
+              <a:t>chữa</a:t>
+            </a:r>
+            <a:r>
+              <a:rPr lang="en-US" dirty="0">
+                <a:latin typeface="Arial" panose="020B0604020202020204" pitchFamily="34" charset="0"/>
+                <a:cs typeface="Arial" panose="020B0604020202020204" pitchFamily="34" charset="0"/>
+              </a:rPr>
+              <a:t> </a:t>
+            </a:r>
+            <a:r>
+              <a:rPr lang="en-US" dirty="0" err="1">
+                <a:latin typeface="Arial" panose="020B0604020202020204" pitchFamily="34" charset="0"/>
+                <a:cs typeface="Arial" panose="020B0604020202020204" pitchFamily="34" charset="0"/>
+              </a:rPr>
+              <a:t>sẽ</a:t>
+            </a:r>
+            <a:r>
+              <a:rPr lang="en-US" dirty="0">
+                <a:latin typeface="Arial" panose="020B0604020202020204" pitchFamily="34" charset="0"/>
+                <a:cs typeface="Arial" panose="020B0604020202020204" pitchFamily="34" charset="0"/>
+              </a:rPr>
+              <a:t> </a:t>
+            </a:r>
+            <a:r>
+              <a:rPr lang="en-US" dirty="0" err="1">
+                <a:latin typeface="Arial" panose="020B0604020202020204" pitchFamily="34" charset="0"/>
+                <a:cs typeface="Arial" panose="020B0604020202020204" pitchFamily="34" charset="0"/>
+              </a:rPr>
+              <a:t>là</a:t>
+            </a:r>
+            <a:r>
+              <a:rPr lang="en-US" dirty="0">
+                <a:latin typeface="Arial" panose="020B0604020202020204" pitchFamily="34" charset="0"/>
+                <a:cs typeface="Arial" panose="020B0604020202020204" pitchFamily="34" charset="0"/>
+              </a:rPr>
+              <a:t> </a:t>
+            </a:r>
+            <a:r>
+              <a:rPr lang="en-US" dirty="0" err="1">
+                <a:latin typeface="Arial" panose="020B0604020202020204" pitchFamily="34" charset="0"/>
+                <a:cs typeface="Arial" panose="020B0604020202020204" pitchFamily="34" charset="0"/>
+              </a:rPr>
+              <a:t>giá</a:t>
+            </a:r>
+            <a:r>
+              <a:rPr lang="en-US" dirty="0">
+                <a:latin typeface="Arial" panose="020B0604020202020204" pitchFamily="34" charset="0"/>
+                <a:cs typeface="Arial" panose="020B0604020202020204" pitchFamily="34" charset="0"/>
+              </a:rPr>
+              <a:t> </a:t>
+            </a:r>
+            <a:r>
+              <a:rPr lang="en-US" dirty="0" err="1">
+                <a:latin typeface="Arial" panose="020B0604020202020204" pitchFamily="34" charset="0"/>
+                <a:cs typeface="Arial" panose="020B0604020202020204" pitchFamily="34" charset="0"/>
+              </a:rPr>
+              <a:t>trị</a:t>
+            </a:r>
+            <a:r>
+              <a:rPr lang="en-US" dirty="0">
+                <a:latin typeface="Arial" panose="020B0604020202020204" pitchFamily="34" charset="0"/>
+                <a:cs typeface="Arial" panose="020B0604020202020204" pitchFamily="34" charset="0"/>
+              </a:rPr>
+              <a:t> 1, </a:t>
+            </a:r>
+            <a:r>
+              <a:rPr lang="en-US" dirty="0" err="1">
+                <a:latin typeface="Arial" panose="020B0604020202020204" pitchFamily="34" charset="0"/>
+                <a:cs typeface="Arial" panose="020B0604020202020204" pitchFamily="34" charset="0"/>
+              </a:rPr>
+              <a:t>và</a:t>
+            </a:r>
+            <a:r>
+              <a:rPr lang="en-US" dirty="0">
+                <a:latin typeface="Arial" panose="020B0604020202020204" pitchFamily="34" charset="0"/>
+                <a:cs typeface="Arial" panose="020B0604020202020204" pitchFamily="34" charset="0"/>
+              </a:rPr>
+              <a:t> </a:t>
+            </a:r>
+            <a:r>
+              <a:rPr lang="en-US" dirty="0" err="1">
+                <a:latin typeface="Arial" panose="020B0604020202020204" pitchFamily="34" charset="0"/>
+                <a:cs typeface="Arial" panose="020B0604020202020204" pitchFamily="34" charset="0"/>
+              </a:rPr>
+              <a:t>nếu</a:t>
+            </a:r>
+            <a:r>
+              <a:rPr lang="en-US" dirty="0">
+                <a:latin typeface="Arial" panose="020B0604020202020204" pitchFamily="34" charset="0"/>
+                <a:cs typeface="Arial" panose="020B0604020202020204" pitchFamily="34" charset="0"/>
+              </a:rPr>
+              <a:t> </a:t>
+            </a:r>
+            <a:r>
+              <a:rPr lang="en-US" dirty="0" err="1">
+                <a:latin typeface="Arial" panose="020B0604020202020204" pitchFamily="34" charset="0"/>
+                <a:cs typeface="Arial" panose="020B0604020202020204" pitchFamily="34" charset="0"/>
+              </a:rPr>
+              <a:t>chưa</a:t>
+            </a:r>
+            <a:r>
+              <a:rPr lang="en-US" dirty="0">
+                <a:latin typeface="Arial" panose="020B0604020202020204" pitchFamily="34" charset="0"/>
+                <a:cs typeface="Arial" panose="020B0604020202020204" pitchFamily="34" charset="0"/>
+              </a:rPr>
+              <a:t> qua </a:t>
+            </a:r>
+            <a:r>
+              <a:rPr lang="en-US" dirty="0" err="1">
+                <a:latin typeface="Arial" panose="020B0604020202020204" pitchFamily="34" charset="0"/>
+                <a:cs typeface="Arial" panose="020B0604020202020204" pitchFamily="34" charset="0"/>
+              </a:rPr>
+              <a:t>sửa</a:t>
+            </a:r>
+            <a:r>
+              <a:rPr lang="en-US" dirty="0">
+                <a:latin typeface="Arial" panose="020B0604020202020204" pitchFamily="34" charset="0"/>
+                <a:cs typeface="Arial" panose="020B0604020202020204" pitchFamily="34" charset="0"/>
+              </a:rPr>
+              <a:t> </a:t>
+            </a:r>
+            <a:r>
+              <a:rPr lang="en-US" dirty="0" err="1">
+                <a:latin typeface="Arial" panose="020B0604020202020204" pitchFamily="34" charset="0"/>
+                <a:cs typeface="Arial" panose="020B0604020202020204" pitchFamily="34" charset="0"/>
+              </a:rPr>
+              <a:t>chữa</a:t>
+            </a:r>
+            <a:r>
+              <a:rPr lang="en-US" dirty="0">
+                <a:latin typeface="Arial" panose="020B0604020202020204" pitchFamily="34" charset="0"/>
+                <a:cs typeface="Arial" panose="020B0604020202020204" pitchFamily="34" charset="0"/>
+              </a:rPr>
+              <a:t> </a:t>
+            </a:r>
+            <a:r>
+              <a:rPr lang="en-US" dirty="0" err="1">
+                <a:latin typeface="Arial" panose="020B0604020202020204" pitchFamily="34" charset="0"/>
+                <a:cs typeface="Arial" panose="020B0604020202020204" pitchFamily="34" charset="0"/>
+              </a:rPr>
+              <a:t>là</a:t>
+            </a:r>
+            <a:r>
+              <a:rPr lang="en-US" dirty="0">
+                <a:latin typeface="Arial" panose="020B0604020202020204" pitchFamily="34" charset="0"/>
+                <a:cs typeface="Arial" panose="020B0604020202020204" pitchFamily="34" charset="0"/>
+              </a:rPr>
+              <a:t> 0</a:t>
+            </a:r>
+            <a:endParaRPr lang="en-US" dirty="0">
+              <a:latin typeface="Arial" panose="020B0604020202020204" pitchFamily="34" charset="0"/>
+              <a:cs typeface="Arial" panose="020B0604020202020204" pitchFamily="34" charset="0"/>
+            </a:endParaRPr>
+          </a:p>
+        </p:txBody>
+      </p:sp>
+      <p:cxnSp>
+        <p:nvCxnSpPr>
+          <p:cNvPr id="9" name="Straight Connector 8"/>
+          <p:cNvCxnSpPr/>
+          <p:nvPr/>
+        </p:nvCxnSpPr>
+        <p:spPr>
+          <a:xfrm flipV="1">
+            <a:off x="864066" y="922789"/>
+            <a:ext cx="10981189" cy="16778"/>
+          </a:xfrm>
+          <a:prstGeom prst="line">
+            <a:avLst/>
+          </a:prstGeom>
+          <a:ln>
+            <a:solidFill>
+              <a:srgbClr val="C00000"/>
+            </a:solidFill>
+          </a:ln>
+        </p:spPr>
+        <p:style>
+          <a:lnRef idx="3">
+            <a:schemeClr val="accent1"/>
+          </a:lnRef>
+          <a:fillRef idx="0">
+            <a:schemeClr val="accent1"/>
+          </a:fillRef>
+          <a:effectRef idx="2">
+            <a:schemeClr val="accent1"/>
+          </a:effectRef>
+          <a:fontRef idx="minor">
+            <a:schemeClr val="tx1"/>
+          </a:fontRef>
+        </p:style>
+      </p:cxnSp>
+      <p:pic>
+        <p:nvPicPr>
+          <p:cNvPr id="5" name="Picture 4"/>
+          <p:cNvPicPr>
+            <a:picLocks noChangeAspect="1"/>
+          </p:cNvPicPr>
+          <p:nvPr/>
+        </p:nvPicPr>
+        <p:blipFill>
+          <a:blip r:embed="rId2"/>
+          <a:stretch>
+            <a:fillRect/>
+          </a:stretch>
+        </p:blipFill>
+        <p:spPr>
+          <a:xfrm>
+            <a:off x="8028264" y="1025296"/>
+            <a:ext cx="3741490" cy="2783308"/>
+          </a:xfrm>
+          <a:prstGeom prst="rect">
+            <a:avLst/>
+          </a:prstGeom>
+        </p:spPr>
+      </p:pic>
+      <p:pic>
+        <p:nvPicPr>
+          <p:cNvPr id="6" name="Picture 5"/>
+          <p:cNvPicPr>
+            <a:picLocks noChangeAspect="1"/>
+          </p:cNvPicPr>
+          <p:nvPr/>
+        </p:nvPicPr>
+        <p:blipFill>
+          <a:blip r:embed="rId3"/>
+          <a:stretch>
+            <a:fillRect/>
+          </a:stretch>
+        </p:blipFill>
+        <p:spPr>
+          <a:xfrm>
+            <a:off x="8028264" y="3894333"/>
+            <a:ext cx="3741491" cy="2862631"/>
+          </a:xfrm>
+          <a:prstGeom prst="rect">
+            <a:avLst/>
+          </a:prstGeom>
+        </p:spPr>
+      </p:pic>
+      <p:sp>
+        <p:nvSpPr>
+          <p:cNvPr id="11" name="Content Placeholder 2"/>
+          <p:cNvSpPr txBox="1">
+            <a:spLocks/>
+          </p:cNvSpPr>
+          <p:nvPr/>
+        </p:nvSpPr>
+        <p:spPr>
+          <a:xfrm>
+            <a:off x="1088491" y="3808603"/>
+            <a:ext cx="6335766" cy="2340527"/>
+          </a:xfrm>
+          <a:prstGeom prst="rect">
+            <a:avLst/>
+          </a:prstGeom>
+        </p:spPr>
+        <p:txBody>
+          <a:bodyPr/>
+          <a:lstStyle>
+            <a:lvl1pPr marL="228600" indent="-228600" algn="l" defTabSz="914400" rtl="0" eaLnBrk="1" latinLnBrk="0" hangingPunct="1">
+              <a:lnSpc>
+                <a:spcPct val="120000"/>
+              </a:lnSpc>
+              <a:spcBef>
+                <a:spcPts val="1000"/>
+              </a:spcBef>
+              <a:buClr>
+                <a:schemeClr val="accent1"/>
+              </a:buClr>
+              <a:buSzPct val="100000"/>
+              <a:buFont typeface="Arial" panose="020B0604020202020204" pitchFamily="34" charset="0"/>
+              <a:buChar char="•"/>
+              <a:defRPr sz="2000" kern="1200">
+                <a:solidFill>
+                  <a:schemeClr val="tx1"/>
+                </a:solidFill>
+                <a:effectLst/>
+                <a:latin typeface="+mn-lt"/>
+                <a:ea typeface="+mn-ea"/>
+                <a:cs typeface="+mn-cs"/>
+              </a:defRPr>
+            </a:lvl1pPr>
+            <a:lvl2pPr marL="685800" indent="-228600" algn="l" defTabSz="914400" rtl="0" eaLnBrk="1" latinLnBrk="0" hangingPunct="1">
+              <a:lnSpc>
+                <a:spcPct val="120000"/>
+              </a:lnSpc>
+              <a:spcBef>
+                <a:spcPts val="500"/>
+              </a:spcBef>
+              <a:buClr>
+                <a:schemeClr val="accent1"/>
+              </a:buClr>
+              <a:buSzPct val="100000"/>
+              <a:buFont typeface="Arial" panose="020B0604020202020204" pitchFamily="34" charset="0"/>
+              <a:buChar char="•"/>
+              <a:defRPr sz="1800" kern="1200" cap="none" baseline="0">
+                <a:solidFill>
+                  <a:schemeClr val="tx1"/>
+                </a:solidFill>
+                <a:effectLst/>
+                <a:latin typeface="+mn-lt"/>
+                <a:ea typeface="+mn-ea"/>
+                <a:cs typeface="+mn-cs"/>
+              </a:defRPr>
+            </a:lvl2pPr>
+            <a:lvl3pPr marL="1143000" indent="-228600" algn="l" defTabSz="914400" rtl="0" eaLnBrk="1" latinLnBrk="0" hangingPunct="1">
+              <a:lnSpc>
+                <a:spcPct val="120000"/>
+              </a:lnSpc>
+              <a:spcBef>
+                <a:spcPts val="500"/>
+              </a:spcBef>
+              <a:buClr>
+                <a:schemeClr val="accent1"/>
+              </a:buClr>
+              <a:buSzPct val="100000"/>
+              <a:buFont typeface="Arial" panose="020B0604020202020204" pitchFamily="34" charset="0"/>
+              <a:buChar char="•"/>
+              <a:defRPr sz="1600" kern="1200">
+                <a:solidFill>
+                  <a:schemeClr val="tx1"/>
+                </a:solidFill>
+                <a:effectLst/>
+                <a:latin typeface="+mn-lt"/>
+                <a:ea typeface="+mn-ea"/>
+                <a:cs typeface="+mn-cs"/>
+              </a:defRPr>
+            </a:lvl3pPr>
+            <a:lvl4pPr marL="1600200" indent="-228600" algn="l" defTabSz="914400" rtl="0" eaLnBrk="1" latinLnBrk="0" hangingPunct="1">
+              <a:lnSpc>
+                <a:spcPct val="120000"/>
+              </a:lnSpc>
+              <a:spcBef>
+                <a:spcPts val="500"/>
+              </a:spcBef>
+              <a:buClr>
+                <a:schemeClr val="accent1"/>
+              </a:buClr>
+              <a:buSzPct val="100000"/>
+              <a:buFont typeface="Arial" panose="020B0604020202020204" pitchFamily="34" charset="0"/>
+              <a:buChar char="•"/>
+              <a:defRPr sz="1400" kern="1200" cap="none" baseline="0">
+                <a:solidFill>
+                  <a:schemeClr val="tx1"/>
+                </a:solidFill>
+                <a:effectLst/>
+                <a:latin typeface="+mn-lt"/>
+                <a:ea typeface="+mn-ea"/>
+                <a:cs typeface="+mn-cs"/>
+              </a:defRPr>
+            </a:lvl4pPr>
+            <a:lvl5pPr marL="2057400" indent="-228600" algn="l" defTabSz="914400" rtl="0" eaLnBrk="1" latinLnBrk="0" hangingPunct="1">
+              <a:lnSpc>
+                <a:spcPct val="120000"/>
+              </a:lnSpc>
+              <a:spcBef>
+                <a:spcPts val="500"/>
+              </a:spcBef>
+              <a:buClr>
+                <a:schemeClr val="accent1"/>
+              </a:buClr>
+              <a:buSzPct val="100000"/>
+              <a:buFont typeface="Arial" panose="020B0604020202020204" pitchFamily="34" charset="0"/>
+              <a:buChar char="•"/>
+              <a:defRPr sz="1200" kern="1200">
+                <a:solidFill>
+                  <a:schemeClr val="tx1"/>
+                </a:solidFill>
+                <a:effectLst/>
+                <a:latin typeface="+mn-lt"/>
+                <a:ea typeface="+mn-ea"/>
+                <a:cs typeface="+mn-cs"/>
+              </a:defRPr>
+            </a:lvl5pPr>
+            <a:lvl6pPr marL="2514600" indent="-228600" algn="l" defTabSz="914400" rtl="0" eaLnBrk="1" latinLnBrk="0" hangingPunct="1">
+              <a:lnSpc>
+                <a:spcPct val="120000"/>
+              </a:lnSpc>
+              <a:spcBef>
+                <a:spcPts val="500"/>
+              </a:spcBef>
+              <a:buClr>
+                <a:schemeClr val="accent1"/>
+              </a:buClr>
+              <a:buSzPct val="100000"/>
+              <a:buFont typeface="Arial" panose="020B0604020202020204" pitchFamily="34" charset="0"/>
+              <a:buChar char="•"/>
+              <a:defRPr sz="1200" kern="1200">
+                <a:solidFill>
+                  <a:schemeClr val="tx1"/>
+                </a:solidFill>
+                <a:effectLst/>
+                <a:latin typeface="+mn-lt"/>
+                <a:ea typeface="+mn-ea"/>
+                <a:cs typeface="+mn-cs"/>
+              </a:defRPr>
+            </a:lvl6pPr>
+            <a:lvl7pPr marL="2971800" indent="-228600" algn="l" defTabSz="914400" rtl="0" eaLnBrk="1" latinLnBrk="0" hangingPunct="1">
+              <a:lnSpc>
+                <a:spcPct val="120000"/>
+              </a:lnSpc>
+              <a:spcBef>
+                <a:spcPts val="500"/>
+              </a:spcBef>
+              <a:buClr>
+                <a:schemeClr val="accent1"/>
+              </a:buClr>
+              <a:buSzPct val="100000"/>
+              <a:buFont typeface="Arial" panose="020B0604020202020204" pitchFamily="34" charset="0"/>
+              <a:buChar char="•"/>
+              <a:defRPr sz="1200" kern="1200">
+                <a:solidFill>
+                  <a:schemeClr val="tx1"/>
+                </a:solidFill>
+                <a:effectLst/>
+                <a:latin typeface="+mn-lt"/>
+                <a:ea typeface="+mn-ea"/>
+                <a:cs typeface="+mn-cs"/>
+              </a:defRPr>
+            </a:lvl7pPr>
+            <a:lvl8pPr marL="3429000" indent="-228600" algn="l" defTabSz="914400" rtl="0" eaLnBrk="1" latinLnBrk="0" hangingPunct="1">
+              <a:lnSpc>
+                <a:spcPct val="120000"/>
+              </a:lnSpc>
+              <a:spcBef>
+                <a:spcPts val="500"/>
+              </a:spcBef>
+              <a:buClr>
+                <a:schemeClr val="accent1"/>
+              </a:buClr>
+              <a:buSzPct val="100000"/>
+              <a:buFont typeface="Arial" panose="020B0604020202020204" pitchFamily="34" charset="0"/>
+              <a:buChar char="•"/>
+              <a:defRPr sz="1200" kern="1200" baseline="0">
+                <a:solidFill>
+                  <a:schemeClr val="tx1"/>
+                </a:solidFill>
+                <a:effectLst/>
+                <a:latin typeface="+mn-lt"/>
+                <a:ea typeface="+mn-ea"/>
+                <a:cs typeface="+mn-cs"/>
+              </a:defRPr>
+            </a:lvl8pPr>
+            <a:lvl9pPr marL="3886200" indent="-228600" algn="l" defTabSz="914400" rtl="0" eaLnBrk="1" latinLnBrk="0" hangingPunct="1">
+              <a:lnSpc>
+                <a:spcPct val="120000"/>
+              </a:lnSpc>
+              <a:spcBef>
+                <a:spcPts val="500"/>
+              </a:spcBef>
+              <a:buClr>
+                <a:schemeClr val="accent1"/>
+              </a:buClr>
+              <a:buSzPct val="100000"/>
+              <a:buFont typeface="Arial" panose="020B0604020202020204" pitchFamily="34" charset="0"/>
+              <a:buChar char="•"/>
+              <a:defRPr sz="1200" kern="1200" baseline="0">
+                <a:solidFill>
+                  <a:schemeClr val="tx1"/>
+                </a:solidFill>
+                <a:effectLst/>
+                <a:latin typeface="+mn-lt"/>
+                <a:ea typeface="+mn-ea"/>
+                <a:cs typeface="+mn-cs"/>
+              </a:defRPr>
+            </a:lvl9pPr>
+          </a:lstStyle>
+          <a:p>
+            <a:r>
+              <a:rPr lang="en-US" dirty="0" err="1" smtClean="0">
+                <a:latin typeface="Arial" panose="020B0604020202020204" pitchFamily="34" charset="0"/>
+                <a:cs typeface="Arial" panose="020B0604020202020204" pitchFamily="34" charset="0"/>
+              </a:rPr>
+              <a:t>Đối</a:t>
+            </a:r>
+            <a:r>
+              <a:rPr lang="en-US" dirty="0" smtClean="0">
+                <a:latin typeface="Arial" panose="020B0604020202020204" pitchFamily="34" charset="0"/>
+                <a:cs typeface="Arial" panose="020B0604020202020204" pitchFamily="34" charset="0"/>
+              </a:rPr>
+              <a:t> </a:t>
+            </a:r>
+            <a:r>
+              <a:rPr lang="en-US" dirty="0" err="1" smtClean="0">
+                <a:latin typeface="Arial" panose="020B0604020202020204" pitchFamily="34" charset="0"/>
+                <a:cs typeface="Arial" panose="020B0604020202020204" pitchFamily="34" charset="0"/>
+              </a:rPr>
+              <a:t>với</a:t>
+            </a:r>
+            <a:r>
+              <a:rPr lang="en-US" dirty="0" smtClean="0">
+                <a:latin typeface="Arial" panose="020B0604020202020204" pitchFamily="34" charset="0"/>
+                <a:cs typeface="Arial" panose="020B0604020202020204" pitchFamily="34" charset="0"/>
+              </a:rPr>
+              <a:t> </a:t>
+            </a:r>
+            <a:r>
+              <a:rPr lang="en-US" dirty="0" err="1" smtClean="0">
+                <a:latin typeface="Arial" panose="020B0604020202020204" pitchFamily="34" charset="0"/>
+                <a:cs typeface="Arial" panose="020B0604020202020204" pitchFamily="34" charset="0"/>
+              </a:rPr>
+              <a:t>fearture</a:t>
+            </a:r>
+            <a:r>
+              <a:rPr lang="en-US" dirty="0" smtClean="0">
+                <a:latin typeface="Arial" panose="020B0604020202020204" pitchFamily="34" charset="0"/>
+                <a:cs typeface="Arial" panose="020B0604020202020204" pitchFamily="34" charset="0"/>
+              </a:rPr>
+              <a:t> </a:t>
+            </a:r>
+            <a:r>
+              <a:rPr lang="en-US" dirty="0" err="1" smtClean="0">
+                <a:latin typeface="Arial" panose="020B0604020202020204" pitchFamily="34" charset="0"/>
+                <a:cs typeface="Arial" panose="020B0604020202020204" pitchFamily="34" charset="0"/>
+              </a:rPr>
+              <a:t>yr_built</a:t>
+            </a:r>
+            <a:r>
+              <a:rPr lang="en-US" dirty="0" smtClean="0">
+                <a:latin typeface="Arial" panose="020B0604020202020204" pitchFamily="34" charset="0"/>
+                <a:cs typeface="Arial" panose="020B0604020202020204" pitchFamily="34" charset="0"/>
+              </a:rPr>
+              <a:t> </a:t>
+            </a:r>
+            <a:r>
+              <a:rPr lang="en-US" dirty="0" err="1" smtClean="0">
+                <a:latin typeface="Arial" panose="020B0604020202020204" pitchFamily="34" charset="0"/>
+                <a:cs typeface="Arial" panose="020B0604020202020204" pitchFamily="34" charset="0"/>
+              </a:rPr>
+              <a:t>em</a:t>
+            </a:r>
+            <a:r>
+              <a:rPr lang="en-US" dirty="0" smtClean="0">
+                <a:latin typeface="Arial" panose="020B0604020202020204" pitchFamily="34" charset="0"/>
+                <a:cs typeface="Arial" panose="020B0604020202020204" pitchFamily="34" charset="0"/>
+              </a:rPr>
+              <a:t> </a:t>
+            </a:r>
+            <a:r>
+              <a:rPr lang="en-US" dirty="0" err="1" smtClean="0">
+                <a:latin typeface="Arial" panose="020B0604020202020204" pitchFamily="34" charset="0"/>
+                <a:cs typeface="Arial" panose="020B0604020202020204" pitchFamily="34" charset="0"/>
+              </a:rPr>
+              <a:t>sẽ</a:t>
+            </a:r>
+            <a:r>
+              <a:rPr lang="en-US" dirty="0" smtClean="0">
+                <a:latin typeface="Arial" panose="020B0604020202020204" pitchFamily="34" charset="0"/>
+                <a:cs typeface="Arial" panose="020B0604020202020204" pitchFamily="34" charset="0"/>
+              </a:rPr>
+              <a:t> chia </a:t>
+            </a:r>
+            <a:r>
+              <a:rPr lang="en-US" dirty="0" err="1" smtClean="0">
+                <a:latin typeface="Arial" panose="020B0604020202020204" pitchFamily="34" charset="0"/>
+                <a:cs typeface="Arial" panose="020B0604020202020204" pitchFamily="34" charset="0"/>
+              </a:rPr>
+              <a:t>số</a:t>
+            </a:r>
+            <a:r>
+              <a:rPr lang="en-US" dirty="0" smtClean="0">
+                <a:latin typeface="Arial" panose="020B0604020202020204" pitchFamily="34" charset="0"/>
+                <a:cs typeface="Arial" panose="020B0604020202020204" pitchFamily="34" charset="0"/>
+              </a:rPr>
+              <a:t> </a:t>
+            </a:r>
+            <a:r>
+              <a:rPr lang="en-US" dirty="0" err="1" smtClean="0">
+                <a:latin typeface="Arial" panose="020B0604020202020204" pitchFamily="34" charset="0"/>
+                <a:cs typeface="Arial" panose="020B0604020202020204" pitchFamily="34" charset="0"/>
+              </a:rPr>
+              <a:t>năm</a:t>
+            </a:r>
+            <a:r>
+              <a:rPr lang="en-US" dirty="0" smtClean="0">
+                <a:latin typeface="Arial" panose="020B0604020202020204" pitchFamily="34" charset="0"/>
+                <a:cs typeface="Arial" panose="020B0604020202020204" pitchFamily="34" charset="0"/>
+              </a:rPr>
+              <a:t> </a:t>
+            </a:r>
+            <a:r>
+              <a:rPr lang="en-US" dirty="0" err="1" smtClean="0">
+                <a:latin typeface="Arial" panose="020B0604020202020204" pitchFamily="34" charset="0"/>
+                <a:cs typeface="Arial" panose="020B0604020202020204" pitchFamily="34" charset="0"/>
+              </a:rPr>
+              <a:t>xây</a:t>
+            </a:r>
+            <a:r>
+              <a:rPr lang="en-US" dirty="0" smtClean="0">
+                <a:latin typeface="Arial" panose="020B0604020202020204" pitchFamily="34" charset="0"/>
+                <a:cs typeface="Arial" panose="020B0604020202020204" pitchFamily="34" charset="0"/>
+              </a:rPr>
+              <a:t> </a:t>
+            </a:r>
+            <a:r>
+              <a:rPr lang="en-US" dirty="0" err="1" smtClean="0">
+                <a:latin typeface="Arial" panose="020B0604020202020204" pitchFamily="34" charset="0"/>
+                <a:cs typeface="Arial" panose="020B0604020202020204" pitchFamily="34" charset="0"/>
+              </a:rPr>
+              <a:t>dựng</a:t>
+            </a:r>
+            <a:r>
+              <a:rPr lang="en-US" dirty="0" smtClean="0">
+                <a:latin typeface="Arial" panose="020B0604020202020204" pitchFamily="34" charset="0"/>
+                <a:cs typeface="Arial" panose="020B0604020202020204" pitchFamily="34" charset="0"/>
+              </a:rPr>
+              <a:t> </a:t>
+            </a:r>
+            <a:r>
+              <a:rPr lang="en-US" dirty="0" err="1" smtClean="0">
+                <a:latin typeface="Arial" panose="020B0604020202020204" pitchFamily="34" charset="0"/>
+                <a:cs typeface="Arial" panose="020B0604020202020204" pitchFamily="34" charset="0"/>
+              </a:rPr>
+              <a:t>thành</a:t>
+            </a:r>
+            <a:r>
+              <a:rPr lang="en-US" dirty="0" smtClean="0">
+                <a:latin typeface="Arial" panose="020B0604020202020204" pitchFamily="34" charset="0"/>
+                <a:cs typeface="Arial" panose="020B0604020202020204" pitchFamily="34" charset="0"/>
+              </a:rPr>
+              <a:t> 4 </a:t>
+            </a:r>
+            <a:r>
+              <a:rPr lang="en-US" dirty="0" err="1" smtClean="0">
+                <a:latin typeface="Arial" panose="020B0604020202020204" pitchFamily="34" charset="0"/>
+                <a:cs typeface="Arial" panose="020B0604020202020204" pitchFamily="34" charset="0"/>
+              </a:rPr>
+              <a:t>nhóm</a:t>
+            </a:r>
+            <a:r>
+              <a:rPr lang="en-US" dirty="0" smtClean="0">
+                <a:latin typeface="Arial" panose="020B0604020202020204" pitchFamily="34" charset="0"/>
+                <a:cs typeface="Arial" panose="020B0604020202020204" pitchFamily="34" charset="0"/>
+              </a:rPr>
+              <a:t> </a:t>
+            </a:r>
+            <a:r>
+              <a:rPr lang="en-US" dirty="0" err="1" smtClean="0">
+                <a:latin typeface="Arial" panose="020B0604020202020204" pitchFamily="34" charset="0"/>
+                <a:cs typeface="Arial" panose="020B0604020202020204" pitchFamily="34" charset="0"/>
+              </a:rPr>
+              <a:t>tương</a:t>
+            </a:r>
+            <a:r>
+              <a:rPr lang="en-US" dirty="0" smtClean="0">
+                <a:latin typeface="Arial" panose="020B0604020202020204" pitchFamily="34" charset="0"/>
+                <a:cs typeface="Arial" panose="020B0604020202020204" pitchFamily="34" charset="0"/>
+              </a:rPr>
+              <a:t> </a:t>
+            </a:r>
+            <a:r>
+              <a:rPr lang="en-US" dirty="0" err="1" smtClean="0">
+                <a:latin typeface="Arial" panose="020B0604020202020204" pitchFamily="34" charset="0"/>
+                <a:cs typeface="Arial" panose="020B0604020202020204" pitchFamily="34" charset="0"/>
+              </a:rPr>
+              <a:t>ứng</a:t>
+            </a:r>
+            <a:endParaRPr lang="en-US" dirty="0" smtClean="0">
+              <a:latin typeface="Arial" panose="020B0604020202020204" pitchFamily="34" charset="0"/>
+              <a:cs typeface="Arial" panose="020B0604020202020204" pitchFamily="34" charset="0"/>
+            </a:endParaRPr>
+          </a:p>
+          <a:p>
+            <a:pPr lvl="1"/>
+            <a:r>
+              <a:rPr lang="en-US" sz="1500" dirty="0" err="1" smtClean="0">
+                <a:latin typeface="Arial" panose="020B0604020202020204" pitchFamily="34" charset="0"/>
+                <a:cs typeface="Arial" panose="020B0604020202020204" pitchFamily="34" charset="0"/>
+              </a:rPr>
+              <a:t>Rất</a:t>
+            </a:r>
+            <a:r>
+              <a:rPr lang="en-US" sz="1500" dirty="0" smtClean="0">
+                <a:latin typeface="Arial" panose="020B0604020202020204" pitchFamily="34" charset="0"/>
+                <a:cs typeface="Arial" panose="020B0604020202020204" pitchFamily="34" charset="0"/>
+              </a:rPr>
+              <a:t> </a:t>
+            </a:r>
+            <a:r>
+              <a:rPr lang="en-US" sz="1500" dirty="0" err="1" smtClean="0">
+                <a:latin typeface="Arial" panose="020B0604020202020204" pitchFamily="34" charset="0"/>
+                <a:cs typeface="Arial" panose="020B0604020202020204" pitchFamily="34" charset="0"/>
+              </a:rPr>
+              <a:t>cũ</a:t>
+            </a:r>
+            <a:r>
+              <a:rPr lang="en-US" sz="1500" dirty="0" smtClean="0">
+                <a:latin typeface="Arial" panose="020B0604020202020204" pitchFamily="34" charset="0"/>
+                <a:cs typeface="Arial" panose="020B0604020202020204" pitchFamily="34" charset="0"/>
+              </a:rPr>
+              <a:t>: 0</a:t>
+            </a:r>
+          </a:p>
+          <a:p>
+            <a:pPr lvl="1"/>
+            <a:r>
+              <a:rPr lang="en-US" sz="1500" dirty="0" err="1" smtClean="0">
+                <a:latin typeface="Arial" panose="020B0604020202020204" pitchFamily="34" charset="0"/>
+                <a:cs typeface="Arial" panose="020B0604020202020204" pitchFamily="34" charset="0"/>
+              </a:rPr>
+              <a:t>Cũ</a:t>
+            </a:r>
+            <a:r>
+              <a:rPr lang="en-US" sz="1500" dirty="0" smtClean="0">
+                <a:latin typeface="Arial" panose="020B0604020202020204" pitchFamily="34" charset="0"/>
+                <a:cs typeface="Arial" panose="020B0604020202020204" pitchFamily="34" charset="0"/>
+              </a:rPr>
+              <a:t>: 1</a:t>
+            </a:r>
+          </a:p>
+          <a:p>
+            <a:pPr lvl="1"/>
+            <a:r>
+              <a:rPr lang="en-US" sz="1500" dirty="0" err="1" smtClean="0">
+                <a:latin typeface="Arial" panose="020B0604020202020204" pitchFamily="34" charset="0"/>
+                <a:cs typeface="Arial" panose="020B0604020202020204" pitchFamily="34" charset="0"/>
+              </a:rPr>
+              <a:t>Mới</a:t>
+            </a:r>
+            <a:r>
+              <a:rPr lang="en-US" sz="1500" dirty="0" smtClean="0">
+                <a:latin typeface="Arial" panose="020B0604020202020204" pitchFamily="34" charset="0"/>
+                <a:cs typeface="Arial" panose="020B0604020202020204" pitchFamily="34" charset="0"/>
+              </a:rPr>
+              <a:t>: 2</a:t>
+            </a:r>
+          </a:p>
+          <a:p>
+            <a:pPr lvl="1"/>
+            <a:r>
+              <a:rPr lang="en-US" sz="1500" dirty="0" err="1" smtClean="0">
+                <a:latin typeface="Arial" panose="020B0604020202020204" pitchFamily="34" charset="0"/>
+                <a:cs typeface="Arial" panose="020B0604020202020204" pitchFamily="34" charset="0"/>
+              </a:rPr>
+              <a:t>Rất</a:t>
+            </a:r>
+            <a:r>
+              <a:rPr lang="en-US" sz="1500" dirty="0" smtClean="0">
+                <a:latin typeface="Arial" panose="020B0604020202020204" pitchFamily="34" charset="0"/>
+                <a:cs typeface="Arial" panose="020B0604020202020204" pitchFamily="34" charset="0"/>
+              </a:rPr>
+              <a:t> </a:t>
+            </a:r>
+            <a:r>
+              <a:rPr lang="en-US" sz="1500" dirty="0" err="1" smtClean="0">
+                <a:latin typeface="Arial" panose="020B0604020202020204" pitchFamily="34" charset="0"/>
+                <a:cs typeface="Arial" panose="020B0604020202020204" pitchFamily="34" charset="0"/>
+              </a:rPr>
+              <a:t>mới</a:t>
+            </a:r>
+            <a:r>
+              <a:rPr lang="en-US" sz="1500" dirty="0" smtClean="0">
+                <a:latin typeface="Arial" panose="020B0604020202020204" pitchFamily="34" charset="0"/>
+                <a:cs typeface="Arial" panose="020B0604020202020204" pitchFamily="34" charset="0"/>
+              </a:rPr>
+              <a:t>: 3</a:t>
+            </a:r>
+            <a:endParaRPr lang="en-US" sz="1500" dirty="0">
+              <a:latin typeface="Arial" panose="020B0604020202020204" pitchFamily="34" charset="0"/>
+              <a:cs typeface="Arial" panose="020B0604020202020204" pitchFamily="34" charset="0"/>
+            </a:endParaRPr>
+          </a:p>
+        </p:txBody>
+      </p:sp>
+    </p:spTree>
+    <p:extLst>
+      <p:ext uri="{BB962C8B-B14F-4D97-AF65-F5344CB8AC3E}">
+        <p14:creationId xmlns:p14="http://schemas.microsoft.com/office/powerpoint/2010/main" val="319429349"/>
+      </p:ext>
+    </p:extLst>
+  </p:cSld>
+  <p:clrMapOvr>
+    <a:masterClrMapping/>
+  </p:clrMapOvr>
+</p:sld>
+</file>
+
+<file path=ppt/slides/slide12.xml><?xml version="1.0" encoding="utf-8"?>
+<p:sld xmlns:a="http://schemas.openxmlformats.org/drawingml/2006/main" xmlns:r="http://schemas.openxmlformats.org/officeDocument/2006/relationships" xmlns:p="http://schemas.openxmlformats.org/presentationml/2006/main">
+  <p:cSld>
+    <p:spTree>
+      <p:nvGrpSpPr>
+        <p:cNvPr id="1" name=""/>
+        <p:cNvGrpSpPr/>
+        <p:nvPr/>
+      </p:nvGrpSpPr>
+      <p:grpSpPr>
+        <a:xfrm>
+          <a:off x="0" y="0"/>
+          <a:ext cx="0" cy="0"/>
+          <a:chOff x="0" y="0"/>
+          <a:chExt cx="0" cy="0"/>
+        </a:xfrm>
+      </p:grpSpPr>
+      <p:sp>
+        <p:nvSpPr>
+          <p:cNvPr id="2" name="Title 1"/>
+          <p:cNvSpPr txBox="1">
+            <a:spLocks/>
+          </p:cNvSpPr>
+          <p:nvPr/>
+        </p:nvSpPr>
+        <p:spPr>
+          <a:xfrm>
+            <a:off x="1088491" y="167780"/>
+            <a:ext cx="9605635" cy="857515"/>
+          </a:xfrm>
+          <a:prstGeom prst="rect">
+            <a:avLst/>
+          </a:prstGeom>
+        </p:spPr>
+        <p:txBody>
+          <a:bodyPr/>
+          <a:lstStyle>
+            <a:lvl1pPr algn="l" defTabSz="914400" rtl="0" eaLnBrk="1" latinLnBrk="0" hangingPunct="1">
+              <a:lnSpc>
+                <a:spcPct val="90000"/>
+              </a:lnSpc>
+              <a:spcBef>
+                <a:spcPct val="0"/>
+              </a:spcBef>
+              <a:buNone/>
+              <a:defRPr sz="3200" b="0" i="0" kern="1200" cap="all">
+                <a:solidFill>
+                  <a:schemeClr val="tx1"/>
+                </a:solidFill>
+                <a:effectLst/>
+                <a:latin typeface="+mj-lt"/>
+                <a:ea typeface="+mj-ea"/>
+                <a:cs typeface="+mj-cs"/>
+              </a:defRPr>
+            </a:lvl1pPr>
+          </a:lstStyle>
+          <a:p>
+            <a:r>
+              <a:rPr lang="en-US" dirty="0" err="1" smtClean="0">
+                <a:latin typeface="Arial" panose="020B0604020202020204" pitchFamily="34" charset="0"/>
+                <a:cs typeface="Arial" panose="020B0604020202020204" pitchFamily="34" charset="0"/>
+              </a:rPr>
+              <a:t>Xây</a:t>
+            </a:r>
+            <a:r>
+              <a:rPr lang="en-US" dirty="0" smtClean="0">
+                <a:latin typeface="Arial" panose="020B0604020202020204" pitchFamily="34" charset="0"/>
+                <a:cs typeface="Arial" panose="020B0604020202020204" pitchFamily="34" charset="0"/>
+              </a:rPr>
+              <a:t> </a:t>
+            </a:r>
+            <a:r>
+              <a:rPr lang="en-US" dirty="0" err="1" smtClean="0">
+                <a:latin typeface="Arial" panose="020B0604020202020204" pitchFamily="34" charset="0"/>
+                <a:cs typeface="Arial" panose="020B0604020202020204" pitchFamily="34" charset="0"/>
+              </a:rPr>
+              <a:t>dựng</a:t>
+            </a:r>
+            <a:r>
+              <a:rPr lang="en-US" dirty="0" smtClean="0">
+                <a:latin typeface="Arial" panose="020B0604020202020204" pitchFamily="34" charset="0"/>
+                <a:cs typeface="Arial" panose="020B0604020202020204" pitchFamily="34" charset="0"/>
+              </a:rPr>
+              <a:t> </a:t>
+            </a:r>
+            <a:r>
+              <a:rPr lang="en-US" dirty="0" err="1" smtClean="0">
+                <a:latin typeface="Arial" panose="020B0604020202020204" pitchFamily="34" charset="0"/>
+                <a:cs typeface="Arial" panose="020B0604020202020204" pitchFamily="34" charset="0"/>
+              </a:rPr>
+              <a:t>mô</a:t>
+            </a:r>
+            <a:r>
+              <a:rPr lang="en-US" dirty="0" smtClean="0">
+                <a:latin typeface="Arial" panose="020B0604020202020204" pitchFamily="34" charset="0"/>
+                <a:cs typeface="Arial" panose="020B0604020202020204" pitchFamily="34" charset="0"/>
+              </a:rPr>
+              <a:t> </a:t>
+            </a:r>
+            <a:r>
+              <a:rPr lang="en-US" dirty="0" err="1" smtClean="0">
+                <a:latin typeface="Arial" panose="020B0604020202020204" pitchFamily="34" charset="0"/>
+                <a:cs typeface="Arial" panose="020B0604020202020204" pitchFamily="34" charset="0"/>
+              </a:rPr>
+              <a:t>hình</a:t>
+            </a:r>
+            <a:r>
+              <a:rPr lang="en-US" dirty="0" smtClean="0">
+                <a:latin typeface="Arial" panose="020B0604020202020204" pitchFamily="34" charset="0"/>
+                <a:cs typeface="Arial" panose="020B0604020202020204" pitchFamily="34" charset="0"/>
+              </a:rPr>
+              <a:t> </a:t>
+            </a:r>
+            <a:r>
+              <a:rPr lang="en-US" dirty="0" err="1" smtClean="0">
+                <a:latin typeface="Arial" panose="020B0604020202020204" pitchFamily="34" charset="0"/>
+                <a:cs typeface="Arial" panose="020B0604020202020204" pitchFamily="34" charset="0"/>
+              </a:rPr>
+              <a:t>dự</a:t>
+            </a:r>
+            <a:r>
+              <a:rPr lang="en-US" dirty="0" smtClean="0">
+                <a:latin typeface="Arial" panose="020B0604020202020204" pitchFamily="34" charset="0"/>
+                <a:cs typeface="Arial" panose="020B0604020202020204" pitchFamily="34" charset="0"/>
+              </a:rPr>
+              <a:t> </a:t>
+            </a:r>
+            <a:r>
+              <a:rPr lang="en-US" dirty="0" err="1" smtClean="0">
+                <a:latin typeface="Arial" panose="020B0604020202020204" pitchFamily="34" charset="0"/>
+                <a:cs typeface="Arial" panose="020B0604020202020204" pitchFamily="34" charset="0"/>
+              </a:rPr>
+              <a:t>đoán</a:t>
+            </a:r>
+            <a:r>
+              <a:rPr lang="en-US" dirty="0" smtClean="0">
+                <a:latin typeface="Arial" panose="020B0604020202020204" pitchFamily="34" charset="0"/>
+                <a:cs typeface="Arial" panose="020B0604020202020204" pitchFamily="34" charset="0"/>
+              </a:rPr>
+              <a:t> </a:t>
+            </a:r>
+            <a:br>
+              <a:rPr lang="en-US" dirty="0" smtClean="0">
+                <a:latin typeface="Arial" panose="020B0604020202020204" pitchFamily="34" charset="0"/>
+                <a:cs typeface="Arial" panose="020B0604020202020204" pitchFamily="34" charset="0"/>
+              </a:rPr>
+            </a:br>
+            <a:r>
+              <a:rPr lang="en-US" sz="2000" dirty="0" err="1" smtClean="0">
+                <a:latin typeface="Arial" panose="020B0604020202020204" pitchFamily="34" charset="0"/>
+                <a:cs typeface="Arial" panose="020B0604020202020204" pitchFamily="34" charset="0"/>
+              </a:rPr>
+              <a:t>sử</a:t>
+            </a:r>
+            <a:r>
+              <a:rPr lang="en-US" sz="2000" dirty="0" smtClean="0">
+                <a:latin typeface="Arial" panose="020B0604020202020204" pitchFamily="34" charset="0"/>
+                <a:cs typeface="Arial" panose="020B0604020202020204" pitchFamily="34" charset="0"/>
+              </a:rPr>
+              <a:t> </a:t>
+            </a:r>
+            <a:r>
+              <a:rPr lang="en-US" sz="2000" dirty="0" err="1" smtClean="0">
+                <a:latin typeface="Arial" panose="020B0604020202020204" pitchFamily="34" charset="0"/>
+                <a:cs typeface="Arial" panose="020B0604020202020204" pitchFamily="34" charset="0"/>
+              </a:rPr>
+              <a:t>dụng</a:t>
+            </a:r>
+            <a:r>
+              <a:rPr lang="en-US" sz="2000" dirty="0" smtClean="0">
+                <a:latin typeface="Arial" panose="020B0604020202020204" pitchFamily="34" charset="0"/>
+                <a:cs typeface="Arial" panose="020B0604020202020204" pitchFamily="34" charset="0"/>
+              </a:rPr>
+              <a:t> </a:t>
+            </a:r>
+            <a:r>
+              <a:rPr lang="en-US" sz="2000" dirty="0" err="1" smtClean="0">
+                <a:latin typeface="Arial" panose="020B0604020202020204" pitchFamily="34" charset="0"/>
+                <a:cs typeface="Arial" panose="020B0604020202020204" pitchFamily="34" charset="0"/>
+              </a:rPr>
+              <a:t>thuật</a:t>
+            </a:r>
+            <a:r>
+              <a:rPr lang="en-US" sz="2000" dirty="0" smtClean="0">
+                <a:latin typeface="Arial" panose="020B0604020202020204" pitchFamily="34" charset="0"/>
+                <a:cs typeface="Arial" panose="020B0604020202020204" pitchFamily="34" charset="0"/>
+              </a:rPr>
+              <a:t> </a:t>
+            </a:r>
+            <a:r>
+              <a:rPr lang="en-US" sz="2000" dirty="0" err="1" smtClean="0">
+                <a:latin typeface="Arial" panose="020B0604020202020204" pitchFamily="34" charset="0"/>
+                <a:cs typeface="Arial" panose="020B0604020202020204" pitchFamily="34" charset="0"/>
+              </a:rPr>
+              <a:t>toán</a:t>
+            </a:r>
+            <a:r>
+              <a:rPr lang="en-US" sz="2000" dirty="0" smtClean="0">
+                <a:latin typeface="Arial" panose="020B0604020202020204" pitchFamily="34" charset="0"/>
+                <a:cs typeface="Arial" panose="020B0604020202020204" pitchFamily="34" charset="0"/>
+              </a:rPr>
+              <a:t> Ridge regression</a:t>
+            </a:r>
+            <a:endParaRPr lang="en-US" sz="2000" dirty="0">
+              <a:latin typeface="Arial" panose="020B0604020202020204" pitchFamily="34" charset="0"/>
+              <a:cs typeface="Arial" panose="020B0604020202020204" pitchFamily="34" charset="0"/>
+            </a:endParaRPr>
+          </a:p>
+        </p:txBody>
+      </p:sp>
+      <p:sp>
+        <p:nvSpPr>
+          <p:cNvPr id="3" name="Content Placeholder 2"/>
+          <p:cNvSpPr txBox="1">
+            <a:spLocks/>
+          </p:cNvSpPr>
+          <p:nvPr/>
+        </p:nvSpPr>
+        <p:spPr>
+          <a:xfrm>
+            <a:off x="1088491" y="1025295"/>
+            <a:ext cx="5496867" cy="1952797"/>
+          </a:xfrm>
+          <a:prstGeom prst="rect">
+            <a:avLst/>
+          </a:prstGeom>
+        </p:spPr>
+        <p:txBody>
+          <a:bodyPr/>
+          <a:lstStyle>
+            <a:lvl1pPr marL="228600" indent="-228600" algn="l" defTabSz="914400" rtl="0" eaLnBrk="1" latinLnBrk="0" hangingPunct="1">
+              <a:lnSpc>
+                <a:spcPct val="120000"/>
+              </a:lnSpc>
+              <a:spcBef>
+                <a:spcPts val="1000"/>
+              </a:spcBef>
+              <a:buClr>
+                <a:schemeClr val="accent1"/>
+              </a:buClr>
+              <a:buSzPct val="100000"/>
+              <a:buFont typeface="Arial" panose="020B0604020202020204" pitchFamily="34" charset="0"/>
+              <a:buChar char="•"/>
+              <a:defRPr sz="2000" kern="1200">
+                <a:solidFill>
+                  <a:schemeClr val="tx1"/>
+                </a:solidFill>
+                <a:effectLst/>
+                <a:latin typeface="+mn-lt"/>
+                <a:ea typeface="+mn-ea"/>
+                <a:cs typeface="+mn-cs"/>
+              </a:defRPr>
+            </a:lvl1pPr>
+            <a:lvl2pPr marL="685800" indent="-228600" algn="l" defTabSz="914400" rtl="0" eaLnBrk="1" latinLnBrk="0" hangingPunct="1">
+              <a:lnSpc>
+                <a:spcPct val="120000"/>
+              </a:lnSpc>
+              <a:spcBef>
+                <a:spcPts val="500"/>
+              </a:spcBef>
+              <a:buClr>
+                <a:schemeClr val="accent1"/>
+              </a:buClr>
+              <a:buSzPct val="100000"/>
+              <a:buFont typeface="Arial" panose="020B0604020202020204" pitchFamily="34" charset="0"/>
+              <a:buChar char="•"/>
+              <a:defRPr sz="1800" kern="1200" cap="none" baseline="0">
+                <a:solidFill>
+                  <a:schemeClr val="tx1"/>
+                </a:solidFill>
+                <a:effectLst/>
+                <a:latin typeface="+mn-lt"/>
+                <a:ea typeface="+mn-ea"/>
+                <a:cs typeface="+mn-cs"/>
+              </a:defRPr>
+            </a:lvl2pPr>
+            <a:lvl3pPr marL="1143000" indent="-228600" algn="l" defTabSz="914400" rtl="0" eaLnBrk="1" latinLnBrk="0" hangingPunct="1">
+              <a:lnSpc>
+                <a:spcPct val="120000"/>
+              </a:lnSpc>
+              <a:spcBef>
+                <a:spcPts val="500"/>
+              </a:spcBef>
+              <a:buClr>
+                <a:schemeClr val="accent1"/>
+              </a:buClr>
+              <a:buSzPct val="100000"/>
+              <a:buFont typeface="Arial" panose="020B0604020202020204" pitchFamily="34" charset="0"/>
+              <a:buChar char="•"/>
+              <a:defRPr sz="1600" kern="1200">
+                <a:solidFill>
+                  <a:schemeClr val="tx1"/>
+                </a:solidFill>
+                <a:effectLst/>
+                <a:latin typeface="+mn-lt"/>
+                <a:ea typeface="+mn-ea"/>
+                <a:cs typeface="+mn-cs"/>
+              </a:defRPr>
+            </a:lvl3pPr>
+            <a:lvl4pPr marL="1600200" indent="-228600" algn="l" defTabSz="914400" rtl="0" eaLnBrk="1" latinLnBrk="0" hangingPunct="1">
+              <a:lnSpc>
+                <a:spcPct val="120000"/>
+              </a:lnSpc>
+              <a:spcBef>
+                <a:spcPts val="500"/>
+              </a:spcBef>
+              <a:buClr>
+                <a:schemeClr val="accent1"/>
+              </a:buClr>
+              <a:buSzPct val="100000"/>
+              <a:buFont typeface="Arial" panose="020B0604020202020204" pitchFamily="34" charset="0"/>
+              <a:buChar char="•"/>
+              <a:defRPr sz="1400" kern="1200" cap="none" baseline="0">
+                <a:solidFill>
+                  <a:schemeClr val="tx1"/>
+                </a:solidFill>
+                <a:effectLst/>
+                <a:latin typeface="+mn-lt"/>
+                <a:ea typeface="+mn-ea"/>
+                <a:cs typeface="+mn-cs"/>
+              </a:defRPr>
+            </a:lvl4pPr>
+            <a:lvl5pPr marL="2057400" indent="-228600" algn="l" defTabSz="914400" rtl="0" eaLnBrk="1" latinLnBrk="0" hangingPunct="1">
+              <a:lnSpc>
+                <a:spcPct val="120000"/>
+              </a:lnSpc>
+              <a:spcBef>
+                <a:spcPts val="500"/>
+              </a:spcBef>
+              <a:buClr>
+                <a:schemeClr val="accent1"/>
+              </a:buClr>
+              <a:buSzPct val="100000"/>
+              <a:buFont typeface="Arial" panose="020B0604020202020204" pitchFamily="34" charset="0"/>
+              <a:buChar char="•"/>
+              <a:defRPr sz="1200" kern="1200">
+                <a:solidFill>
+                  <a:schemeClr val="tx1"/>
+                </a:solidFill>
+                <a:effectLst/>
+                <a:latin typeface="+mn-lt"/>
+                <a:ea typeface="+mn-ea"/>
+                <a:cs typeface="+mn-cs"/>
+              </a:defRPr>
+            </a:lvl5pPr>
+            <a:lvl6pPr marL="2514600" indent="-228600" algn="l" defTabSz="914400" rtl="0" eaLnBrk="1" latinLnBrk="0" hangingPunct="1">
+              <a:lnSpc>
+                <a:spcPct val="120000"/>
+              </a:lnSpc>
+              <a:spcBef>
+                <a:spcPts val="500"/>
+              </a:spcBef>
+              <a:buClr>
+                <a:schemeClr val="accent1"/>
+              </a:buClr>
+              <a:buSzPct val="100000"/>
+              <a:buFont typeface="Arial" panose="020B0604020202020204" pitchFamily="34" charset="0"/>
+              <a:buChar char="•"/>
+              <a:defRPr sz="1200" kern="1200">
+                <a:solidFill>
+                  <a:schemeClr val="tx1"/>
+                </a:solidFill>
+                <a:effectLst/>
+                <a:latin typeface="+mn-lt"/>
+                <a:ea typeface="+mn-ea"/>
+                <a:cs typeface="+mn-cs"/>
+              </a:defRPr>
+            </a:lvl6pPr>
+            <a:lvl7pPr marL="2971800" indent="-228600" algn="l" defTabSz="914400" rtl="0" eaLnBrk="1" latinLnBrk="0" hangingPunct="1">
+              <a:lnSpc>
+                <a:spcPct val="120000"/>
+              </a:lnSpc>
+              <a:spcBef>
+                <a:spcPts val="500"/>
+              </a:spcBef>
+              <a:buClr>
+                <a:schemeClr val="accent1"/>
+              </a:buClr>
+              <a:buSzPct val="100000"/>
+              <a:buFont typeface="Arial" panose="020B0604020202020204" pitchFamily="34" charset="0"/>
+              <a:buChar char="•"/>
+              <a:defRPr sz="1200" kern="1200">
+                <a:solidFill>
+                  <a:schemeClr val="tx1"/>
+                </a:solidFill>
+                <a:effectLst/>
+                <a:latin typeface="+mn-lt"/>
+                <a:ea typeface="+mn-ea"/>
+                <a:cs typeface="+mn-cs"/>
+              </a:defRPr>
+            </a:lvl7pPr>
+            <a:lvl8pPr marL="3429000" indent="-228600" algn="l" defTabSz="914400" rtl="0" eaLnBrk="1" latinLnBrk="0" hangingPunct="1">
+              <a:lnSpc>
+                <a:spcPct val="120000"/>
+              </a:lnSpc>
+              <a:spcBef>
+                <a:spcPts val="500"/>
+              </a:spcBef>
+              <a:buClr>
+                <a:schemeClr val="accent1"/>
+              </a:buClr>
+              <a:buSzPct val="100000"/>
+              <a:buFont typeface="Arial" panose="020B0604020202020204" pitchFamily="34" charset="0"/>
+              <a:buChar char="•"/>
+              <a:defRPr sz="1200" kern="1200" baseline="0">
+                <a:solidFill>
+                  <a:schemeClr val="tx1"/>
+                </a:solidFill>
+                <a:effectLst/>
+                <a:latin typeface="+mn-lt"/>
+                <a:ea typeface="+mn-ea"/>
+                <a:cs typeface="+mn-cs"/>
+              </a:defRPr>
+            </a:lvl8pPr>
+            <a:lvl9pPr marL="3886200" indent="-228600" algn="l" defTabSz="914400" rtl="0" eaLnBrk="1" latinLnBrk="0" hangingPunct="1">
+              <a:lnSpc>
+                <a:spcPct val="120000"/>
+              </a:lnSpc>
+              <a:spcBef>
+                <a:spcPts val="500"/>
+              </a:spcBef>
+              <a:buClr>
+                <a:schemeClr val="accent1"/>
+              </a:buClr>
+              <a:buSzPct val="100000"/>
+              <a:buFont typeface="Arial" panose="020B0604020202020204" pitchFamily="34" charset="0"/>
+              <a:buChar char="•"/>
+              <a:defRPr sz="1200" kern="1200" baseline="0">
+                <a:solidFill>
+                  <a:schemeClr val="tx1"/>
+                </a:solidFill>
+                <a:effectLst/>
+                <a:latin typeface="+mn-lt"/>
+                <a:ea typeface="+mn-ea"/>
+                <a:cs typeface="+mn-cs"/>
+              </a:defRPr>
+            </a:lvl9pPr>
+          </a:lstStyle>
+          <a:p>
+            <a:r>
+              <a:rPr lang="en-US" dirty="0" smtClean="0">
+                <a:latin typeface="Arial" panose="020B0604020202020204" pitchFamily="34" charset="0"/>
+                <a:cs typeface="Arial" panose="020B0604020202020204" pitchFamily="34" charset="0"/>
+              </a:rPr>
+              <a:t>Chia </a:t>
+            </a:r>
+            <a:r>
+              <a:rPr lang="en-US" dirty="0" err="1" smtClean="0">
+                <a:latin typeface="Arial" panose="020B0604020202020204" pitchFamily="34" charset="0"/>
+                <a:cs typeface="Arial" panose="020B0604020202020204" pitchFamily="34" charset="0"/>
+              </a:rPr>
+              <a:t>tập</a:t>
+            </a:r>
+            <a:r>
+              <a:rPr lang="en-US" dirty="0" smtClean="0">
+                <a:latin typeface="Arial" panose="020B0604020202020204" pitchFamily="34" charset="0"/>
+                <a:cs typeface="Arial" panose="020B0604020202020204" pitchFamily="34" charset="0"/>
+              </a:rPr>
+              <a:t> </a:t>
+            </a:r>
+            <a:r>
+              <a:rPr lang="en-US" dirty="0" err="1" smtClean="0">
+                <a:latin typeface="Arial" panose="020B0604020202020204" pitchFamily="34" charset="0"/>
+                <a:cs typeface="Arial" panose="020B0604020202020204" pitchFamily="34" charset="0"/>
+              </a:rPr>
+              <a:t>dữ</a:t>
+            </a:r>
+            <a:r>
+              <a:rPr lang="en-US" dirty="0" smtClean="0">
+                <a:latin typeface="Arial" panose="020B0604020202020204" pitchFamily="34" charset="0"/>
+                <a:cs typeface="Arial" panose="020B0604020202020204" pitchFamily="34" charset="0"/>
+              </a:rPr>
+              <a:t> </a:t>
+            </a:r>
+            <a:r>
+              <a:rPr lang="en-US" dirty="0" err="1" smtClean="0">
+                <a:latin typeface="Arial" panose="020B0604020202020204" pitchFamily="34" charset="0"/>
+                <a:cs typeface="Arial" panose="020B0604020202020204" pitchFamily="34" charset="0"/>
+              </a:rPr>
+              <a:t>liệu</a:t>
+            </a:r>
+            <a:r>
+              <a:rPr lang="en-US" dirty="0" smtClean="0">
+                <a:latin typeface="Arial" panose="020B0604020202020204" pitchFamily="34" charset="0"/>
+                <a:cs typeface="Arial" panose="020B0604020202020204" pitchFamily="34" charset="0"/>
+              </a:rPr>
+              <a:t> </a:t>
+            </a:r>
+            <a:r>
+              <a:rPr lang="en-US" dirty="0" err="1" smtClean="0">
+                <a:latin typeface="Arial" panose="020B0604020202020204" pitchFamily="34" charset="0"/>
+                <a:cs typeface="Arial" panose="020B0604020202020204" pitchFamily="34" charset="0"/>
+              </a:rPr>
+              <a:t>thành</a:t>
+            </a:r>
+            <a:r>
+              <a:rPr lang="en-US" dirty="0" smtClean="0">
+                <a:latin typeface="Arial" panose="020B0604020202020204" pitchFamily="34" charset="0"/>
+                <a:cs typeface="Arial" panose="020B0604020202020204" pitchFamily="34" charset="0"/>
+              </a:rPr>
+              <a:t> 30% test </a:t>
+            </a:r>
+            <a:r>
+              <a:rPr lang="en-US" dirty="0" err="1" smtClean="0">
+                <a:latin typeface="Arial" panose="020B0604020202020204" pitchFamily="34" charset="0"/>
+                <a:cs typeface="Arial" panose="020B0604020202020204" pitchFamily="34" charset="0"/>
+              </a:rPr>
+              <a:t>và</a:t>
+            </a:r>
+            <a:r>
+              <a:rPr lang="en-US" dirty="0" smtClean="0">
+                <a:latin typeface="Arial" panose="020B0604020202020204" pitchFamily="34" charset="0"/>
+                <a:cs typeface="Arial" panose="020B0604020202020204" pitchFamily="34" charset="0"/>
+              </a:rPr>
+              <a:t> 70% train</a:t>
+            </a:r>
+          </a:p>
+          <a:p>
+            <a:r>
+              <a:rPr lang="en-US" dirty="0" err="1" smtClean="0">
+                <a:latin typeface="Arial" panose="020B0604020202020204" pitchFamily="34" charset="0"/>
+                <a:cs typeface="Arial" panose="020B0604020202020204" pitchFamily="34" charset="0"/>
+              </a:rPr>
+              <a:t>Tìm</a:t>
+            </a:r>
+            <a:r>
+              <a:rPr lang="en-US" dirty="0" smtClean="0">
+                <a:latin typeface="Arial" panose="020B0604020202020204" pitchFamily="34" charset="0"/>
+                <a:cs typeface="Arial" panose="020B0604020202020204" pitchFamily="34" charset="0"/>
+              </a:rPr>
+              <a:t> </a:t>
+            </a:r>
+            <a:r>
+              <a:rPr lang="en-US" dirty="0" err="1" smtClean="0">
+                <a:latin typeface="Arial" panose="020B0604020202020204" pitchFamily="34" charset="0"/>
+                <a:cs typeface="Arial" panose="020B0604020202020204" pitchFamily="34" charset="0"/>
+              </a:rPr>
+              <a:t>chỉ</a:t>
+            </a:r>
+            <a:r>
+              <a:rPr lang="en-US" dirty="0" smtClean="0">
+                <a:latin typeface="Arial" panose="020B0604020202020204" pitchFamily="34" charset="0"/>
+                <a:cs typeface="Arial" panose="020B0604020202020204" pitchFamily="34" charset="0"/>
+              </a:rPr>
+              <a:t> </a:t>
+            </a:r>
+            <a:r>
+              <a:rPr lang="en-US" dirty="0" err="1" smtClean="0">
+                <a:latin typeface="Arial" panose="020B0604020202020204" pitchFamily="34" charset="0"/>
+                <a:cs typeface="Arial" panose="020B0604020202020204" pitchFamily="34" charset="0"/>
+              </a:rPr>
+              <a:t>số</a:t>
+            </a:r>
+            <a:r>
+              <a:rPr lang="en-US" dirty="0" smtClean="0">
+                <a:latin typeface="Arial" panose="020B0604020202020204" pitchFamily="34" charset="0"/>
+                <a:cs typeface="Arial" panose="020B0604020202020204" pitchFamily="34" charset="0"/>
+              </a:rPr>
+              <a:t> alpha </a:t>
+            </a:r>
+            <a:r>
+              <a:rPr lang="en-US" dirty="0" err="1" smtClean="0">
+                <a:latin typeface="Arial" panose="020B0604020202020204" pitchFamily="34" charset="0"/>
+                <a:cs typeface="Arial" panose="020B0604020202020204" pitchFamily="34" charset="0"/>
+              </a:rPr>
+              <a:t>tốt</a:t>
+            </a:r>
+            <a:r>
+              <a:rPr lang="en-US" dirty="0" smtClean="0">
+                <a:latin typeface="Arial" panose="020B0604020202020204" pitchFamily="34" charset="0"/>
+                <a:cs typeface="Arial" panose="020B0604020202020204" pitchFamily="34" charset="0"/>
+              </a:rPr>
+              <a:t> </a:t>
+            </a:r>
+            <a:r>
+              <a:rPr lang="en-US" dirty="0" err="1" smtClean="0">
+                <a:latin typeface="Arial" panose="020B0604020202020204" pitchFamily="34" charset="0"/>
+                <a:cs typeface="Arial" panose="020B0604020202020204" pitchFamily="34" charset="0"/>
+              </a:rPr>
+              <a:t>nhất</a:t>
+            </a:r>
+            <a:r>
+              <a:rPr lang="en-US" dirty="0" smtClean="0">
+                <a:latin typeface="Arial" panose="020B0604020202020204" pitchFamily="34" charset="0"/>
+                <a:cs typeface="Arial" panose="020B0604020202020204" pitchFamily="34" charset="0"/>
+              </a:rPr>
+              <a:t> </a:t>
+            </a:r>
+            <a:r>
+              <a:rPr lang="en-US" dirty="0" err="1" smtClean="0">
+                <a:latin typeface="Arial" panose="020B0604020202020204" pitchFamily="34" charset="0"/>
+                <a:cs typeface="Arial" panose="020B0604020202020204" pitchFamily="34" charset="0"/>
+              </a:rPr>
+              <a:t>cho</a:t>
+            </a:r>
+            <a:r>
+              <a:rPr lang="en-US" dirty="0" smtClean="0">
+                <a:latin typeface="Arial" panose="020B0604020202020204" pitchFamily="34" charset="0"/>
+                <a:cs typeface="Arial" panose="020B0604020202020204" pitchFamily="34" charset="0"/>
+              </a:rPr>
+              <a:t> </a:t>
+            </a:r>
+            <a:r>
+              <a:rPr lang="en-US" dirty="0" err="1" smtClean="0">
+                <a:latin typeface="Arial" panose="020B0604020202020204" pitchFamily="34" charset="0"/>
+                <a:cs typeface="Arial" panose="020B0604020202020204" pitchFamily="34" charset="0"/>
+              </a:rPr>
+              <a:t>mô</a:t>
+            </a:r>
+            <a:r>
+              <a:rPr lang="en-US" dirty="0" smtClean="0">
+                <a:latin typeface="Arial" panose="020B0604020202020204" pitchFamily="34" charset="0"/>
+                <a:cs typeface="Arial" panose="020B0604020202020204" pitchFamily="34" charset="0"/>
+              </a:rPr>
+              <a:t> </a:t>
+            </a:r>
+            <a:r>
+              <a:rPr lang="en-US" dirty="0" err="1" smtClean="0">
+                <a:latin typeface="Arial" panose="020B0604020202020204" pitchFamily="34" charset="0"/>
+                <a:cs typeface="Arial" panose="020B0604020202020204" pitchFamily="34" charset="0"/>
+              </a:rPr>
+              <a:t>hình</a:t>
+            </a:r>
+            <a:endParaRPr lang="en-US" dirty="0" smtClean="0">
+              <a:latin typeface="Arial" panose="020B0604020202020204" pitchFamily="34" charset="0"/>
+              <a:cs typeface="Arial" panose="020B0604020202020204" pitchFamily="34" charset="0"/>
+            </a:endParaRPr>
+          </a:p>
+          <a:p>
+            <a:r>
+              <a:rPr lang="en-US" dirty="0" err="1" smtClean="0">
+                <a:latin typeface="Arial" panose="020B0604020202020204" pitchFamily="34" charset="0"/>
+                <a:cs typeface="Arial" panose="020B0604020202020204" pitchFamily="34" charset="0"/>
+              </a:rPr>
+              <a:t>Kết</a:t>
+            </a:r>
+            <a:r>
+              <a:rPr lang="en-US" dirty="0" smtClean="0">
+                <a:latin typeface="Arial" panose="020B0604020202020204" pitchFamily="34" charset="0"/>
+                <a:cs typeface="Arial" panose="020B0604020202020204" pitchFamily="34" charset="0"/>
+              </a:rPr>
+              <a:t> </a:t>
+            </a:r>
+            <a:r>
+              <a:rPr lang="en-US" dirty="0" err="1" smtClean="0">
+                <a:latin typeface="Arial" panose="020B0604020202020204" pitchFamily="34" charset="0"/>
+                <a:cs typeface="Arial" panose="020B0604020202020204" pitchFamily="34" charset="0"/>
+              </a:rPr>
+              <a:t>quả</a:t>
+            </a:r>
+            <a:r>
+              <a:rPr lang="en-US" dirty="0" smtClean="0">
+                <a:latin typeface="Arial" panose="020B0604020202020204" pitchFamily="34" charset="0"/>
+                <a:cs typeface="Arial" panose="020B0604020202020204" pitchFamily="34" charset="0"/>
+              </a:rPr>
+              <a:t> </a:t>
+            </a:r>
+            <a:r>
+              <a:rPr lang="en-US" dirty="0" err="1" smtClean="0">
+                <a:latin typeface="Arial" panose="020B0604020202020204" pitchFamily="34" charset="0"/>
+                <a:cs typeface="Arial" panose="020B0604020202020204" pitchFamily="34" charset="0"/>
+              </a:rPr>
+              <a:t>cho</a:t>
+            </a:r>
+            <a:r>
+              <a:rPr lang="en-US" dirty="0" smtClean="0">
+                <a:latin typeface="Arial" panose="020B0604020202020204" pitchFamily="34" charset="0"/>
+                <a:cs typeface="Arial" panose="020B0604020202020204" pitchFamily="34" charset="0"/>
+              </a:rPr>
+              <a:t> </a:t>
+            </a:r>
+            <a:r>
+              <a:rPr lang="en-US" dirty="0" err="1" smtClean="0">
+                <a:latin typeface="Arial" panose="020B0604020202020204" pitchFamily="34" charset="0"/>
+                <a:cs typeface="Arial" panose="020B0604020202020204" pitchFamily="34" charset="0"/>
+              </a:rPr>
+              <a:t>ra</a:t>
+            </a:r>
+            <a:r>
+              <a:rPr lang="en-US" dirty="0" smtClean="0">
+                <a:latin typeface="Arial" panose="020B0604020202020204" pitchFamily="34" charset="0"/>
+                <a:cs typeface="Arial" panose="020B0604020202020204" pitchFamily="34" charset="0"/>
+              </a:rPr>
+              <a:t> </a:t>
+            </a:r>
+            <a:r>
+              <a:rPr lang="en-US" dirty="0" err="1" smtClean="0">
+                <a:latin typeface="Arial" panose="020B0604020202020204" pitchFamily="34" charset="0"/>
+                <a:cs typeface="Arial" panose="020B0604020202020204" pitchFamily="34" charset="0"/>
+              </a:rPr>
+              <a:t>chỉ</a:t>
+            </a:r>
+            <a:r>
+              <a:rPr lang="en-US" dirty="0" smtClean="0">
+                <a:latin typeface="Arial" panose="020B0604020202020204" pitchFamily="34" charset="0"/>
+                <a:cs typeface="Arial" panose="020B0604020202020204" pitchFamily="34" charset="0"/>
+              </a:rPr>
+              <a:t> </a:t>
+            </a:r>
+            <a:r>
+              <a:rPr lang="en-US" dirty="0" err="1" smtClean="0">
+                <a:latin typeface="Arial" panose="020B0604020202020204" pitchFamily="34" charset="0"/>
+                <a:cs typeface="Arial" panose="020B0604020202020204" pitchFamily="34" charset="0"/>
+              </a:rPr>
+              <a:t>số</a:t>
+            </a:r>
+            <a:r>
+              <a:rPr lang="en-US" dirty="0" smtClean="0">
+                <a:latin typeface="Arial" panose="020B0604020202020204" pitchFamily="34" charset="0"/>
+                <a:cs typeface="Arial" panose="020B0604020202020204" pitchFamily="34" charset="0"/>
+              </a:rPr>
+              <a:t> alpha = 1 </a:t>
+            </a:r>
+            <a:r>
+              <a:rPr lang="en-US" dirty="0" err="1" smtClean="0">
+                <a:latin typeface="Arial" panose="020B0604020202020204" pitchFamily="34" charset="0"/>
+                <a:cs typeface="Arial" panose="020B0604020202020204" pitchFamily="34" charset="0"/>
+              </a:rPr>
+              <a:t>cho</a:t>
+            </a:r>
+            <a:r>
+              <a:rPr lang="en-US" dirty="0" smtClean="0">
+                <a:latin typeface="Arial" panose="020B0604020202020204" pitchFamily="34" charset="0"/>
+                <a:cs typeface="Arial" panose="020B0604020202020204" pitchFamily="34" charset="0"/>
+              </a:rPr>
+              <a:t> </a:t>
+            </a:r>
+            <a:r>
+              <a:rPr lang="en-US" dirty="0" err="1" smtClean="0">
+                <a:latin typeface="Arial" panose="020B0604020202020204" pitchFamily="34" charset="0"/>
+                <a:cs typeface="Arial" panose="020B0604020202020204" pitchFamily="34" charset="0"/>
+              </a:rPr>
+              <a:t>ra</a:t>
+            </a:r>
+            <a:r>
+              <a:rPr lang="en-US" dirty="0">
+                <a:latin typeface="Arial" panose="020B0604020202020204" pitchFamily="34" charset="0"/>
+                <a:cs typeface="Arial" panose="020B0604020202020204" pitchFamily="34" charset="0"/>
+              </a:rPr>
+              <a:t> </a:t>
+            </a:r>
+            <a:r>
+              <a:rPr lang="en-US" dirty="0" err="1" smtClean="0">
+                <a:latin typeface="Arial" panose="020B0604020202020204" pitchFamily="34" charset="0"/>
+                <a:cs typeface="Arial" panose="020B0604020202020204" pitchFamily="34" charset="0"/>
+              </a:rPr>
+              <a:t>số</a:t>
+            </a:r>
+            <a:r>
+              <a:rPr lang="en-US" dirty="0" smtClean="0">
+                <a:latin typeface="Arial" panose="020B0604020202020204" pitchFamily="34" charset="0"/>
+                <a:cs typeface="Arial" panose="020B0604020202020204" pitchFamily="34" charset="0"/>
+              </a:rPr>
+              <a:t> </a:t>
+            </a:r>
+            <a:r>
+              <a:rPr lang="en-US" dirty="0" err="1" smtClean="0">
+                <a:latin typeface="Arial" panose="020B0604020202020204" pitchFamily="34" charset="0"/>
+                <a:cs typeface="Arial" panose="020B0604020202020204" pitchFamily="34" charset="0"/>
+              </a:rPr>
+              <a:t>điểm</a:t>
+            </a:r>
+            <a:r>
+              <a:rPr lang="en-US" dirty="0" smtClean="0">
+                <a:latin typeface="Arial" panose="020B0604020202020204" pitchFamily="34" charset="0"/>
+                <a:cs typeface="Arial" panose="020B0604020202020204" pitchFamily="34" charset="0"/>
+              </a:rPr>
+              <a:t> </a:t>
+            </a:r>
+            <a:r>
+              <a:rPr lang="en-US" dirty="0" err="1" smtClean="0">
+                <a:latin typeface="Arial" panose="020B0604020202020204" pitchFamily="34" charset="0"/>
+                <a:cs typeface="Arial" panose="020B0604020202020204" pitchFamily="34" charset="0"/>
+              </a:rPr>
+              <a:t>tốt</a:t>
+            </a:r>
+            <a:r>
+              <a:rPr lang="en-US" dirty="0" smtClean="0">
+                <a:latin typeface="Arial" panose="020B0604020202020204" pitchFamily="34" charset="0"/>
+                <a:cs typeface="Arial" panose="020B0604020202020204" pitchFamily="34" charset="0"/>
+              </a:rPr>
+              <a:t> </a:t>
+            </a:r>
+            <a:r>
+              <a:rPr lang="en-US" dirty="0" err="1" smtClean="0">
+                <a:latin typeface="Arial" panose="020B0604020202020204" pitchFamily="34" charset="0"/>
+                <a:cs typeface="Arial" panose="020B0604020202020204" pitchFamily="34" charset="0"/>
+              </a:rPr>
+              <a:t>nhất</a:t>
+            </a:r>
+            <a:r>
+              <a:rPr lang="en-US" dirty="0" smtClean="0">
+                <a:latin typeface="Arial" panose="020B0604020202020204" pitchFamily="34" charset="0"/>
+                <a:cs typeface="Arial" panose="020B0604020202020204" pitchFamily="34" charset="0"/>
+              </a:rPr>
+              <a:t>.</a:t>
+            </a:r>
+            <a:endParaRPr lang="en-US" dirty="0">
+              <a:latin typeface="Arial" panose="020B0604020202020204" pitchFamily="34" charset="0"/>
+              <a:cs typeface="Arial" panose="020B0604020202020204" pitchFamily="34" charset="0"/>
+            </a:endParaRPr>
+          </a:p>
+        </p:txBody>
+      </p:sp>
+      <p:cxnSp>
+        <p:nvCxnSpPr>
+          <p:cNvPr id="9" name="Straight Connector 8"/>
+          <p:cNvCxnSpPr/>
+          <p:nvPr/>
+        </p:nvCxnSpPr>
+        <p:spPr>
+          <a:xfrm flipV="1">
+            <a:off x="864066" y="922789"/>
+            <a:ext cx="10981189" cy="16778"/>
+          </a:xfrm>
+          <a:prstGeom prst="line">
+            <a:avLst/>
+          </a:prstGeom>
+          <a:ln>
+            <a:solidFill>
+              <a:srgbClr val="C00000"/>
+            </a:solidFill>
+          </a:ln>
+        </p:spPr>
+        <p:style>
+          <a:lnRef idx="3">
+            <a:schemeClr val="accent1"/>
+          </a:lnRef>
+          <a:fillRef idx="0">
+            <a:schemeClr val="accent1"/>
+          </a:fillRef>
+          <a:effectRef idx="2">
+            <a:schemeClr val="accent1"/>
+          </a:effectRef>
+          <a:fontRef idx="minor">
+            <a:schemeClr val="tx1"/>
+          </a:fontRef>
+        </p:style>
+      </p:cxnSp>
+      <p:sp>
+        <p:nvSpPr>
+          <p:cNvPr id="11" name="Content Placeholder 2"/>
+          <p:cNvSpPr txBox="1">
+            <a:spLocks/>
+          </p:cNvSpPr>
+          <p:nvPr/>
+        </p:nvSpPr>
+        <p:spPr>
+          <a:xfrm>
+            <a:off x="1088491" y="3808603"/>
+            <a:ext cx="6335766" cy="2340527"/>
+          </a:xfrm>
+          <a:prstGeom prst="rect">
+            <a:avLst/>
+          </a:prstGeom>
+        </p:spPr>
+        <p:txBody>
+          <a:bodyPr/>
+          <a:lstStyle>
+            <a:lvl1pPr marL="228600" indent="-228600" algn="l" defTabSz="914400" rtl="0" eaLnBrk="1" latinLnBrk="0" hangingPunct="1">
+              <a:lnSpc>
+                <a:spcPct val="120000"/>
+              </a:lnSpc>
+              <a:spcBef>
+                <a:spcPts val="1000"/>
+              </a:spcBef>
+              <a:buClr>
+                <a:schemeClr val="accent1"/>
+              </a:buClr>
+              <a:buSzPct val="100000"/>
+              <a:buFont typeface="Arial" panose="020B0604020202020204" pitchFamily="34" charset="0"/>
+              <a:buChar char="•"/>
+              <a:defRPr sz="2000" kern="1200">
+                <a:solidFill>
+                  <a:schemeClr val="tx1"/>
+                </a:solidFill>
+                <a:effectLst/>
+                <a:latin typeface="+mn-lt"/>
+                <a:ea typeface="+mn-ea"/>
+                <a:cs typeface="+mn-cs"/>
+              </a:defRPr>
+            </a:lvl1pPr>
+            <a:lvl2pPr marL="685800" indent="-228600" algn="l" defTabSz="914400" rtl="0" eaLnBrk="1" latinLnBrk="0" hangingPunct="1">
+              <a:lnSpc>
+                <a:spcPct val="120000"/>
+              </a:lnSpc>
+              <a:spcBef>
+                <a:spcPts val="500"/>
+              </a:spcBef>
+              <a:buClr>
+                <a:schemeClr val="accent1"/>
+              </a:buClr>
+              <a:buSzPct val="100000"/>
+              <a:buFont typeface="Arial" panose="020B0604020202020204" pitchFamily="34" charset="0"/>
+              <a:buChar char="•"/>
+              <a:defRPr sz="1800" kern="1200" cap="none" baseline="0">
+                <a:solidFill>
+                  <a:schemeClr val="tx1"/>
+                </a:solidFill>
+                <a:effectLst/>
+                <a:latin typeface="+mn-lt"/>
+                <a:ea typeface="+mn-ea"/>
+                <a:cs typeface="+mn-cs"/>
+              </a:defRPr>
+            </a:lvl2pPr>
+            <a:lvl3pPr marL="1143000" indent="-228600" algn="l" defTabSz="914400" rtl="0" eaLnBrk="1" latinLnBrk="0" hangingPunct="1">
+              <a:lnSpc>
+                <a:spcPct val="120000"/>
+              </a:lnSpc>
+              <a:spcBef>
+                <a:spcPts val="500"/>
+              </a:spcBef>
+              <a:buClr>
+                <a:schemeClr val="accent1"/>
+              </a:buClr>
+              <a:buSzPct val="100000"/>
+              <a:buFont typeface="Arial" panose="020B0604020202020204" pitchFamily="34" charset="0"/>
+              <a:buChar char="•"/>
+              <a:defRPr sz="1600" kern="1200">
+                <a:solidFill>
+                  <a:schemeClr val="tx1"/>
+                </a:solidFill>
+                <a:effectLst/>
+                <a:latin typeface="+mn-lt"/>
+                <a:ea typeface="+mn-ea"/>
+                <a:cs typeface="+mn-cs"/>
+              </a:defRPr>
+            </a:lvl3pPr>
+            <a:lvl4pPr marL="1600200" indent="-228600" algn="l" defTabSz="914400" rtl="0" eaLnBrk="1" latinLnBrk="0" hangingPunct="1">
+              <a:lnSpc>
+                <a:spcPct val="120000"/>
+              </a:lnSpc>
+              <a:spcBef>
+                <a:spcPts val="500"/>
+              </a:spcBef>
+              <a:buClr>
+                <a:schemeClr val="accent1"/>
+              </a:buClr>
+              <a:buSzPct val="100000"/>
+              <a:buFont typeface="Arial" panose="020B0604020202020204" pitchFamily="34" charset="0"/>
+              <a:buChar char="•"/>
+              <a:defRPr sz="1400" kern="1200" cap="none" baseline="0">
+                <a:solidFill>
+                  <a:schemeClr val="tx1"/>
+                </a:solidFill>
+                <a:effectLst/>
+                <a:latin typeface="+mn-lt"/>
+                <a:ea typeface="+mn-ea"/>
+                <a:cs typeface="+mn-cs"/>
+              </a:defRPr>
+            </a:lvl4pPr>
+            <a:lvl5pPr marL="2057400" indent="-228600" algn="l" defTabSz="914400" rtl="0" eaLnBrk="1" latinLnBrk="0" hangingPunct="1">
+              <a:lnSpc>
+                <a:spcPct val="120000"/>
+              </a:lnSpc>
+              <a:spcBef>
+                <a:spcPts val="500"/>
+              </a:spcBef>
+              <a:buClr>
+                <a:schemeClr val="accent1"/>
+              </a:buClr>
+              <a:buSzPct val="100000"/>
+              <a:buFont typeface="Arial" panose="020B0604020202020204" pitchFamily="34" charset="0"/>
+              <a:buChar char="•"/>
+              <a:defRPr sz="1200" kern="1200">
+                <a:solidFill>
+                  <a:schemeClr val="tx1"/>
+                </a:solidFill>
+                <a:effectLst/>
+                <a:latin typeface="+mn-lt"/>
+                <a:ea typeface="+mn-ea"/>
+                <a:cs typeface="+mn-cs"/>
+              </a:defRPr>
+            </a:lvl5pPr>
+            <a:lvl6pPr marL="2514600" indent="-228600" algn="l" defTabSz="914400" rtl="0" eaLnBrk="1" latinLnBrk="0" hangingPunct="1">
+              <a:lnSpc>
+                <a:spcPct val="120000"/>
+              </a:lnSpc>
+              <a:spcBef>
+                <a:spcPts val="500"/>
+              </a:spcBef>
+              <a:buClr>
+                <a:schemeClr val="accent1"/>
+              </a:buClr>
+              <a:buSzPct val="100000"/>
+              <a:buFont typeface="Arial" panose="020B0604020202020204" pitchFamily="34" charset="0"/>
+              <a:buChar char="•"/>
+              <a:defRPr sz="1200" kern="1200">
+                <a:solidFill>
+                  <a:schemeClr val="tx1"/>
+                </a:solidFill>
+                <a:effectLst/>
+                <a:latin typeface="+mn-lt"/>
+                <a:ea typeface="+mn-ea"/>
+                <a:cs typeface="+mn-cs"/>
+              </a:defRPr>
+            </a:lvl6pPr>
+            <a:lvl7pPr marL="2971800" indent="-228600" algn="l" defTabSz="914400" rtl="0" eaLnBrk="1" latinLnBrk="0" hangingPunct="1">
+              <a:lnSpc>
+                <a:spcPct val="120000"/>
+              </a:lnSpc>
+              <a:spcBef>
+                <a:spcPts val="500"/>
+              </a:spcBef>
+              <a:buClr>
+                <a:schemeClr val="accent1"/>
+              </a:buClr>
+              <a:buSzPct val="100000"/>
+              <a:buFont typeface="Arial" panose="020B0604020202020204" pitchFamily="34" charset="0"/>
+              <a:buChar char="•"/>
+              <a:defRPr sz="1200" kern="1200">
+                <a:solidFill>
+                  <a:schemeClr val="tx1"/>
+                </a:solidFill>
+                <a:effectLst/>
+                <a:latin typeface="+mn-lt"/>
+                <a:ea typeface="+mn-ea"/>
+                <a:cs typeface="+mn-cs"/>
+              </a:defRPr>
+            </a:lvl7pPr>
+            <a:lvl8pPr marL="3429000" indent="-228600" algn="l" defTabSz="914400" rtl="0" eaLnBrk="1" latinLnBrk="0" hangingPunct="1">
+              <a:lnSpc>
+                <a:spcPct val="120000"/>
+              </a:lnSpc>
+              <a:spcBef>
+                <a:spcPts val="500"/>
+              </a:spcBef>
+              <a:buClr>
+                <a:schemeClr val="accent1"/>
+              </a:buClr>
+              <a:buSzPct val="100000"/>
+              <a:buFont typeface="Arial" panose="020B0604020202020204" pitchFamily="34" charset="0"/>
+              <a:buChar char="•"/>
+              <a:defRPr sz="1200" kern="1200" baseline="0">
+                <a:solidFill>
+                  <a:schemeClr val="tx1"/>
+                </a:solidFill>
+                <a:effectLst/>
+                <a:latin typeface="+mn-lt"/>
+                <a:ea typeface="+mn-ea"/>
+                <a:cs typeface="+mn-cs"/>
+              </a:defRPr>
+            </a:lvl8pPr>
+            <a:lvl9pPr marL="3886200" indent="-228600" algn="l" defTabSz="914400" rtl="0" eaLnBrk="1" latinLnBrk="0" hangingPunct="1">
+              <a:lnSpc>
+                <a:spcPct val="120000"/>
+              </a:lnSpc>
+              <a:spcBef>
+                <a:spcPts val="500"/>
+              </a:spcBef>
+              <a:buClr>
+                <a:schemeClr val="accent1"/>
+              </a:buClr>
+              <a:buSzPct val="100000"/>
+              <a:buFont typeface="Arial" panose="020B0604020202020204" pitchFamily="34" charset="0"/>
+              <a:buChar char="•"/>
+              <a:defRPr sz="1200" kern="1200" baseline="0">
+                <a:solidFill>
+                  <a:schemeClr val="tx1"/>
+                </a:solidFill>
+                <a:effectLst/>
+                <a:latin typeface="+mn-lt"/>
+                <a:ea typeface="+mn-ea"/>
+                <a:cs typeface="+mn-cs"/>
+              </a:defRPr>
+            </a:lvl9pPr>
+          </a:lstStyle>
+          <a:p>
+            <a:endParaRPr lang="en-US" dirty="0">
+              <a:latin typeface="Arial" panose="020B0604020202020204" pitchFamily="34" charset="0"/>
+              <a:cs typeface="Arial" panose="020B0604020202020204" pitchFamily="34" charset="0"/>
+            </a:endParaRPr>
+          </a:p>
+        </p:txBody>
+      </p:sp>
+      <p:pic>
+        <p:nvPicPr>
+          <p:cNvPr id="8" name="Picture 7"/>
+          <p:cNvPicPr>
+            <a:picLocks noChangeAspect="1"/>
+          </p:cNvPicPr>
+          <p:nvPr/>
+        </p:nvPicPr>
+        <p:blipFill>
+          <a:blip r:embed="rId2"/>
+          <a:stretch>
+            <a:fillRect/>
+          </a:stretch>
+        </p:blipFill>
+        <p:spPr>
+          <a:xfrm>
+            <a:off x="6585358" y="1025295"/>
+            <a:ext cx="5259897" cy="2029108"/>
+          </a:xfrm>
+          <a:prstGeom prst="rect">
+            <a:avLst/>
+          </a:prstGeom>
+        </p:spPr>
+      </p:pic>
+      <p:sp>
+        <p:nvSpPr>
+          <p:cNvPr id="12" name="Content Placeholder 2"/>
+          <p:cNvSpPr txBox="1">
+            <a:spLocks/>
+          </p:cNvSpPr>
+          <p:nvPr/>
+        </p:nvSpPr>
+        <p:spPr>
+          <a:xfrm>
+            <a:off x="1088490" y="3114964"/>
+            <a:ext cx="5496867" cy="1952797"/>
+          </a:xfrm>
+          <a:prstGeom prst="rect">
+            <a:avLst/>
+          </a:prstGeom>
+        </p:spPr>
+        <p:txBody>
+          <a:bodyPr/>
+          <a:lstStyle>
+            <a:lvl1pPr marL="228600" indent="-228600" algn="l" defTabSz="914400" rtl="0" eaLnBrk="1" latinLnBrk="0" hangingPunct="1">
+              <a:lnSpc>
+                <a:spcPct val="120000"/>
+              </a:lnSpc>
+              <a:spcBef>
+                <a:spcPts val="1000"/>
+              </a:spcBef>
+              <a:buClr>
+                <a:schemeClr val="accent1"/>
+              </a:buClr>
+              <a:buSzPct val="100000"/>
+              <a:buFont typeface="Arial" panose="020B0604020202020204" pitchFamily="34" charset="0"/>
+              <a:buChar char="•"/>
+              <a:defRPr sz="2000" kern="1200">
+                <a:solidFill>
+                  <a:schemeClr val="tx1"/>
+                </a:solidFill>
+                <a:effectLst/>
+                <a:latin typeface="+mn-lt"/>
+                <a:ea typeface="+mn-ea"/>
+                <a:cs typeface="+mn-cs"/>
+              </a:defRPr>
+            </a:lvl1pPr>
+            <a:lvl2pPr marL="685800" indent="-228600" algn="l" defTabSz="914400" rtl="0" eaLnBrk="1" latinLnBrk="0" hangingPunct="1">
+              <a:lnSpc>
+                <a:spcPct val="120000"/>
+              </a:lnSpc>
+              <a:spcBef>
+                <a:spcPts val="500"/>
+              </a:spcBef>
+              <a:buClr>
+                <a:schemeClr val="accent1"/>
+              </a:buClr>
+              <a:buSzPct val="100000"/>
+              <a:buFont typeface="Arial" panose="020B0604020202020204" pitchFamily="34" charset="0"/>
+              <a:buChar char="•"/>
+              <a:defRPr sz="1800" kern="1200" cap="none" baseline="0">
+                <a:solidFill>
+                  <a:schemeClr val="tx1"/>
+                </a:solidFill>
+                <a:effectLst/>
+                <a:latin typeface="+mn-lt"/>
+                <a:ea typeface="+mn-ea"/>
+                <a:cs typeface="+mn-cs"/>
+              </a:defRPr>
+            </a:lvl2pPr>
+            <a:lvl3pPr marL="1143000" indent="-228600" algn="l" defTabSz="914400" rtl="0" eaLnBrk="1" latinLnBrk="0" hangingPunct="1">
+              <a:lnSpc>
+                <a:spcPct val="120000"/>
+              </a:lnSpc>
+              <a:spcBef>
+                <a:spcPts val="500"/>
+              </a:spcBef>
+              <a:buClr>
+                <a:schemeClr val="accent1"/>
+              </a:buClr>
+              <a:buSzPct val="100000"/>
+              <a:buFont typeface="Arial" panose="020B0604020202020204" pitchFamily="34" charset="0"/>
+              <a:buChar char="•"/>
+              <a:defRPr sz="1600" kern="1200">
+                <a:solidFill>
+                  <a:schemeClr val="tx1"/>
+                </a:solidFill>
+                <a:effectLst/>
+                <a:latin typeface="+mn-lt"/>
+                <a:ea typeface="+mn-ea"/>
+                <a:cs typeface="+mn-cs"/>
+              </a:defRPr>
+            </a:lvl3pPr>
+            <a:lvl4pPr marL="1600200" indent="-228600" algn="l" defTabSz="914400" rtl="0" eaLnBrk="1" latinLnBrk="0" hangingPunct="1">
+              <a:lnSpc>
+                <a:spcPct val="120000"/>
+              </a:lnSpc>
+              <a:spcBef>
+                <a:spcPts val="500"/>
+              </a:spcBef>
+              <a:buClr>
+                <a:schemeClr val="accent1"/>
+              </a:buClr>
+              <a:buSzPct val="100000"/>
+              <a:buFont typeface="Arial" panose="020B0604020202020204" pitchFamily="34" charset="0"/>
+              <a:buChar char="•"/>
+              <a:defRPr sz="1400" kern="1200" cap="none" baseline="0">
+                <a:solidFill>
+                  <a:schemeClr val="tx1"/>
+                </a:solidFill>
+                <a:effectLst/>
+                <a:latin typeface="+mn-lt"/>
+                <a:ea typeface="+mn-ea"/>
+                <a:cs typeface="+mn-cs"/>
+              </a:defRPr>
+            </a:lvl4pPr>
+            <a:lvl5pPr marL="2057400" indent="-228600" algn="l" defTabSz="914400" rtl="0" eaLnBrk="1" latinLnBrk="0" hangingPunct="1">
+              <a:lnSpc>
+                <a:spcPct val="120000"/>
+              </a:lnSpc>
+              <a:spcBef>
+                <a:spcPts val="500"/>
+              </a:spcBef>
+              <a:buClr>
+                <a:schemeClr val="accent1"/>
+              </a:buClr>
+              <a:buSzPct val="100000"/>
+              <a:buFont typeface="Arial" panose="020B0604020202020204" pitchFamily="34" charset="0"/>
+              <a:buChar char="•"/>
+              <a:defRPr sz="1200" kern="1200">
+                <a:solidFill>
+                  <a:schemeClr val="tx1"/>
+                </a:solidFill>
+                <a:effectLst/>
+                <a:latin typeface="+mn-lt"/>
+                <a:ea typeface="+mn-ea"/>
+                <a:cs typeface="+mn-cs"/>
+              </a:defRPr>
+            </a:lvl5pPr>
+            <a:lvl6pPr marL="2514600" indent="-228600" algn="l" defTabSz="914400" rtl="0" eaLnBrk="1" latinLnBrk="0" hangingPunct="1">
+              <a:lnSpc>
+                <a:spcPct val="120000"/>
+              </a:lnSpc>
+              <a:spcBef>
+                <a:spcPts val="500"/>
+              </a:spcBef>
+              <a:buClr>
+                <a:schemeClr val="accent1"/>
+              </a:buClr>
+              <a:buSzPct val="100000"/>
+              <a:buFont typeface="Arial" panose="020B0604020202020204" pitchFamily="34" charset="0"/>
+              <a:buChar char="•"/>
+              <a:defRPr sz="1200" kern="1200">
+                <a:solidFill>
+                  <a:schemeClr val="tx1"/>
+                </a:solidFill>
+                <a:effectLst/>
+                <a:latin typeface="+mn-lt"/>
+                <a:ea typeface="+mn-ea"/>
+                <a:cs typeface="+mn-cs"/>
+              </a:defRPr>
+            </a:lvl6pPr>
+            <a:lvl7pPr marL="2971800" indent="-228600" algn="l" defTabSz="914400" rtl="0" eaLnBrk="1" latinLnBrk="0" hangingPunct="1">
+              <a:lnSpc>
+                <a:spcPct val="120000"/>
+              </a:lnSpc>
+              <a:spcBef>
+                <a:spcPts val="500"/>
+              </a:spcBef>
+              <a:buClr>
+                <a:schemeClr val="accent1"/>
+              </a:buClr>
+              <a:buSzPct val="100000"/>
+              <a:buFont typeface="Arial" panose="020B0604020202020204" pitchFamily="34" charset="0"/>
+              <a:buChar char="•"/>
+              <a:defRPr sz="1200" kern="1200">
+                <a:solidFill>
+                  <a:schemeClr val="tx1"/>
+                </a:solidFill>
+                <a:effectLst/>
+                <a:latin typeface="+mn-lt"/>
+                <a:ea typeface="+mn-ea"/>
+                <a:cs typeface="+mn-cs"/>
+              </a:defRPr>
+            </a:lvl7pPr>
+            <a:lvl8pPr marL="3429000" indent="-228600" algn="l" defTabSz="914400" rtl="0" eaLnBrk="1" latinLnBrk="0" hangingPunct="1">
+              <a:lnSpc>
+                <a:spcPct val="120000"/>
+              </a:lnSpc>
+              <a:spcBef>
+                <a:spcPts val="500"/>
+              </a:spcBef>
+              <a:buClr>
+                <a:schemeClr val="accent1"/>
+              </a:buClr>
+              <a:buSzPct val="100000"/>
+              <a:buFont typeface="Arial" panose="020B0604020202020204" pitchFamily="34" charset="0"/>
+              <a:buChar char="•"/>
+              <a:defRPr sz="1200" kern="1200" baseline="0">
+                <a:solidFill>
+                  <a:schemeClr val="tx1"/>
+                </a:solidFill>
+                <a:effectLst/>
+                <a:latin typeface="+mn-lt"/>
+                <a:ea typeface="+mn-ea"/>
+                <a:cs typeface="+mn-cs"/>
+              </a:defRPr>
+            </a:lvl8pPr>
+            <a:lvl9pPr marL="3886200" indent="-228600" algn="l" defTabSz="914400" rtl="0" eaLnBrk="1" latinLnBrk="0" hangingPunct="1">
+              <a:lnSpc>
+                <a:spcPct val="120000"/>
+              </a:lnSpc>
+              <a:spcBef>
+                <a:spcPts val="500"/>
+              </a:spcBef>
+              <a:buClr>
+                <a:schemeClr val="accent1"/>
+              </a:buClr>
+              <a:buSzPct val="100000"/>
+              <a:buFont typeface="Arial" panose="020B0604020202020204" pitchFamily="34" charset="0"/>
+              <a:buChar char="•"/>
+              <a:defRPr sz="1200" kern="1200" baseline="0">
+                <a:solidFill>
+                  <a:schemeClr val="tx1"/>
+                </a:solidFill>
+                <a:effectLst/>
+                <a:latin typeface="+mn-lt"/>
+                <a:ea typeface="+mn-ea"/>
+                <a:cs typeface="+mn-cs"/>
+              </a:defRPr>
+            </a:lvl9pPr>
+          </a:lstStyle>
+          <a:p>
+            <a:r>
+              <a:rPr lang="en-US" dirty="0" err="1" smtClean="0">
+                <a:latin typeface="Arial" panose="020B0604020202020204" pitchFamily="34" charset="0"/>
+                <a:cs typeface="Arial" panose="020B0604020202020204" pitchFamily="34" charset="0"/>
+              </a:rPr>
+              <a:t>Kết</a:t>
+            </a:r>
+            <a:r>
+              <a:rPr lang="en-US" dirty="0" smtClean="0">
+                <a:latin typeface="Arial" panose="020B0604020202020204" pitchFamily="34" charset="0"/>
+                <a:cs typeface="Arial" panose="020B0604020202020204" pitchFamily="34" charset="0"/>
+              </a:rPr>
+              <a:t> </a:t>
+            </a:r>
+            <a:r>
+              <a:rPr lang="en-US" dirty="0" err="1" smtClean="0">
+                <a:latin typeface="Arial" panose="020B0604020202020204" pitchFamily="34" charset="0"/>
+                <a:cs typeface="Arial" panose="020B0604020202020204" pitchFamily="34" charset="0"/>
+              </a:rPr>
+              <a:t>quả</a:t>
+            </a:r>
+            <a:r>
+              <a:rPr lang="en-US" dirty="0" smtClean="0">
+                <a:latin typeface="Arial" panose="020B0604020202020204" pitchFamily="34" charset="0"/>
+                <a:cs typeface="Arial" panose="020B0604020202020204" pitchFamily="34" charset="0"/>
+              </a:rPr>
+              <a:t> train</a:t>
+            </a:r>
+          </a:p>
+          <a:p>
+            <a:r>
+              <a:rPr lang="en-US" dirty="0" err="1" smtClean="0">
+                <a:latin typeface="Arial" panose="020B0604020202020204" pitchFamily="34" charset="0"/>
+                <a:cs typeface="Arial" panose="020B0604020202020204" pitchFamily="34" charset="0"/>
+              </a:rPr>
+              <a:t>Kết</a:t>
+            </a:r>
+            <a:r>
+              <a:rPr lang="en-US" dirty="0" smtClean="0">
+                <a:latin typeface="Arial" panose="020B0604020202020204" pitchFamily="34" charset="0"/>
+                <a:cs typeface="Arial" panose="020B0604020202020204" pitchFamily="34" charset="0"/>
+              </a:rPr>
+              <a:t> </a:t>
+            </a:r>
+            <a:r>
+              <a:rPr lang="en-US" dirty="0" err="1" smtClean="0">
+                <a:latin typeface="Arial" panose="020B0604020202020204" pitchFamily="34" charset="0"/>
+                <a:cs typeface="Arial" panose="020B0604020202020204" pitchFamily="34" charset="0"/>
+              </a:rPr>
+              <a:t>quả</a:t>
+            </a:r>
+            <a:r>
+              <a:rPr lang="en-US" dirty="0" smtClean="0">
+                <a:latin typeface="Arial" panose="020B0604020202020204" pitchFamily="34" charset="0"/>
+                <a:cs typeface="Arial" panose="020B0604020202020204" pitchFamily="34" charset="0"/>
+              </a:rPr>
+              <a:t> test</a:t>
+            </a:r>
+            <a:endParaRPr lang="en-US" dirty="0">
+              <a:latin typeface="Arial" panose="020B0604020202020204" pitchFamily="34" charset="0"/>
+              <a:cs typeface="Arial" panose="020B0604020202020204" pitchFamily="34" charset="0"/>
+            </a:endParaRPr>
+          </a:p>
+        </p:txBody>
+      </p:sp>
+    </p:spTree>
+    <p:extLst>
+      <p:ext uri="{BB962C8B-B14F-4D97-AF65-F5344CB8AC3E}">
+        <p14:creationId xmlns:p14="http://schemas.microsoft.com/office/powerpoint/2010/main" val="1461127275"/>
+      </p:ext>
+    </p:extLst>
+  </p:cSld>
+  <p:clrMapOvr>
+    <a:masterClrMapping/>
+  </p:clrMapOvr>
+</p:sld>
+</file>
+
 <file path=ppt/slides/slide2.xml><?xml version="1.0" encoding="utf-8"?>
 <p:sld xmlns:a="http://schemas.openxmlformats.org/drawingml/2006/main" xmlns:r="http://schemas.openxmlformats.org/officeDocument/2006/relationships" xmlns:p="http://schemas.openxmlformats.org/presentationml/2006/main">
   <p:cSld>
@@ -4781,8 +8349,61 @@
                 <a:latin typeface="Arial" panose="020B0604020202020204" pitchFamily="34" charset="0"/>
                 <a:cs typeface="Arial" panose="020B0604020202020204" pitchFamily="34" charset="0"/>
               </a:rPr>
-              <a:t>:</a:t>
-            </a:r>
+              <a:t>: </a:t>
+            </a:r>
+            <a:r>
+              <a:rPr lang="en-US" sz="1500" dirty="0" err="1" smtClean="0">
+                <a:latin typeface="Arial" panose="020B0604020202020204" pitchFamily="34" charset="0"/>
+                <a:cs typeface="Arial" panose="020B0604020202020204" pitchFamily="34" charset="0"/>
+              </a:rPr>
+              <a:t>tầm</a:t>
+            </a:r>
+            <a:r>
+              <a:rPr lang="en-US" sz="1500" dirty="0" smtClean="0">
+                <a:latin typeface="Arial" panose="020B0604020202020204" pitchFamily="34" charset="0"/>
+                <a:cs typeface="Arial" panose="020B0604020202020204" pitchFamily="34" charset="0"/>
+              </a:rPr>
+              <a:t> </a:t>
+            </a:r>
+            <a:r>
+              <a:rPr lang="en-US" sz="1500" dirty="0" err="1" smtClean="0">
+                <a:latin typeface="Arial" panose="020B0604020202020204" pitchFamily="34" charset="0"/>
+                <a:cs typeface="Arial" panose="020B0604020202020204" pitchFamily="34" charset="0"/>
+              </a:rPr>
+              <a:t>nhìn</a:t>
+            </a:r>
+            <a:r>
+              <a:rPr lang="en-US" sz="1500" dirty="0" smtClean="0">
+                <a:latin typeface="Arial" panose="020B0604020202020204" pitchFamily="34" charset="0"/>
+                <a:cs typeface="Arial" panose="020B0604020202020204" pitchFamily="34" charset="0"/>
+              </a:rPr>
+              <a:t> </a:t>
+            </a:r>
+            <a:r>
+              <a:rPr lang="en-US" sz="1500" dirty="0" err="1" smtClean="0">
+                <a:latin typeface="Arial" panose="020B0604020202020204" pitchFamily="34" charset="0"/>
+                <a:cs typeface="Arial" panose="020B0604020202020204" pitchFamily="34" charset="0"/>
+              </a:rPr>
+              <a:t>ra</a:t>
+            </a:r>
+            <a:r>
+              <a:rPr lang="en-US" sz="1500" dirty="0" smtClean="0">
+                <a:latin typeface="Arial" panose="020B0604020202020204" pitchFamily="34" charset="0"/>
+                <a:cs typeface="Arial" panose="020B0604020202020204" pitchFamily="34" charset="0"/>
+              </a:rPr>
+              <a:t> </a:t>
+            </a:r>
+            <a:r>
+              <a:rPr lang="en-US" sz="1500" dirty="0" err="1" smtClean="0">
+                <a:latin typeface="Arial" panose="020B0604020202020204" pitchFamily="34" charset="0"/>
+                <a:cs typeface="Arial" panose="020B0604020202020204" pitchFamily="34" charset="0"/>
+              </a:rPr>
+              <a:t>sông</a:t>
+            </a:r>
+            <a:endParaRPr lang="en-US" sz="1500" dirty="0" smtClean="0">
+              <a:latin typeface="Arial" panose="020B0604020202020204" pitchFamily="34" charset="0"/>
+              <a:cs typeface="Arial" panose="020B0604020202020204" pitchFamily="34" charset="0"/>
+            </a:endParaRPr>
           </a:p>
           <a:p>
             <a:pPr lvl="1"/>
@@ -5115,6 +8736,48 @@
               </a:rPr>
               <a:t>cấp</a:t>
             </a:r>
+            <a:r>
+              <a:rPr lang="en-US" sz="1500" dirty="0" smtClean="0">
+                <a:latin typeface="Arial" panose="020B0604020202020204" pitchFamily="34" charset="0"/>
+                <a:cs typeface="Arial" panose="020B0604020202020204" pitchFamily="34" charset="0"/>
+              </a:rPr>
+              <a:t> </a:t>
+            </a:r>
+            <a:r>
+              <a:rPr lang="en-US" sz="1500" dirty="0" err="1" smtClean="0">
+                <a:latin typeface="Arial" panose="020B0604020202020204" pitchFamily="34" charset="0"/>
+                <a:cs typeface="Arial" panose="020B0604020202020204" pitchFamily="34" charset="0"/>
+              </a:rPr>
+              <a:t>độ</a:t>
+            </a:r>
+            <a:r>
+              <a:rPr lang="en-US" sz="1500" dirty="0" smtClean="0">
+                <a:latin typeface="Arial" panose="020B0604020202020204" pitchFamily="34" charset="0"/>
+                <a:cs typeface="Arial" panose="020B0604020202020204" pitchFamily="34" charset="0"/>
+              </a:rPr>
+              <a:t> </a:t>
+            </a:r>
+            <a:r>
+              <a:rPr lang="en-US" sz="1500" dirty="0" err="1" smtClean="0">
+                <a:latin typeface="Arial" panose="020B0604020202020204" pitchFamily="34" charset="0"/>
+                <a:cs typeface="Arial" panose="020B0604020202020204" pitchFamily="34" charset="0"/>
+              </a:rPr>
+              <a:t>thiết</a:t>
+            </a:r>
+            <a:r>
+              <a:rPr lang="en-US" sz="1500" dirty="0" smtClean="0">
+                <a:latin typeface="Arial" panose="020B0604020202020204" pitchFamily="34" charset="0"/>
+                <a:cs typeface="Arial" panose="020B0604020202020204" pitchFamily="34" charset="0"/>
+              </a:rPr>
+              <a:t> </a:t>
+            </a:r>
+            <a:r>
+              <a:rPr lang="en-US" sz="1500" dirty="0" err="1" smtClean="0">
+                <a:latin typeface="Arial" panose="020B0604020202020204" pitchFamily="34" charset="0"/>
+                <a:cs typeface="Arial" panose="020B0604020202020204" pitchFamily="34" charset="0"/>
+              </a:rPr>
+              <a:t>kế</a:t>
+            </a:r>
             <a:endParaRPr lang="en-US" sz="1500" dirty="0">
               <a:latin typeface="Arial" panose="020B0604020202020204" pitchFamily="34" charset="0"/>
               <a:cs typeface="Arial" panose="020B0604020202020204" pitchFamily="34" charset="0"/>
@@ -5130,23 +8793,6 @@
               <a:t>Sqft_basement</a:t>
             </a:r>
             <a:r>
-              <a:rPr lang="en-US" sz="1500" dirty="0">
-                <a:latin typeface="Arial" panose="020B0604020202020204" pitchFamily="34" charset="0"/>
-                <a:cs typeface="Arial" panose="020B0604020202020204" pitchFamily="34" charset="0"/>
-              </a:rPr>
-              <a:t>:</a:t>
-            </a:r>
-          </a:p>
-          <a:p>
-            <a:pPr lvl="1"/>
-            <a:r>
-              <a:rPr lang="en-US" sz="1500" dirty="0" err="1">
-                <a:latin typeface="Arial" panose="020B0604020202020204" pitchFamily="34" charset="0"/>
-                <a:cs typeface="Arial" panose="020B0604020202020204" pitchFamily="34" charset="0"/>
-              </a:rPr>
-              <a:t>Yr_built</a:t>
-            </a:r>
-            <a:r>
               <a:rPr lang="en-US" sz="1500" dirty="0" smtClean="0">
                 <a:latin typeface="Arial" panose="020B0604020202020204" pitchFamily="34" charset="0"/>
                 <a:cs typeface="Arial" panose="020B0604020202020204" pitchFamily="34" charset="0"/>
@@ -5158,7 +8804,7 @@
                 <a:latin typeface="Arial" panose="020B0604020202020204" pitchFamily="34" charset="0"/>
                 <a:cs typeface="Arial" panose="020B0604020202020204" pitchFamily="34" charset="0"/>
               </a:rPr>
-              <a:t>năm</a:t>
+              <a:t>Không</a:t>
             </a:r>
             <a:r>
               <a:rPr lang="en-US" sz="1500" dirty="0" smtClean="0">
@@ -5172,7 +8818,7 @@
                 <a:latin typeface="Arial" panose="020B0604020202020204" pitchFamily="34" charset="0"/>
                 <a:cs typeface="Arial" panose="020B0604020202020204" pitchFamily="34" charset="0"/>
               </a:rPr>
-              <a:t>xây</a:t>
+              <a:t>gian</a:t>
             </a:r>
             <a:r>
               <a:rPr lang="en-US" sz="1500" dirty="0" smtClean="0">
@@ -5186,7 +8832,63 @@
                 <a:latin typeface="Arial" panose="020B0604020202020204" pitchFamily="34" charset="0"/>
                 <a:cs typeface="Arial" panose="020B0604020202020204" pitchFamily="34" charset="0"/>
               </a:rPr>
-              <a:t>dựng</a:t>
+              <a:t>nội</a:t>
+            </a:r>
+            <a:r>
+              <a:rPr lang="en-US" sz="1500" dirty="0" smtClean="0">
+                <a:latin typeface="Arial" panose="020B0604020202020204" pitchFamily="34" charset="0"/>
+                <a:cs typeface="Arial" panose="020B0604020202020204" pitchFamily="34" charset="0"/>
+              </a:rPr>
+              <a:t> </a:t>
+            </a:r>
+            <a:r>
+              <a:rPr lang="en-US" sz="1500" dirty="0" err="1" smtClean="0">
+                <a:latin typeface="Arial" panose="020B0604020202020204" pitchFamily="34" charset="0"/>
+                <a:cs typeface="Arial" panose="020B0604020202020204" pitchFamily="34" charset="0"/>
+              </a:rPr>
+              <a:t>thất</a:t>
+            </a:r>
+            <a:r>
+              <a:rPr lang="en-US" sz="1500" dirty="0" smtClean="0">
+                <a:latin typeface="Arial" panose="020B0604020202020204" pitchFamily="34" charset="0"/>
+                <a:cs typeface="Arial" panose="020B0604020202020204" pitchFamily="34" charset="0"/>
+              </a:rPr>
+              <a:t> </a:t>
+            </a:r>
+            <a:r>
+              <a:rPr lang="en-US" sz="1500" dirty="0" err="1" smtClean="0">
+                <a:latin typeface="Arial" panose="020B0604020202020204" pitchFamily="34" charset="0"/>
+                <a:cs typeface="Arial" panose="020B0604020202020204" pitchFamily="34" charset="0"/>
+              </a:rPr>
+              <a:t>trên</a:t>
+            </a:r>
+            <a:r>
+              <a:rPr lang="en-US" sz="1500" dirty="0" smtClean="0">
+                <a:latin typeface="Arial" panose="020B0604020202020204" pitchFamily="34" charset="0"/>
+                <a:cs typeface="Arial" panose="020B0604020202020204" pitchFamily="34" charset="0"/>
+              </a:rPr>
+              <a:t> </a:t>
+            </a:r>
+            <a:r>
+              <a:rPr lang="en-US" sz="1500" dirty="0" err="1" smtClean="0">
+                <a:latin typeface="Arial" panose="020B0604020202020204" pitchFamily="34" charset="0"/>
+                <a:cs typeface="Arial" panose="020B0604020202020204" pitchFamily="34" charset="0"/>
+              </a:rPr>
+              <a:t>mặt</a:t>
+            </a:r>
+            <a:r>
+              <a:rPr lang="en-US" sz="1500" dirty="0" smtClean="0">
+                <a:latin typeface="Arial" panose="020B0604020202020204" pitchFamily="34" charset="0"/>
+                <a:cs typeface="Arial" panose="020B0604020202020204" pitchFamily="34" charset="0"/>
+              </a:rPr>
+              <a:t> </a:t>
+            </a:r>
+            <a:r>
+              <a:rPr lang="en-US" sz="1500" dirty="0" err="1" smtClean="0">
+                <a:latin typeface="Arial" panose="020B0604020202020204" pitchFamily="34" charset="0"/>
+                <a:cs typeface="Arial" panose="020B0604020202020204" pitchFamily="34" charset="0"/>
+              </a:rPr>
+              <a:t>đất</a:t>
             </a:r>
             <a:endParaRPr lang="en-US" sz="1500" dirty="0">
               <a:latin typeface="Arial" panose="020B0604020202020204" pitchFamily="34" charset="0"/>
@@ -5200,6 +8902,62 @@
                 <a:latin typeface="Arial" panose="020B0604020202020204" pitchFamily="34" charset="0"/>
                 <a:cs typeface="Arial" panose="020B0604020202020204" pitchFamily="34" charset="0"/>
               </a:rPr>
+              <a:t>Yr_built</a:t>
+            </a:r>
+            <a:r>
+              <a:rPr lang="en-US" sz="1500" dirty="0" smtClean="0">
+                <a:latin typeface="Arial" panose="020B0604020202020204" pitchFamily="34" charset="0"/>
+                <a:cs typeface="Arial" panose="020B0604020202020204" pitchFamily="34" charset="0"/>
+              </a:rPr>
+              <a:t>: </a:t>
+            </a:r>
+            <a:r>
+              <a:rPr lang="en-US" sz="1500" dirty="0" err="1" smtClean="0">
+                <a:latin typeface="Arial" panose="020B0604020202020204" pitchFamily="34" charset="0"/>
+                <a:cs typeface="Arial" panose="020B0604020202020204" pitchFamily="34" charset="0"/>
+              </a:rPr>
+              <a:t>năm</a:t>
+            </a:r>
+            <a:r>
+              <a:rPr lang="en-US" sz="1500" dirty="0" smtClean="0">
+                <a:latin typeface="Arial" panose="020B0604020202020204" pitchFamily="34" charset="0"/>
+                <a:cs typeface="Arial" panose="020B0604020202020204" pitchFamily="34" charset="0"/>
+              </a:rPr>
+              <a:t> </a:t>
+            </a:r>
+            <a:r>
+              <a:rPr lang="en-US" sz="1500" dirty="0" err="1" smtClean="0">
+                <a:latin typeface="Arial" panose="020B0604020202020204" pitchFamily="34" charset="0"/>
+                <a:cs typeface="Arial" panose="020B0604020202020204" pitchFamily="34" charset="0"/>
+              </a:rPr>
+              <a:t>xây</a:t>
+            </a:r>
+            <a:r>
+              <a:rPr lang="en-US" sz="1500" dirty="0" smtClean="0">
+                <a:latin typeface="Arial" panose="020B0604020202020204" pitchFamily="34" charset="0"/>
+                <a:cs typeface="Arial" panose="020B0604020202020204" pitchFamily="34" charset="0"/>
+              </a:rPr>
+              <a:t> </a:t>
+            </a:r>
+            <a:r>
+              <a:rPr lang="en-US" sz="1500" dirty="0" err="1" smtClean="0">
+                <a:latin typeface="Arial" panose="020B0604020202020204" pitchFamily="34" charset="0"/>
+                <a:cs typeface="Arial" panose="020B0604020202020204" pitchFamily="34" charset="0"/>
+              </a:rPr>
+              <a:t>dựng</a:t>
+            </a:r>
+            <a:endParaRPr lang="en-US" sz="1500" dirty="0">
+              <a:latin typeface="Arial" panose="020B0604020202020204" pitchFamily="34" charset="0"/>
+              <a:cs typeface="Arial" panose="020B0604020202020204" pitchFamily="34" charset="0"/>
+            </a:endParaRPr>
+          </a:p>
+          <a:p>
+            <a:pPr lvl="1"/>
+            <a:r>
+              <a:rPr lang="en-US" sz="1500" dirty="0" err="1">
+                <a:latin typeface="Arial" panose="020B0604020202020204" pitchFamily="34" charset="0"/>
+                <a:cs typeface="Arial" panose="020B0604020202020204" pitchFamily="34" charset="0"/>
+              </a:rPr>
               <a:t>yr_renovated</a:t>
             </a:r>
             <a:r>
@@ -5326,7 +9084,7 @@
                 <a:latin typeface="Arial" panose="020B0604020202020204" pitchFamily="34" charset="0"/>
                 <a:cs typeface="Arial" panose="020B0604020202020204" pitchFamily="34" charset="0"/>
               </a:rPr>
-              <a:t>chiều</a:t>
+              <a:t>vĩ</a:t>
             </a:r>
             <a:r>
               <a:rPr lang="en-US" sz="1500" dirty="0" smtClean="0">
@@ -5340,7 +9098,7 @@
                 <a:latin typeface="Arial" panose="020B0604020202020204" pitchFamily="34" charset="0"/>
                 <a:cs typeface="Arial" panose="020B0604020202020204" pitchFamily="34" charset="0"/>
               </a:rPr>
-              <a:t>rộng</a:t>
+              <a:t>độ</a:t>
             </a:r>
             <a:endParaRPr lang="en-US" sz="1500" dirty="0" smtClean="0">
               <a:latin typeface="Arial" panose="020B0604020202020204" pitchFamily="34" charset="0"/>
@@ -5361,7 +9119,7 @@
                 <a:latin typeface="Arial" panose="020B0604020202020204" pitchFamily="34" charset="0"/>
                 <a:cs typeface="Arial" panose="020B0604020202020204" pitchFamily="34" charset="0"/>
               </a:rPr>
-              <a:t>chiều</a:t>
+              <a:t>kinh</a:t>
             </a:r>
             <a:r>
               <a:rPr lang="en-US" sz="1500" dirty="0" smtClean="0">
@@ -5375,7 +9133,7 @@
                 <a:latin typeface="Arial" panose="020B0604020202020204" pitchFamily="34" charset="0"/>
                 <a:cs typeface="Arial" panose="020B0604020202020204" pitchFamily="34" charset="0"/>
               </a:rPr>
-              <a:t>rộng</a:t>
+              <a:t>độ</a:t>
             </a:r>
             <a:endParaRPr lang="en-US" sz="1500" dirty="0" smtClean="0">
               <a:latin typeface="Arial" panose="020B0604020202020204" pitchFamily="34" charset="0"/>
@@ -5684,258 +9442,5120 @@
       <p:sp>
         <p:nvSpPr>
           <p:cNvPr id="2" name="Title 1"/>
-          <p:cNvSpPr>
-            <a:spLocks noGrp="1"/>
+          <p:cNvSpPr txBox="1">
+            <a:spLocks/>
           </p:cNvSpPr>
-          <p:nvPr>
-            <p:ph type="title"/>
-          </p:nvPr>
+          <p:nvPr/>
         </p:nvSpPr>
-        <p:spPr/>
+        <p:spPr>
+          <a:xfrm>
+            <a:off x="1088491" y="167780"/>
+            <a:ext cx="9605635" cy="857515"/>
+          </a:xfrm>
+          <a:prstGeom prst="rect">
+            <a:avLst/>
+          </a:prstGeom>
+        </p:spPr>
         <p:txBody>
           <a:bodyPr/>
-          <a:lstStyle/>
-          <a:p>
-            <a:r>
-              <a:rPr lang="en-US" dirty="0" err="1" smtClean="0"/>
-              <a:t>Xử</a:t>
-            </a:r>
-            <a:r>
-              <a:rPr lang="en-US" dirty="0" smtClean="0"/>
-              <a:t> </a:t>
-            </a:r>
-            <a:r>
-              <a:rPr lang="en-US" dirty="0" err="1" smtClean="0"/>
-              <a:t>lý</a:t>
-            </a:r>
-            <a:r>
-              <a:rPr lang="en-US" dirty="0" smtClean="0"/>
-              <a:t> </a:t>
-            </a:r>
-            <a:r>
-              <a:rPr lang="en-US" dirty="0" err="1" smtClean="0"/>
-              <a:t>dữ</a:t>
-            </a:r>
-            <a:r>
-              <a:rPr lang="en-US" dirty="0" smtClean="0"/>
-              <a:t> </a:t>
-            </a:r>
-            <a:r>
-              <a:rPr lang="en-US" dirty="0" err="1" smtClean="0"/>
-              <a:t>liệu</a:t>
-            </a:r>
-            <a:r>
-              <a:rPr lang="en-US" dirty="0"/>
-              <a:t/>
+          <a:lstStyle>
+            <a:lvl1pPr algn="l" defTabSz="914400" rtl="0" eaLnBrk="1" latinLnBrk="0" hangingPunct="1">
+              <a:lnSpc>
+                <a:spcPct val="90000"/>
+              </a:lnSpc>
+              <a:spcBef>
+                <a:spcPct val="0"/>
+              </a:spcBef>
+              <a:buNone/>
+              <a:defRPr sz="3200" b="0" i="0" kern="1200" cap="all">
+                <a:solidFill>
+                  <a:schemeClr val="tx1"/>
+                </a:solidFill>
+                <a:effectLst/>
+                <a:latin typeface="+mj-lt"/>
+                <a:ea typeface="+mj-ea"/>
+                <a:cs typeface="+mj-cs"/>
+              </a:defRPr>
+            </a:lvl1pPr>
+          </a:lstStyle>
+          <a:p>
+            <a:r>
+              <a:rPr lang="en-US" smtClean="0">
+                <a:latin typeface="Arial" panose="020B0604020202020204" pitchFamily="34" charset="0"/>
+                <a:cs typeface="Arial" panose="020B0604020202020204" pitchFamily="34" charset="0"/>
+              </a:rPr>
+              <a:t>Xử lý dữ liệu</a:t>
             </a:r>
             <a:br>
-              <a:rPr lang="en-US" dirty="0"/>
+              <a:rPr lang="en-US" smtClean="0">
+                <a:latin typeface="Arial" panose="020B0604020202020204" pitchFamily="34" charset="0"/>
+                <a:cs typeface="Arial" panose="020B0604020202020204" pitchFamily="34" charset="0"/>
+              </a:rPr>
             </a:br>
             <a:r>
-              <a:rPr lang="en-US" dirty="0" err="1" smtClean="0"/>
-              <a:t>Loại</a:t>
-            </a:r>
-            <a:r>
-              <a:rPr lang="en-US" dirty="0" smtClean="0"/>
-              <a:t> </a:t>
-            </a:r>
-            <a:r>
-              <a:rPr lang="en-US" dirty="0" err="1" smtClean="0"/>
-              <a:t>bỏ</a:t>
-            </a:r>
-            <a:r>
-              <a:rPr lang="en-US" dirty="0" smtClean="0"/>
-              <a:t> </a:t>
-            </a:r>
-            <a:r>
-              <a:rPr lang="en-US" dirty="0" err="1" smtClean="0"/>
-              <a:t>một</a:t>
-            </a:r>
-            <a:r>
-              <a:rPr lang="en-US" dirty="0" smtClean="0"/>
-              <a:t> </a:t>
-            </a:r>
-            <a:r>
-              <a:rPr lang="en-US" dirty="0" err="1" smtClean="0"/>
-              <a:t>số</a:t>
-            </a:r>
-            <a:r>
-              <a:rPr lang="en-US" dirty="0" smtClean="0"/>
-              <a:t> </a:t>
-            </a:r>
-            <a:r>
-              <a:rPr lang="en-US" dirty="0" err="1" smtClean="0"/>
-              <a:t>cột</a:t>
-            </a:r>
-            <a:r>
-              <a:rPr lang="en-US" dirty="0" smtClean="0"/>
-              <a:t> </a:t>
-            </a:r>
-            <a:r>
-              <a:rPr lang="en-US" dirty="0" err="1" smtClean="0"/>
-              <a:t>không</a:t>
-            </a:r>
-            <a:r>
-              <a:rPr lang="en-US" dirty="0" smtClean="0"/>
-              <a:t> </a:t>
-            </a:r>
-            <a:r>
-              <a:rPr lang="en-US" dirty="0" err="1" smtClean="0"/>
-              <a:t>cần</a:t>
-            </a:r>
-            <a:r>
-              <a:rPr lang="en-US" dirty="0" smtClean="0"/>
-              <a:t> </a:t>
-            </a:r>
-            <a:r>
-              <a:rPr lang="en-US" dirty="0" err="1" smtClean="0"/>
-              <a:t>thiết</a:t>
-            </a:r>
-            <a:endParaRPr lang="en-US" dirty="0"/>
+              <a:rPr lang="en-US" sz="2000" smtClean="0">
+                <a:latin typeface="Arial" panose="020B0604020202020204" pitchFamily="34" charset="0"/>
+                <a:cs typeface="Arial" panose="020B0604020202020204" pitchFamily="34" charset="0"/>
+              </a:rPr>
+              <a:t>Loại bỏ một số cột không cần thiết</a:t>
+            </a:r>
+            <a:endParaRPr lang="en-US" sz="2000" dirty="0">
+              <a:latin typeface="Arial" panose="020B0604020202020204" pitchFamily="34" charset="0"/>
+              <a:cs typeface="Arial" panose="020B0604020202020204" pitchFamily="34" charset="0"/>
+            </a:endParaRPr>
           </a:p>
         </p:txBody>
       </p:sp>
       <p:sp>
         <p:nvSpPr>
           <p:cNvPr id="3" name="Content Placeholder 2"/>
-          <p:cNvSpPr>
-            <a:spLocks noGrp="1"/>
+          <p:cNvSpPr txBox="1">
+            <a:spLocks/>
           </p:cNvSpPr>
-          <p:nvPr>
-            <p:ph sz="half" idx="1"/>
-          </p:nvPr>
+          <p:nvPr/>
         </p:nvSpPr>
-        <p:spPr/>
+        <p:spPr>
+          <a:xfrm>
+            <a:off x="1088491" y="1025295"/>
+            <a:ext cx="4937350" cy="3595279"/>
+          </a:xfrm>
+          <a:prstGeom prst="rect">
+            <a:avLst/>
+          </a:prstGeom>
+        </p:spPr>
         <p:txBody>
           <a:bodyPr/>
-          <a:lstStyle/>
-          <a:p>
-            <a:r>
-              <a:rPr lang="en-US" dirty="0" err="1" smtClean="0"/>
+          <a:lstStyle>
+            <a:lvl1pPr marL="228600" indent="-228600" algn="l" defTabSz="914400" rtl="0" eaLnBrk="1" latinLnBrk="0" hangingPunct="1">
+              <a:lnSpc>
+                <a:spcPct val="120000"/>
+              </a:lnSpc>
+              <a:spcBef>
+                <a:spcPts val="1000"/>
+              </a:spcBef>
+              <a:buClr>
+                <a:schemeClr val="accent1"/>
+              </a:buClr>
+              <a:buSzPct val="100000"/>
+              <a:buFont typeface="Arial" panose="020B0604020202020204" pitchFamily="34" charset="0"/>
+              <a:buChar char="•"/>
+              <a:defRPr sz="2000" kern="1200">
+                <a:solidFill>
+                  <a:schemeClr val="tx1"/>
+                </a:solidFill>
+                <a:effectLst/>
+                <a:latin typeface="+mn-lt"/>
+                <a:ea typeface="+mn-ea"/>
+                <a:cs typeface="+mn-cs"/>
+              </a:defRPr>
+            </a:lvl1pPr>
+            <a:lvl2pPr marL="685800" indent="-228600" algn="l" defTabSz="914400" rtl="0" eaLnBrk="1" latinLnBrk="0" hangingPunct="1">
+              <a:lnSpc>
+                <a:spcPct val="120000"/>
+              </a:lnSpc>
+              <a:spcBef>
+                <a:spcPts val="500"/>
+              </a:spcBef>
+              <a:buClr>
+                <a:schemeClr val="accent1"/>
+              </a:buClr>
+              <a:buSzPct val="100000"/>
+              <a:buFont typeface="Arial" panose="020B0604020202020204" pitchFamily="34" charset="0"/>
+              <a:buChar char="•"/>
+              <a:defRPr sz="1800" kern="1200" cap="none" baseline="0">
+                <a:solidFill>
+                  <a:schemeClr val="tx1"/>
+                </a:solidFill>
+                <a:effectLst/>
+                <a:latin typeface="+mn-lt"/>
+                <a:ea typeface="+mn-ea"/>
+                <a:cs typeface="+mn-cs"/>
+              </a:defRPr>
+            </a:lvl2pPr>
+            <a:lvl3pPr marL="1143000" indent="-228600" algn="l" defTabSz="914400" rtl="0" eaLnBrk="1" latinLnBrk="0" hangingPunct="1">
+              <a:lnSpc>
+                <a:spcPct val="120000"/>
+              </a:lnSpc>
+              <a:spcBef>
+                <a:spcPts val="500"/>
+              </a:spcBef>
+              <a:buClr>
+                <a:schemeClr val="accent1"/>
+              </a:buClr>
+              <a:buSzPct val="100000"/>
+              <a:buFont typeface="Arial" panose="020B0604020202020204" pitchFamily="34" charset="0"/>
+              <a:buChar char="•"/>
+              <a:defRPr sz="1600" kern="1200">
+                <a:solidFill>
+                  <a:schemeClr val="tx1"/>
+                </a:solidFill>
+                <a:effectLst/>
+                <a:latin typeface="+mn-lt"/>
+                <a:ea typeface="+mn-ea"/>
+                <a:cs typeface="+mn-cs"/>
+              </a:defRPr>
+            </a:lvl3pPr>
+            <a:lvl4pPr marL="1600200" indent="-228600" algn="l" defTabSz="914400" rtl="0" eaLnBrk="1" latinLnBrk="0" hangingPunct="1">
+              <a:lnSpc>
+                <a:spcPct val="120000"/>
+              </a:lnSpc>
+              <a:spcBef>
+                <a:spcPts val="500"/>
+              </a:spcBef>
+              <a:buClr>
+                <a:schemeClr val="accent1"/>
+              </a:buClr>
+              <a:buSzPct val="100000"/>
+              <a:buFont typeface="Arial" panose="020B0604020202020204" pitchFamily="34" charset="0"/>
+              <a:buChar char="•"/>
+              <a:defRPr sz="1400" kern="1200" cap="none" baseline="0">
+                <a:solidFill>
+                  <a:schemeClr val="tx1"/>
+                </a:solidFill>
+                <a:effectLst/>
+                <a:latin typeface="+mn-lt"/>
+                <a:ea typeface="+mn-ea"/>
+                <a:cs typeface="+mn-cs"/>
+              </a:defRPr>
+            </a:lvl4pPr>
+            <a:lvl5pPr marL="2057400" indent="-228600" algn="l" defTabSz="914400" rtl="0" eaLnBrk="1" latinLnBrk="0" hangingPunct="1">
+              <a:lnSpc>
+                <a:spcPct val="120000"/>
+              </a:lnSpc>
+              <a:spcBef>
+                <a:spcPts val="500"/>
+              </a:spcBef>
+              <a:buClr>
+                <a:schemeClr val="accent1"/>
+              </a:buClr>
+              <a:buSzPct val="100000"/>
+              <a:buFont typeface="Arial" panose="020B0604020202020204" pitchFamily="34" charset="0"/>
+              <a:buChar char="•"/>
+              <a:defRPr sz="1200" kern="1200">
+                <a:solidFill>
+                  <a:schemeClr val="tx1"/>
+                </a:solidFill>
+                <a:effectLst/>
+                <a:latin typeface="+mn-lt"/>
+                <a:ea typeface="+mn-ea"/>
+                <a:cs typeface="+mn-cs"/>
+              </a:defRPr>
+            </a:lvl5pPr>
+            <a:lvl6pPr marL="2514600" indent="-228600" algn="l" defTabSz="914400" rtl="0" eaLnBrk="1" latinLnBrk="0" hangingPunct="1">
+              <a:lnSpc>
+                <a:spcPct val="120000"/>
+              </a:lnSpc>
+              <a:spcBef>
+                <a:spcPts val="500"/>
+              </a:spcBef>
+              <a:buClr>
+                <a:schemeClr val="accent1"/>
+              </a:buClr>
+              <a:buSzPct val="100000"/>
+              <a:buFont typeface="Arial" panose="020B0604020202020204" pitchFamily="34" charset="0"/>
+              <a:buChar char="•"/>
+              <a:defRPr sz="1200" kern="1200">
+                <a:solidFill>
+                  <a:schemeClr val="tx1"/>
+                </a:solidFill>
+                <a:effectLst/>
+                <a:latin typeface="+mn-lt"/>
+                <a:ea typeface="+mn-ea"/>
+                <a:cs typeface="+mn-cs"/>
+              </a:defRPr>
+            </a:lvl6pPr>
+            <a:lvl7pPr marL="2971800" indent="-228600" algn="l" defTabSz="914400" rtl="0" eaLnBrk="1" latinLnBrk="0" hangingPunct="1">
+              <a:lnSpc>
+                <a:spcPct val="120000"/>
+              </a:lnSpc>
+              <a:spcBef>
+                <a:spcPts val="500"/>
+              </a:spcBef>
+              <a:buClr>
+                <a:schemeClr val="accent1"/>
+              </a:buClr>
+              <a:buSzPct val="100000"/>
+              <a:buFont typeface="Arial" panose="020B0604020202020204" pitchFamily="34" charset="0"/>
+              <a:buChar char="•"/>
+              <a:defRPr sz="1200" kern="1200">
+                <a:solidFill>
+                  <a:schemeClr val="tx1"/>
+                </a:solidFill>
+                <a:effectLst/>
+                <a:latin typeface="+mn-lt"/>
+                <a:ea typeface="+mn-ea"/>
+                <a:cs typeface="+mn-cs"/>
+              </a:defRPr>
+            </a:lvl7pPr>
+            <a:lvl8pPr marL="3429000" indent="-228600" algn="l" defTabSz="914400" rtl="0" eaLnBrk="1" latinLnBrk="0" hangingPunct="1">
+              <a:lnSpc>
+                <a:spcPct val="120000"/>
+              </a:lnSpc>
+              <a:spcBef>
+                <a:spcPts val="500"/>
+              </a:spcBef>
+              <a:buClr>
+                <a:schemeClr val="accent1"/>
+              </a:buClr>
+              <a:buSzPct val="100000"/>
+              <a:buFont typeface="Arial" panose="020B0604020202020204" pitchFamily="34" charset="0"/>
+              <a:buChar char="•"/>
+              <a:defRPr sz="1200" kern="1200" baseline="0">
+                <a:solidFill>
+                  <a:schemeClr val="tx1"/>
+                </a:solidFill>
+                <a:effectLst/>
+                <a:latin typeface="+mn-lt"/>
+                <a:ea typeface="+mn-ea"/>
+                <a:cs typeface="+mn-cs"/>
+              </a:defRPr>
+            </a:lvl8pPr>
+            <a:lvl9pPr marL="3886200" indent="-228600" algn="l" defTabSz="914400" rtl="0" eaLnBrk="1" latinLnBrk="0" hangingPunct="1">
+              <a:lnSpc>
+                <a:spcPct val="120000"/>
+              </a:lnSpc>
+              <a:spcBef>
+                <a:spcPts val="500"/>
+              </a:spcBef>
+              <a:buClr>
+                <a:schemeClr val="accent1"/>
+              </a:buClr>
+              <a:buSzPct val="100000"/>
+              <a:buFont typeface="Arial" panose="020B0604020202020204" pitchFamily="34" charset="0"/>
+              <a:buChar char="•"/>
+              <a:defRPr sz="1200" kern="1200" baseline="0">
+                <a:solidFill>
+                  <a:schemeClr val="tx1"/>
+                </a:solidFill>
+                <a:effectLst/>
+                <a:latin typeface="+mn-lt"/>
+                <a:ea typeface="+mn-ea"/>
+                <a:cs typeface="+mn-cs"/>
+              </a:defRPr>
+            </a:lvl9pPr>
+          </a:lstStyle>
+          <a:p>
+            <a:r>
+              <a:rPr lang="en-US" dirty="0" err="1" smtClean="0">
+                <a:latin typeface="Arial" panose="020B0604020202020204" pitchFamily="34" charset="0"/>
+                <a:cs typeface="Arial" panose="020B0604020202020204" pitchFamily="34" charset="0"/>
+              </a:rPr>
               <a:t>Các</a:t>
             </a:r>
             <a:r>
-              <a:rPr lang="en-US" dirty="0" smtClean="0"/>
-              <a:t> </a:t>
-            </a:r>
-            <a:r>
-              <a:rPr lang="en-US" dirty="0" err="1" smtClean="0"/>
+              <a:rPr lang="en-US" dirty="0" smtClean="0">
+                <a:latin typeface="Arial" panose="020B0604020202020204" pitchFamily="34" charset="0"/>
+                <a:cs typeface="Arial" panose="020B0604020202020204" pitchFamily="34" charset="0"/>
+              </a:rPr>
+              <a:t> </a:t>
+            </a:r>
+            <a:r>
+              <a:rPr lang="en-US" dirty="0" err="1" smtClean="0">
+                <a:latin typeface="Arial" panose="020B0604020202020204" pitchFamily="34" charset="0"/>
+                <a:cs typeface="Arial" panose="020B0604020202020204" pitchFamily="34" charset="0"/>
+              </a:rPr>
               <a:t>cột</a:t>
             </a:r>
             <a:r>
-              <a:rPr lang="en-US" dirty="0" smtClean="0"/>
-              <a:t> </a:t>
-            </a:r>
-            <a:r>
-              <a:rPr lang="en-US" dirty="0" err="1" smtClean="0"/>
+              <a:rPr lang="en-US" dirty="0" smtClean="0">
+                <a:latin typeface="Arial" panose="020B0604020202020204" pitchFamily="34" charset="0"/>
+                <a:cs typeface="Arial" panose="020B0604020202020204" pitchFamily="34" charset="0"/>
+              </a:rPr>
+              <a:t> </a:t>
+            </a:r>
+            <a:r>
+              <a:rPr lang="en-US" dirty="0" err="1" smtClean="0">
+                <a:latin typeface="Arial" panose="020B0604020202020204" pitchFamily="34" charset="0"/>
+                <a:cs typeface="Arial" panose="020B0604020202020204" pitchFamily="34" charset="0"/>
+              </a:rPr>
               <a:t>bị</a:t>
             </a:r>
             <a:r>
-              <a:rPr lang="en-US" dirty="0" smtClean="0"/>
-              <a:t> </a:t>
-            </a:r>
-            <a:r>
-              <a:rPr lang="en-US" dirty="0" err="1" smtClean="0"/>
+              <a:rPr lang="en-US" dirty="0" smtClean="0">
+                <a:latin typeface="Arial" panose="020B0604020202020204" pitchFamily="34" charset="0"/>
+                <a:cs typeface="Arial" panose="020B0604020202020204" pitchFamily="34" charset="0"/>
+              </a:rPr>
+              <a:t> </a:t>
+            </a:r>
+            <a:r>
+              <a:rPr lang="en-US" dirty="0" err="1" smtClean="0">
+                <a:latin typeface="Arial" panose="020B0604020202020204" pitchFamily="34" charset="0"/>
+                <a:cs typeface="Arial" panose="020B0604020202020204" pitchFamily="34" charset="0"/>
+              </a:rPr>
               <a:t>xóa</a:t>
             </a:r>
             <a:r>
-              <a:rPr lang="en-US" dirty="0" smtClean="0"/>
-              <a:t> </a:t>
-            </a:r>
-            <a:r>
-              <a:rPr lang="en-US" dirty="0" err="1" smtClean="0"/>
+              <a:rPr lang="en-US" dirty="0" smtClean="0">
+                <a:latin typeface="Arial" panose="020B0604020202020204" pitchFamily="34" charset="0"/>
+                <a:cs typeface="Arial" panose="020B0604020202020204" pitchFamily="34" charset="0"/>
+              </a:rPr>
+              <a:t> </a:t>
+            </a:r>
+            <a:r>
+              <a:rPr lang="en-US" dirty="0" err="1" smtClean="0">
+                <a:latin typeface="Arial" panose="020B0604020202020204" pitchFamily="34" charset="0"/>
+                <a:cs typeface="Arial" panose="020B0604020202020204" pitchFamily="34" charset="0"/>
+              </a:rPr>
               <a:t>bỏ</a:t>
             </a:r>
-            <a:endParaRPr lang="en-US" dirty="0" smtClean="0"/>
+            <a:endParaRPr lang="en-US" dirty="0" smtClean="0">
+              <a:latin typeface="Arial" panose="020B0604020202020204" pitchFamily="34" charset="0"/>
+              <a:cs typeface="Arial" panose="020B0604020202020204" pitchFamily="34" charset="0"/>
+            </a:endParaRPr>
           </a:p>
           <a:p>
             <a:pPr lvl="1"/>
             <a:r>
-              <a:rPr lang="en-US" dirty="0" smtClean="0"/>
+              <a:rPr lang="en-US" dirty="0" smtClean="0">
+                <a:latin typeface="Arial" panose="020B0604020202020204" pitchFamily="34" charset="0"/>
+                <a:cs typeface="Arial" panose="020B0604020202020204" pitchFamily="34" charset="0"/>
+              </a:rPr>
               <a:t>id, date, </a:t>
             </a:r>
             <a:r>
-              <a:rPr lang="en-US" dirty="0" err="1" smtClean="0"/>
+              <a:rPr lang="en-US" dirty="0" err="1" smtClean="0">
+                <a:latin typeface="Arial" panose="020B0604020202020204" pitchFamily="34" charset="0"/>
+                <a:cs typeface="Arial" panose="020B0604020202020204" pitchFamily="34" charset="0"/>
+              </a:rPr>
               <a:t>zipcode</a:t>
             </a:r>
             <a:r>
-              <a:rPr lang="en-US" dirty="0" smtClean="0"/>
+              <a:rPr lang="en-US" dirty="0" smtClean="0">
+                <a:latin typeface="Arial" panose="020B0604020202020204" pitchFamily="34" charset="0"/>
+                <a:cs typeface="Arial" panose="020B0604020202020204" pitchFamily="34" charset="0"/>
+              </a:rPr>
               <a:t>, </a:t>
             </a:r>
             <a:r>
-              <a:rPr lang="en-US" dirty="0" err="1" smtClean="0"/>
+              <a:rPr lang="en-US" dirty="0" err="1" smtClean="0">
+                <a:latin typeface="Arial" panose="020B0604020202020204" pitchFamily="34" charset="0"/>
+                <a:cs typeface="Arial" panose="020B0604020202020204" pitchFamily="34" charset="0"/>
+              </a:rPr>
               <a:t>lat</a:t>
             </a:r>
             <a:r>
-              <a:rPr lang="en-US" dirty="0" smtClean="0"/>
+              <a:rPr lang="en-US" dirty="0" smtClean="0">
+                <a:latin typeface="Arial" panose="020B0604020202020204" pitchFamily="34" charset="0"/>
+                <a:cs typeface="Arial" panose="020B0604020202020204" pitchFamily="34" charset="0"/>
+              </a:rPr>
               <a:t>, long</a:t>
             </a:r>
-            <a:endParaRPr lang="en-US" dirty="0"/>
-          </a:p>
-          <a:p>
-            <a:r>
-              <a:rPr lang="en-US" dirty="0" smtClean="0"/>
-              <a:t> </a:t>
-            </a:r>
-            <a:r>
-              <a:rPr lang="en-US" dirty="0" err="1" smtClean="0"/>
+          </a:p>
+          <a:p>
+            <a:r>
+              <a:rPr lang="en-US" dirty="0" smtClean="0">
+                <a:latin typeface="Arial" panose="020B0604020202020204" pitchFamily="34" charset="0"/>
+                <a:cs typeface="Arial" panose="020B0604020202020204" pitchFamily="34" charset="0"/>
+              </a:rPr>
+              <a:t> </a:t>
+            </a:r>
+            <a:r>
+              <a:rPr lang="en-US" dirty="0" err="1" smtClean="0">
+                <a:latin typeface="Arial" panose="020B0604020202020204" pitchFamily="34" charset="0"/>
+                <a:cs typeface="Arial" panose="020B0604020202020204" pitchFamily="34" charset="0"/>
+              </a:rPr>
               <a:t>Kiểm</a:t>
             </a:r>
             <a:r>
-              <a:rPr lang="en-US" dirty="0" smtClean="0"/>
-              <a:t> </a:t>
-            </a:r>
-            <a:r>
-              <a:rPr lang="en-US" dirty="0" err="1" smtClean="0"/>
+              <a:rPr lang="en-US" dirty="0" smtClean="0">
+                <a:latin typeface="Arial" panose="020B0604020202020204" pitchFamily="34" charset="0"/>
+                <a:cs typeface="Arial" panose="020B0604020202020204" pitchFamily="34" charset="0"/>
+              </a:rPr>
+              <a:t> </a:t>
+            </a:r>
+            <a:r>
+              <a:rPr lang="en-US" dirty="0" err="1" smtClean="0">
+                <a:latin typeface="Arial" panose="020B0604020202020204" pitchFamily="34" charset="0"/>
+                <a:cs typeface="Arial" panose="020B0604020202020204" pitchFamily="34" charset="0"/>
+              </a:rPr>
               <a:t>tra</a:t>
             </a:r>
             <a:r>
-              <a:rPr lang="en-US" dirty="0" smtClean="0"/>
-              <a:t> </a:t>
-            </a:r>
-            <a:r>
-              <a:rPr lang="en-US" dirty="0" err="1" smtClean="0"/>
+              <a:rPr lang="en-US" dirty="0" smtClean="0">
+                <a:latin typeface="Arial" panose="020B0604020202020204" pitchFamily="34" charset="0"/>
+                <a:cs typeface="Arial" panose="020B0604020202020204" pitchFamily="34" charset="0"/>
+              </a:rPr>
+              <a:t> </a:t>
+            </a:r>
+            <a:r>
+              <a:rPr lang="en-US" dirty="0" err="1" smtClean="0">
+                <a:latin typeface="Arial" panose="020B0604020202020204" pitchFamily="34" charset="0"/>
+                <a:cs typeface="Arial" panose="020B0604020202020204" pitchFamily="34" charset="0"/>
+              </a:rPr>
               <a:t>giá</a:t>
             </a:r>
             <a:r>
-              <a:rPr lang="en-US" dirty="0" smtClean="0"/>
-              <a:t> </a:t>
-            </a:r>
-            <a:r>
-              <a:rPr lang="en-US" dirty="0" err="1" smtClean="0"/>
+              <a:rPr lang="en-US" dirty="0" smtClean="0">
+                <a:latin typeface="Arial" panose="020B0604020202020204" pitchFamily="34" charset="0"/>
+                <a:cs typeface="Arial" panose="020B0604020202020204" pitchFamily="34" charset="0"/>
+              </a:rPr>
+              <a:t> </a:t>
+            </a:r>
+            <a:r>
+              <a:rPr lang="en-US" dirty="0" err="1" smtClean="0">
+                <a:latin typeface="Arial" panose="020B0604020202020204" pitchFamily="34" charset="0"/>
+                <a:cs typeface="Arial" panose="020B0604020202020204" pitchFamily="34" charset="0"/>
+              </a:rPr>
               <a:t>trị</a:t>
             </a:r>
             <a:r>
-              <a:rPr lang="en-US" dirty="0" smtClean="0"/>
+              <a:rPr lang="en-US" dirty="0" smtClean="0">
+                <a:latin typeface="Arial" panose="020B0604020202020204" pitchFamily="34" charset="0"/>
+                <a:cs typeface="Arial" panose="020B0604020202020204" pitchFamily="34" charset="0"/>
+              </a:rPr>
               <a:t> null </a:t>
             </a:r>
-            <a:endParaRPr lang="en-US" dirty="0"/>
+            <a:r>
+              <a:rPr lang="en-US" dirty="0" err="1" smtClean="0">
+                <a:latin typeface="Arial" panose="020B0604020202020204" pitchFamily="34" charset="0"/>
+                <a:cs typeface="Arial" panose="020B0604020202020204" pitchFamily="34" charset="0"/>
+              </a:rPr>
+              <a:t>của</a:t>
+            </a:r>
+            <a:r>
+              <a:rPr lang="en-US" dirty="0" smtClean="0">
+                <a:latin typeface="Arial" panose="020B0604020202020204" pitchFamily="34" charset="0"/>
+                <a:cs typeface="Arial" panose="020B0604020202020204" pitchFamily="34" charset="0"/>
+              </a:rPr>
+              <a:t> </a:t>
+            </a:r>
+            <a:r>
+              <a:rPr lang="en-US" dirty="0" err="1" smtClean="0">
+                <a:latin typeface="Arial" panose="020B0604020202020204" pitchFamily="34" charset="0"/>
+                <a:cs typeface="Arial" panose="020B0604020202020204" pitchFamily="34" charset="0"/>
+              </a:rPr>
+              <a:t>tập</a:t>
+            </a:r>
+            <a:r>
+              <a:rPr lang="en-US" dirty="0" smtClean="0">
+                <a:latin typeface="Arial" panose="020B0604020202020204" pitchFamily="34" charset="0"/>
+                <a:cs typeface="Arial" panose="020B0604020202020204" pitchFamily="34" charset="0"/>
+              </a:rPr>
+              <a:t> </a:t>
+            </a:r>
+            <a:r>
+              <a:rPr lang="en-US" dirty="0" err="1" smtClean="0">
+                <a:latin typeface="Arial" panose="020B0604020202020204" pitchFamily="34" charset="0"/>
+                <a:cs typeface="Arial" panose="020B0604020202020204" pitchFamily="34" charset="0"/>
+              </a:rPr>
+              <a:t>dữ</a:t>
+            </a:r>
+            <a:r>
+              <a:rPr lang="en-US" dirty="0" smtClean="0">
+                <a:latin typeface="Arial" panose="020B0604020202020204" pitchFamily="34" charset="0"/>
+                <a:cs typeface="Arial" panose="020B0604020202020204" pitchFamily="34" charset="0"/>
+              </a:rPr>
+              <a:t> </a:t>
+            </a:r>
+            <a:r>
+              <a:rPr lang="en-US" dirty="0" err="1" smtClean="0">
+                <a:latin typeface="Arial" panose="020B0604020202020204" pitchFamily="34" charset="0"/>
+                <a:cs typeface="Arial" panose="020B0604020202020204" pitchFamily="34" charset="0"/>
+              </a:rPr>
+              <a:t>liệu</a:t>
+            </a:r>
+            <a:endParaRPr lang="en-US" dirty="0" smtClean="0">
+              <a:latin typeface="Arial" panose="020B0604020202020204" pitchFamily="34" charset="0"/>
+              <a:cs typeface="Arial" panose="020B0604020202020204" pitchFamily="34" charset="0"/>
+            </a:endParaRPr>
+          </a:p>
+          <a:p>
+            <a:r>
+              <a:rPr lang="en-US" dirty="0" err="1" smtClean="0">
+                <a:latin typeface="Arial" panose="020B0604020202020204" pitchFamily="34" charset="0"/>
+                <a:cs typeface="Arial" panose="020B0604020202020204" pitchFamily="34" charset="0"/>
+              </a:rPr>
+              <a:t>Kiểm</a:t>
+            </a:r>
+            <a:r>
+              <a:rPr lang="en-US" dirty="0" smtClean="0">
+                <a:latin typeface="Arial" panose="020B0604020202020204" pitchFamily="34" charset="0"/>
+                <a:cs typeface="Arial" panose="020B0604020202020204" pitchFamily="34" charset="0"/>
+              </a:rPr>
+              <a:t> </a:t>
+            </a:r>
+            <a:r>
+              <a:rPr lang="en-US" dirty="0" err="1" smtClean="0">
+                <a:latin typeface="Arial" panose="020B0604020202020204" pitchFamily="34" charset="0"/>
+                <a:cs typeface="Arial" panose="020B0604020202020204" pitchFamily="34" charset="0"/>
+              </a:rPr>
+              <a:t>tra</a:t>
+            </a:r>
+            <a:r>
+              <a:rPr lang="en-US" dirty="0" smtClean="0">
+                <a:latin typeface="Arial" panose="020B0604020202020204" pitchFamily="34" charset="0"/>
+                <a:cs typeface="Arial" panose="020B0604020202020204" pitchFamily="34" charset="0"/>
+              </a:rPr>
+              <a:t> </a:t>
+            </a:r>
+            <a:r>
+              <a:rPr lang="en-US" dirty="0" err="1" smtClean="0">
+                <a:latin typeface="Arial" panose="020B0604020202020204" pitchFamily="34" charset="0"/>
+                <a:cs typeface="Arial" panose="020B0604020202020204" pitchFamily="34" charset="0"/>
+              </a:rPr>
+              <a:t>độ</a:t>
+            </a:r>
+            <a:r>
+              <a:rPr lang="en-US" dirty="0" smtClean="0">
+                <a:latin typeface="Arial" panose="020B0604020202020204" pitchFamily="34" charset="0"/>
+                <a:cs typeface="Arial" panose="020B0604020202020204" pitchFamily="34" charset="0"/>
+              </a:rPr>
+              <a:t> </a:t>
+            </a:r>
+            <a:r>
+              <a:rPr lang="en-US" dirty="0" err="1" smtClean="0">
+                <a:latin typeface="Arial" panose="020B0604020202020204" pitchFamily="34" charset="0"/>
+                <a:cs typeface="Arial" panose="020B0604020202020204" pitchFamily="34" charset="0"/>
+              </a:rPr>
+              <a:t>tương</a:t>
+            </a:r>
+            <a:r>
+              <a:rPr lang="en-US" dirty="0" smtClean="0">
+                <a:latin typeface="Arial" panose="020B0604020202020204" pitchFamily="34" charset="0"/>
+                <a:cs typeface="Arial" panose="020B0604020202020204" pitchFamily="34" charset="0"/>
+              </a:rPr>
+              <a:t> qua </a:t>
+            </a:r>
+            <a:r>
+              <a:rPr lang="en-US" dirty="0" err="1" smtClean="0">
+                <a:latin typeface="Arial" panose="020B0604020202020204" pitchFamily="34" charset="0"/>
+                <a:cs typeface="Arial" panose="020B0604020202020204" pitchFamily="34" charset="0"/>
+              </a:rPr>
+              <a:t>giữa</a:t>
+            </a:r>
+            <a:r>
+              <a:rPr lang="en-US" dirty="0" smtClean="0">
+                <a:latin typeface="Arial" panose="020B0604020202020204" pitchFamily="34" charset="0"/>
+                <a:cs typeface="Arial" panose="020B0604020202020204" pitchFamily="34" charset="0"/>
+              </a:rPr>
+              <a:t> </a:t>
+            </a:r>
+            <a:r>
+              <a:rPr lang="en-US" dirty="0" err="1" smtClean="0">
+                <a:latin typeface="Arial" panose="020B0604020202020204" pitchFamily="34" charset="0"/>
+                <a:cs typeface="Arial" panose="020B0604020202020204" pitchFamily="34" charset="0"/>
+              </a:rPr>
+              <a:t>các</a:t>
+            </a:r>
+            <a:r>
+              <a:rPr lang="en-US" dirty="0" smtClean="0">
+                <a:latin typeface="Arial" panose="020B0604020202020204" pitchFamily="34" charset="0"/>
+                <a:cs typeface="Arial" panose="020B0604020202020204" pitchFamily="34" charset="0"/>
+              </a:rPr>
+              <a:t> </a:t>
+            </a:r>
+            <a:r>
+              <a:rPr lang="en-US" dirty="0" err="1" smtClean="0">
+                <a:latin typeface="Arial" panose="020B0604020202020204" pitchFamily="34" charset="0"/>
+                <a:cs typeface="Arial" panose="020B0604020202020204" pitchFamily="34" charset="0"/>
+              </a:rPr>
+              <a:t>biến</a:t>
+            </a:r>
+            <a:endParaRPr lang="en-US" dirty="0">
+              <a:latin typeface="Arial" panose="020B0604020202020204" pitchFamily="34" charset="0"/>
+              <a:cs typeface="Arial" panose="020B0604020202020204" pitchFamily="34" charset="0"/>
+            </a:endParaRPr>
+          </a:p>
+        </p:txBody>
+      </p:sp>
+      <p:pic>
+        <p:nvPicPr>
+          <p:cNvPr id="4" name="Picture 3"/>
+          <p:cNvPicPr>
+            <a:picLocks noChangeAspect="1"/>
+          </p:cNvPicPr>
+          <p:nvPr/>
+        </p:nvPicPr>
+        <p:blipFill>
+          <a:blip r:embed="rId2"/>
+          <a:stretch>
+            <a:fillRect/>
+          </a:stretch>
+        </p:blipFill>
+        <p:spPr>
+          <a:xfrm>
+            <a:off x="6270778" y="1025295"/>
+            <a:ext cx="5666756" cy="3529927"/>
+          </a:xfrm>
+          <a:prstGeom prst="rect">
+            <a:avLst/>
+          </a:prstGeom>
+        </p:spPr>
+      </p:pic>
+      <p:cxnSp>
+        <p:nvCxnSpPr>
+          <p:cNvPr id="9" name="Straight Connector 8"/>
+          <p:cNvCxnSpPr/>
+          <p:nvPr/>
+        </p:nvCxnSpPr>
+        <p:spPr>
+          <a:xfrm flipV="1">
+            <a:off x="864066" y="922789"/>
+            <a:ext cx="10981189" cy="16778"/>
+          </a:xfrm>
+          <a:prstGeom prst="line">
+            <a:avLst/>
+          </a:prstGeom>
+          <a:ln>
+            <a:solidFill>
+              <a:srgbClr val="C00000"/>
+            </a:solidFill>
+          </a:ln>
+        </p:spPr>
+        <p:style>
+          <a:lnRef idx="3">
+            <a:schemeClr val="accent1"/>
+          </a:lnRef>
+          <a:fillRef idx="0">
+            <a:schemeClr val="accent1"/>
+          </a:fillRef>
+          <a:effectRef idx="2">
+            <a:schemeClr val="accent1"/>
+          </a:effectRef>
+          <a:fontRef idx="minor">
+            <a:schemeClr val="tx1"/>
+          </a:fontRef>
+        </p:style>
+      </p:cxnSp>
+      <p:pic>
+        <p:nvPicPr>
+          <p:cNvPr id="10" name="Content Placeholder 4"/>
+          <p:cNvPicPr>
+            <a:picLocks noChangeAspect="1"/>
+          </p:cNvPicPr>
+          <p:nvPr/>
+        </p:nvPicPr>
+        <p:blipFill>
+          <a:blip r:embed="rId3"/>
+          <a:stretch>
+            <a:fillRect/>
+          </a:stretch>
+        </p:blipFill>
+        <p:spPr>
+          <a:xfrm>
+            <a:off x="1199205" y="2940047"/>
+            <a:ext cx="1443327" cy="2607947"/>
+          </a:xfrm>
+          <a:prstGeom prst="rect">
+            <a:avLst/>
+          </a:prstGeom>
+        </p:spPr>
+      </p:pic>
+    </p:spTree>
+    <p:extLst>
+      <p:ext uri="{BB962C8B-B14F-4D97-AF65-F5344CB8AC3E}">
+        <p14:creationId xmlns:p14="http://schemas.microsoft.com/office/powerpoint/2010/main" val="2440144978"/>
+      </p:ext>
+    </p:extLst>
+  </p:cSld>
+  <p:clrMapOvr>
+    <a:masterClrMapping/>
+  </p:clrMapOvr>
+</p:sld>
+</file>
+
+<file path=ppt/slides/slide4.xml><?xml version="1.0" encoding="utf-8"?>
+<p:sld xmlns:a="http://schemas.openxmlformats.org/drawingml/2006/main" xmlns:r="http://schemas.openxmlformats.org/officeDocument/2006/relationships" xmlns:p="http://schemas.openxmlformats.org/presentationml/2006/main">
+  <p:cSld>
+    <p:spTree>
+      <p:nvGrpSpPr>
+        <p:cNvPr id="1" name=""/>
+        <p:cNvGrpSpPr/>
+        <p:nvPr/>
+      </p:nvGrpSpPr>
+      <p:grpSpPr>
+        <a:xfrm>
+          <a:off x="0" y="0"/>
+          <a:ext cx="0" cy="0"/>
+          <a:chOff x="0" y="0"/>
+          <a:chExt cx="0" cy="0"/>
+        </a:xfrm>
+      </p:grpSpPr>
+      <p:sp>
+        <p:nvSpPr>
+          <p:cNvPr id="2" name="Title 1"/>
+          <p:cNvSpPr txBox="1">
+            <a:spLocks/>
+          </p:cNvSpPr>
+          <p:nvPr/>
+        </p:nvSpPr>
+        <p:spPr>
+          <a:xfrm>
+            <a:off x="1088491" y="167780"/>
+            <a:ext cx="9605635" cy="857515"/>
+          </a:xfrm>
+          <a:prstGeom prst="rect">
+            <a:avLst/>
+          </a:prstGeom>
+        </p:spPr>
+        <p:txBody>
+          <a:bodyPr/>
+          <a:lstStyle>
+            <a:lvl1pPr algn="l" defTabSz="914400" rtl="0" eaLnBrk="1" latinLnBrk="0" hangingPunct="1">
+              <a:lnSpc>
+                <a:spcPct val="90000"/>
+              </a:lnSpc>
+              <a:spcBef>
+                <a:spcPct val="0"/>
+              </a:spcBef>
+              <a:buNone/>
+              <a:defRPr sz="3200" b="0" i="0" kern="1200" cap="all">
+                <a:solidFill>
+                  <a:schemeClr val="tx1"/>
+                </a:solidFill>
+                <a:effectLst/>
+                <a:latin typeface="+mj-lt"/>
+                <a:ea typeface="+mj-ea"/>
+                <a:cs typeface="+mj-cs"/>
+              </a:defRPr>
+            </a:lvl1pPr>
+          </a:lstStyle>
+          <a:p>
+            <a:r>
+              <a:rPr lang="en-US" dirty="0" err="1" smtClean="0">
+                <a:latin typeface="Arial" panose="020B0604020202020204" pitchFamily="34" charset="0"/>
+                <a:cs typeface="Arial" panose="020B0604020202020204" pitchFamily="34" charset="0"/>
+              </a:rPr>
+              <a:t>Xử</a:t>
+            </a:r>
+            <a:r>
+              <a:rPr lang="en-US" dirty="0" smtClean="0">
+                <a:latin typeface="Arial" panose="020B0604020202020204" pitchFamily="34" charset="0"/>
+                <a:cs typeface="Arial" panose="020B0604020202020204" pitchFamily="34" charset="0"/>
+              </a:rPr>
+              <a:t> </a:t>
+            </a:r>
+            <a:r>
+              <a:rPr lang="en-US" dirty="0" err="1" smtClean="0">
+                <a:latin typeface="Arial" panose="020B0604020202020204" pitchFamily="34" charset="0"/>
+                <a:cs typeface="Arial" panose="020B0604020202020204" pitchFamily="34" charset="0"/>
+              </a:rPr>
+              <a:t>lý</a:t>
+            </a:r>
+            <a:r>
+              <a:rPr lang="en-US" dirty="0" smtClean="0">
+                <a:latin typeface="Arial" panose="020B0604020202020204" pitchFamily="34" charset="0"/>
+                <a:cs typeface="Arial" panose="020B0604020202020204" pitchFamily="34" charset="0"/>
+              </a:rPr>
+              <a:t> </a:t>
+            </a:r>
+            <a:r>
+              <a:rPr lang="en-US" dirty="0" err="1" smtClean="0">
+                <a:latin typeface="Arial" panose="020B0604020202020204" pitchFamily="34" charset="0"/>
+                <a:cs typeface="Arial" panose="020B0604020202020204" pitchFamily="34" charset="0"/>
+              </a:rPr>
+              <a:t>dữ</a:t>
+            </a:r>
+            <a:r>
+              <a:rPr lang="en-US" dirty="0" smtClean="0">
+                <a:latin typeface="Arial" panose="020B0604020202020204" pitchFamily="34" charset="0"/>
+                <a:cs typeface="Arial" panose="020B0604020202020204" pitchFamily="34" charset="0"/>
+              </a:rPr>
+              <a:t> </a:t>
+            </a:r>
+            <a:r>
+              <a:rPr lang="en-US" dirty="0" err="1" smtClean="0">
+                <a:latin typeface="Arial" panose="020B0604020202020204" pitchFamily="34" charset="0"/>
+                <a:cs typeface="Arial" panose="020B0604020202020204" pitchFamily="34" charset="0"/>
+              </a:rPr>
+              <a:t>liệu</a:t>
+            </a:r>
+            <a:r>
+              <a:rPr lang="en-US" dirty="0" smtClean="0">
+                <a:latin typeface="Arial" panose="020B0604020202020204" pitchFamily="34" charset="0"/>
+                <a:cs typeface="Arial" panose="020B0604020202020204" pitchFamily="34" charset="0"/>
+              </a:rPr>
+              <a:t/>
+            </a:r>
+            <a:br>
+              <a:rPr lang="en-US" dirty="0" smtClean="0">
+                <a:latin typeface="Arial" panose="020B0604020202020204" pitchFamily="34" charset="0"/>
+                <a:cs typeface="Arial" panose="020B0604020202020204" pitchFamily="34" charset="0"/>
+              </a:rPr>
+            </a:br>
+            <a:r>
+              <a:rPr lang="en-US" sz="2000" dirty="0" err="1">
+                <a:latin typeface="Arial" panose="020B0604020202020204" pitchFamily="34" charset="0"/>
+                <a:cs typeface="Arial" panose="020B0604020202020204" pitchFamily="34" charset="0"/>
+              </a:rPr>
+              <a:t>Xử</a:t>
+            </a:r>
+            <a:r>
+              <a:rPr lang="en-US" sz="2000" dirty="0">
+                <a:latin typeface="Arial" panose="020B0604020202020204" pitchFamily="34" charset="0"/>
+                <a:cs typeface="Arial" panose="020B0604020202020204" pitchFamily="34" charset="0"/>
+              </a:rPr>
+              <a:t> </a:t>
+            </a:r>
+            <a:r>
+              <a:rPr lang="en-US" sz="2000" dirty="0" err="1">
+                <a:latin typeface="Arial" panose="020B0604020202020204" pitchFamily="34" charset="0"/>
+                <a:cs typeface="Arial" panose="020B0604020202020204" pitchFamily="34" charset="0"/>
+              </a:rPr>
+              <a:t>lý</a:t>
+            </a:r>
+            <a:r>
+              <a:rPr lang="en-US" sz="2000" dirty="0">
+                <a:latin typeface="Arial" panose="020B0604020202020204" pitchFamily="34" charset="0"/>
+                <a:cs typeface="Arial" panose="020B0604020202020204" pitchFamily="34" charset="0"/>
+              </a:rPr>
+              <a:t> </a:t>
+            </a:r>
+            <a:r>
+              <a:rPr lang="en-US" sz="2000" dirty="0" err="1">
+                <a:latin typeface="Arial" panose="020B0604020202020204" pitchFamily="34" charset="0"/>
+                <a:cs typeface="Arial" panose="020B0604020202020204" pitchFamily="34" charset="0"/>
+              </a:rPr>
+              <a:t>giá</a:t>
+            </a:r>
+            <a:r>
+              <a:rPr lang="en-US" sz="2000" dirty="0">
+                <a:latin typeface="Arial" panose="020B0604020202020204" pitchFamily="34" charset="0"/>
+                <a:cs typeface="Arial" panose="020B0604020202020204" pitchFamily="34" charset="0"/>
+              </a:rPr>
+              <a:t> </a:t>
+            </a:r>
+            <a:r>
+              <a:rPr lang="en-US" sz="2000" dirty="0" err="1">
+                <a:latin typeface="Arial" panose="020B0604020202020204" pitchFamily="34" charset="0"/>
+                <a:cs typeface="Arial" panose="020B0604020202020204" pitchFamily="34" charset="0"/>
+              </a:rPr>
+              <a:t>trị</a:t>
+            </a:r>
+            <a:r>
+              <a:rPr lang="en-US" sz="2000" dirty="0">
+                <a:latin typeface="Arial" panose="020B0604020202020204" pitchFamily="34" charset="0"/>
+                <a:cs typeface="Arial" panose="020B0604020202020204" pitchFamily="34" charset="0"/>
+              </a:rPr>
+              <a:t> </a:t>
+            </a:r>
+            <a:r>
+              <a:rPr lang="en-US" sz="2000" dirty="0" err="1">
+                <a:latin typeface="Arial" panose="020B0604020202020204" pitchFamily="34" charset="0"/>
+                <a:cs typeface="Arial" panose="020B0604020202020204" pitchFamily="34" charset="0"/>
+              </a:rPr>
+              <a:t>cột</a:t>
+            </a:r>
+            <a:r>
+              <a:rPr lang="en-US" sz="2000" dirty="0">
+                <a:latin typeface="Arial" panose="020B0604020202020204" pitchFamily="34" charset="0"/>
+                <a:cs typeface="Arial" panose="020B0604020202020204" pitchFamily="34" charset="0"/>
+              </a:rPr>
+              <a:t> </a:t>
+            </a:r>
+            <a:r>
+              <a:rPr lang="en-US" sz="2000" dirty="0" smtClean="0">
+                <a:latin typeface="Arial" panose="020B0604020202020204" pitchFamily="34" charset="0"/>
+                <a:cs typeface="Arial" panose="020B0604020202020204" pitchFamily="34" charset="0"/>
+              </a:rPr>
+              <a:t>price</a:t>
+            </a:r>
+            <a:endParaRPr lang="en-US" sz="2000" dirty="0">
+              <a:latin typeface="Arial" panose="020B0604020202020204" pitchFamily="34" charset="0"/>
+              <a:cs typeface="Arial" panose="020B0604020202020204" pitchFamily="34" charset="0"/>
+            </a:endParaRPr>
           </a:p>
         </p:txBody>
       </p:sp>
       <p:sp>
         <p:nvSpPr>
-          <p:cNvPr id="4" name="Content Placeholder 3"/>
-          <p:cNvSpPr>
-            <a:spLocks noGrp="1"/>
+          <p:cNvPr id="3" name="Content Placeholder 2"/>
+          <p:cNvSpPr txBox="1">
+            <a:spLocks/>
           </p:cNvSpPr>
-          <p:nvPr>
-            <p:ph sz="half" idx="2"/>
-          </p:nvPr>
+          <p:nvPr/>
         </p:nvSpPr>
-        <p:spPr/>
+        <p:spPr>
+          <a:xfrm>
+            <a:off x="1088490" y="1025296"/>
+            <a:ext cx="10756765" cy="1294879"/>
+          </a:xfrm>
+          <a:prstGeom prst="rect">
+            <a:avLst/>
+          </a:prstGeom>
+        </p:spPr>
         <p:txBody>
           <a:bodyPr/>
-          <a:lstStyle/>
-          <a:p>
-            <a:endParaRPr lang="en-US"/>
+          <a:lstStyle>
+            <a:lvl1pPr marL="228600" indent="-228600" algn="l" defTabSz="914400" rtl="0" eaLnBrk="1" latinLnBrk="0" hangingPunct="1">
+              <a:lnSpc>
+                <a:spcPct val="120000"/>
+              </a:lnSpc>
+              <a:spcBef>
+                <a:spcPts val="1000"/>
+              </a:spcBef>
+              <a:buClr>
+                <a:schemeClr val="accent1"/>
+              </a:buClr>
+              <a:buSzPct val="100000"/>
+              <a:buFont typeface="Arial" panose="020B0604020202020204" pitchFamily="34" charset="0"/>
+              <a:buChar char="•"/>
+              <a:defRPr sz="2000" kern="1200">
+                <a:solidFill>
+                  <a:schemeClr val="tx1"/>
+                </a:solidFill>
+                <a:effectLst/>
+                <a:latin typeface="+mn-lt"/>
+                <a:ea typeface="+mn-ea"/>
+                <a:cs typeface="+mn-cs"/>
+              </a:defRPr>
+            </a:lvl1pPr>
+            <a:lvl2pPr marL="685800" indent="-228600" algn="l" defTabSz="914400" rtl="0" eaLnBrk="1" latinLnBrk="0" hangingPunct="1">
+              <a:lnSpc>
+                <a:spcPct val="120000"/>
+              </a:lnSpc>
+              <a:spcBef>
+                <a:spcPts val="500"/>
+              </a:spcBef>
+              <a:buClr>
+                <a:schemeClr val="accent1"/>
+              </a:buClr>
+              <a:buSzPct val="100000"/>
+              <a:buFont typeface="Arial" panose="020B0604020202020204" pitchFamily="34" charset="0"/>
+              <a:buChar char="•"/>
+              <a:defRPr sz="1800" kern="1200" cap="none" baseline="0">
+                <a:solidFill>
+                  <a:schemeClr val="tx1"/>
+                </a:solidFill>
+                <a:effectLst/>
+                <a:latin typeface="+mn-lt"/>
+                <a:ea typeface="+mn-ea"/>
+                <a:cs typeface="+mn-cs"/>
+              </a:defRPr>
+            </a:lvl2pPr>
+            <a:lvl3pPr marL="1143000" indent="-228600" algn="l" defTabSz="914400" rtl="0" eaLnBrk="1" latinLnBrk="0" hangingPunct="1">
+              <a:lnSpc>
+                <a:spcPct val="120000"/>
+              </a:lnSpc>
+              <a:spcBef>
+                <a:spcPts val="500"/>
+              </a:spcBef>
+              <a:buClr>
+                <a:schemeClr val="accent1"/>
+              </a:buClr>
+              <a:buSzPct val="100000"/>
+              <a:buFont typeface="Arial" panose="020B0604020202020204" pitchFamily="34" charset="0"/>
+              <a:buChar char="•"/>
+              <a:defRPr sz="1600" kern="1200">
+                <a:solidFill>
+                  <a:schemeClr val="tx1"/>
+                </a:solidFill>
+                <a:effectLst/>
+                <a:latin typeface="+mn-lt"/>
+                <a:ea typeface="+mn-ea"/>
+                <a:cs typeface="+mn-cs"/>
+              </a:defRPr>
+            </a:lvl3pPr>
+            <a:lvl4pPr marL="1600200" indent="-228600" algn="l" defTabSz="914400" rtl="0" eaLnBrk="1" latinLnBrk="0" hangingPunct="1">
+              <a:lnSpc>
+                <a:spcPct val="120000"/>
+              </a:lnSpc>
+              <a:spcBef>
+                <a:spcPts val="500"/>
+              </a:spcBef>
+              <a:buClr>
+                <a:schemeClr val="accent1"/>
+              </a:buClr>
+              <a:buSzPct val="100000"/>
+              <a:buFont typeface="Arial" panose="020B0604020202020204" pitchFamily="34" charset="0"/>
+              <a:buChar char="•"/>
+              <a:defRPr sz="1400" kern="1200" cap="none" baseline="0">
+                <a:solidFill>
+                  <a:schemeClr val="tx1"/>
+                </a:solidFill>
+                <a:effectLst/>
+                <a:latin typeface="+mn-lt"/>
+                <a:ea typeface="+mn-ea"/>
+                <a:cs typeface="+mn-cs"/>
+              </a:defRPr>
+            </a:lvl4pPr>
+            <a:lvl5pPr marL="2057400" indent="-228600" algn="l" defTabSz="914400" rtl="0" eaLnBrk="1" latinLnBrk="0" hangingPunct="1">
+              <a:lnSpc>
+                <a:spcPct val="120000"/>
+              </a:lnSpc>
+              <a:spcBef>
+                <a:spcPts val="500"/>
+              </a:spcBef>
+              <a:buClr>
+                <a:schemeClr val="accent1"/>
+              </a:buClr>
+              <a:buSzPct val="100000"/>
+              <a:buFont typeface="Arial" panose="020B0604020202020204" pitchFamily="34" charset="0"/>
+              <a:buChar char="•"/>
+              <a:defRPr sz="1200" kern="1200">
+                <a:solidFill>
+                  <a:schemeClr val="tx1"/>
+                </a:solidFill>
+                <a:effectLst/>
+                <a:latin typeface="+mn-lt"/>
+                <a:ea typeface="+mn-ea"/>
+                <a:cs typeface="+mn-cs"/>
+              </a:defRPr>
+            </a:lvl5pPr>
+            <a:lvl6pPr marL="2514600" indent="-228600" algn="l" defTabSz="914400" rtl="0" eaLnBrk="1" latinLnBrk="0" hangingPunct="1">
+              <a:lnSpc>
+                <a:spcPct val="120000"/>
+              </a:lnSpc>
+              <a:spcBef>
+                <a:spcPts val="500"/>
+              </a:spcBef>
+              <a:buClr>
+                <a:schemeClr val="accent1"/>
+              </a:buClr>
+              <a:buSzPct val="100000"/>
+              <a:buFont typeface="Arial" panose="020B0604020202020204" pitchFamily="34" charset="0"/>
+              <a:buChar char="•"/>
+              <a:defRPr sz="1200" kern="1200">
+                <a:solidFill>
+                  <a:schemeClr val="tx1"/>
+                </a:solidFill>
+                <a:effectLst/>
+                <a:latin typeface="+mn-lt"/>
+                <a:ea typeface="+mn-ea"/>
+                <a:cs typeface="+mn-cs"/>
+              </a:defRPr>
+            </a:lvl6pPr>
+            <a:lvl7pPr marL="2971800" indent="-228600" algn="l" defTabSz="914400" rtl="0" eaLnBrk="1" latinLnBrk="0" hangingPunct="1">
+              <a:lnSpc>
+                <a:spcPct val="120000"/>
+              </a:lnSpc>
+              <a:spcBef>
+                <a:spcPts val="500"/>
+              </a:spcBef>
+              <a:buClr>
+                <a:schemeClr val="accent1"/>
+              </a:buClr>
+              <a:buSzPct val="100000"/>
+              <a:buFont typeface="Arial" panose="020B0604020202020204" pitchFamily="34" charset="0"/>
+              <a:buChar char="•"/>
+              <a:defRPr sz="1200" kern="1200">
+                <a:solidFill>
+                  <a:schemeClr val="tx1"/>
+                </a:solidFill>
+                <a:effectLst/>
+                <a:latin typeface="+mn-lt"/>
+                <a:ea typeface="+mn-ea"/>
+                <a:cs typeface="+mn-cs"/>
+              </a:defRPr>
+            </a:lvl7pPr>
+            <a:lvl8pPr marL="3429000" indent="-228600" algn="l" defTabSz="914400" rtl="0" eaLnBrk="1" latinLnBrk="0" hangingPunct="1">
+              <a:lnSpc>
+                <a:spcPct val="120000"/>
+              </a:lnSpc>
+              <a:spcBef>
+                <a:spcPts val="500"/>
+              </a:spcBef>
+              <a:buClr>
+                <a:schemeClr val="accent1"/>
+              </a:buClr>
+              <a:buSzPct val="100000"/>
+              <a:buFont typeface="Arial" panose="020B0604020202020204" pitchFamily="34" charset="0"/>
+              <a:buChar char="•"/>
+              <a:defRPr sz="1200" kern="1200" baseline="0">
+                <a:solidFill>
+                  <a:schemeClr val="tx1"/>
+                </a:solidFill>
+                <a:effectLst/>
+                <a:latin typeface="+mn-lt"/>
+                <a:ea typeface="+mn-ea"/>
+                <a:cs typeface="+mn-cs"/>
+              </a:defRPr>
+            </a:lvl8pPr>
+            <a:lvl9pPr marL="3886200" indent="-228600" algn="l" defTabSz="914400" rtl="0" eaLnBrk="1" latinLnBrk="0" hangingPunct="1">
+              <a:lnSpc>
+                <a:spcPct val="120000"/>
+              </a:lnSpc>
+              <a:spcBef>
+                <a:spcPts val="500"/>
+              </a:spcBef>
+              <a:buClr>
+                <a:schemeClr val="accent1"/>
+              </a:buClr>
+              <a:buSzPct val="100000"/>
+              <a:buFont typeface="Arial" panose="020B0604020202020204" pitchFamily="34" charset="0"/>
+              <a:buChar char="•"/>
+              <a:defRPr sz="1200" kern="1200" baseline="0">
+                <a:solidFill>
+                  <a:schemeClr val="tx1"/>
+                </a:solidFill>
+                <a:effectLst/>
+                <a:latin typeface="+mn-lt"/>
+                <a:ea typeface="+mn-ea"/>
+                <a:cs typeface="+mn-cs"/>
+              </a:defRPr>
+            </a:lvl9pPr>
+          </a:lstStyle>
+          <a:p>
+            <a:r>
+              <a:rPr lang="en-US" sz="1500" dirty="0" err="1" smtClean="0">
+                <a:latin typeface="Arial" panose="020B0604020202020204" pitchFamily="34" charset="0"/>
+                <a:cs typeface="Arial" panose="020B0604020202020204" pitchFamily="34" charset="0"/>
+              </a:rPr>
+              <a:t>Kiểm</a:t>
+            </a:r>
+            <a:r>
+              <a:rPr lang="en-US" sz="1500" dirty="0" smtClean="0">
+                <a:latin typeface="Arial" panose="020B0604020202020204" pitchFamily="34" charset="0"/>
+                <a:cs typeface="Arial" panose="020B0604020202020204" pitchFamily="34" charset="0"/>
+              </a:rPr>
+              <a:t> </a:t>
+            </a:r>
+            <a:r>
+              <a:rPr lang="en-US" sz="1500" dirty="0" err="1" smtClean="0">
+                <a:latin typeface="Arial" panose="020B0604020202020204" pitchFamily="34" charset="0"/>
+                <a:cs typeface="Arial" panose="020B0604020202020204" pitchFamily="34" charset="0"/>
+              </a:rPr>
+              <a:t>tra</a:t>
+            </a:r>
+            <a:r>
+              <a:rPr lang="en-US" sz="1500" dirty="0" smtClean="0">
+                <a:latin typeface="Arial" panose="020B0604020202020204" pitchFamily="34" charset="0"/>
+                <a:cs typeface="Arial" panose="020B0604020202020204" pitchFamily="34" charset="0"/>
+              </a:rPr>
+              <a:t> </a:t>
+            </a:r>
+            <a:r>
+              <a:rPr lang="en-US" sz="1500" dirty="0" err="1" smtClean="0">
+                <a:latin typeface="Arial" panose="020B0604020202020204" pitchFamily="34" charset="0"/>
+                <a:cs typeface="Arial" panose="020B0604020202020204" pitchFamily="34" charset="0"/>
+              </a:rPr>
+              <a:t>và</a:t>
+            </a:r>
+            <a:r>
+              <a:rPr lang="en-US" sz="1500" dirty="0" smtClean="0">
+                <a:latin typeface="Arial" panose="020B0604020202020204" pitchFamily="34" charset="0"/>
+                <a:cs typeface="Arial" panose="020B0604020202020204" pitchFamily="34" charset="0"/>
+              </a:rPr>
+              <a:t> </a:t>
+            </a:r>
+            <a:r>
+              <a:rPr lang="en-US" sz="1500" dirty="0" err="1" smtClean="0">
+                <a:latin typeface="Arial" panose="020B0604020202020204" pitchFamily="34" charset="0"/>
+                <a:cs typeface="Arial" panose="020B0604020202020204" pitchFamily="34" charset="0"/>
+              </a:rPr>
+              <a:t>loại</a:t>
+            </a:r>
+            <a:r>
+              <a:rPr lang="en-US" sz="1500" dirty="0" smtClean="0">
+                <a:latin typeface="Arial" panose="020B0604020202020204" pitchFamily="34" charset="0"/>
+                <a:cs typeface="Arial" panose="020B0604020202020204" pitchFamily="34" charset="0"/>
+              </a:rPr>
+              <a:t> </a:t>
+            </a:r>
+            <a:r>
+              <a:rPr lang="en-US" sz="1500" dirty="0" err="1" smtClean="0">
+                <a:latin typeface="Arial" panose="020B0604020202020204" pitchFamily="34" charset="0"/>
+                <a:cs typeface="Arial" panose="020B0604020202020204" pitchFamily="34" charset="0"/>
+              </a:rPr>
+              <a:t>bỏ</a:t>
+            </a:r>
+            <a:r>
+              <a:rPr lang="en-US" sz="1500" dirty="0" smtClean="0">
+                <a:latin typeface="Arial" panose="020B0604020202020204" pitchFamily="34" charset="0"/>
+                <a:cs typeface="Arial" panose="020B0604020202020204" pitchFamily="34" charset="0"/>
+              </a:rPr>
+              <a:t> </a:t>
+            </a:r>
+            <a:r>
+              <a:rPr lang="en-US" sz="1500" dirty="0" err="1" smtClean="0">
+                <a:latin typeface="Arial" panose="020B0604020202020204" pitchFamily="34" charset="0"/>
+                <a:cs typeface="Arial" panose="020B0604020202020204" pitchFamily="34" charset="0"/>
+              </a:rPr>
+              <a:t>các</a:t>
+            </a:r>
+            <a:r>
+              <a:rPr lang="en-US" sz="1500" dirty="0" smtClean="0">
+                <a:latin typeface="Arial" panose="020B0604020202020204" pitchFamily="34" charset="0"/>
+                <a:cs typeface="Arial" panose="020B0604020202020204" pitchFamily="34" charset="0"/>
+              </a:rPr>
+              <a:t> </a:t>
+            </a:r>
+            <a:r>
+              <a:rPr lang="en-US" sz="1500" dirty="0" err="1" smtClean="0">
+                <a:latin typeface="Arial" panose="020B0604020202020204" pitchFamily="34" charset="0"/>
+                <a:cs typeface="Arial" panose="020B0604020202020204" pitchFamily="34" charset="0"/>
+              </a:rPr>
+              <a:t>giá</a:t>
+            </a:r>
+            <a:r>
+              <a:rPr lang="en-US" sz="1500" dirty="0" smtClean="0">
+                <a:latin typeface="Arial" panose="020B0604020202020204" pitchFamily="34" charset="0"/>
+                <a:cs typeface="Arial" panose="020B0604020202020204" pitchFamily="34" charset="0"/>
+              </a:rPr>
+              <a:t> </a:t>
+            </a:r>
+            <a:r>
+              <a:rPr lang="en-US" sz="1500" dirty="0" err="1" smtClean="0">
+                <a:latin typeface="Arial" panose="020B0604020202020204" pitchFamily="34" charset="0"/>
+                <a:cs typeface="Arial" panose="020B0604020202020204" pitchFamily="34" charset="0"/>
+              </a:rPr>
+              <a:t>trị</a:t>
+            </a:r>
+            <a:r>
+              <a:rPr lang="en-US" sz="1500" dirty="0" smtClean="0">
+                <a:latin typeface="Arial" panose="020B0604020202020204" pitchFamily="34" charset="0"/>
+                <a:cs typeface="Arial" panose="020B0604020202020204" pitchFamily="34" charset="0"/>
+              </a:rPr>
+              <a:t> price outline</a:t>
+            </a:r>
+          </a:p>
+          <a:p>
+            <a:r>
+              <a:rPr lang="en-US" sz="1500" dirty="0" err="1" smtClean="0">
+                <a:latin typeface="Arial" panose="020B0604020202020204" pitchFamily="34" charset="0"/>
+                <a:cs typeface="Arial" panose="020B0604020202020204" pitchFamily="34" charset="0"/>
+              </a:rPr>
+              <a:t>Loại</a:t>
+            </a:r>
+            <a:r>
+              <a:rPr lang="en-US" sz="1500" dirty="0" smtClean="0">
+                <a:latin typeface="Arial" panose="020B0604020202020204" pitchFamily="34" charset="0"/>
+                <a:cs typeface="Arial" panose="020B0604020202020204" pitchFamily="34" charset="0"/>
+              </a:rPr>
+              <a:t> </a:t>
+            </a:r>
+            <a:r>
+              <a:rPr lang="en-US" sz="1500" dirty="0" err="1" smtClean="0">
+                <a:latin typeface="Arial" panose="020B0604020202020204" pitchFamily="34" charset="0"/>
+                <a:cs typeface="Arial" panose="020B0604020202020204" pitchFamily="34" charset="0"/>
+              </a:rPr>
+              <a:t>bỏ</a:t>
+            </a:r>
+            <a:r>
+              <a:rPr lang="en-US" sz="1500" dirty="0" smtClean="0">
+                <a:latin typeface="Arial" panose="020B0604020202020204" pitchFamily="34" charset="0"/>
+                <a:cs typeface="Arial" panose="020B0604020202020204" pitchFamily="34" charset="0"/>
+              </a:rPr>
+              <a:t> outline </a:t>
+            </a:r>
+            <a:r>
+              <a:rPr lang="en-US" sz="1500" dirty="0" err="1" smtClean="0">
+                <a:latin typeface="Arial" panose="020B0604020202020204" pitchFamily="34" charset="0"/>
+                <a:cs typeface="Arial" panose="020B0604020202020204" pitchFamily="34" charset="0"/>
+              </a:rPr>
+              <a:t>giúp</a:t>
+            </a:r>
+            <a:r>
+              <a:rPr lang="en-US" sz="1500" dirty="0" smtClean="0">
+                <a:latin typeface="Arial" panose="020B0604020202020204" pitchFamily="34" charset="0"/>
+                <a:cs typeface="Arial" panose="020B0604020202020204" pitchFamily="34" charset="0"/>
+              </a:rPr>
+              <a:t> </a:t>
+            </a:r>
+            <a:r>
+              <a:rPr lang="en-US" sz="1500" dirty="0" err="1" smtClean="0">
+                <a:latin typeface="Arial" panose="020B0604020202020204" pitchFamily="34" charset="0"/>
+                <a:cs typeface="Arial" panose="020B0604020202020204" pitchFamily="34" charset="0"/>
+              </a:rPr>
+              <a:t>giá</a:t>
+            </a:r>
+            <a:r>
+              <a:rPr lang="en-US" sz="1500" dirty="0" smtClean="0">
+                <a:latin typeface="Arial" panose="020B0604020202020204" pitchFamily="34" charset="0"/>
+                <a:cs typeface="Arial" panose="020B0604020202020204" pitchFamily="34" charset="0"/>
+              </a:rPr>
+              <a:t> </a:t>
+            </a:r>
+            <a:r>
+              <a:rPr lang="en-US" sz="1500" dirty="0" err="1" smtClean="0">
+                <a:latin typeface="Arial" panose="020B0604020202020204" pitchFamily="34" charset="0"/>
+                <a:cs typeface="Arial" panose="020B0604020202020204" pitchFamily="34" charset="0"/>
+              </a:rPr>
+              <a:t>trj</a:t>
+            </a:r>
+            <a:r>
+              <a:rPr lang="en-US" sz="1500" dirty="0" smtClean="0">
+                <a:latin typeface="Arial" panose="020B0604020202020204" pitchFamily="34" charset="0"/>
+                <a:cs typeface="Arial" panose="020B0604020202020204" pitchFamily="34" charset="0"/>
+              </a:rPr>
+              <a:t> price </a:t>
+            </a:r>
+            <a:r>
+              <a:rPr lang="en-US" sz="1500" dirty="0" err="1" smtClean="0">
+                <a:latin typeface="Arial" panose="020B0604020202020204" pitchFamily="34" charset="0"/>
+                <a:cs typeface="Arial" panose="020B0604020202020204" pitchFamily="34" charset="0"/>
+              </a:rPr>
+              <a:t>trở</a:t>
+            </a:r>
+            <a:r>
+              <a:rPr lang="en-US" sz="1500" dirty="0" smtClean="0">
+                <a:latin typeface="Arial" panose="020B0604020202020204" pitchFamily="34" charset="0"/>
+                <a:cs typeface="Arial" panose="020B0604020202020204" pitchFamily="34" charset="0"/>
+              </a:rPr>
+              <a:t> </a:t>
+            </a:r>
+            <a:r>
+              <a:rPr lang="en-US" sz="1500" dirty="0" err="1" smtClean="0">
+                <a:latin typeface="Arial" panose="020B0604020202020204" pitchFamily="34" charset="0"/>
+                <a:cs typeface="Arial" panose="020B0604020202020204" pitchFamily="34" charset="0"/>
+              </a:rPr>
+              <a:t>nên</a:t>
+            </a:r>
+            <a:r>
+              <a:rPr lang="en-US" sz="1500" dirty="0" smtClean="0">
+                <a:latin typeface="Arial" panose="020B0604020202020204" pitchFamily="34" charset="0"/>
+                <a:cs typeface="Arial" panose="020B0604020202020204" pitchFamily="34" charset="0"/>
+              </a:rPr>
+              <a:t> </a:t>
+            </a:r>
+            <a:r>
+              <a:rPr lang="en-US" sz="1500" dirty="0" err="1" smtClean="0">
+                <a:latin typeface="Arial" panose="020B0604020202020204" pitchFamily="34" charset="0"/>
+                <a:cs typeface="Arial" panose="020B0604020202020204" pitchFamily="34" charset="0"/>
+              </a:rPr>
+              <a:t>tuyến</a:t>
+            </a:r>
+            <a:r>
+              <a:rPr lang="en-US" sz="1500" dirty="0" smtClean="0">
+                <a:latin typeface="Arial" panose="020B0604020202020204" pitchFamily="34" charset="0"/>
+                <a:cs typeface="Arial" panose="020B0604020202020204" pitchFamily="34" charset="0"/>
+              </a:rPr>
+              <a:t> </a:t>
+            </a:r>
+            <a:r>
+              <a:rPr lang="en-US" sz="1500" dirty="0" err="1" smtClean="0">
+                <a:latin typeface="Arial" panose="020B0604020202020204" pitchFamily="34" charset="0"/>
+                <a:cs typeface="Arial" panose="020B0604020202020204" pitchFamily="34" charset="0"/>
+              </a:rPr>
+              <a:t>tính</a:t>
+            </a:r>
+            <a:r>
+              <a:rPr lang="en-US" sz="1500" dirty="0" smtClean="0">
+                <a:latin typeface="Arial" panose="020B0604020202020204" pitchFamily="34" charset="0"/>
+                <a:cs typeface="Arial" panose="020B0604020202020204" pitchFamily="34" charset="0"/>
+              </a:rPr>
+              <a:t> </a:t>
+            </a:r>
+            <a:r>
+              <a:rPr lang="en-US" sz="1500" dirty="0" err="1" smtClean="0">
+                <a:latin typeface="Arial" panose="020B0604020202020204" pitchFamily="34" charset="0"/>
+                <a:cs typeface="Arial" panose="020B0604020202020204" pitchFamily="34" charset="0"/>
+              </a:rPr>
+              <a:t>hơn</a:t>
+            </a:r>
+            <a:r>
+              <a:rPr lang="en-US" dirty="0" smtClean="0">
+                <a:latin typeface="Arial" panose="020B0604020202020204" pitchFamily="34" charset="0"/>
+                <a:cs typeface="Arial" panose="020B0604020202020204" pitchFamily="34" charset="0"/>
+              </a:rPr>
+              <a:t> </a:t>
+            </a:r>
+            <a:endParaRPr lang="en-US" dirty="0">
+              <a:latin typeface="Arial" panose="020B0604020202020204" pitchFamily="34" charset="0"/>
+              <a:cs typeface="Arial" panose="020B0604020202020204" pitchFamily="34" charset="0"/>
+            </a:endParaRPr>
           </a:p>
         </p:txBody>
       </p:sp>
+      <p:cxnSp>
+        <p:nvCxnSpPr>
+          <p:cNvPr id="9" name="Straight Connector 8"/>
+          <p:cNvCxnSpPr/>
+          <p:nvPr/>
+        </p:nvCxnSpPr>
+        <p:spPr>
+          <a:xfrm flipV="1">
+            <a:off x="864066" y="922789"/>
+            <a:ext cx="10981189" cy="16778"/>
+          </a:xfrm>
+          <a:prstGeom prst="line">
+            <a:avLst/>
+          </a:prstGeom>
+          <a:ln>
+            <a:solidFill>
+              <a:srgbClr val="C00000"/>
+            </a:solidFill>
+          </a:ln>
+        </p:spPr>
+        <p:style>
+          <a:lnRef idx="3">
+            <a:schemeClr val="accent1"/>
+          </a:lnRef>
+          <a:fillRef idx="0">
+            <a:schemeClr val="accent1"/>
+          </a:fillRef>
+          <a:effectRef idx="2">
+            <a:schemeClr val="accent1"/>
+          </a:effectRef>
+          <a:fontRef idx="minor">
+            <a:schemeClr val="tx1"/>
+          </a:fontRef>
+        </p:style>
+      </p:cxnSp>
+      <p:pic>
+        <p:nvPicPr>
+          <p:cNvPr id="4" name="Picture 3"/>
+          <p:cNvPicPr>
+            <a:picLocks noChangeAspect="1"/>
+          </p:cNvPicPr>
+          <p:nvPr/>
+        </p:nvPicPr>
+        <p:blipFill>
+          <a:blip r:embed="rId2"/>
+          <a:stretch>
+            <a:fillRect/>
+          </a:stretch>
+        </p:blipFill>
+        <p:spPr>
+          <a:xfrm>
+            <a:off x="6630172" y="2370993"/>
+            <a:ext cx="2949649" cy="2182977"/>
+          </a:xfrm>
+          <a:prstGeom prst="rect">
+            <a:avLst/>
+          </a:prstGeom>
+        </p:spPr>
+      </p:pic>
+      <p:pic>
+        <p:nvPicPr>
+          <p:cNvPr id="6" name="Picture 5"/>
+          <p:cNvPicPr>
+            <a:picLocks noChangeAspect="1"/>
+          </p:cNvPicPr>
+          <p:nvPr/>
+        </p:nvPicPr>
+        <p:blipFill>
+          <a:blip r:embed="rId3"/>
+          <a:stretch>
+            <a:fillRect/>
+          </a:stretch>
+        </p:blipFill>
+        <p:spPr>
+          <a:xfrm>
+            <a:off x="6630172" y="4629472"/>
+            <a:ext cx="2949649" cy="2152290"/>
+          </a:xfrm>
+          <a:prstGeom prst="rect">
+            <a:avLst/>
+          </a:prstGeom>
+        </p:spPr>
+      </p:pic>
+      <p:pic>
+        <p:nvPicPr>
+          <p:cNvPr id="7" name="Picture 6"/>
+          <p:cNvPicPr>
+            <a:picLocks noChangeAspect="1"/>
+          </p:cNvPicPr>
+          <p:nvPr/>
+        </p:nvPicPr>
+        <p:blipFill>
+          <a:blip r:embed="rId4"/>
+          <a:stretch>
+            <a:fillRect/>
+          </a:stretch>
+        </p:blipFill>
+        <p:spPr>
+          <a:xfrm>
+            <a:off x="2631226" y="2405904"/>
+            <a:ext cx="2914389" cy="2148067"/>
+          </a:xfrm>
+          <a:prstGeom prst="rect">
+            <a:avLst/>
+          </a:prstGeom>
+        </p:spPr>
+      </p:pic>
+      <p:pic>
+        <p:nvPicPr>
+          <p:cNvPr id="8" name="Picture 7"/>
+          <p:cNvPicPr>
+            <a:picLocks noChangeAspect="1"/>
+          </p:cNvPicPr>
+          <p:nvPr/>
+        </p:nvPicPr>
+        <p:blipFill>
+          <a:blip r:embed="rId5"/>
+          <a:stretch>
+            <a:fillRect/>
+          </a:stretch>
+        </p:blipFill>
+        <p:spPr>
+          <a:xfrm>
+            <a:off x="2631226" y="4629472"/>
+            <a:ext cx="2914388" cy="2152290"/>
+          </a:xfrm>
+          <a:prstGeom prst="rect">
+            <a:avLst/>
+          </a:prstGeom>
+        </p:spPr>
+      </p:pic>
+      <p:sp>
+        <p:nvSpPr>
+          <p:cNvPr id="10" name="Right Arrow 9"/>
+          <p:cNvSpPr/>
+          <p:nvPr/>
+        </p:nvSpPr>
+        <p:spPr>
+          <a:xfrm>
+            <a:off x="5643703" y="3759372"/>
+            <a:ext cx="906011" cy="1417739"/>
+          </a:xfrm>
+          <a:prstGeom prst="rightArrow">
+            <a:avLst/>
+          </a:prstGeom>
+        </p:spPr>
+        <p:style>
+          <a:lnRef idx="2">
+            <a:schemeClr val="accent1">
+              <a:shade val="50000"/>
+            </a:schemeClr>
+          </a:lnRef>
+          <a:fillRef idx="1">
+            <a:schemeClr val="accent1"/>
+          </a:fillRef>
+          <a:effectRef idx="0">
+            <a:schemeClr val="accent1"/>
+          </a:effectRef>
+          <a:fontRef idx="minor">
+            <a:schemeClr val="lt1"/>
+          </a:fontRef>
+        </p:style>
+        <p:txBody>
+          <a:bodyPr rtlCol="0" anchor="ctr"/>
+          <a:lstStyle/>
+          <a:p>
+            <a:pPr algn="ctr"/>
+            <a:endParaRPr lang="en-US"/>
+          </a:p>
+        </p:txBody>
+      </p:sp>
+      <p:pic>
+        <p:nvPicPr>
+          <p:cNvPr id="11" name="Picture 10"/>
+          <p:cNvPicPr>
+            <a:picLocks noChangeAspect="1"/>
+          </p:cNvPicPr>
+          <p:nvPr/>
+        </p:nvPicPr>
+        <p:blipFill>
+          <a:blip r:embed="rId6"/>
+          <a:stretch>
+            <a:fillRect/>
+          </a:stretch>
+        </p:blipFill>
+        <p:spPr>
+          <a:xfrm>
+            <a:off x="0" y="2396165"/>
+            <a:ext cx="2565518" cy="2157805"/>
+          </a:xfrm>
+          <a:prstGeom prst="rect">
+            <a:avLst/>
+          </a:prstGeom>
+        </p:spPr>
+      </p:pic>
+      <p:pic>
+        <p:nvPicPr>
+          <p:cNvPr id="12" name="Picture 11"/>
+          <p:cNvPicPr>
+            <a:picLocks noChangeAspect="1"/>
+          </p:cNvPicPr>
+          <p:nvPr/>
+        </p:nvPicPr>
+        <p:blipFill>
+          <a:blip r:embed="rId7"/>
+          <a:stretch>
+            <a:fillRect/>
+          </a:stretch>
+        </p:blipFill>
+        <p:spPr>
+          <a:xfrm>
+            <a:off x="9660279" y="2370993"/>
+            <a:ext cx="2531721" cy="2182978"/>
+          </a:xfrm>
+          <a:prstGeom prst="rect">
+            <a:avLst/>
+          </a:prstGeom>
+        </p:spPr>
+      </p:pic>
     </p:spTree>
     <p:extLst>
       <p:ext uri="{BB962C8B-B14F-4D97-AF65-F5344CB8AC3E}">
-        <p14:creationId xmlns:p14="http://schemas.microsoft.com/office/powerpoint/2010/main" val="611434459"/>
+        <p14:creationId xmlns:p14="http://schemas.microsoft.com/office/powerpoint/2010/main" val="1491948263"/>
+      </p:ext>
+    </p:extLst>
+  </p:cSld>
+  <p:clrMapOvr>
+    <a:masterClrMapping/>
+  </p:clrMapOvr>
+</p:sld>
+</file>
+
+<file path=ppt/slides/slide5.xml><?xml version="1.0" encoding="utf-8"?>
+<p:sld xmlns:a="http://schemas.openxmlformats.org/drawingml/2006/main" xmlns:r="http://schemas.openxmlformats.org/officeDocument/2006/relationships" xmlns:p="http://schemas.openxmlformats.org/presentationml/2006/main">
+  <p:cSld>
+    <p:spTree>
+      <p:nvGrpSpPr>
+        <p:cNvPr id="1" name=""/>
+        <p:cNvGrpSpPr/>
+        <p:nvPr/>
+      </p:nvGrpSpPr>
+      <p:grpSpPr>
+        <a:xfrm>
+          <a:off x="0" y="0"/>
+          <a:ext cx="0" cy="0"/>
+          <a:chOff x="0" y="0"/>
+          <a:chExt cx="0" cy="0"/>
+        </a:xfrm>
+      </p:grpSpPr>
+      <p:sp>
+        <p:nvSpPr>
+          <p:cNvPr id="2" name="Title 1"/>
+          <p:cNvSpPr txBox="1">
+            <a:spLocks/>
+          </p:cNvSpPr>
+          <p:nvPr/>
+        </p:nvSpPr>
+        <p:spPr>
+          <a:xfrm>
+            <a:off x="1088491" y="167780"/>
+            <a:ext cx="9605635" cy="857515"/>
+          </a:xfrm>
+          <a:prstGeom prst="rect">
+            <a:avLst/>
+          </a:prstGeom>
+        </p:spPr>
+        <p:txBody>
+          <a:bodyPr/>
+          <a:lstStyle>
+            <a:lvl1pPr algn="l" defTabSz="914400" rtl="0" eaLnBrk="1" latinLnBrk="0" hangingPunct="1">
+              <a:lnSpc>
+                <a:spcPct val="90000"/>
+              </a:lnSpc>
+              <a:spcBef>
+                <a:spcPct val="0"/>
+              </a:spcBef>
+              <a:buNone/>
+              <a:defRPr sz="3200" b="0" i="0" kern="1200" cap="all">
+                <a:solidFill>
+                  <a:schemeClr val="tx1"/>
+                </a:solidFill>
+                <a:effectLst/>
+                <a:latin typeface="+mj-lt"/>
+                <a:ea typeface="+mj-ea"/>
+                <a:cs typeface="+mj-cs"/>
+              </a:defRPr>
+            </a:lvl1pPr>
+          </a:lstStyle>
+          <a:p>
+            <a:r>
+              <a:rPr lang="en-US" dirty="0" err="1" smtClean="0">
+                <a:latin typeface="Arial" panose="020B0604020202020204" pitchFamily="34" charset="0"/>
+                <a:cs typeface="Arial" panose="020B0604020202020204" pitchFamily="34" charset="0"/>
+              </a:rPr>
+              <a:t>Xử</a:t>
+            </a:r>
+            <a:r>
+              <a:rPr lang="en-US" dirty="0" smtClean="0">
+                <a:latin typeface="Arial" panose="020B0604020202020204" pitchFamily="34" charset="0"/>
+                <a:cs typeface="Arial" panose="020B0604020202020204" pitchFamily="34" charset="0"/>
+              </a:rPr>
+              <a:t> </a:t>
+            </a:r>
+            <a:r>
+              <a:rPr lang="en-US" dirty="0" err="1" smtClean="0">
+                <a:latin typeface="Arial" panose="020B0604020202020204" pitchFamily="34" charset="0"/>
+                <a:cs typeface="Arial" panose="020B0604020202020204" pitchFamily="34" charset="0"/>
+              </a:rPr>
+              <a:t>lý</a:t>
+            </a:r>
+            <a:r>
+              <a:rPr lang="en-US" dirty="0" smtClean="0">
+                <a:latin typeface="Arial" panose="020B0604020202020204" pitchFamily="34" charset="0"/>
+                <a:cs typeface="Arial" panose="020B0604020202020204" pitchFamily="34" charset="0"/>
+              </a:rPr>
+              <a:t> </a:t>
+            </a:r>
+            <a:r>
+              <a:rPr lang="en-US" dirty="0" err="1" smtClean="0">
+                <a:latin typeface="Arial" panose="020B0604020202020204" pitchFamily="34" charset="0"/>
+                <a:cs typeface="Arial" panose="020B0604020202020204" pitchFamily="34" charset="0"/>
+              </a:rPr>
+              <a:t>dữ</a:t>
+            </a:r>
+            <a:r>
+              <a:rPr lang="en-US" dirty="0" smtClean="0">
+                <a:latin typeface="Arial" panose="020B0604020202020204" pitchFamily="34" charset="0"/>
+                <a:cs typeface="Arial" panose="020B0604020202020204" pitchFamily="34" charset="0"/>
+              </a:rPr>
+              <a:t> </a:t>
+            </a:r>
+            <a:r>
+              <a:rPr lang="en-US" dirty="0" err="1" smtClean="0">
+                <a:latin typeface="Arial" panose="020B0604020202020204" pitchFamily="34" charset="0"/>
+                <a:cs typeface="Arial" panose="020B0604020202020204" pitchFamily="34" charset="0"/>
+              </a:rPr>
+              <a:t>liệu</a:t>
+            </a:r>
+            <a:r>
+              <a:rPr lang="en-US" dirty="0" smtClean="0">
+                <a:latin typeface="Arial" panose="020B0604020202020204" pitchFamily="34" charset="0"/>
+                <a:cs typeface="Arial" panose="020B0604020202020204" pitchFamily="34" charset="0"/>
+              </a:rPr>
+              <a:t/>
+            </a:r>
+            <a:br>
+              <a:rPr lang="en-US" dirty="0" smtClean="0">
+                <a:latin typeface="Arial" panose="020B0604020202020204" pitchFamily="34" charset="0"/>
+                <a:cs typeface="Arial" panose="020B0604020202020204" pitchFamily="34" charset="0"/>
+              </a:rPr>
+            </a:br>
+            <a:r>
+              <a:rPr lang="en-US" sz="2000" dirty="0" err="1">
+                <a:latin typeface="Arial" panose="020B0604020202020204" pitchFamily="34" charset="0"/>
+                <a:cs typeface="Arial" panose="020B0604020202020204" pitchFamily="34" charset="0"/>
+              </a:rPr>
+              <a:t>Xử</a:t>
+            </a:r>
+            <a:r>
+              <a:rPr lang="en-US" sz="2000" dirty="0">
+                <a:latin typeface="Arial" panose="020B0604020202020204" pitchFamily="34" charset="0"/>
+                <a:cs typeface="Arial" panose="020B0604020202020204" pitchFamily="34" charset="0"/>
+              </a:rPr>
+              <a:t> </a:t>
+            </a:r>
+            <a:r>
+              <a:rPr lang="en-US" sz="2000" dirty="0" err="1">
+                <a:latin typeface="Arial" panose="020B0604020202020204" pitchFamily="34" charset="0"/>
+                <a:cs typeface="Arial" panose="020B0604020202020204" pitchFamily="34" charset="0"/>
+              </a:rPr>
+              <a:t>lý</a:t>
+            </a:r>
+            <a:r>
+              <a:rPr lang="en-US" sz="2000" dirty="0">
+                <a:latin typeface="Arial" panose="020B0604020202020204" pitchFamily="34" charset="0"/>
+                <a:cs typeface="Arial" panose="020B0604020202020204" pitchFamily="34" charset="0"/>
+              </a:rPr>
+              <a:t> </a:t>
+            </a:r>
+            <a:r>
+              <a:rPr lang="en-US" sz="2000" dirty="0" err="1">
+                <a:latin typeface="Arial" panose="020B0604020202020204" pitchFamily="34" charset="0"/>
+                <a:cs typeface="Arial" panose="020B0604020202020204" pitchFamily="34" charset="0"/>
+              </a:rPr>
+              <a:t>giá</a:t>
+            </a:r>
+            <a:r>
+              <a:rPr lang="en-US" sz="2000" dirty="0">
+                <a:latin typeface="Arial" panose="020B0604020202020204" pitchFamily="34" charset="0"/>
+                <a:cs typeface="Arial" panose="020B0604020202020204" pitchFamily="34" charset="0"/>
+              </a:rPr>
+              <a:t> </a:t>
+            </a:r>
+            <a:r>
+              <a:rPr lang="en-US" sz="2000" dirty="0" err="1">
+                <a:latin typeface="Arial" panose="020B0604020202020204" pitchFamily="34" charset="0"/>
+                <a:cs typeface="Arial" panose="020B0604020202020204" pitchFamily="34" charset="0"/>
+              </a:rPr>
+              <a:t>trị</a:t>
+            </a:r>
+            <a:r>
+              <a:rPr lang="en-US" sz="2000" dirty="0">
+                <a:latin typeface="Arial" panose="020B0604020202020204" pitchFamily="34" charset="0"/>
+                <a:cs typeface="Arial" panose="020B0604020202020204" pitchFamily="34" charset="0"/>
+              </a:rPr>
+              <a:t> </a:t>
+            </a:r>
+            <a:r>
+              <a:rPr lang="en-US" sz="2000" dirty="0" smtClean="0">
+                <a:latin typeface="Arial" panose="020B0604020202020204" pitchFamily="34" charset="0"/>
+                <a:cs typeface="Arial" panose="020B0604020202020204" pitchFamily="34" charset="0"/>
+              </a:rPr>
+              <a:t>bedrooms</a:t>
+            </a:r>
+            <a:endParaRPr lang="en-US" sz="2000" dirty="0">
+              <a:latin typeface="Arial" panose="020B0604020202020204" pitchFamily="34" charset="0"/>
+              <a:cs typeface="Arial" panose="020B0604020202020204" pitchFamily="34" charset="0"/>
+            </a:endParaRPr>
+          </a:p>
+        </p:txBody>
+      </p:sp>
+      <p:sp>
+        <p:nvSpPr>
+          <p:cNvPr id="3" name="Content Placeholder 2"/>
+          <p:cNvSpPr txBox="1">
+            <a:spLocks/>
+          </p:cNvSpPr>
+          <p:nvPr/>
+        </p:nvSpPr>
+        <p:spPr>
+          <a:xfrm>
+            <a:off x="1088490" y="1025296"/>
+            <a:ext cx="10756765" cy="1294879"/>
+          </a:xfrm>
+          <a:prstGeom prst="rect">
+            <a:avLst/>
+          </a:prstGeom>
+        </p:spPr>
+        <p:txBody>
+          <a:bodyPr/>
+          <a:lstStyle>
+            <a:lvl1pPr marL="228600" indent="-228600" algn="l" defTabSz="914400" rtl="0" eaLnBrk="1" latinLnBrk="0" hangingPunct="1">
+              <a:lnSpc>
+                <a:spcPct val="120000"/>
+              </a:lnSpc>
+              <a:spcBef>
+                <a:spcPts val="1000"/>
+              </a:spcBef>
+              <a:buClr>
+                <a:schemeClr val="accent1"/>
+              </a:buClr>
+              <a:buSzPct val="100000"/>
+              <a:buFont typeface="Arial" panose="020B0604020202020204" pitchFamily="34" charset="0"/>
+              <a:buChar char="•"/>
+              <a:defRPr sz="2000" kern="1200">
+                <a:solidFill>
+                  <a:schemeClr val="tx1"/>
+                </a:solidFill>
+                <a:effectLst/>
+                <a:latin typeface="+mn-lt"/>
+                <a:ea typeface="+mn-ea"/>
+                <a:cs typeface="+mn-cs"/>
+              </a:defRPr>
+            </a:lvl1pPr>
+            <a:lvl2pPr marL="685800" indent="-228600" algn="l" defTabSz="914400" rtl="0" eaLnBrk="1" latinLnBrk="0" hangingPunct="1">
+              <a:lnSpc>
+                <a:spcPct val="120000"/>
+              </a:lnSpc>
+              <a:spcBef>
+                <a:spcPts val="500"/>
+              </a:spcBef>
+              <a:buClr>
+                <a:schemeClr val="accent1"/>
+              </a:buClr>
+              <a:buSzPct val="100000"/>
+              <a:buFont typeface="Arial" panose="020B0604020202020204" pitchFamily="34" charset="0"/>
+              <a:buChar char="•"/>
+              <a:defRPr sz="1800" kern="1200" cap="none" baseline="0">
+                <a:solidFill>
+                  <a:schemeClr val="tx1"/>
+                </a:solidFill>
+                <a:effectLst/>
+                <a:latin typeface="+mn-lt"/>
+                <a:ea typeface="+mn-ea"/>
+                <a:cs typeface="+mn-cs"/>
+              </a:defRPr>
+            </a:lvl2pPr>
+            <a:lvl3pPr marL="1143000" indent="-228600" algn="l" defTabSz="914400" rtl="0" eaLnBrk="1" latinLnBrk="0" hangingPunct="1">
+              <a:lnSpc>
+                <a:spcPct val="120000"/>
+              </a:lnSpc>
+              <a:spcBef>
+                <a:spcPts val="500"/>
+              </a:spcBef>
+              <a:buClr>
+                <a:schemeClr val="accent1"/>
+              </a:buClr>
+              <a:buSzPct val="100000"/>
+              <a:buFont typeface="Arial" panose="020B0604020202020204" pitchFamily="34" charset="0"/>
+              <a:buChar char="•"/>
+              <a:defRPr sz="1600" kern="1200">
+                <a:solidFill>
+                  <a:schemeClr val="tx1"/>
+                </a:solidFill>
+                <a:effectLst/>
+                <a:latin typeface="+mn-lt"/>
+                <a:ea typeface="+mn-ea"/>
+                <a:cs typeface="+mn-cs"/>
+              </a:defRPr>
+            </a:lvl3pPr>
+            <a:lvl4pPr marL="1600200" indent="-228600" algn="l" defTabSz="914400" rtl="0" eaLnBrk="1" latinLnBrk="0" hangingPunct="1">
+              <a:lnSpc>
+                <a:spcPct val="120000"/>
+              </a:lnSpc>
+              <a:spcBef>
+                <a:spcPts val="500"/>
+              </a:spcBef>
+              <a:buClr>
+                <a:schemeClr val="accent1"/>
+              </a:buClr>
+              <a:buSzPct val="100000"/>
+              <a:buFont typeface="Arial" panose="020B0604020202020204" pitchFamily="34" charset="0"/>
+              <a:buChar char="•"/>
+              <a:defRPr sz="1400" kern="1200" cap="none" baseline="0">
+                <a:solidFill>
+                  <a:schemeClr val="tx1"/>
+                </a:solidFill>
+                <a:effectLst/>
+                <a:latin typeface="+mn-lt"/>
+                <a:ea typeface="+mn-ea"/>
+                <a:cs typeface="+mn-cs"/>
+              </a:defRPr>
+            </a:lvl4pPr>
+            <a:lvl5pPr marL="2057400" indent="-228600" algn="l" defTabSz="914400" rtl="0" eaLnBrk="1" latinLnBrk="0" hangingPunct="1">
+              <a:lnSpc>
+                <a:spcPct val="120000"/>
+              </a:lnSpc>
+              <a:spcBef>
+                <a:spcPts val="500"/>
+              </a:spcBef>
+              <a:buClr>
+                <a:schemeClr val="accent1"/>
+              </a:buClr>
+              <a:buSzPct val="100000"/>
+              <a:buFont typeface="Arial" panose="020B0604020202020204" pitchFamily="34" charset="0"/>
+              <a:buChar char="•"/>
+              <a:defRPr sz="1200" kern="1200">
+                <a:solidFill>
+                  <a:schemeClr val="tx1"/>
+                </a:solidFill>
+                <a:effectLst/>
+                <a:latin typeface="+mn-lt"/>
+                <a:ea typeface="+mn-ea"/>
+                <a:cs typeface="+mn-cs"/>
+              </a:defRPr>
+            </a:lvl5pPr>
+            <a:lvl6pPr marL="2514600" indent="-228600" algn="l" defTabSz="914400" rtl="0" eaLnBrk="1" latinLnBrk="0" hangingPunct="1">
+              <a:lnSpc>
+                <a:spcPct val="120000"/>
+              </a:lnSpc>
+              <a:spcBef>
+                <a:spcPts val="500"/>
+              </a:spcBef>
+              <a:buClr>
+                <a:schemeClr val="accent1"/>
+              </a:buClr>
+              <a:buSzPct val="100000"/>
+              <a:buFont typeface="Arial" panose="020B0604020202020204" pitchFamily="34" charset="0"/>
+              <a:buChar char="•"/>
+              <a:defRPr sz="1200" kern="1200">
+                <a:solidFill>
+                  <a:schemeClr val="tx1"/>
+                </a:solidFill>
+                <a:effectLst/>
+                <a:latin typeface="+mn-lt"/>
+                <a:ea typeface="+mn-ea"/>
+                <a:cs typeface="+mn-cs"/>
+              </a:defRPr>
+            </a:lvl6pPr>
+            <a:lvl7pPr marL="2971800" indent="-228600" algn="l" defTabSz="914400" rtl="0" eaLnBrk="1" latinLnBrk="0" hangingPunct="1">
+              <a:lnSpc>
+                <a:spcPct val="120000"/>
+              </a:lnSpc>
+              <a:spcBef>
+                <a:spcPts val="500"/>
+              </a:spcBef>
+              <a:buClr>
+                <a:schemeClr val="accent1"/>
+              </a:buClr>
+              <a:buSzPct val="100000"/>
+              <a:buFont typeface="Arial" panose="020B0604020202020204" pitchFamily="34" charset="0"/>
+              <a:buChar char="•"/>
+              <a:defRPr sz="1200" kern="1200">
+                <a:solidFill>
+                  <a:schemeClr val="tx1"/>
+                </a:solidFill>
+                <a:effectLst/>
+                <a:latin typeface="+mn-lt"/>
+                <a:ea typeface="+mn-ea"/>
+                <a:cs typeface="+mn-cs"/>
+              </a:defRPr>
+            </a:lvl7pPr>
+            <a:lvl8pPr marL="3429000" indent="-228600" algn="l" defTabSz="914400" rtl="0" eaLnBrk="1" latinLnBrk="0" hangingPunct="1">
+              <a:lnSpc>
+                <a:spcPct val="120000"/>
+              </a:lnSpc>
+              <a:spcBef>
+                <a:spcPts val="500"/>
+              </a:spcBef>
+              <a:buClr>
+                <a:schemeClr val="accent1"/>
+              </a:buClr>
+              <a:buSzPct val="100000"/>
+              <a:buFont typeface="Arial" panose="020B0604020202020204" pitchFamily="34" charset="0"/>
+              <a:buChar char="•"/>
+              <a:defRPr sz="1200" kern="1200" baseline="0">
+                <a:solidFill>
+                  <a:schemeClr val="tx1"/>
+                </a:solidFill>
+                <a:effectLst/>
+                <a:latin typeface="+mn-lt"/>
+                <a:ea typeface="+mn-ea"/>
+                <a:cs typeface="+mn-cs"/>
+              </a:defRPr>
+            </a:lvl8pPr>
+            <a:lvl9pPr marL="3886200" indent="-228600" algn="l" defTabSz="914400" rtl="0" eaLnBrk="1" latinLnBrk="0" hangingPunct="1">
+              <a:lnSpc>
+                <a:spcPct val="120000"/>
+              </a:lnSpc>
+              <a:spcBef>
+                <a:spcPts val="500"/>
+              </a:spcBef>
+              <a:buClr>
+                <a:schemeClr val="accent1"/>
+              </a:buClr>
+              <a:buSzPct val="100000"/>
+              <a:buFont typeface="Arial" panose="020B0604020202020204" pitchFamily="34" charset="0"/>
+              <a:buChar char="•"/>
+              <a:defRPr sz="1200" kern="1200" baseline="0">
+                <a:solidFill>
+                  <a:schemeClr val="tx1"/>
+                </a:solidFill>
+                <a:effectLst/>
+                <a:latin typeface="+mn-lt"/>
+                <a:ea typeface="+mn-ea"/>
+                <a:cs typeface="+mn-cs"/>
+              </a:defRPr>
+            </a:lvl9pPr>
+          </a:lstStyle>
+          <a:p>
+            <a:r>
+              <a:rPr lang="en-US" sz="1500" dirty="0" err="1" smtClean="0">
+                <a:latin typeface="Arial" panose="020B0604020202020204" pitchFamily="34" charset="0"/>
+                <a:cs typeface="Arial" panose="020B0604020202020204" pitchFamily="34" charset="0"/>
+              </a:rPr>
+              <a:t>Kiểm</a:t>
+            </a:r>
+            <a:r>
+              <a:rPr lang="en-US" sz="1500" dirty="0" smtClean="0">
+                <a:latin typeface="Arial" panose="020B0604020202020204" pitchFamily="34" charset="0"/>
+                <a:cs typeface="Arial" panose="020B0604020202020204" pitchFamily="34" charset="0"/>
+              </a:rPr>
+              <a:t> </a:t>
+            </a:r>
+            <a:r>
+              <a:rPr lang="en-US" sz="1500" dirty="0" err="1" smtClean="0">
+                <a:latin typeface="Arial" panose="020B0604020202020204" pitchFamily="34" charset="0"/>
+                <a:cs typeface="Arial" panose="020B0604020202020204" pitchFamily="34" charset="0"/>
+              </a:rPr>
+              <a:t>tra</a:t>
+            </a:r>
+            <a:r>
+              <a:rPr lang="en-US" sz="1500" dirty="0" smtClean="0">
+                <a:latin typeface="Arial" panose="020B0604020202020204" pitchFamily="34" charset="0"/>
+                <a:cs typeface="Arial" panose="020B0604020202020204" pitchFamily="34" charset="0"/>
+              </a:rPr>
+              <a:t> </a:t>
+            </a:r>
+            <a:r>
+              <a:rPr lang="en-US" sz="1500" dirty="0" err="1" smtClean="0">
+                <a:latin typeface="Arial" panose="020B0604020202020204" pitchFamily="34" charset="0"/>
+                <a:cs typeface="Arial" panose="020B0604020202020204" pitchFamily="34" charset="0"/>
+              </a:rPr>
+              <a:t>và</a:t>
+            </a:r>
+            <a:r>
+              <a:rPr lang="en-US" sz="1500" dirty="0" smtClean="0">
+                <a:latin typeface="Arial" panose="020B0604020202020204" pitchFamily="34" charset="0"/>
+                <a:cs typeface="Arial" panose="020B0604020202020204" pitchFamily="34" charset="0"/>
+              </a:rPr>
+              <a:t> </a:t>
+            </a:r>
+            <a:r>
+              <a:rPr lang="en-US" sz="1500" dirty="0" err="1" smtClean="0">
+                <a:latin typeface="Arial" panose="020B0604020202020204" pitchFamily="34" charset="0"/>
+                <a:cs typeface="Arial" panose="020B0604020202020204" pitchFamily="34" charset="0"/>
+              </a:rPr>
+              <a:t>loại</a:t>
+            </a:r>
+            <a:r>
+              <a:rPr lang="en-US" sz="1500" dirty="0" smtClean="0">
+                <a:latin typeface="Arial" panose="020B0604020202020204" pitchFamily="34" charset="0"/>
+                <a:cs typeface="Arial" panose="020B0604020202020204" pitchFamily="34" charset="0"/>
+              </a:rPr>
+              <a:t> </a:t>
+            </a:r>
+            <a:r>
+              <a:rPr lang="en-US" sz="1500" dirty="0" err="1" smtClean="0">
+                <a:latin typeface="Arial" panose="020B0604020202020204" pitchFamily="34" charset="0"/>
+                <a:cs typeface="Arial" panose="020B0604020202020204" pitchFamily="34" charset="0"/>
+              </a:rPr>
+              <a:t>bỏ</a:t>
+            </a:r>
+            <a:r>
+              <a:rPr lang="en-US" sz="1500" dirty="0" smtClean="0">
+                <a:latin typeface="Arial" panose="020B0604020202020204" pitchFamily="34" charset="0"/>
+                <a:cs typeface="Arial" panose="020B0604020202020204" pitchFamily="34" charset="0"/>
+              </a:rPr>
+              <a:t> </a:t>
+            </a:r>
+            <a:r>
+              <a:rPr lang="en-US" sz="1500" dirty="0" err="1" smtClean="0">
+                <a:latin typeface="Arial" panose="020B0604020202020204" pitchFamily="34" charset="0"/>
+                <a:cs typeface="Arial" panose="020B0604020202020204" pitchFamily="34" charset="0"/>
+              </a:rPr>
+              <a:t>các</a:t>
+            </a:r>
+            <a:r>
+              <a:rPr lang="en-US" sz="1500" dirty="0" smtClean="0">
+                <a:latin typeface="Arial" panose="020B0604020202020204" pitchFamily="34" charset="0"/>
+                <a:cs typeface="Arial" panose="020B0604020202020204" pitchFamily="34" charset="0"/>
+              </a:rPr>
+              <a:t> </a:t>
+            </a:r>
+            <a:r>
+              <a:rPr lang="en-US" sz="1500" dirty="0" err="1" smtClean="0">
+                <a:latin typeface="Arial" panose="020B0604020202020204" pitchFamily="34" charset="0"/>
+                <a:cs typeface="Arial" panose="020B0604020202020204" pitchFamily="34" charset="0"/>
+              </a:rPr>
+              <a:t>giá</a:t>
+            </a:r>
+            <a:r>
+              <a:rPr lang="en-US" sz="1500" dirty="0" smtClean="0">
+                <a:latin typeface="Arial" panose="020B0604020202020204" pitchFamily="34" charset="0"/>
+                <a:cs typeface="Arial" panose="020B0604020202020204" pitchFamily="34" charset="0"/>
+              </a:rPr>
+              <a:t> </a:t>
+            </a:r>
+            <a:r>
+              <a:rPr lang="en-US" sz="1500" dirty="0" err="1" smtClean="0">
+                <a:latin typeface="Arial" panose="020B0604020202020204" pitchFamily="34" charset="0"/>
+                <a:cs typeface="Arial" panose="020B0604020202020204" pitchFamily="34" charset="0"/>
+              </a:rPr>
+              <a:t>trị</a:t>
+            </a:r>
+            <a:r>
+              <a:rPr lang="en-US" sz="1500" dirty="0" smtClean="0">
+                <a:latin typeface="Arial" panose="020B0604020202020204" pitchFamily="34" charset="0"/>
+                <a:cs typeface="Arial" panose="020B0604020202020204" pitchFamily="34" charset="0"/>
+              </a:rPr>
+              <a:t> outline</a:t>
+            </a:r>
+          </a:p>
+        </p:txBody>
+      </p:sp>
+      <p:cxnSp>
+        <p:nvCxnSpPr>
+          <p:cNvPr id="9" name="Straight Connector 8"/>
+          <p:cNvCxnSpPr/>
+          <p:nvPr/>
+        </p:nvCxnSpPr>
+        <p:spPr>
+          <a:xfrm flipV="1">
+            <a:off x="864066" y="922789"/>
+            <a:ext cx="10981189" cy="16778"/>
+          </a:xfrm>
+          <a:prstGeom prst="line">
+            <a:avLst/>
+          </a:prstGeom>
+          <a:ln>
+            <a:solidFill>
+              <a:srgbClr val="C00000"/>
+            </a:solidFill>
+          </a:ln>
+        </p:spPr>
+        <p:style>
+          <a:lnRef idx="3">
+            <a:schemeClr val="accent1"/>
+          </a:lnRef>
+          <a:fillRef idx="0">
+            <a:schemeClr val="accent1"/>
+          </a:fillRef>
+          <a:effectRef idx="2">
+            <a:schemeClr val="accent1"/>
+          </a:effectRef>
+          <a:fontRef idx="minor">
+            <a:schemeClr val="tx1"/>
+          </a:fontRef>
+        </p:style>
+      </p:cxnSp>
+      <p:sp>
+        <p:nvSpPr>
+          <p:cNvPr id="10" name="Right Arrow 9"/>
+          <p:cNvSpPr/>
+          <p:nvPr/>
+        </p:nvSpPr>
+        <p:spPr>
+          <a:xfrm>
+            <a:off x="5901654" y="3284289"/>
+            <a:ext cx="906011" cy="1417739"/>
+          </a:xfrm>
+          <a:prstGeom prst="rightArrow">
+            <a:avLst/>
+          </a:prstGeom>
+        </p:spPr>
+        <p:style>
+          <a:lnRef idx="2">
+            <a:schemeClr val="accent1">
+              <a:shade val="50000"/>
+            </a:schemeClr>
+          </a:lnRef>
+          <a:fillRef idx="1">
+            <a:schemeClr val="accent1"/>
+          </a:fillRef>
+          <a:effectRef idx="0">
+            <a:schemeClr val="accent1"/>
+          </a:effectRef>
+          <a:fontRef idx="minor">
+            <a:schemeClr val="lt1"/>
+          </a:fontRef>
+        </p:style>
+        <p:txBody>
+          <a:bodyPr rtlCol="0" anchor="ctr"/>
+          <a:lstStyle/>
+          <a:p>
+            <a:pPr algn="ctr"/>
+            <a:endParaRPr lang="en-US"/>
+          </a:p>
+        </p:txBody>
+      </p:sp>
+      <p:pic>
+        <p:nvPicPr>
+          <p:cNvPr id="5" name="Picture 4"/>
+          <p:cNvPicPr>
+            <a:picLocks noChangeAspect="1"/>
+          </p:cNvPicPr>
+          <p:nvPr/>
+        </p:nvPicPr>
+        <p:blipFill>
+          <a:blip r:embed="rId2"/>
+          <a:stretch>
+            <a:fillRect/>
+          </a:stretch>
+        </p:blipFill>
+        <p:spPr>
+          <a:xfrm>
+            <a:off x="864066" y="1456732"/>
+            <a:ext cx="4954015" cy="2509423"/>
+          </a:xfrm>
+          <a:prstGeom prst="rect">
+            <a:avLst/>
+          </a:prstGeom>
+        </p:spPr>
+      </p:pic>
+      <p:pic>
+        <p:nvPicPr>
+          <p:cNvPr id="13" name="Picture 12"/>
+          <p:cNvPicPr>
+            <a:picLocks noChangeAspect="1"/>
+          </p:cNvPicPr>
+          <p:nvPr/>
+        </p:nvPicPr>
+        <p:blipFill>
+          <a:blip r:embed="rId3"/>
+          <a:stretch>
+            <a:fillRect/>
+          </a:stretch>
+        </p:blipFill>
+        <p:spPr>
+          <a:xfrm>
+            <a:off x="864065" y="4026716"/>
+            <a:ext cx="4954015" cy="2759979"/>
+          </a:xfrm>
+          <a:prstGeom prst="rect">
+            <a:avLst/>
+          </a:prstGeom>
+        </p:spPr>
+      </p:pic>
+      <p:pic>
+        <p:nvPicPr>
+          <p:cNvPr id="14" name="Picture 13"/>
+          <p:cNvPicPr>
+            <a:picLocks noChangeAspect="1"/>
+          </p:cNvPicPr>
+          <p:nvPr/>
+        </p:nvPicPr>
+        <p:blipFill>
+          <a:blip r:embed="rId4"/>
+          <a:stretch>
+            <a:fillRect/>
+          </a:stretch>
+        </p:blipFill>
+        <p:spPr>
+          <a:xfrm>
+            <a:off x="6995425" y="4026716"/>
+            <a:ext cx="5034388" cy="2759979"/>
+          </a:xfrm>
+          <a:prstGeom prst="rect">
+            <a:avLst/>
+          </a:prstGeom>
+        </p:spPr>
+      </p:pic>
+      <p:pic>
+        <p:nvPicPr>
+          <p:cNvPr id="15" name="Picture 14"/>
+          <p:cNvPicPr>
+            <a:picLocks noChangeAspect="1"/>
+          </p:cNvPicPr>
+          <p:nvPr/>
+        </p:nvPicPr>
+        <p:blipFill>
+          <a:blip r:embed="rId5"/>
+          <a:stretch>
+            <a:fillRect/>
+          </a:stretch>
+        </p:blipFill>
+        <p:spPr>
+          <a:xfrm>
+            <a:off x="6995425" y="1456732"/>
+            <a:ext cx="5034388" cy="2509423"/>
+          </a:xfrm>
+          <a:prstGeom prst="rect">
+            <a:avLst/>
+          </a:prstGeom>
+        </p:spPr>
+      </p:pic>
+    </p:spTree>
+    <p:extLst>
+      <p:ext uri="{BB962C8B-B14F-4D97-AF65-F5344CB8AC3E}">
+        <p14:creationId xmlns:p14="http://schemas.microsoft.com/office/powerpoint/2010/main" val="363704110"/>
+      </p:ext>
+    </p:extLst>
+  </p:cSld>
+  <p:clrMapOvr>
+    <a:masterClrMapping/>
+  </p:clrMapOvr>
+</p:sld>
+</file>
+
+<file path=ppt/slides/slide6.xml><?xml version="1.0" encoding="utf-8"?>
+<p:sld xmlns:a="http://schemas.openxmlformats.org/drawingml/2006/main" xmlns:r="http://schemas.openxmlformats.org/officeDocument/2006/relationships" xmlns:p="http://schemas.openxmlformats.org/presentationml/2006/main">
+  <p:cSld>
+    <p:spTree>
+      <p:nvGrpSpPr>
+        <p:cNvPr id="1" name=""/>
+        <p:cNvGrpSpPr/>
+        <p:nvPr/>
+      </p:nvGrpSpPr>
+      <p:grpSpPr>
+        <a:xfrm>
+          <a:off x="0" y="0"/>
+          <a:ext cx="0" cy="0"/>
+          <a:chOff x="0" y="0"/>
+          <a:chExt cx="0" cy="0"/>
+        </a:xfrm>
+      </p:grpSpPr>
+      <p:sp>
+        <p:nvSpPr>
+          <p:cNvPr id="2" name="Title 1"/>
+          <p:cNvSpPr txBox="1">
+            <a:spLocks/>
+          </p:cNvSpPr>
+          <p:nvPr/>
+        </p:nvSpPr>
+        <p:spPr>
+          <a:xfrm>
+            <a:off x="1088491" y="167780"/>
+            <a:ext cx="9605635" cy="857515"/>
+          </a:xfrm>
+          <a:prstGeom prst="rect">
+            <a:avLst/>
+          </a:prstGeom>
+        </p:spPr>
+        <p:txBody>
+          <a:bodyPr/>
+          <a:lstStyle>
+            <a:lvl1pPr algn="l" defTabSz="914400" rtl="0" eaLnBrk="1" latinLnBrk="0" hangingPunct="1">
+              <a:lnSpc>
+                <a:spcPct val="90000"/>
+              </a:lnSpc>
+              <a:spcBef>
+                <a:spcPct val="0"/>
+              </a:spcBef>
+              <a:buNone/>
+              <a:defRPr sz="3200" b="0" i="0" kern="1200" cap="all">
+                <a:solidFill>
+                  <a:schemeClr val="tx1"/>
+                </a:solidFill>
+                <a:effectLst/>
+                <a:latin typeface="+mj-lt"/>
+                <a:ea typeface="+mj-ea"/>
+                <a:cs typeface="+mj-cs"/>
+              </a:defRPr>
+            </a:lvl1pPr>
+          </a:lstStyle>
+          <a:p>
+            <a:r>
+              <a:rPr lang="en-US" dirty="0" err="1" smtClean="0">
+                <a:latin typeface="Arial" panose="020B0604020202020204" pitchFamily="34" charset="0"/>
+                <a:cs typeface="Arial" panose="020B0604020202020204" pitchFamily="34" charset="0"/>
+              </a:rPr>
+              <a:t>Xử</a:t>
+            </a:r>
+            <a:r>
+              <a:rPr lang="en-US" dirty="0" smtClean="0">
+                <a:latin typeface="Arial" panose="020B0604020202020204" pitchFamily="34" charset="0"/>
+                <a:cs typeface="Arial" panose="020B0604020202020204" pitchFamily="34" charset="0"/>
+              </a:rPr>
+              <a:t> </a:t>
+            </a:r>
+            <a:r>
+              <a:rPr lang="en-US" dirty="0" err="1" smtClean="0">
+                <a:latin typeface="Arial" panose="020B0604020202020204" pitchFamily="34" charset="0"/>
+                <a:cs typeface="Arial" panose="020B0604020202020204" pitchFamily="34" charset="0"/>
+              </a:rPr>
+              <a:t>lý</a:t>
+            </a:r>
+            <a:r>
+              <a:rPr lang="en-US" dirty="0" smtClean="0">
+                <a:latin typeface="Arial" panose="020B0604020202020204" pitchFamily="34" charset="0"/>
+                <a:cs typeface="Arial" panose="020B0604020202020204" pitchFamily="34" charset="0"/>
+              </a:rPr>
+              <a:t> </a:t>
+            </a:r>
+            <a:r>
+              <a:rPr lang="en-US" dirty="0" err="1" smtClean="0">
+                <a:latin typeface="Arial" panose="020B0604020202020204" pitchFamily="34" charset="0"/>
+                <a:cs typeface="Arial" panose="020B0604020202020204" pitchFamily="34" charset="0"/>
+              </a:rPr>
+              <a:t>dữ</a:t>
+            </a:r>
+            <a:r>
+              <a:rPr lang="en-US" dirty="0" smtClean="0">
+                <a:latin typeface="Arial" panose="020B0604020202020204" pitchFamily="34" charset="0"/>
+                <a:cs typeface="Arial" panose="020B0604020202020204" pitchFamily="34" charset="0"/>
+              </a:rPr>
+              <a:t> </a:t>
+            </a:r>
+            <a:r>
+              <a:rPr lang="en-US" dirty="0" err="1" smtClean="0">
+                <a:latin typeface="Arial" panose="020B0604020202020204" pitchFamily="34" charset="0"/>
+                <a:cs typeface="Arial" panose="020B0604020202020204" pitchFamily="34" charset="0"/>
+              </a:rPr>
+              <a:t>liệu</a:t>
+            </a:r>
+            <a:r>
+              <a:rPr lang="en-US" dirty="0" smtClean="0">
+                <a:latin typeface="Arial" panose="020B0604020202020204" pitchFamily="34" charset="0"/>
+                <a:cs typeface="Arial" panose="020B0604020202020204" pitchFamily="34" charset="0"/>
+              </a:rPr>
+              <a:t/>
+            </a:r>
+            <a:br>
+              <a:rPr lang="en-US" dirty="0" smtClean="0">
+                <a:latin typeface="Arial" panose="020B0604020202020204" pitchFamily="34" charset="0"/>
+                <a:cs typeface="Arial" panose="020B0604020202020204" pitchFamily="34" charset="0"/>
+              </a:rPr>
+            </a:br>
+            <a:r>
+              <a:rPr lang="en-US" sz="2000" dirty="0" err="1">
+                <a:latin typeface="Arial" panose="020B0604020202020204" pitchFamily="34" charset="0"/>
+                <a:cs typeface="Arial" panose="020B0604020202020204" pitchFamily="34" charset="0"/>
+              </a:rPr>
+              <a:t>Xử</a:t>
+            </a:r>
+            <a:r>
+              <a:rPr lang="en-US" sz="2000" dirty="0">
+                <a:latin typeface="Arial" panose="020B0604020202020204" pitchFamily="34" charset="0"/>
+                <a:cs typeface="Arial" panose="020B0604020202020204" pitchFamily="34" charset="0"/>
+              </a:rPr>
+              <a:t> </a:t>
+            </a:r>
+            <a:r>
+              <a:rPr lang="en-US" sz="2000" dirty="0" err="1">
+                <a:latin typeface="Arial" panose="020B0604020202020204" pitchFamily="34" charset="0"/>
+                <a:cs typeface="Arial" panose="020B0604020202020204" pitchFamily="34" charset="0"/>
+              </a:rPr>
+              <a:t>lý</a:t>
+            </a:r>
+            <a:r>
+              <a:rPr lang="en-US" sz="2000" dirty="0">
+                <a:latin typeface="Arial" panose="020B0604020202020204" pitchFamily="34" charset="0"/>
+                <a:cs typeface="Arial" panose="020B0604020202020204" pitchFamily="34" charset="0"/>
+              </a:rPr>
+              <a:t> </a:t>
+            </a:r>
+            <a:r>
+              <a:rPr lang="en-US" sz="2000" dirty="0" err="1">
+                <a:latin typeface="Arial" panose="020B0604020202020204" pitchFamily="34" charset="0"/>
+                <a:cs typeface="Arial" panose="020B0604020202020204" pitchFamily="34" charset="0"/>
+              </a:rPr>
+              <a:t>giá</a:t>
+            </a:r>
+            <a:r>
+              <a:rPr lang="en-US" sz="2000" dirty="0">
+                <a:latin typeface="Arial" panose="020B0604020202020204" pitchFamily="34" charset="0"/>
+                <a:cs typeface="Arial" panose="020B0604020202020204" pitchFamily="34" charset="0"/>
+              </a:rPr>
+              <a:t> </a:t>
+            </a:r>
+            <a:r>
+              <a:rPr lang="en-US" sz="2000" dirty="0" err="1">
+                <a:latin typeface="Arial" panose="020B0604020202020204" pitchFamily="34" charset="0"/>
+                <a:cs typeface="Arial" panose="020B0604020202020204" pitchFamily="34" charset="0"/>
+              </a:rPr>
+              <a:t>trị</a:t>
+            </a:r>
+            <a:r>
+              <a:rPr lang="en-US" sz="2000" dirty="0">
+                <a:latin typeface="Arial" panose="020B0604020202020204" pitchFamily="34" charset="0"/>
+                <a:cs typeface="Arial" panose="020B0604020202020204" pitchFamily="34" charset="0"/>
+              </a:rPr>
+              <a:t> </a:t>
+            </a:r>
+            <a:r>
+              <a:rPr lang="en-US" sz="2000" dirty="0" err="1" smtClean="0">
+                <a:latin typeface="Arial" panose="020B0604020202020204" pitchFamily="34" charset="0"/>
+                <a:cs typeface="Arial" panose="020B0604020202020204" pitchFamily="34" charset="0"/>
+              </a:rPr>
+              <a:t>bArooms</a:t>
+            </a:r>
+            <a:endParaRPr lang="en-US" sz="2000" dirty="0">
+              <a:latin typeface="Arial" panose="020B0604020202020204" pitchFamily="34" charset="0"/>
+              <a:cs typeface="Arial" panose="020B0604020202020204" pitchFamily="34" charset="0"/>
+            </a:endParaRPr>
+          </a:p>
+        </p:txBody>
+      </p:sp>
+      <p:sp>
+        <p:nvSpPr>
+          <p:cNvPr id="3" name="Content Placeholder 2"/>
+          <p:cNvSpPr txBox="1">
+            <a:spLocks/>
+          </p:cNvSpPr>
+          <p:nvPr/>
+        </p:nvSpPr>
+        <p:spPr>
+          <a:xfrm>
+            <a:off x="1088490" y="1025296"/>
+            <a:ext cx="10756765" cy="1294879"/>
+          </a:xfrm>
+          <a:prstGeom prst="rect">
+            <a:avLst/>
+          </a:prstGeom>
+        </p:spPr>
+        <p:txBody>
+          <a:bodyPr/>
+          <a:lstStyle>
+            <a:lvl1pPr marL="228600" indent="-228600" algn="l" defTabSz="914400" rtl="0" eaLnBrk="1" latinLnBrk="0" hangingPunct="1">
+              <a:lnSpc>
+                <a:spcPct val="120000"/>
+              </a:lnSpc>
+              <a:spcBef>
+                <a:spcPts val="1000"/>
+              </a:spcBef>
+              <a:buClr>
+                <a:schemeClr val="accent1"/>
+              </a:buClr>
+              <a:buSzPct val="100000"/>
+              <a:buFont typeface="Arial" panose="020B0604020202020204" pitchFamily="34" charset="0"/>
+              <a:buChar char="•"/>
+              <a:defRPr sz="2000" kern="1200">
+                <a:solidFill>
+                  <a:schemeClr val="tx1"/>
+                </a:solidFill>
+                <a:effectLst/>
+                <a:latin typeface="+mn-lt"/>
+                <a:ea typeface="+mn-ea"/>
+                <a:cs typeface="+mn-cs"/>
+              </a:defRPr>
+            </a:lvl1pPr>
+            <a:lvl2pPr marL="685800" indent="-228600" algn="l" defTabSz="914400" rtl="0" eaLnBrk="1" latinLnBrk="0" hangingPunct="1">
+              <a:lnSpc>
+                <a:spcPct val="120000"/>
+              </a:lnSpc>
+              <a:spcBef>
+                <a:spcPts val="500"/>
+              </a:spcBef>
+              <a:buClr>
+                <a:schemeClr val="accent1"/>
+              </a:buClr>
+              <a:buSzPct val="100000"/>
+              <a:buFont typeface="Arial" panose="020B0604020202020204" pitchFamily="34" charset="0"/>
+              <a:buChar char="•"/>
+              <a:defRPr sz="1800" kern="1200" cap="none" baseline="0">
+                <a:solidFill>
+                  <a:schemeClr val="tx1"/>
+                </a:solidFill>
+                <a:effectLst/>
+                <a:latin typeface="+mn-lt"/>
+                <a:ea typeface="+mn-ea"/>
+                <a:cs typeface="+mn-cs"/>
+              </a:defRPr>
+            </a:lvl2pPr>
+            <a:lvl3pPr marL="1143000" indent="-228600" algn="l" defTabSz="914400" rtl="0" eaLnBrk="1" latinLnBrk="0" hangingPunct="1">
+              <a:lnSpc>
+                <a:spcPct val="120000"/>
+              </a:lnSpc>
+              <a:spcBef>
+                <a:spcPts val="500"/>
+              </a:spcBef>
+              <a:buClr>
+                <a:schemeClr val="accent1"/>
+              </a:buClr>
+              <a:buSzPct val="100000"/>
+              <a:buFont typeface="Arial" panose="020B0604020202020204" pitchFamily="34" charset="0"/>
+              <a:buChar char="•"/>
+              <a:defRPr sz="1600" kern="1200">
+                <a:solidFill>
+                  <a:schemeClr val="tx1"/>
+                </a:solidFill>
+                <a:effectLst/>
+                <a:latin typeface="+mn-lt"/>
+                <a:ea typeface="+mn-ea"/>
+                <a:cs typeface="+mn-cs"/>
+              </a:defRPr>
+            </a:lvl3pPr>
+            <a:lvl4pPr marL="1600200" indent="-228600" algn="l" defTabSz="914400" rtl="0" eaLnBrk="1" latinLnBrk="0" hangingPunct="1">
+              <a:lnSpc>
+                <a:spcPct val="120000"/>
+              </a:lnSpc>
+              <a:spcBef>
+                <a:spcPts val="500"/>
+              </a:spcBef>
+              <a:buClr>
+                <a:schemeClr val="accent1"/>
+              </a:buClr>
+              <a:buSzPct val="100000"/>
+              <a:buFont typeface="Arial" panose="020B0604020202020204" pitchFamily="34" charset="0"/>
+              <a:buChar char="•"/>
+              <a:defRPr sz="1400" kern="1200" cap="none" baseline="0">
+                <a:solidFill>
+                  <a:schemeClr val="tx1"/>
+                </a:solidFill>
+                <a:effectLst/>
+                <a:latin typeface="+mn-lt"/>
+                <a:ea typeface="+mn-ea"/>
+                <a:cs typeface="+mn-cs"/>
+              </a:defRPr>
+            </a:lvl4pPr>
+            <a:lvl5pPr marL="2057400" indent="-228600" algn="l" defTabSz="914400" rtl="0" eaLnBrk="1" latinLnBrk="0" hangingPunct="1">
+              <a:lnSpc>
+                <a:spcPct val="120000"/>
+              </a:lnSpc>
+              <a:spcBef>
+                <a:spcPts val="500"/>
+              </a:spcBef>
+              <a:buClr>
+                <a:schemeClr val="accent1"/>
+              </a:buClr>
+              <a:buSzPct val="100000"/>
+              <a:buFont typeface="Arial" panose="020B0604020202020204" pitchFamily="34" charset="0"/>
+              <a:buChar char="•"/>
+              <a:defRPr sz="1200" kern="1200">
+                <a:solidFill>
+                  <a:schemeClr val="tx1"/>
+                </a:solidFill>
+                <a:effectLst/>
+                <a:latin typeface="+mn-lt"/>
+                <a:ea typeface="+mn-ea"/>
+                <a:cs typeface="+mn-cs"/>
+              </a:defRPr>
+            </a:lvl5pPr>
+            <a:lvl6pPr marL="2514600" indent="-228600" algn="l" defTabSz="914400" rtl="0" eaLnBrk="1" latinLnBrk="0" hangingPunct="1">
+              <a:lnSpc>
+                <a:spcPct val="120000"/>
+              </a:lnSpc>
+              <a:spcBef>
+                <a:spcPts val="500"/>
+              </a:spcBef>
+              <a:buClr>
+                <a:schemeClr val="accent1"/>
+              </a:buClr>
+              <a:buSzPct val="100000"/>
+              <a:buFont typeface="Arial" panose="020B0604020202020204" pitchFamily="34" charset="0"/>
+              <a:buChar char="•"/>
+              <a:defRPr sz="1200" kern="1200">
+                <a:solidFill>
+                  <a:schemeClr val="tx1"/>
+                </a:solidFill>
+                <a:effectLst/>
+                <a:latin typeface="+mn-lt"/>
+                <a:ea typeface="+mn-ea"/>
+                <a:cs typeface="+mn-cs"/>
+              </a:defRPr>
+            </a:lvl6pPr>
+            <a:lvl7pPr marL="2971800" indent="-228600" algn="l" defTabSz="914400" rtl="0" eaLnBrk="1" latinLnBrk="0" hangingPunct="1">
+              <a:lnSpc>
+                <a:spcPct val="120000"/>
+              </a:lnSpc>
+              <a:spcBef>
+                <a:spcPts val="500"/>
+              </a:spcBef>
+              <a:buClr>
+                <a:schemeClr val="accent1"/>
+              </a:buClr>
+              <a:buSzPct val="100000"/>
+              <a:buFont typeface="Arial" panose="020B0604020202020204" pitchFamily="34" charset="0"/>
+              <a:buChar char="•"/>
+              <a:defRPr sz="1200" kern="1200">
+                <a:solidFill>
+                  <a:schemeClr val="tx1"/>
+                </a:solidFill>
+                <a:effectLst/>
+                <a:latin typeface="+mn-lt"/>
+                <a:ea typeface="+mn-ea"/>
+                <a:cs typeface="+mn-cs"/>
+              </a:defRPr>
+            </a:lvl7pPr>
+            <a:lvl8pPr marL="3429000" indent="-228600" algn="l" defTabSz="914400" rtl="0" eaLnBrk="1" latinLnBrk="0" hangingPunct="1">
+              <a:lnSpc>
+                <a:spcPct val="120000"/>
+              </a:lnSpc>
+              <a:spcBef>
+                <a:spcPts val="500"/>
+              </a:spcBef>
+              <a:buClr>
+                <a:schemeClr val="accent1"/>
+              </a:buClr>
+              <a:buSzPct val="100000"/>
+              <a:buFont typeface="Arial" panose="020B0604020202020204" pitchFamily="34" charset="0"/>
+              <a:buChar char="•"/>
+              <a:defRPr sz="1200" kern="1200" baseline="0">
+                <a:solidFill>
+                  <a:schemeClr val="tx1"/>
+                </a:solidFill>
+                <a:effectLst/>
+                <a:latin typeface="+mn-lt"/>
+                <a:ea typeface="+mn-ea"/>
+                <a:cs typeface="+mn-cs"/>
+              </a:defRPr>
+            </a:lvl8pPr>
+            <a:lvl9pPr marL="3886200" indent="-228600" algn="l" defTabSz="914400" rtl="0" eaLnBrk="1" latinLnBrk="0" hangingPunct="1">
+              <a:lnSpc>
+                <a:spcPct val="120000"/>
+              </a:lnSpc>
+              <a:spcBef>
+                <a:spcPts val="500"/>
+              </a:spcBef>
+              <a:buClr>
+                <a:schemeClr val="accent1"/>
+              </a:buClr>
+              <a:buSzPct val="100000"/>
+              <a:buFont typeface="Arial" panose="020B0604020202020204" pitchFamily="34" charset="0"/>
+              <a:buChar char="•"/>
+              <a:defRPr sz="1200" kern="1200" baseline="0">
+                <a:solidFill>
+                  <a:schemeClr val="tx1"/>
+                </a:solidFill>
+                <a:effectLst/>
+                <a:latin typeface="+mn-lt"/>
+                <a:ea typeface="+mn-ea"/>
+                <a:cs typeface="+mn-cs"/>
+              </a:defRPr>
+            </a:lvl9pPr>
+          </a:lstStyle>
+          <a:p>
+            <a:r>
+              <a:rPr lang="en-US" sz="1500" dirty="0" err="1" smtClean="0">
+                <a:latin typeface="Arial" panose="020B0604020202020204" pitchFamily="34" charset="0"/>
+                <a:cs typeface="Arial" panose="020B0604020202020204" pitchFamily="34" charset="0"/>
+              </a:rPr>
+              <a:t>Kiểm</a:t>
+            </a:r>
+            <a:r>
+              <a:rPr lang="en-US" sz="1500" dirty="0" smtClean="0">
+                <a:latin typeface="Arial" panose="020B0604020202020204" pitchFamily="34" charset="0"/>
+                <a:cs typeface="Arial" panose="020B0604020202020204" pitchFamily="34" charset="0"/>
+              </a:rPr>
+              <a:t> </a:t>
+            </a:r>
+            <a:r>
+              <a:rPr lang="en-US" sz="1500" dirty="0" err="1" smtClean="0">
+                <a:latin typeface="Arial" panose="020B0604020202020204" pitchFamily="34" charset="0"/>
+                <a:cs typeface="Arial" panose="020B0604020202020204" pitchFamily="34" charset="0"/>
+              </a:rPr>
+              <a:t>tra</a:t>
+            </a:r>
+            <a:r>
+              <a:rPr lang="en-US" sz="1500" dirty="0" smtClean="0">
+                <a:latin typeface="Arial" panose="020B0604020202020204" pitchFamily="34" charset="0"/>
+                <a:cs typeface="Arial" panose="020B0604020202020204" pitchFamily="34" charset="0"/>
+              </a:rPr>
+              <a:t> </a:t>
+            </a:r>
+            <a:r>
+              <a:rPr lang="en-US" sz="1500" dirty="0" err="1" smtClean="0">
+                <a:latin typeface="Arial" panose="020B0604020202020204" pitchFamily="34" charset="0"/>
+                <a:cs typeface="Arial" panose="020B0604020202020204" pitchFamily="34" charset="0"/>
+              </a:rPr>
+              <a:t>và</a:t>
+            </a:r>
+            <a:r>
+              <a:rPr lang="en-US" sz="1500" dirty="0" smtClean="0">
+                <a:latin typeface="Arial" panose="020B0604020202020204" pitchFamily="34" charset="0"/>
+                <a:cs typeface="Arial" panose="020B0604020202020204" pitchFamily="34" charset="0"/>
+              </a:rPr>
+              <a:t> </a:t>
+            </a:r>
+            <a:r>
+              <a:rPr lang="en-US" sz="1500" dirty="0" err="1" smtClean="0">
+                <a:latin typeface="Arial" panose="020B0604020202020204" pitchFamily="34" charset="0"/>
+                <a:cs typeface="Arial" panose="020B0604020202020204" pitchFamily="34" charset="0"/>
+              </a:rPr>
+              <a:t>loại</a:t>
+            </a:r>
+            <a:r>
+              <a:rPr lang="en-US" sz="1500" dirty="0" smtClean="0">
+                <a:latin typeface="Arial" panose="020B0604020202020204" pitchFamily="34" charset="0"/>
+                <a:cs typeface="Arial" panose="020B0604020202020204" pitchFamily="34" charset="0"/>
+              </a:rPr>
+              <a:t> </a:t>
+            </a:r>
+            <a:r>
+              <a:rPr lang="en-US" sz="1500" dirty="0" err="1" smtClean="0">
+                <a:latin typeface="Arial" panose="020B0604020202020204" pitchFamily="34" charset="0"/>
+                <a:cs typeface="Arial" panose="020B0604020202020204" pitchFamily="34" charset="0"/>
+              </a:rPr>
+              <a:t>bỏ</a:t>
+            </a:r>
+            <a:r>
+              <a:rPr lang="en-US" sz="1500" dirty="0" smtClean="0">
+                <a:latin typeface="Arial" panose="020B0604020202020204" pitchFamily="34" charset="0"/>
+                <a:cs typeface="Arial" panose="020B0604020202020204" pitchFamily="34" charset="0"/>
+              </a:rPr>
+              <a:t> </a:t>
+            </a:r>
+            <a:r>
+              <a:rPr lang="en-US" sz="1500" dirty="0" err="1" smtClean="0">
+                <a:latin typeface="Arial" panose="020B0604020202020204" pitchFamily="34" charset="0"/>
+                <a:cs typeface="Arial" panose="020B0604020202020204" pitchFamily="34" charset="0"/>
+              </a:rPr>
+              <a:t>các</a:t>
+            </a:r>
+            <a:r>
+              <a:rPr lang="en-US" sz="1500" dirty="0" smtClean="0">
+                <a:latin typeface="Arial" panose="020B0604020202020204" pitchFamily="34" charset="0"/>
+                <a:cs typeface="Arial" panose="020B0604020202020204" pitchFamily="34" charset="0"/>
+              </a:rPr>
+              <a:t> </a:t>
+            </a:r>
+            <a:r>
+              <a:rPr lang="en-US" sz="1500" dirty="0" err="1" smtClean="0">
+                <a:latin typeface="Arial" panose="020B0604020202020204" pitchFamily="34" charset="0"/>
+                <a:cs typeface="Arial" panose="020B0604020202020204" pitchFamily="34" charset="0"/>
+              </a:rPr>
+              <a:t>giá</a:t>
+            </a:r>
+            <a:r>
+              <a:rPr lang="en-US" sz="1500" dirty="0" smtClean="0">
+                <a:latin typeface="Arial" panose="020B0604020202020204" pitchFamily="34" charset="0"/>
+                <a:cs typeface="Arial" panose="020B0604020202020204" pitchFamily="34" charset="0"/>
+              </a:rPr>
+              <a:t> </a:t>
+            </a:r>
+            <a:r>
+              <a:rPr lang="en-US" sz="1500" dirty="0" err="1" smtClean="0">
+                <a:latin typeface="Arial" panose="020B0604020202020204" pitchFamily="34" charset="0"/>
+                <a:cs typeface="Arial" panose="020B0604020202020204" pitchFamily="34" charset="0"/>
+              </a:rPr>
+              <a:t>trị</a:t>
+            </a:r>
+            <a:r>
+              <a:rPr lang="en-US" sz="1500" dirty="0" smtClean="0">
+                <a:latin typeface="Arial" panose="020B0604020202020204" pitchFamily="34" charset="0"/>
+                <a:cs typeface="Arial" panose="020B0604020202020204" pitchFamily="34" charset="0"/>
+              </a:rPr>
+              <a:t> outline</a:t>
+            </a:r>
+          </a:p>
+        </p:txBody>
+      </p:sp>
+      <p:cxnSp>
+        <p:nvCxnSpPr>
+          <p:cNvPr id="9" name="Straight Connector 8"/>
+          <p:cNvCxnSpPr/>
+          <p:nvPr/>
+        </p:nvCxnSpPr>
+        <p:spPr>
+          <a:xfrm flipV="1">
+            <a:off x="864066" y="922789"/>
+            <a:ext cx="10981189" cy="16778"/>
+          </a:xfrm>
+          <a:prstGeom prst="line">
+            <a:avLst/>
+          </a:prstGeom>
+          <a:ln>
+            <a:solidFill>
+              <a:srgbClr val="C00000"/>
+            </a:solidFill>
+          </a:ln>
+        </p:spPr>
+        <p:style>
+          <a:lnRef idx="3">
+            <a:schemeClr val="accent1"/>
+          </a:lnRef>
+          <a:fillRef idx="0">
+            <a:schemeClr val="accent1"/>
+          </a:fillRef>
+          <a:effectRef idx="2">
+            <a:schemeClr val="accent1"/>
+          </a:effectRef>
+          <a:fontRef idx="minor">
+            <a:schemeClr val="tx1"/>
+          </a:fontRef>
+        </p:style>
+      </p:cxnSp>
+      <p:sp>
+        <p:nvSpPr>
+          <p:cNvPr id="10" name="Right Arrow 9"/>
+          <p:cNvSpPr/>
+          <p:nvPr/>
+        </p:nvSpPr>
+        <p:spPr>
+          <a:xfrm>
+            <a:off x="5708707" y="2822895"/>
+            <a:ext cx="906011" cy="1417739"/>
+          </a:xfrm>
+          <a:prstGeom prst="rightArrow">
+            <a:avLst/>
+          </a:prstGeom>
+        </p:spPr>
+        <p:style>
+          <a:lnRef idx="2">
+            <a:schemeClr val="accent1">
+              <a:shade val="50000"/>
+            </a:schemeClr>
+          </a:lnRef>
+          <a:fillRef idx="1">
+            <a:schemeClr val="accent1"/>
+          </a:fillRef>
+          <a:effectRef idx="0">
+            <a:schemeClr val="accent1"/>
+          </a:effectRef>
+          <a:fontRef idx="minor">
+            <a:schemeClr val="lt1"/>
+          </a:fontRef>
+        </p:style>
+        <p:txBody>
+          <a:bodyPr rtlCol="0" anchor="ctr"/>
+          <a:lstStyle/>
+          <a:p>
+            <a:pPr algn="ctr"/>
+            <a:endParaRPr lang="en-US"/>
+          </a:p>
+        </p:txBody>
+      </p:sp>
+      <p:pic>
+        <p:nvPicPr>
+          <p:cNvPr id="4" name="Picture 3"/>
+          <p:cNvPicPr>
+            <a:picLocks noChangeAspect="1"/>
+          </p:cNvPicPr>
+          <p:nvPr/>
+        </p:nvPicPr>
+        <p:blipFill>
+          <a:blip r:embed="rId2"/>
+          <a:stretch>
+            <a:fillRect/>
+          </a:stretch>
+        </p:blipFill>
+        <p:spPr>
+          <a:xfrm>
+            <a:off x="600896" y="1841210"/>
+            <a:ext cx="4954014" cy="3242517"/>
+          </a:xfrm>
+          <a:prstGeom prst="rect">
+            <a:avLst/>
+          </a:prstGeom>
+        </p:spPr>
+      </p:pic>
+      <p:pic>
+        <p:nvPicPr>
+          <p:cNvPr id="6" name="Picture 5"/>
+          <p:cNvPicPr>
+            <a:picLocks noChangeAspect="1"/>
+          </p:cNvPicPr>
+          <p:nvPr/>
+        </p:nvPicPr>
+        <p:blipFill>
+          <a:blip r:embed="rId3"/>
+          <a:stretch>
+            <a:fillRect/>
+          </a:stretch>
+        </p:blipFill>
+        <p:spPr>
+          <a:xfrm>
+            <a:off x="6768515" y="1841210"/>
+            <a:ext cx="5300759" cy="3309630"/>
+          </a:xfrm>
+          <a:prstGeom prst="rect">
+            <a:avLst/>
+          </a:prstGeom>
+        </p:spPr>
+      </p:pic>
+    </p:spTree>
+    <p:extLst>
+      <p:ext uri="{BB962C8B-B14F-4D97-AF65-F5344CB8AC3E}">
+        <p14:creationId xmlns:p14="http://schemas.microsoft.com/office/powerpoint/2010/main" val="3921178097"/>
+      </p:ext>
+    </p:extLst>
+  </p:cSld>
+  <p:clrMapOvr>
+    <a:masterClrMapping/>
+  </p:clrMapOvr>
+</p:sld>
+</file>
+
+<file path=ppt/slides/slide7.xml><?xml version="1.0" encoding="utf-8"?>
+<p:sld xmlns:a="http://schemas.openxmlformats.org/drawingml/2006/main" xmlns:r="http://schemas.openxmlformats.org/officeDocument/2006/relationships" xmlns:p="http://schemas.openxmlformats.org/presentationml/2006/main">
+  <p:cSld>
+    <p:spTree>
+      <p:nvGrpSpPr>
+        <p:cNvPr id="1" name=""/>
+        <p:cNvGrpSpPr/>
+        <p:nvPr/>
+      </p:nvGrpSpPr>
+      <p:grpSpPr>
+        <a:xfrm>
+          <a:off x="0" y="0"/>
+          <a:ext cx="0" cy="0"/>
+          <a:chOff x="0" y="0"/>
+          <a:chExt cx="0" cy="0"/>
+        </a:xfrm>
+      </p:grpSpPr>
+      <p:sp>
+        <p:nvSpPr>
+          <p:cNvPr id="2" name="Title 1"/>
+          <p:cNvSpPr txBox="1">
+            <a:spLocks/>
+          </p:cNvSpPr>
+          <p:nvPr/>
+        </p:nvSpPr>
+        <p:spPr>
+          <a:xfrm>
+            <a:off x="1088491" y="167780"/>
+            <a:ext cx="9605635" cy="857515"/>
+          </a:xfrm>
+          <a:prstGeom prst="rect">
+            <a:avLst/>
+          </a:prstGeom>
+        </p:spPr>
+        <p:txBody>
+          <a:bodyPr/>
+          <a:lstStyle>
+            <a:lvl1pPr algn="l" defTabSz="914400" rtl="0" eaLnBrk="1" latinLnBrk="0" hangingPunct="1">
+              <a:lnSpc>
+                <a:spcPct val="90000"/>
+              </a:lnSpc>
+              <a:spcBef>
+                <a:spcPct val="0"/>
+              </a:spcBef>
+              <a:buNone/>
+              <a:defRPr sz="3200" b="0" i="0" kern="1200" cap="all">
+                <a:solidFill>
+                  <a:schemeClr val="tx1"/>
+                </a:solidFill>
+                <a:effectLst/>
+                <a:latin typeface="+mj-lt"/>
+                <a:ea typeface="+mj-ea"/>
+                <a:cs typeface="+mj-cs"/>
+              </a:defRPr>
+            </a:lvl1pPr>
+          </a:lstStyle>
+          <a:p>
+            <a:r>
+              <a:rPr lang="en-US" dirty="0" err="1" smtClean="0">
+                <a:latin typeface="Arial" panose="020B0604020202020204" pitchFamily="34" charset="0"/>
+                <a:cs typeface="Arial" panose="020B0604020202020204" pitchFamily="34" charset="0"/>
+              </a:rPr>
+              <a:t>Xử</a:t>
+            </a:r>
+            <a:r>
+              <a:rPr lang="en-US" dirty="0" smtClean="0">
+                <a:latin typeface="Arial" panose="020B0604020202020204" pitchFamily="34" charset="0"/>
+                <a:cs typeface="Arial" panose="020B0604020202020204" pitchFamily="34" charset="0"/>
+              </a:rPr>
+              <a:t> </a:t>
+            </a:r>
+            <a:r>
+              <a:rPr lang="en-US" dirty="0" err="1" smtClean="0">
+                <a:latin typeface="Arial" panose="020B0604020202020204" pitchFamily="34" charset="0"/>
+                <a:cs typeface="Arial" panose="020B0604020202020204" pitchFamily="34" charset="0"/>
+              </a:rPr>
+              <a:t>lý</a:t>
+            </a:r>
+            <a:r>
+              <a:rPr lang="en-US" dirty="0" smtClean="0">
+                <a:latin typeface="Arial" panose="020B0604020202020204" pitchFamily="34" charset="0"/>
+                <a:cs typeface="Arial" panose="020B0604020202020204" pitchFamily="34" charset="0"/>
+              </a:rPr>
+              <a:t> </a:t>
+            </a:r>
+            <a:r>
+              <a:rPr lang="en-US" dirty="0" err="1" smtClean="0">
+                <a:latin typeface="Arial" panose="020B0604020202020204" pitchFamily="34" charset="0"/>
+                <a:cs typeface="Arial" panose="020B0604020202020204" pitchFamily="34" charset="0"/>
+              </a:rPr>
+              <a:t>dữ</a:t>
+            </a:r>
+            <a:r>
+              <a:rPr lang="en-US" dirty="0" smtClean="0">
+                <a:latin typeface="Arial" panose="020B0604020202020204" pitchFamily="34" charset="0"/>
+                <a:cs typeface="Arial" panose="020B0604020202020204" pitchFamily="34" charset="0"/>
+              </a:rPr>
+              <a:t> </a:t>
+            </a:r>
+            <a:r>
+              <a:rPr lang="en-US" dirty="0" err="1" smtClean="0">
+                <a:latin typeface="Arial" panose="020B0604020202020204" pitchFamily="34" charset="0"/>
+                <a:cs typeface="Arial" panose="020B0604020202020204" pitchFamily="34" charset="0"/>
+              </a:rPr>
+              <a:t>liệu</a:t>
+            </a:r>
+            <a:r>
+              <a:rPr lang="en-US" dirty="0" smtClean="0">
+                <a:latin typeface="Arial" panose="020B0604020202020204" pitchFamily="34" charset="0"/>
+                <a:cs typeface="Arial" panose="020B0604020202020204" pitchFamily="34" charset="0"/>
+              </a:rPr>
+              <a:t/>
+            </a:r>
+            <a:br>
+              <a:rPr lang="en-US" dirty="0" smtClean="0">
+                <a:latin typeface="Arial" panose="020B0604020202020204" pitchFamily="34" charset="0"/>
+                <a:cs typeface="Arial" panose="020B0604020202020204" pitchFamily="34" charset="0"/>
+              </a:rPr>
+            </a:br>
+            <a:r>
+              <a:rPr lang="en-US" sz="2000" dirty="0" err="1">
+                <a:latin typeface="Arial" panose="020B0604020202020204" pitchFamily="34" charset="0"/>
+                <a:cs typeface="Arial" panose="020B0604020202020204" pitchFamily="34" charset="0"/>
+              </a:rPr>
+              <a:t>Xử</a:t>
+            </a:r>
+            <a:r>
+              <a:rPr lang="en-US" sz="2000" dirty="0">
+                <a:latin typeface="Arial" panose="020B0604020202020204" pitchFamily="34" charset="0"/>
+                <a:cs typeface="Arial" panose="020B0604020202020204" pitchFamily="34" charset="0"/>
+              </a:rPr>
+              <a:t> </a:t>
+            </a:r>
+            <a:r>
+              <a:rPr lang="en-US" sz="2000" dirty="0" err="1">
+                <a:latin typeface="Arial" panose="020B0604020202020204" pitchFamily="34" charset="0"/>
+                <a:cs typeface="Arial" panose="020B0604020202020204" pitchFamily="34" charset="0"/>
+              </a:rPr>
+              <a:t>lý</a:t>
+            </a:r>
+            <a:r>
+              <a:rPr lang="en-US" sz="2000" dirty="0">
+                <a:latin typeface="Arial" panose="020B0604020202020204" pitchFamily="34" charset="0"/>
+                <a:cs typeface="Arial" panose="020B0604020202020204" pitchFamily="34" charset="0"/>
+              </a:rPr>
+              <a:t> </a:t>
+            </a:r>
+            <a:r>
+              <a:rPr lang="en-US" sz="2000" dirty="0" err="1">
+                <a:latin typeface="Arial" panose="020B0604020202020204" pitchFamily="34" charset="0"/>
+                <a:cs typeface="Arial" panose="020B0604020202020204" pitchFamily="34" charset="0"/>
+              </a:rPr>
+              <a:t>giá</a:t>
+            </a:r>
+            <a:r>
+              <a:rPr lang="en-US" sz="2000" dirty="0">
+                <a:latin typeface="Arial" panose="020B0604020202020204" pitchFamily="34" charset="0"/>
+                <a:cs typeface="Arial" panose="020B0604020202020204" pitchFamily="34" charset="0"/>
+              </a:rPr>
+              <a:t> </a:t>
+            </a:r>
+            <a:r>
+              <a:rPr lang="en-US" sz="2000" dirty="0" err="1" smtClean="0">
+                <a:latin typeface="Arial" panose="020B0604020202020204" pitchFamily="34" charset="0"/>
+                <a:cs typeface="Arial" panose="020B0604020202020204" pitchFamily="34" charset="0"/>
+              </a:rPr>
+              <a:t>trị</a:t>
+            </a:r>
+            <a:r>
+              <a:rPr lang="en-US" sz="2000" dirty="0" smtClean="0">
+                <a:latin typeface="Arial" panose="020B0604020202020204" pitchFamily="34" charset="0"/>
+                <a:cs typeface="Arial" panose="020B0604020202020204" pitchFamily="34" charset="0"/>
+              </a:rPr>
+              <a:t> </a:t>
+            </a:r>
+            <a:r>
+              <a:rPr lang="en-US" sz="2000" dirty="0" err="1" smtClean="0">
+                <a:latin typeface="Arial" panose="020B0604020202020204" pitchFamily="34" charset="0"/>
+                <a:cs typeface="Arial" panose="020B0604020202020204" pitchFamily="34" charset="0"/>
+              </a:rPr>
+              <a:t>tại</a:t>
+            </a:r>
+            <a:r>
+              <a:rPr lang="en-US" sz="2000" dirty="0" smtClean="0">
+                <a:latin typeface="Arial" panose="020B0604020202020204" pitchFamily="34" charset="0"/>
+                <a:cs typeface="Arial" panose="020B0604020202020204" pitchFamily="34" charset="0"/>
+              </a:rPr>
+              <a:t> </a:t>
+            </a:r>
+            <a:r>
+              <a:rPr lang="en-US" sz="2000" dirty="0" err="1" smtClean="0">
+                <a:latin typeface="Arial" panose="020B0604020202020204" pitchFamily="34" charset="0"/>
+                <a:cs typeface="Arial" panose="020B0604020202020204" pitchFamily="34" charset="0"/>
+              </a:rPr>
+              <a:t>các</a:t>
+            </a:r>
+            <a:r>
+              <a:rPr lang="en-US" sz="2000" dirty="0" smtClean="0">
+                <a:latin typeface="Arial" panose="020B0604020202020204" pitchFamily="34" charset="0"/>
+                <a:cs typeface="Arial" panose="020B0604020202020204" pitchFamily="34" charset="0"/>
+              </a:rPr>
+              <a:t> </a:t>
+            </a:r>
+            <a:r>
+              <a:rPr lang="en-US" sz="2000" dirty="0" err="1" smtClean="0">
+                <a:latin typeface="Arial" panose="020B0604020202020204" pitchFamily="34" charset="0"/>
+                <a:cs typeface="Arial" panose="020B0604020202020204" pitchFamily="34" charset="0"/>
+              </a:rPr>
+              <a:t>cột</a:t>
+            </a:r>
+            <a:r>
+              <a:rPr lang="en-US" sz="2000" dirty="0" smtClean="0">
+                <a:latin typeface="Arial" panose="020B0604020202020204" pitchFamily="34" charset="0"/>
+                <a:cs typeface="Arial" panose="020B0604020202020204" pitchFamily="34" charset="0"/>
+              </a:rPr>
+              <a:t> floors</a:t>
+            </a:r>
+            <a:endParaRPr lang="en-US" sz="2000" dirty="0">
+              <a:latin typeface="Arial" panose="020B0604020202020204" pitchFamily="34" charset="0"/>
+              <a:cs typeface="Arial" panose="020B0604020202020204" pitchFamily="34" charset="0"/>
+            </a:endParaRPr>
+          </a:p>
+        </p:txBody>
+      </p:sp>
+      <p:sp>
+        <p:nvSpPr>
+          <p:cNvPr id="3" name="Content Placeholder 2"/>
+          <p:cNvSpPr txBox="1">
+            <a:spLocks/>
+          </p:cNvSpPr>
+          <p:nvPr/>
+        </p:nvSpPr>
+        <p:spPr>
+          <a:xfrm>
+            <a:off x="1088490" y="1025296"/>
+            <a:ext cx="10756765" cy="1294879"/>
+          </a:xfrm>
+          <a:prstGeom prst="rect">
+            <a:avLst/>
+          </a:prstGeom>
+        </p:spPr>
+        <p:txBody>
+          <a:bodyPr/>
+          <a:lstStyle>
+            <a:lvl1pPr marL="228600" indent="-228600" algn="l" defTabSz="914400" rtl="0" eaLnBrk="1" latinLnBrk="0" hangingPunct="1">
+              <a:lnSpc>
+                <a:spcPct val="120000"/>
+              </a:lnSpc>
+              <a:spcBef>
+                <a:spcPts val="1000"/>
+              </a:spcBef>
+              <a:buClr>
+                <a:schemeClr val="accent1"/>
+              </a:buClr>
+              <a:buSzPct val="100000"/>
+              <a:buFont typeface="Arial" panose="020B0604020202020204" pitchFamily="34" charset="0"/>
+              <a:buChar char="•"/>
+              <a:defRPr sz="2000" kern="1200">
+                <a:solidFill>
+                  <a:schemeClr val="tx1"/>
+                </a:solidFill>
+                <a:effectLst/>
+                <a:latin typeface="+mn-lt"/>
+                <a:ea typeface="+mn-ea"/>
+                <a:cs typeface="+mn-cs"/>
+              </a:defRPr>
+            </a:lvl1pPr>
+            <a:lvl2pPr marL="685800" indent="-228600" algn="l" defTabSz="914400" rtl="0" eaLnBrk="1" latinLnBrk="0" hangingPunct="1">
+              <a:lnSpc>
+                <a:spcPct val="120000"/>
+              </a:lnSpc>
+              <a:spcBef>
+                <a:spcPts val="500"/>
+              </a:spcBef>
+              <a:buClr>
+                <a:schemeClr val="accent1"/>
+              </a:buClr>
+              <a:buSzPct val="100000"/>
+              <a:buFont typeface="Arial" panose="020B0604020202020204" pitchFamily="34" charset="0"/>
+              <a:buChar char="•"/>
+              <a:defRPr sz="1800" kern="1200" cap="none" baseline="0">
+                <a:solidFill>
+                  <a:schemeClr val="tx1"/>
+                </a:solidFill>
+                <a:effectLst/>
+                <a:latin typeface="+mn-lt"/>
+                <a:ea typeface="+mn-ea"/>
+                <a:cs typeface="+mn-cs"/>
+              </a:defRPr>
+            </a:lvl2pPr>
+            <a:lvl3pPr marL="1143000" indent="-228600" algn="l" defTabSz="914400" rtl="0" eaLnBrk="1" latinLnBrk="0" hangingPunct="1">
+              <a:lnSpc>
+                <a:spcPct val="120000"/>
+              </a:lnSpc>
+              <a:spcBef>
+                <a:spcPts val="500"/>
+              </a:spcBef>
+              <a:buClr>
+                <a:schemeClr val="accent1"/>
+              </a:buClr>
+              <a:buSzPct val="100000"/>
+              <a:buFont typeface="Arial" panose="020B0604020202020204" pitchFamily="34" charset="0"/>
+              <a:buChar char="•"/>
+              <a:defRPr sz="1600" kern="1200">
+                <a:solidFill>
+                  <a:schemeClr val="tx1"/>
+                </a:solidFill>
+                <a:effectLst/>
+                <a:latin typeface="+mn-lt"/>
+                <a:ea typeface="+mn-ea"/>
+                <a:cs typeface="+mn-cs"/>
+              </a:defRPr>
+            </a:lvl3pPr>
+            <a:lvl4pPr marL="1600200" indent="-228600" algn="l" defTabSz="914400" rtl="0" eaLnBrk="1" latinLnBrk="0" hangingPunct="1">
+              <a:lnSpc>
+                <a:spcPct val="120000"/>
+              </a:lnSpc>
+              <a:spcBef>
+                <a:spcPts val="500"/>
+              </a:spcBef>
+              <a:buClr>
+                <a:schemeClr val="accent1"/>
+              </a:buClr>
+              <a:buSzPct val="100000"/>
+              <a:buFont typeface="Arial" panose="020B0604020202020204" pitchFamily="34" charset="0"/>
+              <a:buChar char="•"/>
+              <a:defRPr sz="1400" kern="1200" cap="none" baseline="0">
+                <a:solidFill>
+                  <a:schemeClr val="tx1"/>
+                </a:solidFill>
+                <a:effectLst/>
+                <a:latin typeface="+mn-lt"/>
+                <a:ea typeface="+mn-ea"/>
+                <a:cs typeface="+mn-cs"/>
+              </a:defRPr>
+            </a:lvl4pPr>
+            <a:lvl5pPr marL="2057400" indent="-228600" algn="l" defTabSz="914400" rtl="0" eaLnBrk="1" latinLnBrk="0" hangingPunct="1">
+              <a:lnSpc>
+                <a:spcPct val="120000"/>
+              </a:lnSpc>
+              <a:spcBef>
+                <a:spcPts val="500"/>
+              </a:spcBef>
+              <a:buClr>
+                <a:schemeClr val="accent1"/>
+              </a:buClr>
+              <a:buSzPct val="100000"/>
+              <a:buFont typeface="Arial" panose="020B0604020202020204" pitchFamily="34" charset="0"/>
+              <a:buChar char="•"/>
+              <a:defRPr sz="1200" kern="1200">
+                <a:solidFill>
+                  <a:schemeClr val="tx1"/>
+                </a:solidFill>
+                <a:effectLst/>
+                <a:latin typeface="+mn-lt"/>
+                <a:ea typeface="+mn-ea"/>
+                <a:cs typeface="+mn-cs"/>
+              </a:defRPr>
+            </a:lvl5pPr>
+            <a:lvl6pPr marL="2514600" indent="-228600" algn="l" defTabSz="914400" rtl="0" eaLnBrk="1" latinLnBrk="0" hangingPunct="1">
+              <a:lnSpc>
+                <a:spcPct val="120000"/>
+              </a:lnSpc>
+              <a:spcBef>
+                <a:spcPts val="500"/>
+              </a:spcBef>
+              <a:buClr>
+                <a:schemeClr val="accent1"/>
+              </a:buClr>
+              <a:buSzPct val="100000"/>
+              <a:buFont typeface="Arial" panose="020B0604020202020204" pitchFamily="34" charset="0"/>
+              <a:buChar char="•"/>
+              <a:defRPr sz="1200" kern="1200">
+                <a:solidFill>
+                  <a:schemeClr val="tx1"/>
+                </a:solidFill>
+                <a:effectLst/>
+                <a:latin typeface="+mn-lt"/>
+                <a:ea typeface="+mn-ea"/>
+                <a:cs typeface="+mn-cs"/>
+              </a:defRPr>
+            </a:lvl6pPr>
+            <a:lvl7pPr marL="2971800" indent="-228600" algn="l" defTabSz="914400" rtl="0" eaLnBrk="1" latinLnBrk="0" hangingPunct="1">
+              <a:lnSpc>
+                <a:spcPct val="120000"/>
+              </a:lnSpc>
+              <a:spcBef>
+                <a:spcPts val="500"/>
+              </a:spcBef>
+              <a:buClr>
+                <a:schemeClr val="accent1"/>
+              </a:buClr>
+              <a:buSzPct val="100000"/>
+              <a:buFont typeface="Arial" panose="020B0604020202020204" pitchFamily="34" charset="0"/>
+              <a:buChar char="•"/>
+              <a:defRPr sz="1200" kern="1200">
+                <a:solidFill>
+                  <a:schemeClr val="tx1"/>
+                </a:solidFill>
+                <a:effectLst/>
+                <a:latin typeface="+mn-lt"/>
+                <a:ea typeface="+mn-ea"/>
+                <a:cs typeface="+mn-cs"/>
+              </a:defRPr>
+            </a:lvl7pPr>
+            <a:lvl8pPr marL="3429000" indent="-228600" algn="l" defTabSz="914400" rtl="0" eaLnBrk="1" latinLnBrk="0" hangingPunct="1">
+              <a:lnSpc>
+                <a:spcPct val="120000"/>
+              </a:lnSpc>
+              <a:spcBef>
+                <a:spcPts val="500"/>
+              </a:spcBef>
+              <a:buClr>
+                <a:schemeClr val="accent1"/>
+              </a:buClr>
+              <a:buSzPct val="100000"/>
+              <a:buFont typeface="Arial" panose="020B0604020202020204" pitchFamily="34" charset="0"/>
+              <a:buChar char="•"/>
+              <a:defRPr sz="1200" kern="1200" baseline="0">
+                <a:solidFill>
+                  <a:schemeClr val="tx1"/>
+                </a:solidFill>
+                <a:effectLst/>
+                <a:latin typeface="+mn-lt"/>
+                <a:ea typeface="+mn-ea"/>
+                <a:cs typeface="+mn-cs"/>
+              </a:defRPr>
+            </a:lvl8pPr>
+            <a:lvl9pPr marL="3886200" indent="-228600" algn="l" defTabSz="914400" rtl="0" eaLnBrk="1" latinLnBrk="0" hangingPunct="1">
+              <a:lnSpc>
+                <a:spcPct val="120000"/>
+              </a:lnSpc>
+              <a:spcBef>
+                <a:spcPts val="500"/>
+              </a:spcBef>
+              <a:buClr>
+                <a:schemeClr val="accent1"/>
+              </a:buClr>
+              <a:buSzPct val="100000"/>
+              <a:buFont typeface="Arial" panose="020B0604020202020204" pitchFamily="34" charset="0"/>
+              <a:buChar char="•"/>
+              <a:defRPr sz="1200" kern="1200" baseline="0">
+                <a:solidFill>
+                  <a:schemeClr val="tx1"/>
+                </a:solidFill>
+                <a:effectLst/>
+                <a:latin typeface="+mn-lt"/>
+                <a:ea typeface="+mn-ea"/>
+                <a:cs typeface="+mn-cs"/>
+              </a:defRPr>
+            </a:lvl9pPr>
+          </a:lstStyle>
+          <a:p>
+            <a:r>
+              <a:rPr lang="en-US" sz="1500" dirty="0" err="1" smtClean="0">
+                <a:latin typeface="Arial" panose="020B0604020202020204" pitchFamily="34" charset="0"/>
+                <a:cs typeface="Arial" panose="020B0604020202020204" pitchFamily="34" charset="0"/>
+              </a:rPr>
+              <a:t>Kiểm</a:t>
+            </a:r>
+            <a:r>
+              <a:rPr lang="en-US" sz="1500" dirty="0" smtClean="0">
+                <a:latin typeface="Arial" panose="020B0604020202020204" pitchFamily="34" charset="0"/>
+                <a:cs typeface="Arial" panose="020B0604020202020204" pitchFamily="34" charset="0"/>
+              </a:rPr>
+              <a:t> </a:t>
+            </a:r>
+            <a:r>
+              <a:rPr lang="en-US" sz="1500" dirty="0" err="1" smtClean="0">
+                <a:latin typeface="Arial" panose="020B0604020202020204" pitchFamily="34" charset="0"/>
+                <a:cs typeface="Arial" panose="020B0604020202020204" pitchFamily="34" charset="0"/>
+              </a:rPr>
+              <a:t>tra</a:t>
+            </a:r>
+            <a:r>
+              <a:rPr lang="en-US" sz="1500" dirty="0" smtClean="0">
+                <a:latin typeface="Arial" panose="020B0604020202020204" pitchFamily="34" charset="0"/>
+                <a:cs typeface="Arial" panose="020B0604020202020204" pitchFamily="34" charset="0"/>
+              </a:rPr>
+              <a:t> </a:t>
+            </a:r>
+            <a:r>
+              <a:rPr lang="en-US" sz="1500" dirty="0" err="1" smtClean="0">
+                <a:latin typeface="Arial" panose="020B0604020202020204" pitchFamily="34" charset="0"/>
+                <a:cs typeface="Arial" panose="020B0604020202020204" pitchFamily="34" charset="0"/>
+              </a:rPr>
+              <a:t>và</a:t>
+            </a:r>
+            <a:r>
+              <a:rPr lang="en-US" sz="1500" dirty="0" smtClean="0">
+                <a:latin typeface="Arial" panose="020B0604020202020204" pitchFamily="34" charset="0"/>
+                <a:cs typeface="Arial" panose="020B0604020202020204" pitchFamily="34" charset="0"/>
+              </a:rPr>
+              <a:t> </a:t>
+            </a:r>
+            <a:r>
+              <a:rPr lang="en-US" sz="1500" dirty="0" err="1" smtClean="0">
+                <a:latin typeface="Arial" panose="020B0604020202020204" pitchFamily="34" charset="0"/>
+                <a:cs typeface="Arial" panose="020B0604020202020204" pitchFamily="34" charset="0"/>
+              </a:rPr>
+              <a:t>loại</a:t>
+            </a:r>
+            <a:r>
+              <a:rPr lang="en-US" sz="1500" dirty="0" smtClean="0">
+                <a:latin typeface="Arial" panose="020B0604020202020204" pitchFamily="34" charset="0"/>
+                <a:cs typeface="Arial" panose="020B0604020202020204" pitchFamily="34" charset="0"/>
+              </a:rPr>
+              <a:t> </a:t>
+            </a:r>
+            <a:r>
+              <a:rPr lang="en-US" sz="1500" dirty="0" err="1" smtClean="0">
+                <a:latin typeface="Arial" panose="020B0604020202020204" pitchFamily="34" charset="0"/>
+                <a:cs typeface="Arial" panose="020B0604020202020204" pitchFamily="34" charset="0"/>
+              </a:rPr>
+              <a:t>bỏ</a:t>
+            </a:r>
+            <a:r>
+              <a:rPr lang="en-US" sz="1500" dirty="0" smtClean="0">
+                <a:latin typeface="Arial" panose="020B0604020202020204" pitchFamily="34" charset="0"/>
+                <a:cs typeface="Arial" panose="020B0604020202020204" pitchFamily="34" charset="0"/>
+              </a:rPr>
+              <a:t> </a:t>
+            </a:r>
+            <a:r>
+              <a:rPr lang="en-US" sz="1500" dirty="0" err="1" smtClean="0">
+                <a:latin typeface="Arial" panose="020B0604020202020204" pitchFamily="34" charset="0"/>
+                <a:cs typeface="Arial" panose="020B0604020202020204" pitchFamily="34" charset="0"/>
+              </a:rPr>
+              <a:t>các</a:t>
+            </a:r>
+            <a:r>
+              <a:rPr lang="en-US" sz="1500" dirty="0" smtClean="0">
+                <a:latin typeface="Arial" panose="020B0604020202020204" pitchFamily="34" charset="0"/>
+                <a:cs typeface="Arial" panose="020B0604020202020204" pitchFamily="34" charset="0"/>
+              </a:rPr>
+              <a:t> </a:t>
+            </a:r>
+            <a:r>
+              <a:rPr lang="en-US" sz="1500" dirty="0" err="1" smtClean="0">
+                <a:latin typeface="Arial" panose="020B0604020202020204" pitchFamily="34" charset="0"/>
+                <a:cs typeface="Arial" panose="020B0604020202020204" pitchFamily="34" charset="0"/>
+              </a:rPr>
+              <a:t>giá</a:t>
+            </a:r>
+            <a:r>
+              <a:rPr lang="en-US" sz="1500" dirty="0" smtClean="0">
+                <a:latin typeface="Arial" panose="020B0604020202020204" pitchFamily="34" charset="0"/>
+                <a:cs typeface="Arial" panose="020B0604020202020204" pitchFamily="34" charset="0"/>
+              </a:rPr>
+              <a:t> </a:t>
+            </a:r>
+            <a:r>
+              <a:rPr lang="en-US" sz="1500" dirty="0" err="1" smtClean="0">
+                <a:latin typeface="Arial" panose="020B0604020202020204" pitchFamily="34" charset="0"/>
+                <a:cs typeface="Arial" panose="020B0604020202020204" pitchFamily="34" charset="0"/>
+              </a:rPr>
+              <a:t>trị</a:t>
+            </a:r>
+            <a:r>
+              <a:rPr lang="en-US" sz="1500" dirty="0" smtClean="0">
+                <a:latin typeface="Arial" panose="020B0604020202020204" pitchFamily="34" charset="0"/>
+                <a:cs typeface="Arial" panose="020B0604020202020204" pitchFamily="34" charset="0"/>
+              </a:rPr>
+              <a:t> outline</a:t>
+            </a:r>
+          </a:p>
+        </p:txBody>
+      </p:sp>
+      <p:cxnSp>
+        <p:nvCxnSpPr>
+          <p:cNvPr id="9" name="Straight Connector 8"/>
+          <p:cNvCxnSpPr/>
+          <p:nvPr/>
+        </p:nvCxnSpPr>
+        <p:spPr>
+          <a:xfrm flipV="1">
+            <a:off x="864066" y="922789"/>
+            <a:ext cx="10981189" cy="16778"/>
+          </a:xfrm>
+          <a:prstGeom prst="line">
+            <a:avLst/>
+          </a:prstGeom>
+          <a:ln>
+            <a:solidFill>
+              <a:srgbClr val="C00000"/>
+            </a:solidFill>
+          </a:ln>
+        </p:spPr>
+        <p:style>
+          <a:lnRef idx="3">
+            <a:schemeClr val="accent1"/>
+          </a:lnRef>
+          <a:fillRef idx="0">
+            <a:schemeClr val="accent1"/>
+          </a:fillRef>
+          <a:effectRef idx="2">
+            <a:schemeClr val="accent1"/>
+          </a:effectRef>
+          <a:fontRef idx="minor">
+            <a:schemeClr val="tx1"/>
+          </a:fontRef>
+        </p:style>
+      </p:cxnSp>
+      <p:sp>
+        <p:nvSpPr>
+          <p:cNvPr id="10" name="Right Arrow 9"/>
+          <p:cNvSpPr/>
+          <p:nvPr/>
+        </p:nvSpPr>
+        <p:spPr>
+          <a:xfrm>
+            <a:off x="5567027" y="2822891"/>
+            <a:ext cx="906011" cy="1417739"/>
+          </a:xfrm>
+          <a:prstGeom prst="rightArrow">
+            <a:avLst/>
+          </a:prstGeom>
+        </p:spPr>
+        <p:style>
+          <a:lnRef idx="2">
+            <a:schemeClr val="accent1">
+              <a:shade val="50000"/>
+            </a:schemeClr>
+          </a:lnRef>
+          <a:fillRef idx="1">
+            <a:schemeClr val="accent1"/>
+          </a:fillRef>
+          <a:effectRef idx="0">
+            <a:schemeClr val="accent1"/>
+          </a:effectRef>
+          <a:fontRef idx="minor">
+            <a:schemeClr val="lt1"/>
+          </a:fontRef>
+        </p:style>
+        <p:txBody>
+          <a:bodyPr rtlCol="0" anchor="ctr"/>
+          <a:lstStyle/>
+          <a:p>
+            <a:pPr algn="ctr"/>
+            <a:endParaRPr lang="en-US"/>
+          </a:p>
+        </p:txBody>
+      </p:sp>
+      <p:pic>
+        <p:nvPicPr>
+          <p:cNvPr id="4" name="Picture 3"/>
+          <p:cNvPicPr>
+            <a:picLocks noChangeAspect="1"/>
+          </p:cNvPicPr>
+          <p:nvPr/>
+        </p:nvPicPr>
+        <p:blipFill>
+          <a:blip r:embed="rId2"/>
+          <a:stretch>
+            <a:fillRect/>
+          </a:stretch>
+        </p:blipFill>
+        <p:spPr>
+          <a:xfrm>
+            <a:off x="61102" y="1905361"/>
+            <a:ext cx="5458698" cy="2977032"/>
+          </a:xfrm>
+          <a:prstGeom prst="rect">
+            <a:avLst/>
+          </a:prstGeom>
+        </p:spPr>
+      </p:pic>
+      <p:pic>
+        <p:nvPicPr>
+          <p:cNvPr id="6" name="Picture 5"/>
+          <p:cNvPicPr>
+            <a:picLocks noChangeAspect="1"/>
+          </p:cNvPicPr>
+          <p:nvPr/>
+        </p:nvPicPr>
+        <p:blipFill>
+          <a:blip r:embed="rId3"/>
+          <a:stretch>
+            <a:fillRect/>
+          </a:stretch>
+        </p:blipFill>
+        <p:spPr>
+          <a:xfrm>
+            <a:off x="6547188" y="1905362"/>
+            <a:ext cx="5596497" cy="2977031"/>
+          </a:xfrm>
+          <a:prstGeom prst="rect">
+            <a:avLst/>
+          </a:prstGeom>
+        </p:spPr>
+      </p:pic>
+    </p:spTree>
+    <p:extLst>
+      <p:ext uri="{BB962C8B-B14F-4D97-AF65-F5344CB8AC3E}">
+        <p14:creationId xmlns:p14="http://schemas.microsoft.com/office/powerpoint/2010/main" val="1143498670"/>
+      </p:ext>
+    </p:extLst>
+  </p:cSld>
+  <p:clrMapOvr>
+    <a:masterClrMapping/>
+  </p:clrMapOvr>
+</p:sld>
+</file>
+
+<file path=ppt/slides/slide8.xml><?xml version="1.0" encoding="utf-8"?>
+<p:sld xmlns:a="http://schemas.openxmlformats.org/drawingml/2006/main" xmlns:r="http://schemas.openxmlformats.org/officeDocument/2006/relationships" xmlns:p="http://schemas.openxmlformats.org/presentationml/2006/main">
+  <p:cSld>
+    <p:spTree>
+      <p:nvGrpSpPr>
+        <p:cNvPr id="1" name=""/>
+        <p:cNvGrpSpPr/>
+        <p:nvPr/>
+      </p:nvGrpSpPr>
+      <p:grpSpPr>
+        <a:xfrm>
+          <a:off x="0" y="0"/>
+          <a:ext cx="0" cy="0"/>
+          <a:chOff x="0" y="0"/>
+          <a:chExt cx="0" cy="0"/>
+        </a:xfrm>
+      </p:grpSpPr>
+      <p:sp>
+        <p:nvSpPr>
+          <p:cNvPr id="2" name="Title 1"/>
+          <p:cNvSpPr txBox="1">
+            <a:spLocks/>
+          </p:cNvSpPr>
+          <p:nvPr/>
+        </p:nvSpPr>
+        <p:spPr>
+          <a:xfrm>
+            <a:off x="1088491" y="167780"/>
+            <a:ext cx="9605635" cy="857515"/>
+          </a:xfrm>
+          <a:prstGeom prst="rect">
+            <a:avLst/>
+          </a:prstGeom>
+        </p:spPr>
+        <p:txBody>
+          <a:bodyPr/>
+          <a:lstStyle>
+            <a:lvl1pPr algn="l" defTabSz="914400" rtl="0" eaLnBrk="1" latinLnBrk="0" hangingPunct="1">
+              <a:lnSpc>
+                <a:spcPct val="90000"/>
+              </a:lnSpc>
+              <a:spcBef>
+                <a:spcPct val="0"/>
+              </a:spcBef>
+              <a:buNone/>
+              <a:defRPr sz="3200" b="0" i="0" kern="1200" cap="all">
+                <a:solidFill>
+                  <a:schemeClr val="tx1"/>
+                </a:solidFill>
+                <a:effectLst/>
+                <a:latin typeface="+mj-lt"/>
+                <a:ea typeface="+mj-ea"/>
+                <a:cs typeface="+mj-cs"/>
+              </a:defRPr>
+            </a:lvl1pPr>
+          </a:lstStyle>
+          <a:p>
+            <a:r>
+              <a:rPr lang="en-US" dirty="0" err="1" smtClean="0">
+                <a:latin typeface="Arial" panose="020B0604020202020204" pitchFamily="34" charset="0"/>
+                <a:cs typeface="Arial" panose="020B0604020202020204" pitchFamily="34" charset="0"/>
+              </a:rPr>
+              <a:t>Xử</a:t>
+            </a:r>
+            <a:r>
+              <a:rPr lang="en-US" dirty="0" smtClean="0">
+                <a:latin typeface="Arial" panose="020B0604020202020204" pitchFamily="34" charset="0"/>
+                <a:cs typeface="Arial" panose="020B0604020202020204" pitchFamily="34" charset="0"/>
+              </a:rPr>
+              <a:t> </a:t>
+            </a:r>
+            <a:r>
+              <a:rPr lang="en-US" dirty="0" err="1" smtClean="0">
+                <a:latin typeface="Arial" panose="020B0604020202020204" pitchFamily="34" charset="0"/>
+                <a:cs typeface="Arial" panose="020B0604020202020204" pitchFamily="34" charset="0"/>
+              </a:rPr>
+              <a:t>lý</a:t>
+            </a:r>
+            <a:r>
+              <a:rPr lang="en-US" dirty="0" smtClean="0">
+                <a:latin typeface="Arial" panose="020B0604020202020204" pitchFamily="34" charset="0"/>
+                <a:cs typeface="Arial" panose="020B0604020202020204" pitchFamily="34" charset="0"/>
+              </a:rPr>
+              <a:t> </a:t>
+            </a:r>
+            <a:r>
+              <a:rPr lang="en-US" dirty="0" err="1" smtClean="0">
+                <a:latin typeface="Arial" panose="020B0604020202020204" pitchFamily="34" charset="0"/>
+                <a:cs typeface="Arial" panose="020B0604020202020204" pitchFamily="34" charset="0"/>
+              </a:rPr>
+              <a:t>dữ</a:t>
+            </a:r>
+            <a:r>
+              <a:rPr lang="en-US" dirty="0" smtClean="0">
+                <a:latin typeface="Arial" panose="020B0604020202020204" pitchFamily="34" charset="0"/>
+                <a:cs typeface="Arial" panose="020B0604020202020204" pitchFamily="34" charset="0"/>
+              </a:rPr>
+              <a:t> </a:t>
+            </a:r>
+            <a:r>
+              <a:rPr lang="en-US" dirty="0" err="1" smtClean="0">
+                <a:latin typeface="Arial" panose="020B0604020202020204" pitchFamily="34" charset="0"/>
+                <a:cs typeface="Arial" panose="020B0604020202020204" pitchFamily="34" charset="0"/>
+              </a:rPr>
+              <a:t>liệu</a:t>
+            </a:r>
+            <a:r>
+              <a:rPr lang="en-US" dirty="0" smtClean="0">
+                <a:latin typeface="Arial" panose="020B0604020202020204" pitchFamily="34" charset="0"/>
+                <a:cs typeface="Arial" panose="020B0604020202020204" pitchFamily="34" charset="0"/>
+              </a:rPr>
+              <a:t/>
+            </a:r>
+            <a:br>
+              <a:rPr lang="en-US" dirty="0" smtClean="0">
+                <a:latin typeface="Arial" panose="020B0604020202020204" pitchFamily="34" charset="0"/>
+                <a:cs typeface="Arial" panose="020B0604020202020204" pitchFamily="34" charset="0"/>
+              </a:rPr>
+            </a:br>
+            <a:r>
+              <a:rPr lang="en-US" sz="2000" dirty="0" err="1" smtClean="0">
+                <a:latin typeface="Arial" panose="020B0604020202020204" pitchFamily="34" charset="0"/>
+                <a:cs typeface="Arial" panose="020B0604020202020204" pitchFamily="34" charset="0"/>
+              </a:rPr>
+              <a:t>giá</a:t>
+            </a:r>
+            <a:r>
+              <a:rPr lang="en-US" sz="2000" dirty="0" smtClean="0">
+                <a:latin typeface="Arial" panose="020B0604020202020204" pitchFamily="34" charset="0"/>
+                <a:cs typeface="Arial" panose="020B0604020202020204" pitchFamily="34" charset="0"/>
+              </a:rPr>
+              <a:t> </a:t>
+            </a:r>
+            <a:r>
+              <a:rPr lang="en-US" sz="2000" dirty="0" err="1" smtClean="0">
+                <a:latin typeface="Arial" panose="020B0604020202020204" pitchFamily="34" charset="0"/>
+                <a:cs typeface="Arial" panose="020B0604020202020204" pitchFamily="34" charset="0"/>
+              </a:rPr>
+              <a:t>trị</a:t>
+            </a:r>
+            <a:r>
+              <a:rPr lang="en-US" sz="2000" dirty="0" smtClean="0">
+                <a:latin typeface="Arial" panose="020B0604020202020204" pitchFamily="34" charset="0"/>
+                <a:cs typeface="Arial" panose="020B0604020202020204" pitchFamily="34" charset="0"/>
+              </a:rPr>
+              <a:t> </a:t>
+            </a:r>
+            <a:r>
+              <a:rPr lang="en-US" sz="2000" dirty="0" err="1" smtClean="0">
+                <a:latin typeface="Arial" panose="020B0604020202020204" pitchFamily="34" charset="0"/>
+                <a:cs typeface="Arial" panose="020B0604020202020204" pitchFamily="34" charset="0"/>
+              </a:rPr>
+              <a:t>tại</a:t>
+            </a:r>
+            <a:r>
+              <a:rPr lang="en-US" sz="2000" dirty="0" smtClean="0">
+                <a:latin typeface="Arial" panose="020B0604020202020204" pitchFamily="34" charset="0"/>
+                <a:cs typeface="Arial" panose="020B0604020202020204" pitchFamily="34" charset="0"/>
+              </a:rPr>
+              <a:t> </a:t>
+            </a:r>
+            <a:r>
+              <a:rPr lang="en-US" sz="2000" dirty="0" err="1" smtClean="0">
+                <a:latin typeface="Arial" panose="020B0604020202020204" pitchFamily="34" charset="0"/>
+                <a:cs typeface="Arial" panose="020B0604020202020204" pitchFamily="34" charset="0"/>
+              </a:rPr>
+              <a:t>các</a:t>
+            </a:r>
+            <a:r>
+              <a:rPr lang="en-US" sz="2000" dirty="0" smtClean="0">
+                <a:latin typeface="Arial" panose="020B0604020202020204" pitchFamily="34" charset="0"/>
+                <a:cs typeface="Arial" panose="020B0604020202020204" pitchFamily="34" charset="0"/>
+              </a:rPr>
+              <a:t> </a:t>
+            </a:r>
+            <a:r>
+              <a:rPr lang="en-US" sz="2000" dirty="0" err="1" smtClean="0">
+                <a:latin typeface="Arial" panose="020B0604020202020204" pitchFamily="34" charset="0"/>
+                <a:cs typeface="Arial" panose="020B0604020202020204" pitchFamily="34" charset="0"/>
+              </a:rPr>
+              <a:t>cột</a:t>
+            </a:r>
+            <a:r>
+              <a:rPr lang="en-US" sz="2000" dirty="0" smtClean="0">
+                <a:latin typeface="Arial" panose="020B0604020202020204" pitchFamily="34" charset="0"/>
+                <a:cs typeface="Arial" panose="020B0604020202020204" pitchFamily="34" charset="0"/>
+              </a:rPr>
+              <a:t> </a:t>
+            </a:r>
+            <a:r>
+              <a:rPr lang="en-US" sz="2000" dirty="0" err="1" smtClean="0">
+                <a:latin typeface="Arial" panose="020B0604020202020204" pitchFamily="34" charset="0"/>
+                <a:cs typeface="Arial" panose="020B0604020202020204" pitchFamily="34" charset="0"/>
+              </a:rPr>
+              <a:t>waterfont</a:t>
+            </a:r>
+            <a:r>
+              <a:rPr lang="en-US" sz="2000" dirty="0" smtClean="0">
+                <a:latin typeface="Arial" panose="020B0604020202020204" pitchFamily="34" charset="0"/>
+                <a:cs typeface="Arial" panose="020B0604020202020204" pitchFamily="34" charset="0"/>
+              </a:rPr>
+              <a:t>, view, condition</a:t>
+            </a:r>
+            <a:endParaRPr lang="en-US" sz="2000" dirty="0">
+              <a:latin typeface="Arial" panose="020B0604020202020204" pitchFamily="34" charset="0"/>
+              <a:cs typeface="Arial" panose="020B0604020202020204" pitchFamily="34" charset="0"/>
+            </a:endParaRPr>
+          </a:p>
+        </p:txBody>
+      </p:sp>
+      <p:sp>
+        <p:nvSpPr>
+          <p:cNvPr id="3" name="Content Placeholder 2"/>
+          <p:cNvSpPr txBox="1">
+            <a:spLocks/>
+          </p:cNvSpPr>
+          <p:nvPr/>
+        </p:nvSpPr>
+        <p:spPr>
+          <a:xfrm>
+            <a:off x="1088490" y="1025296"/>
+            <a:ext cx="10756765" cy="1294879"/>
+          </a:xfrm>
+          <a:prstGeom prst="rect">
+            <a:avLst/>
+          </a:prstGeom>
+        </p:spPr>
+        <p:txBody>
+          <a:bodyPr/>
+          <a:lstStyle>
+            <a:lvl1pPr marL="228600" indent="-228600" algn="l" defTabSz="914400" rtl="0" eaLnBrk="1" latinLnBrk="0" hangingPunct="1">
+              <a:lnSpc>
+                <a:spcPct val="120000"/>
+              </a:lnSpc>
+              <a:spcBef>
+                <a:spcPts val="1000"/>
+              </a:spcBef>
+              <a:buClr>
+                <a:schemeClr val="accent1"/>
+              </a:buClr>
+              <a:buSzPct val="100000"/>
+              <a:buFont typeface="Arial" panose="020B0604020202020204" pitchFamily="34" charset="0"/>
+              <a:buChar char="•"/>
+              <a:defRPr sz="2000" kern="1200">
+                <a:solidFill>
+                  <a:schemeClr val="tx1"/>
+                </a:solidFill>
+                <a:effectLst/>
+                <a:latin typeface="+mn-lt"/>
+                <a:ea typeface="+mn-ea"/>
+                <a:cs typeface="+mn-cs"/>
+              </a:defRPr>
+            </a:lvl1pPr>
+            <a:lvl2pPr marL="685800" indent="-228600" algn="l" defTabSz="914400" rtl="0" eaLnBrk="1" latinLnBrk="0" hangingPunct="1">
+              <a:lnSpc>
+                <a:spcPct val="120000"/>
+              </a:lnSpc>
+              <a:spcBef>
+                <a:spcPts val="500"/>
+              </a:spcBef>
+              <a:buClr>
+                <a:schemeClr val="accent1"/>
+              </a:buClr>
+              <a:buSzPct val="100000"/>
+              <a:buFont typeface="Arial" panose="020B0604020202020204" pitchFamily="34" charset="0"/>
+              <a:buChar char="•"/>
+              <a:defRPr sz="1800" kern="1200" cap="none" baseline="0">
+                <a:solidFill>
+                  <a:schemeClr val="tx1"/>
+                </a:solidFill>
+                <a:effectLst/>
+                <a:latin typeface="+mn-lt"/>
+                <a:ea typeface="+mn-ea"/>
+                <a:cs typeface="+mn-cs"/>
+              </a:defRPr>
+            </a:lvl2pPr>
+            <a:lvl3pPr marL="1143000" indent="-228600" algn="l" defTabSz="914400" rtl="0" eaLnBrk="1" latinLnBrk="0" hangingPunct="1">
+              <a:lnSpc>
+                <a:spcPct val="120000"/>
+              </a:lnSpc>
+              <a:spcBef>
+                <a:spcPts val="500"/>
+              </a:spcBef>
+              <a:buClr>
+                <a:schemeClr val="accent1"/>
+              </a:buClr>
+              <a:buSzPct val="100000"/>
+              <a:buFont typeface="Arial" panose="020B0604020202020204" pitchFamily="34" charset="0"/>
+              <a:buChar char="•"/>
+              <a:defRPr sz="1600" kern="1200">
+                <a:solidFill>
+                  <a:schemeClr val="tx1"/>
+                </a:solidFill>
+                <a:effectLst/>
+                <a:latin typeface="+mn-lt"/>
+                <a:ea typeface="+mn-ea"/>
+                <a:cs typeface="+mn-cs"/>
+              </a:defRPr>
+            </a:lvl3pPr>
+            <a:lvl4pPr marL="1600200" indent="-228600" algn="l" defTabSz="914400" rtl="0" eaLnBrk="1" latinLnBrk="0" hangingPunct="1">
+              <a:lnSpc>
+                <a:spcPct val="120000"/>
+              </a:lnSpc>
+              <a:spcBef>
+                <a:spcPts val="500"/>
+              </a:spcBef>
+              <a:buClr>
+                <a:schemeClr val="accent1"/>
+              </a:buClr>
+              <a:buSzPct val="100000"/>
+              <a:buFont typeface="Arial" panose="020B0604020202020204" pitchFamily="34" charset="0"/>
+              <a:buChar char="•"/>
+              <a:defRPr sz="1400" kern="1200" cap="none" baseline="0">
+                <a:solidFill>
+                  <a:schemeClr val="tx1"/>
+                </a:solidFill>
+                <a:effectLst/>
+                <a:latin typeface="+mn-lt"/>
+                <a:ea typeface="+mn-ea"/>
+                <a:cs typeface="+mn-cs"/>
+              </a:defRPr>
+            </a:lvl4pPr>
+            <a:lvl5pPr marL="2057400" indent="-228600" algn="l" defTabSz="914400" rtl="0" eaLnBrk="1" latinLnBrk="0" hangingPunct="1">
+              <a:lnSpc>
+                <a:spcPct val="120000"/>
+              </a:lnSpc>
+              <a:spcBef>
+                <a:spcPts val="500"/>
+              </a:spcBef>
+              <a:buClr>
+                <a:schemeClr val="accent1"/>
+              </a:buClr>
+              <a:buSzPct val="100000"/>
+              <a:buFont typeface="Arial" panose="020B0604020202020204" pitchFamily="34" charset="0"/>
+              <a:buChar char="•"/>
+              <a:defRPr sz="1200" kern="1200">
+                <a:solidFill>
+                  <a:schemeClr val="tx1"/>
+                </a:solidFill>
+                <a:effectLst/>
+                <a:latin typeface="+mn-lt"/>
+                <a:ea typeface="+mn-ea"/>
+                <a:cs typeface="+mn-cs"/>
+              </a:defRPr>
+            </a:lvl5pPr>
+            <a:lvl6pPr marL="2514600" indent="-228600" algn="l" defTabSz="914400" rtl="0" eaLnBrk="1" latinLnBrk="0" hangingPunct="1">
+              <a:lnSpc>
+                <a:spcPct val="120000"/>
+              </a:lnSpc>
+              <a:spcBef>
+                <a:spcPts val="500"/>
+              </a:spcBef>
+              <a:buClr>
+                <a:schemeClr val="accent1"/>
+              </a:buClr>
+              <a:buSzPct val="100000"/>
+              <a:buFont typeface="Arial" panose="020B0604020202020204" pitchFamily="34" charset="0"/>
+              <a:buChar char="•"/>
+              <a:defRPr sz="1200" kern="1200">
+                <a:solidFill>
+                  <a:schemeClr val="tx1"/>
+                </a:solidFill>
+                <a:effectLst/>
+                <a:latin typeface="+mn-lt"/>
+                <a:ea typeface="+mn-ea"/>
+                <a:cs typeface="+mn-cs"/>
+              </a:defRPr>
+            </a:lvl6pPr>
+            <a:lvl7pPr marL="2971800" indent="-228600" algn="l" defTabSz="914400" rtl="0" eaLnBrk="1" latinLnBrk="0" hangingPunct="1">
+              <a:lnSpc>
+                <a:spcPct val="120000"/>
+              </a:lnSpc>
+              <a:spcBef>
+                <a:spcPts val="500"/>
+              </a:spcBef>
+              <a:buClr>
+                <a:schemeClr val="accent1"/>
+              </a:buClr>
+              <a:buSzPct val="100000"/>
+              <a:buFont typeface="Arial" panose="020B0604020202020204" pitchFamily="34" charset="0"/>
+              <a:buChar char="•"/>
+              <a:defRPr sz="1200" kern="1200">
+                <a:solidFill>
+                  <a:schemeClr val="tx1"/>
+                </a:solidFill>
+                <a:effectLst/>
+                <a:latin typeface="+mn-lt"/>
+                <a:ea typeface="+mn-ea"/>
+                <a:cs typeface="+mn-cs"/>
+              </a:defRPr>
+            </a:lvl7pPr>
+            <a:lvl8pPr marL="3429000" indent="-228600" algn="l" defTabSz="914400" rtl="0" eaLnBrk="1" latinLnBrk="0" hangingPunct="1">
+              <a:lnSpc>
+                <a:spcPct val="120000"/>
+              </a:lnSpc>
+              <a:spcBef>
+                <a:spcPts val="500"/>
+              </a:spcBef>
+              <a:buClr>
+                <a:schemeClr val="accent1"/>
+              </a:buClr>
+              <a:buSzPct val="100000"/>
+              <a:buFont typeface="Arial" panose="020B0604020202020204" pitchFamily="34" charset="0"/>
+              <a:buChar char="•"/>
+              <a:defRPr sz="1200" kern="1200" baseline="0">
+                <a:solidFill>
+                  <a:schemeClr val="tx1"/>
+                </a:solidFill>
+                <a:effectLst/>
+                <a:latin typeface="+mn-lt"/>
+                <a:ea typeface="+mn-ea"/>
+                <a:cs typeface="+mn-cs"/>
+              </a:defRPr>
+            </a:lvl8pPr>
+            <a:lvl9pPr marL="3886200" indent="-228600" algn="l" defTabSz="914400" rtl="0" eaLnBrk="1" latinLnBrk="0" hangingPunct="1">
+              <a:lnSpc>
+                <a:spcPct val="120000"/>
+              </a:lnSpc>
+              <a:spcBef>
+                <a:spcPts val="500"/>
+              </a:spcBef>
+              <a:buClr>
+                <a:schemeClr val="accent1"/>
+              </a:buClr>
+              <a:buSzPct val="100000"/>
+              <a:buFont typeface="Arial" panose="020B0604020202020204" pitchFamily="34" charset="0"/>
+              <a:buChar char="•"/>
+              <a:defRPr sz="1200" kern="1200" baseline="0">
+                <a:solidFill>
+                  <a:schemeClr val="tx1"/>
+                </a:solidFill>
+                <a:effectLst/>
+                <a:latin typeface="+mn-lt"/>
+                <a:ea typeface="+mn-ea"/>
+                <a:cs typeface="+mn-cs"/>
+              </a:defRPr>
+            </a:lvl9pPr>
+          </a:lstStyle>
+          <a:p>
+            <a:r>
+              <a:rPr lang="en-US" sz="1500" dirty="0" err="1" smtClean="0">
+                <a:latin typeface="Arial" panose="020B0604020202020204" pitchFamily="34" charset="0"/>
+                <a:cs typeface="Arial" panose="020B0604020202020204" pitchFamily="34" charset="0"/>
+              </a:rPr>
+              <a:t>Biểu</a:t>
+            </a:r>
+            <a:r>
+              <a:rPr lang="en-US" sz="1500" dirty="0" smtClean="0">
+                <a:latin typeface="Arial" panose="020B0604020202020204" pitchFamily="34" charset="0"/>
+                <a:cs typeface="Arial" panose="020B0604020202020204" pitchFamily="34" charset="0"/>
+              </a:rPr>
+              <a:t> </a:t>
+            </a:r>
+            <a:r>
+              <a:rPr lang="en-US" sz="1500" dirty="0" err="1" smtClean="0">
+                <a:latin typeface="Arial" panose="020B0604020202020204" pitchFamily="34" charset="0"/>
+                <a:cs typeface="Arial" panose="020B0604020202020204" pitchFamily="34" charset="0"/>
+              </a:rPr>
+              <a:t>diễn</a:t>
+            </a:r>
+            <a:r>
+              <a:rPr lang="en-US" sz="1500" dirty="0" smtClean="0">
+                <a:latin typeface="Arial" panose="020B0604020202020204" pitchFamily="34" charset="0"/>
+                <a:cs typeface="Arial" panose="020B0604020202020204" pitchFamily="34" charset="0"/>
+              </a:rPr>
+              <a:t> </a:t>
+            </a:r>
+            <a:r>
+              <a:rPr lang="en-US" sz="1500" dirty="0" err="1" smtClean="0">
+                <a:latin typeface="Arial" panose="020B0604020202020204" pitchFamily="34" charset="0"/>
+                <a:cs typeface="Arial" panose="020B0604020202020204" pitchFamily="34" charset="0"/>
+              </a:rPr>
+              <a:t>các</a:t>
+            </a:r>
+            <a:r>
+              <a:rPr lang="en-US" sz="1500" dirty="0" smtClean="0">
+                <a:latin typeface="Arial" panose="020B0604020202020204" pitchFamily="34" charset="0"/>
+                <a:cs typeface="Arial" panose="020B0604020202020204" pitchFamily="34" charset="0"/>
+              </a:rPr>
+              <a:t> </a:t>
+            </a:r>
+            <a:r>
+              <a:rPr lang="en-US" sz="1500" dirty="0" err="1" smtClean="0">
+                <a:latin typeface="Arial" panose="020B0604020202020204" pitchFamily="34" charset="0"/>
+                <a:cs typeface="Arial" panose="020B0604020202020204" pitchFamily="34" charset="0"/>
+              </a:rPr>
+              <a:t>giá</a:t>
+            </a:r>
+            <a:r>
+              <a:rPr lang="en-US" sz="1500" dirty="0" smtClean="0">
+                <a:latin typeface="Arial" panose="020B0604020202020204" pitchFamily="34" charset="0"/>
+                <a:cs typeface="Arial" panose="020B0604020202020204" pitchFamily="34" charset="0"/>
+              </a:rPr>
+              <a:t> </a:t>
+            </a:r>
+            <a:r>
+              <a:rPr lang="en-US" sz="1500" dirty="0" err="1" smtClean="0">
+                <a:latin typeface="Arial" panose="020B0604020202020204" pitchFamily="34" charset="0"/>
+                <a:cs typeface="Arial" panose="020B0604020202020204" pitchFamily="34" charset="0"/>
+              </a:rPr>
+              <a:t>trị</a:t>
+            </a:r>
+            <a:r>
+              <a:rPr lang="en-US" sz="1500" dirty="0" smtClean="0">
+                <a:latin typeface="Arial" panose="020B0604020202020204" pitchFamily="34" charset="0"/>
+                <a:cs typeface="Arial" panose="020B0604020202020204" pitchFamily="34" charset="0"/>
+              </a:rPr>
+              <a:t> </a:t>
+            </a:r>
+            <a:r>
+              <a:rPr lang="en-US" sz="1500" dirty="0" err="1" smtClean="0">
+                <a:latin typeface="Arial" panose="020B0604020202020204" pitchFamily="34" charset="0"/>
+                <a:cs typeface="Arial" panose="020B0604020202020204" pitchFamily="34" charset="0"/>
+              </a:rPr>
+              <a:t>tại</a:t>
+            </a:r>
+            <a:r>
+              <a:rPr lang="en-US" sz="1500" dirty="0" smtClean="0">
+                <a:latin typeface="Arial" panose="020B0604020202020204" pitchFamily="34" charset="0"/>
+                <a:cs typeface="Arial" panose="020B0604020202020204" pitchFamily="34" charset="0"/>
+              </a:rPr>
+              <a:t> </a:t>
+            </a:r>
+            <a:r>
+              <a:rPr lang="en-US" sz="1500" dirty="0" err="1" smtClean="0">
+                <a:latin typeface="Arial" panose="020B0604020202020204" pitchFamily="34" charset="0"/>
+                <a:cs typeface="Arial" panose="020B0604020202020204" pitchFamily="34" charset="0"/>
+              </a:rPr>
+              <a:t>fearture</a:t>
+            </a:r>
+            <a:r>
+              <a:rPr lang="en-US" sz="1500" dirty="0" smtClean="0">
+                <a:latin typeface="Arial" panose="020B0604020202020204" pitchFamily="34" charset="0"/>
+                <a:cs typeface="Arial" panose="020B0604020202020204" pitchFamily="34" charset="0"/>
+              </a:rPr>
+              <a:t> </a:t>
+            </a:r>
+            <a:r>
+              <a:rPr lang="en-US" sz="1500" dirty="0" err="1" smtClean="0">
+                <a:latin typeface="Arial" panose="020B0604020202020204" pitchFamily="34" charset="0"/>
+                <a:cs typeface="Arial" panose="020B0604020202020204" pitchFamily="34" charset="0"/>
+              </a:rPr>
+              <a:t>tại</a:t>
+            </a:r>
+            <a:r>
+              <a:rPr lang="en-US" sz="1500" dirty="0" smtClean="0">
+                <a:latin typeface="Arial" panose="020B0604020202020204" pitchFamily="34" charset="0"/>
+                <a:cs typeface="Arial" panose="020B0604020202020204" pitchFamily="34" charset="0"/>
+              </a:rPr>
+              <a:t> 2 </a:t>
+            </a:r>
+            <a:r>
+              <a:rPr lang="en-US" sz="1500" dirty="0" err="1" smtClean="0">
+                <a:latin typeface="Arial" panose="020B0604020202020204" pitchFamily="34" charset="0"/>
+                <a:cs typeface="Arial" panose="020B0604020202020204" pitchFamily="34" charset="0"/>
+              </a:rPr>
+              <a:t>cột</a:t>
+            </a:r>
+            <a:r>
+              <a:rPr lang="en-US" sz="1500" dirty="0">
+                <a:latin typeface="Arial" panose="020B0604020202020204" pitchFamily="34" charset="0"/>
+                <a:cs typeface="Arial" panose="020B0604020202020204" pitchFamily="34" charset="0"/>
+              </a:rPr>
+              <a:t>:</a:t>
+            </a:r>
+            <a:endParaRPr lang="en-US" sz="1500" dirty="0" smtClean="0">
+              <a:latin typeface="Arial" panose="020B0604020202020204" pitchFamily="34" charset="0"/>
+              <a:cs typeface="Arial" panose="020B0604020202020204" pitchFamily="34" charset="0"/>
+            </a:endParaRPr>
+          </a:p>
+        </p:txBody>
+      </p:sp>
+      <p:cxnSp>
+        <p:nvCxnSpPr>
+          <p:cNvPr id="9" name="Straight Connector 8"/>
+          <p:cNvCxnSpPr/>
+          <p:nvPr/>
+        </p:nvCxnSpPr>
+        <p:spPr>
+          <a:xfrm flipV="1">
+            <a:off x="864066" y="922789"/>
+            <a:ext cx="10981189" cy="16778"/>
+          </a:xfrm>
+          <a:prstGeom prst="line">
+            <a:avLst/>
+          </a:prstGeom>
+          <a:ln>
+            <a:solidFill>
+              <a:srgbClr val="C00000"/>
+            </a:solidFill>
+          </a:ln>
+        </p:spPr>
+        <p:style>
+          <a:lnRef idx="3">
+            <a:schemeClr val="accent1"/>
+          </a:lnRef>
+          <a:fillRef idx="0">
+            <a:schemeClr val="accent1"/>
+          </a:fillRef>
+          <a:effectRef idx="2">
+            <a:schemeClr val="accent1"/>
+          </a:effectRef>
+          <a:fontRef idx="minor">
+            <a:schemeClr val="tx1"/>
+          </a:fontRef>
+        </p:style>
+      </p:cxnSp>
+      <p:pic>
+        <p:nvPicPr>
+          <p:cNvPr id="5" name="Picture 4"/>
+          <p:cNvPicPr>
+            <a:picLocks noChangeAspect="1"/>
+          </p:cNvPicPr>
+          <p:nvPr/>
+        </p:nvPicPr>
+        <p:blipFill>
+          <a:blip r:embed="rId2"/>
+          <a:stretch>
+            <a:fillRect/>
+          </a:stretch>
+        </p:blipFill>
+        <p:spPr>
+          <a:xfrm>
+            <a:off x="864066" y="1488178"/>
+            <a:ext cx="5243119" cy="2622428"/>
+          </a:xfrm>
+          <a:prstGeom prst="rect">
+            <a:avLst/>
+          </a:prstGeom>
+        </p:spPr>
+      </p:pic>
+      <p:pic>
+        <p:nvPicPr>
+          <p:cNvPr id="7" name="Picture 6"/>
+          <p:cNvPicPr>
+            <a:picLocks noChangeAspect="1"/>
+          </p:cNvPicPr>
+          <p:nvPr/>
+        </p:nvPicPr>
+        <p:blipFill>
+          <a:blip r:embed="rId3"/>
+          <a:stretch>
+            <a:fillRect/>
+          </a:stretch>
+        </p:blipFill>
+        <p:spPr>
+          <a:xfrm>
+            <a:off x="6204847" y="1481452"/>
+            <a:ext cx="5542745" cy="2629154"/>
+          </a:xfrm>
+          <a:prstGeom prst="rect">
+            <a:avLst/>
+          </a:prstGeom>
+        </p:spPr>
+      </p:pic>
+      <p:pic>
+        <p:nvPicPr>
+          <p:cNvPr id="8" name="Picture 7"/>
+          <p:cNvPicPr>
+            <a:picLocks noChangeAspect="1"/>
+          </p:cNvPicPr>
+          <p:nvPr/>
+        </p:nvPicPr>
+        <p:blipFill>
+          <a:blip r:embed="rId4"/>
+          <a:stretch>
+            <a:fillRect/>
+          </a:stretch>
+        </p:blipFill>
+        <p:spPr>
+          <a:xfrm>
+            <a:off x="3566925" y="4194428"/>
+            <a:ext cx="5080519" cy="2523525"/>
+          </a:xfrm>
+          <a:prstGeom prst="rect">
+            <a:avLst/>
+          </a:prstGeom>
+        </p:spPr>
+      </p:pic>
+    </p:spTree>
+    <p:extLst>
+      <p:ext uri="{BB962C8B-B14F-4D97-AF65-F5344CB8AC3E}">
+        <p14:creationId xmlns:p14="http://schemas.microsoft.com/office/powerpoint/2010/main" val="187900322"/>
+      </p:ext>
+    </p:extLst>
+  </p:cSld>
+  <p:clrMapOvr>
+    <a:masterClrMapping/>
+  </p:clrMapOvr>
+</p:sld>
+</file>
+
+<file path=ppt/slides/slide9.xml><?xml version="1.0" encoding="utf-8"?>
+<p:sld xmlns:a="http://schemas.openxmlformats.org/drawingml/2006/main" xmlns:r="http://schemas.openxmlformats.org/officeDocument/2006/relationships" xmlns:p="http://schemas.openxmlformats.org/presentationml/2006/main">
+  <p:cSld>
+    <p:spTree>
+      <p:nvGrpSpPr>
+        <p:cNvPr id="1" name=""/>
+        <p:cNvGrpSpPr/>
+        <p:nvPr/>
+      </p:nvGrpSpPr>
+      <p:grpSpPr>
+        <a:xfrm>
+          <a:off x="0" y="0"/>
+          <a:ext cx="0" cy="0"/>
+          <a:chOff x="0" y="0"/>
+          <a:chExt cx="0" cy="0"/>
+        </a:xfrm>
+      </p:grpSpPr>
+      <p:sp>
+        <p:nvSpPr>
+          <p:cNvPr id="2" name="Title 1"/>
+          <p:cNvSpPr txBox="1">
+            <a:spLocks/>
+          </p:cNvSpPr>
+          <p:nvPr/>
+        </p:nvSpPr>
+        <p:spPr>
+          <a:xfrm>
+            <a:off x="1088491" y="167780"/>
+            <a:ext cx="9605635" cy="857515"/>
+          </a:xfrm>
+          <a:prstGeom prst="rect">
+            <a:avLst/>
+          </a:prstGeom>
+        </p:spPr>
+        <p:txBody>
+          <a:bodyPr/>
+          <a:lstStyle>
+            <a:lvl1pPr algn="l" defTabSz="914400" rtl="0" eaLnBrk="1" latinLnBrk="0" hangingPunct="1">
+              <a:lnSpc>
+                <a:spcPct val="90000"/>
+              </a:lnSpc>
+              <a:spcBef>
+                <a:spcPct val="0"/>
+              </a:spcBef>
+              <a:buNone/>
+              <a:defRPr sz="3200" b="0" i="0" kern="1200" cap="all">
+                <a:solidFill>
+                  <a:schemeClr val="tx1"/>
+                </a:solidFill>
+                <a:effectLst/>
+                <a:latin typeface="+mj-lt"/>
+                <a:ea typeface="+mj-ea"/>
+                <a:cs typeface="+mj-cs"/>
+              </a:defRPr>
+            </a:lvl1pPr>
+          </a:lstStyle>
+          <a:p>
+            <a:r>
+              <a:rPr lang="en-US" dirty="0" err="1" smtClean="0">
+                <a:latin typeface="Arial" panose="020B0604020202020204" pitchFamily="34" charset="0"/>
+                <a:cs typeface="Arial" panose="020B0604020202020204" pitchFamily="34" charset="0"/>
+              </a:rPr>
+              <a:t>Xử</a:t>
+            </a:r>
+            <a:r>
+              <a:rPr lang="en-US" dirty="0" smtClean="0">
+                <a:latin typeface="Arial" panose="020B0604020202020204" pitchFamily="34" charset="0"/>
+                <a:cs typeface="Arial" panose="020B0604020202020204" pitchFamily="34" charset="0"/>
+              </a:rPr>
+              <a:t> </a:t>
+            </a:r>
+            <a:r>
+              <a:rPr lang="en-US" dirty="0" err="1" smtClean="0">
+                <a:latin typeface="Arial" panose="020B0604020202020204" pitchFamily="34" charset="0"/>
+                <a:cs typeface="Arial" panose="020B0604020202020204" pitchFamily="34" charset="0"/>
+              </a:rPr>
+              <a:t>lý</a:t>
+            </a:r>
+            <a:r>
+              <a:rPr lang="en-US" dirty="0" smtClean="0">
+                <a:latin typeface="Arial" panose="020B0604020202020204" pitchFamily="34" charset="0"/>
+                <a:cs typeface="Arial" panose="020B0604020202020204" pitchFamily="34" charset="0"/>
+              </a:rPr>
+              <a:t> </a:t>
+            </a:r>
+            <a:r>
+              <a:rPr lang="en-US" dirty="0" err="1" smtClean="0">
+                <a:latin typeface="Arial" panose="020B0604020202020204" pitchFamily="34" charset="0"/>
+                <a:cs typeface="Arial" panose="020B0604020202020204" pitchFamily="34" charset="0"/>
+              </a:rPr>
+              <a:t>dữ</a:t>
+            </a:r>
+            <a:r>
+              <a:rPr lang="en-US" dirty="0" smtClean="0">
+                <a:latin typeface="Arial" panose="020B0604020202020204" pitchFamily="34" charset="0"/>
+                <a:cs typeface="Arial" panose="020B0604020202020204" pitchFamily="34" charset="0"/>
+              </a:rPr>
+              <a:t> </a:t>
+            </a:r>
+            <a:r>
+              <a:rPr lang="en-US" dirty="0" err="1" smtClean="0">
+                <a:latin typeface="Arial" panose="020B0604020202020204" pitchFamily="34" charset="0"/>
+                <a:cs typeface="Arial" panose="020B0604020202020204" pitchFamily="34" charset="0"/>
+              </a:rPr>
+              <a:t>liệu</a:t>
+            </a:r>
+            <a:r>
+              <a:rPr lang="en-US" dirty="0" smtClean="0">
+                <a:latin typeface="Arial" panose="020B0604020202020204" pitchFamily="34" charset="0"/>
+                <a:cs typeface="Arial" panose="020B0604020202020204" pitchFamily="34" charset="0"/>
+              </a:rPr>
+              <a:t/>
+            </a:r>
+            <a:br>
+              <a:rPr lang="en-US" dirty="0" smtClean="0">
+                <a:latin typeface="Arial" panose="020B0604020202020204" pitchFamily="34" charset="0"/>
+                <a:cs typeface="Arial" panose="020B0604020202020204" pitchFamily="34" charset="0"/>
+              </a:rPr>
+            </a:br>
+            <a:r>
+              <a:rPr lang="en-US" sz="2000" dirty="0" err="1">
+                <a:latin typeface="Arial" panose="020B0604020202020204" pitchFamily="34" charset="0"/>
+                <a:cs typeface="Arial" panose="020B0604020202020204" pitchFamily="34" charset="0"/>
+              </a:rPr>
+              <a:t>Xử</a:t>
+            </a:r>
+            <a:r>
+              <a:rPr lang="en-US" sz="2000" dirty="0">
+                <a:latin typeface="Arial" panose="020B0604020202020204" pitchFamily="34" charset="0"/>
+                <a:cs typeface="Arial" panose="020B0604020202020204" pitchFamily="34" charset="0"/>
+              </a:rPr>
+              <a:t> </a:t>
+            </a:r>
+            <a:r>
+              <a:rPr lang="en-US" sz="2000" dirty="0" err="1">
+                <a:latin typeface="Arial" panose="020B0604020202020204" pitchFamily="34" charset="0"/>
+                <a:cs typeface="Arial" panose="020B0604020202020204" pitchFamily="34" charset="0"/>
+              </a:rPr>
+              <a:t>lý</a:t>
+            </a:r>
+            <a:r>
+              <a:rPr lang="en-US" sz="2000" dirty="0">
+                <a:latin typeface="Arial" panose="020B0604020202020204" pitchFamily="34" charset="0"/>
+                <a:cs typeface="Arial" panose="020B0604020202020204" pitchFamily="34" charset="0"/>
+              </a:rPr>
+              <a:t> </a:t>
+            </a:r>
+            <a:r>
+              <a:rPr lang="en-US" sz="2000" dirty="0" err="1">
+                <a:latin typeface="Arial" panose="020B0604020202020204" pitchFamily="34" charset="0"/>
+                <a:cs typeface="Arial" panose="020B0604020202020204" pitchFamily="34" charset="0"/>
+              </a:rPr>
+              <a:t>giá</a:t>
+            </a:r>
+            <a:r>
+              <a:rPr lang="en-US" sz="2000" dirty="0">
+                <a:latin typeface="Arial" panose="020B0604020202020204" pitchFamily="34" charset="0"/>
+                <a:cs typeface="Arial" panose="020B0604020202020204" pitchFamily="34" charset="0"/>
+              </a:rPr>
+              <a:t> </a:t>
+            </a:r>
+            <a:r>
+              <a:rPr lang="en-US" sz="2000" dirty="0" err="1" smtClean="0">
+                <a:latin typeface="Arial" panose="020B0604020202020204" pitchFamily="34" charset="0"/>
+                <a:cs typeface="Arial" panose="020B0604020202020204" pitchFamily="34" charset="0"/>
+              </a:rPr>
+              <a:t>trị</a:t>
+            </a:r>
+            <a:r>
+              <a:rPr lang="en-US" sz="2000" dirty="0" smtClean="0">
+                <a:latin typeface="Arial" panose="020B0604020202020204" pitchFamily="34" charset="0"/>
+                <a:cs typeface="Arial" panose="020B0604020202020204" pitchFamily="34" charset="0"/>
+              </a:rPr>
+              <a:t> </a:t>
+            </a:r>
+            <a:r>
+              <a:rPr lang="en-US" sz="2000" dirty="0" err="1" smtClean="0">
+                <a:latin typeface="Arial" panose="020B0604020202020204" pitchFamily="34" charset="0"/>
+                <a:cs typeface="Arial" panose="020B0604020202020204" pitchFamily="34" charset="0"/>
+              </a:rPr>
+              <a:t>tại</a:t>
+            </a:r>
+            <a:r>
+              <a:rPr lang="en-US" sz="2000" dirty="0" smtClean="0">
+                <a:latin typeface="Arial" panose="020B0604020202020204" pitchFamily="34" charset="0"/>
+                <a:cs typeface="Arial" panose="020B0604020202020204" pitchFamily="34" charset="0"/>
+              </a:rPr>
+              <a:t> </a:t>
+            </a:r>
+            <a:r>
+              <a:rPr lang="en-US" sz="2000" dirty="0" err="1" smtClean="0">
+                <a:latin typeface="Arial" panose="020B0604020202020204" pitchFamily="34" charset="0"/>
+                <a:cs typeface="Arial" panose="020B0604020202020204" pitchFamily="34" charset="0"/>
+              </a:rPr>
+              <a:t>các</a:t>
+            </a:r>
+            <a:r>
+              <a:rPr lang="en-US" sz="2000" dirty="0" smtClean="0">
+                <a:latin typeface="Arial" panose="020B0604020202020204" pitchFamily="34" charset="0"/>
+                <a:cs typeface="Arial" panose="020B0604020202020204" pitchFamily="34" charset="0"/>
+              </a:rPr>
+              <a:t> </a:t>
+            </a:r>
+            <a:r>
+              <a:rPr lang="en-US" sz="2000" dirty="0" err="1" smtClean="0">
+                <a:latin typeface="Arial" panose="020B0604020202020204" pitchFamily="34" charset="0"/>
+                <a:cs typeface="Arial" panose="020B0604020202020204" pitchFamily="34" charset="0"/>
+              </a:rPr>
+              <a:t>cột</a:t>
+            </a:r>
+            <a:r>
+              <a:rPr lang="en-US" sz="2000" dirty="0" smtClean="0">
+                <a:latin typeface="Arial" panose="020B0604020202020204" pitchFamily="34" charset="0"/>
+                <a:cs typeface="Arial" panose="020B0604020202020204" pitchFamily="34" charset="0"/>
+              </a:rPr>
+              <a:t> grade</a:t>
+            </a:r>
+            <a:endParaRPr lang="en-US" sz="2000" dirty="0">
+              <a:latin typeface="Arial" panose="020B0604020202020204" pitchFamily="34" charset="0"/>
+              <a:cs typeface="Arial" panose="020B0604020202020204" pitchFamily="34" charset="0"/>
+            </a:endParaRPr>
+          </a:p>
+        </p:txBody>
+      </p:sp>
+      <p:sp>
+        <p:nvSpPr>
+          <p:cNvPr id="3" name="Content Placeholder 2"/>
+          <p:cNvSpPr txBox="1">
+            <a:spLocks/>
+          </p:cNvSpPr>
+          <p:nvPr/>
+        </p:nvSpPr>
+        <p:spPr>
+          <a:xfrm>
+            <a:off x="1088490" y="1025296"/>
+            <a:ext cx="10756765" cy="1294879"/>
+          </a:xfrm>
+          <a:prstGeom prst="rect">
+            <a:avLst/>
+          </a:prstGeom>
+        </p:spPr>
+        <p:txBody>
+          <a:bodyPr/>
+          <a:lstStyle>
+            <a:lvl1pPr marL="228600" indent="-228600" algn="l" defTabSz="914400" rtl="0" eaLnBrk="1" latinLnBrk="0" hangingPunct="1">
+              <a:lnSpc>
+                <a:spcPct val="120000"/>
+              </a:lnSpc>
+              <a:spcBef>
+                <a:spcPts val="1000"/>
+              </a:spcBef>
+              <a:buClr>
+                <a:schemeClr val="accent1"/>
+              </a:buClr>
+              <a:buSzPct val="100000"/>
+              <a:buFont typeface="Arial" panose="020B0604020202020204" pitchFamily="34" charset="0"/>
+              <a:buChar char="•"/>
+              <a:defRPr sz="2000" kern="1200">
+                <a:solidFill>
+                  <a:schemeClr val="tx1"/>
+                </a:solidFill>
+                <a:effectLst/>
+                <a:latin typeface="+mn-lt"/>
+                <a:ea typeface="+mn-ea"/>
+                <a:cs typeface="+mn-cs"/>
+              </a:defRPr>
+            </a:lvl1pPr>
+            <a:lvl2pPr marL="685800" indent="-228600" algn="l" defTabSz="914400" rtl="0" eaLnBrk="1" latinLnBrk="0" hangingPunct="1">
+              <a:lnSpc>
+                <a:spcPct val="120000"/>
+              </a:lnSpc>
+              <a:spcBef>
+                <a:spcPts val="500"/>
+              </a:spcBef>
+              <a:buClr>
+                <a:schemeClr val="accent1"/>
+              </a:buClr>
+              <a:buSzPct val="100000"/>
+              <a:buFont typeface="Arial" panose="020B0604020202020204" pitchFamily="34" charset="0"/>
+              <a:buChar char="•"/>
+              <a:defRPr sz="1800" kern="1200" cap="none" baseline="0">
+                <a:solidFill>
+                  <a:schemeClr val="tx1"/>
+                </a:solidFill>
+                <a:effectLst/>
+                <a:latin typeface="+mn-lt"/>
+                <a:ea typeface="+mn-ea"/>
+                <a:cs typeface="+mn-cs"/>
+              </a:defRPr>
+            </a:lvl2pPr>
+            <a:lvl3pPr marL="1143000" indent="-228600" algn="l" defTabSz="914400" rtl="0" eaLnBrk="1" latinLnBrk="0" hangingPunct="1">
+              <a:lnSpc>
+                <a:spcPct val="120000"/>
+              </a:lnSpc>
+              <a:spcBef>
+                <a:spcPts val="500"/>
+              </a:spcBef>
+              <a:buClr>
+                <a:schemeClr val="accent1"/>
+              </a:buClr>
+              <a:buSzPct val="100000"/>
+              <a:buFont typeface="Arial" panose="020B0604020202020204" pitchFamily="34" charset="0"/>
+              <a:buChar char="•"/>
+              <a:defRPr sz="1600" kern="1200">
+                <a:solidFill>
+                  <a:schemeClr val="tx1"/>
+                </a:solidFill>
+                <a:effectLst/>
+                <a:latin typeface="+mn-lt"/>
+                <a:ea typeface="+mn-ea"/>
+                <a:cs typeface="+mn-cs"/>
+              </a:defRPr>
+            </a:lvl3pPr>
+            <a:lvl4pPr marL="1600200" indent="-228600" algn="l" defTabSz="914400" rtl="0" eaLnBrk="1" latinLnBrk="0" hangingPunct="1">
+              <a:lnSpc>
+                <a:spcPct val="120000"/>
+              </a:lnSpc>
+              <a:spcBef>
+                <a:spcPts val="500"/>
+              </a:spcBef>
+              <a:buClr>
+                <a:schemeClr val="accent1"/>
+              </a:buClr>
+              <a:buSzPct val="100000"/>
+              <a:buFont typeface="Arial" panose="020B0604020202020204" pitchFamily="34" charset="0"/>
+              <a:buChar char="•"/>
+              <a:defRPr sz="1400" kern="1200" cap="none" baseline="0">
+                <a:solidFill>
+                  <a:schemeClr val="tx1"/>
+                </a:solidFill>
+                <a:effectLst/>
+                <a:latin typeface="+mn-lt"/>
+                <a:ea typeface="+mn-ea"/>
+                <a:cs typeface="+mn-cs"/>
+              </a:defRPr>
+            </a:lvl4pPr>
+            <a:lvl5pPr marL="2057400" indent="-228600" algn="l" defTabSz="914400" rtl="0" eaLnBrk="1" latinLnBrk="0" hangingPunct="1">
+              <a:lnSpc>
+                <a:spcPct val="120000"/>
+              </a:lnSpc>
+              <a:spcBef>
+                <a:spcPts val="500"/>
+              </a:spcBef>
+              <a:buClr>
+                <a:schemeClr val="accent1"/>
+              </a:buClr>
+              <a:buSzPct val="100000"/>
+              <a:buFont typeface="Arial" panose="020B0604020202020204" pitchFamily="34" charset="0"/>
+              <a:buChar char="•"/>
+              <a:defRPr sz="1200" kern="1200">
+                <a:solidFill>
+                  <a:schemeClr val="tx1"/>
+                </a:solidFill>
+                <a:effectLst/>
+                <a:latin typeface="+mn-lt"/>
+                <a:ea typeface="+mn-ea"/>
+                <a:cs typeface="+mn-cs"/>
+              </a:defRPr>
+            </a:lvl5pPr>
+            <a:lvl6pPr marL="2514600" indent="-228600" algn="l" defTabSz="914400" rtl="0" eaLnBrk="1" latinLnBrk="0" hangingPunct="1">
+              <a:lnSpc>
+                <a:spcPct val="120000"/>
+              </a:lnSpc>
+              <a:spcBef>
+                <a:spcPts val="500"/>
+              </a:spcBef>
+              <a:buClr>
+                <a:schemeClr val="accent1"/>
+              </a:buClr>
+              <a:buSzPct val="100000"/>
+              <a:buFont typeface="Arial" panose="020B0604020202020204" pitchFamily="34" charset="0"/>
+              <a:buChar char="•"/>
+              <a:defRPr sz="1200" kern="1200">
+                <a:solidFill>
+                  <a:schemeClr val="tx1"/>
+                </a:solidFill>
+                <a:effectLst/>
+                <a:latin typeface="+mn-lt"/>
+                <a:ea typeface="+mn-ea"/>
+                <a:cs typeface="+mn-cs"/>
+              </a:defRPr>
+            </a:lvl6pPr>
+            <a:lvl7pPr marL="2971800" indent="-228600" algn="l" defTabSz="914400" rtl="0" eaLnBrk="1" latinLnBrk="0" hangingPunct="1">
+              <a:lnSpc>
+                <a:spcPct val="120000"/>
+              </a:lnSpc>
+              <a:spcBef>
+                <a:spcPts val="500"/>
+              </a:spcBef>
+              <a:buClr>
+                <a:schemeClr val="accent1"/>
+              </a:buClr>
+              <a:buSzPct val="100000"/>
+              <a:buFont typeface="Arial" panose="020B0604020202020204" pitchFamily="34" charset="0"/>
+              <a:buChar char="•"/>
+              <a:defRPr sz="1200" kern="1200">
+                <a:solidFill>
+                  <a:schemeClr val="tx1"/>
+                </a:solidFill>
+                <a:effectLst/>
+                <a:latin typeface="+mn-lt"/>
+                <a:ea typeface="+mn-ea"/>
+                <a:cs typeface="+mn-cs"/>
+              </a:defRPr>
+            </a:lvl7pPr>
+            <a:lvl8pPr marL="3429000" indent="-228600" algn="l" defTabSz="914400" rtl="0" eaLnBrk="1" latinLnBrk="0" hangingPunct="1">
+              <a:lnSpc>
+                <a:spcPct val="120000"/>
+              </a:lnSpc>
+              <a:spcBef>
+                <a:spcPts val="500"/>
+              </a:spcBef>
+              <a:buClr>
+                <a:schemeClr val="accent1"/>
+              </a:buClr>
+              <a:buSzPct val="100000"/>
+              <a:buFont typeface="Arial" panose="020B0604020202020204" pitchFamily="34" charset="0"/>
+              <a:buChar char="•"/>
+              <a:defRPr sz="1200" kern="1200" baseline="0">
+                <a:solidFill>
+                  <a:schemeClr val="tx1"/>
+                </a:solidFill>
+                <a:effectLst/>
+                <a:latin typeface="+mn-lt"/>
+                <a:ea typeface="+mn-ea"/>
+                <a:cs typeface="+mn-cs"/>
+              </a:defRPr>
+            </a:lvl8pPr>
+            <a:lvl9pPr marL="3886200" indent="-228600" algn="l" defTabSz="914400" rtl="0" eaLnBrk="1" latinLnBrk="0" hangingPunct="1">
+              <a:lnSpc>
+                <a:spcPct val="120000"/>
+              </a:lnSpc>
+              <a:spcBef>
+                <a:spcPts val="500"/>
+              </a:spcBef>
+              <a:buClr>
+                <a:schemeClr val="accent1"/>
+              </a:buClr>
+              <a:buSzPct val="100000"/>
+              <a:buFont typeface="Arial" panose="020B0604020202020204" pitchFamily="34" charset="0"/>
+              <a:buChar char="•"/>
+              <a:defRPr sz="1200" kern="1200" baseline="0">
+                <a:solidFill>
+                  <a:schemeClr val="tx1"/>
+                </a:solidFill>
+                <a:effectLst/>
+                <a:latin typeface="+mn-lt"/>
+                <a:ea typeface="+mn-ea"/>
+                <a:cs typeface="+mn-cs"/>
+              </a:defRPr>
+            </a:lvl9pPr>
+          </a:lstStyle>
+          <a:p>
+            <a:r>
+              <a:rPr lang="en-US" sz="1500" dirty="0" err="1" smtClean="0">
+                <a:latin typeface="Arial" panose="020B0604020202020204" pitchFamily="34" charset="0"/>
+                <a:cs typeface="Arial" panose="020B0604020202020204" pitchFamily="34" charset="0"/>
+              </a:rPr>
+              <a:t>Kiểm</a:t>
+            </a:r>
+            <a:r>
+              <a:rPr lang="en-US" sz="1500" dirty="0" smtClean="0">
+                <a:latin typeface="Arial" panose="020B0604020202020204" pitchFamily="34" charset="0"/>
+                <a:cs typeface="Arial" panose="020B0604020202020204" pitchFamily="34" charset="0"/>
+              </a:rPr>
+              <a:t> </a:t>
+            </a:r>
+            <a:r>
+              <a:rPr lang="en-US" sz="1500" dirty="0" err="1" smtClean="0">
+                <a:latin typeface="Arial" panose="020B0604020202020204" pitchFamily="34" charset="0"/>
+                <a:cs typeface="Arial" panose="020B0604020202020204" pitchFamily="34" charset="0"/>
+              </a:rPr>
+              <a:t>tra</a:t>
+            </a:r>
+            <a:r>
+              <a:rPr lang="en-US" sz="1500" dirty="0" smtClean="0">
+                <a:latin typeface="Arial" panose="020B0604020202020204" pitchFamily="34" charset="0"/>
+                <a:cs typeface="Arial" panose="020B0604020202020204" pitchFamily="34" charset="0"/>
+              </a:rPr>
+              <a:t> </a:t>
+            </a:r>
+            <a:r>
+              <a:rPr lang="en-US" sz="1500" dirty="0" err="1" smtClean="0">
+                <a:latin typeface="Arial" panose="020B0604020202020204" pitchFamily="34" charset="0"/>
+                <a:cs typeface="Arial" panose="020B0604020202020204" pitchFamily="34" charset="0"/>
+              </a:rPr>
+              <a:t>và</a:t>
+            </a:r>
+            <a:r>
+              <a:rPr lang="en-US" sz="1500" dirty="0" smtClean="0">
+                <a:latin typeface="Arial" panose="020B0604020202020204" pitchFamily="34" charset="0"/>
+                <a:cs typeface="Arial" panose="020B0604020202020204" pitchFamily="34" charset="0"/>
+              </a:rPr>
+              <a:t> </a:t>
+            </a:r>
+            <a:r>
+              <a:rPr lang="en-US" sz="1500" dirty="0" err="1" smtClean="0">
+                <a:latin typeface="Arial" panose="020B0604020202020204" pitchFamily="34" charset="0"/>
+                <a:cs typeface="Arial" panose="020B0604020202020204" pitchFamily="34" charset="0"/>
+              </a:rPr>
+              <a:t>loại</a:t>
+            </a:r>
+            <a:r>
+              <a:rPr lang="en-US" sz="1500" dirty="0" smtClean="0">
+                <a:latin typeface="Arial" panose="020B0604020202020204" pitchFamily="34" charset="0"/>
+                <a:cs typeface="Arial" panose="020B0604020202020204" pitchFamily="34" charset="0"/>
+              </a:rPr>
+              <a:t> </a:t>
+            </a:r>
+            <a:r>
+              <a:rPr lang="en-US" sz="1500" dirty="0" err="1" smtClean="0">
+                <a:latin typeface="Arial" panose="020B0604020202020204" pitchFamily="34" charset="0"/>
+                <a:cs typeface="Arial" panose="020B0604020202020204" pitchFamily="34" charset="0"/>
+              </a:rPr>
+              <a:t>bỏ</a:t>
+            </a:r>
+            <a:r>
+              <a:rPr lang="en-US" sz="1500" dirty="0" smtClean="0">
+                <a:latin typeface="Arial" panose="020B0604020202020204" pitchFamily="34" charset="0"/>
+                <a:cs typeface="Arial" panose="020B0604020202020204" pitchFamily="34" charset="0"/>
+              </a:rPr>
+              <a:t> </a:t>
+            </a:r>
+            <a:r>
+              <a:rPr lang="en-US" sz="1500" dirty="0" err="1" smtClean="0">
+                <a:latin typeface="Arial" panose="020B0604020202020204" pitchFamily="34" charset="0"/>
+                <a:cs typeface="Arial" panose="020B0604020202020204" pitchFamily="34" charset="0"/>
+              </a:rPr>
+              <a:t>các</a:t>
+            </a:r>
+            <a:r>
+              <a:rPr lang="en-US" sz="1500" dirty="0" smtClean="0">
+                <a:latin typeface="Arial" panose="020B0604020202020204" pitchFamily="34" charset="0"/>
+                <a:cs typeface="Arial" panose="020B0604020202020204" pitchFamily="34" charset="0"/>
+              </a:rPr>
+              <a:t> </a:t>
+            </a:r>
+            <a:r>
+              <a:rPr lang="en-US" sz="1500" dirty="0" err="1" smtClean="0">
+                <a:latin typeface="Arial" panose="020B0604020202020204" pitchFamily="34" charset="0"/>
+                <a:cs typeface="Arial" panose="020B0604020202020204" pitchFamily="34" charset="0"/>
+              </a:rPr>
+              <a:t>giá</a:t>
+            </a:r>
+            <a:r>
+              <a:rPr lang="en-US" sz="1500" dirty="0" smtClean="0">
+                <a:latin typeface="Arial" panose="020B0604020202020204" pitchFamily="34" charset="0"/>
+                <a:cs typeface="Arial" panose="020B0604020202020204" pitchFamily="34" charset="0"/>
+              </a:rPr>
+              <a:t> </a:t>
+            </a:r>
+            <a:r>
+              <a:rPr lang="en-US" sz="1500" dirty="0" err="1" smtClean="0">
+                <a:latin typeface="Arial" panose="020B0604020202020204" pitchFamily="34" charset="0"/>
+                <a:cs typeface="Arial" panose="020B0604020202020204" pitchFamily="34" charset="0"/>
+              </a:rPr>
+              <a:t>trị</a:t>
+            </a:r>
+            <a:r>
+              <a:rPr lang="en-US" sz="1500" dirty="0" smtClean="0">
+                <a:latin typeface="Arial" panose="020B0604020202020204" pitchFamily="34" charset="0"/>
+                <a:cs typeface="Arial" panose="020B0604020202020204" pitchFamily="34" charset="0"/>
+              </a:rPr>
+              <a:t> outline</a:t>
+            </a:r>
+          </a:p>
+        </p:txBody>
+      </p:sp>
+      <p:cxnSp>
+        <p:nvCxnSpPr>
+          <p:cNvPr id="9" name="Straight Connector 8"/>
+          <p:cNvCxnSpPr/>
+          <p:nvPr/>
+        </p:nvCxnSpPr>
+        <p:spPr>
+          <a:xfrm flipV="1">
+            <a:off x="864066" y="922789"/>
+            <a:ext cx="10981189" cy="16778"/>
+          </a:xfrm>
+          <a:prstGeom prst="line">
+            <a:avLst/>
+          </a:prstGeom>
+          <a:ln>
+            <a:solidFill>
+              <a:srgbClr val="C00000"/>
+            </a:solidFill>
+          </a:ln>
+        </p:spPr>
+        <p:style>
+          <a:lnRef idx="3">
+            <a:schemeClr val="accent1"/>
+          </a:lnRef>
+          <a:fillRef idx="0">
+            <a:schemeClr val="accent1"/>
+          </a:fillRef>
+          <a:effectRef idx="2">
+            <a:schemeClr val="accent1"/>
+          </a:effectRef>
+          <a:fontRef idx="minor">
+            <a:schemeClr val="tx1"/>
+          </a:fontRef>
+        </p:style>
+      </p:cxnSp>
+      <p:sp>
+        <p:nvSpPr>
+          <p:cNvPr id="10" name="Right Arrow 9"/>
+          <p:cNvSpPr/>
+          <p:nvPr/>
+        </p:nvSpPr>
+        <p:spPr>
+          <a:xfrm>
+            <a:off x="5560861" y="2495721"/>
+            <a:ext cx="906011" cy="1417739"/>
+          </a:xfrm>
+          <a:prstGeom prst="rightArrow">
+            <a:avLst/>
+          </a:prstGeom>
+        </p:spPr>
+        <p:style>
+          <a:lnRef idx="2">
+            <a:schemeClr val="accent1">
+              <a:shade val="50000"/>
+            </a:schemeClr>
+          </a:lnRef>
+          <a:fillRef idx="1">
+            <a:schemeClr val="accent1"/>
+          </a:fillRef>
+          <a:effectRef idx="0">
+            <a:schemeClr val="accent1"/>
+          </a:effectRef>
+          <a:fontRef idx="minor">
+            <a:schemeClr val="lt1"/>
+          </a:fontRef>
+        </p:style>
+        <p:txBody>
+          <a:bodyPr rtlCol="0" anchor="ctr"/>
+          <a:lstStyle/>
+          <a:p>
+            <a:pPr algn="ctr"/>
+            <a:endParaRPr lang="en-US"/>
+          </a:p>
+        </p:txBody>
+      </p:sp>
+      <p:pic>
+        <p:nvPicPr>
+          <p:cNvPr id="5" name="Picture 4"/>
+          <p:cNvPicPr>
+            <a:picLocks noChangeAspect="1"/>
+          </p:cNvPicPr>
+          <p:nvPr/>
+        </p:nvPicPr>
+        <p:blipFill>
+          <a:blip r:embed="rId2"/>
+          <a:stretch>
+            <a:fillRect/>
+          </a:stretch>
+        </p:blipFill>
+        <p:spPr>
+          <a:xfrm>
+            <a:off x="514826" y="1780304"/>
+            <a:ext cx="4909641" cy="2976254"/>
+          </a:xfrm>
+          <a:prstGeom prst="rect">
+            <a:avLst/>
+          </a:prstGeom>
+        </p:spPr>
+      </p:pic>
+      <p:pic>
+        <p:nvPicPr>
+          <p:cNvPr id="7" name="Picture 6"/>
+          <p:cNvPicPr>
+            <a:picLocks noChangeAspect="1"/>
+          </p:cNvPicPr>
+          <p:nvPr/>
+        </p:nvPicPr>
+        <p:blipFill>
+          <a:blip r:embed="rId3"/>
+          <a:stretch>
+            <a:fillRect/>
+          </a:stretch>
+        </p:blipFill>
+        <p:spPr>
+          <a:xfrm>
+            <a:off x="6603266" y="1780304"/>
+            <a:ext cx="5510007" cy="2976254"/>
+          </a:xfrm>
+          <a:prstGeom prst="rect">
+            <a:avLst/>
+          </a:prstGeom>
+        </p:spPr>
+      </p:pic>
+    </p:spTree>
+    <p:extLst>
+      <p:ext uri="{BB962C8B-B14F-4D97-AF65-F5344CB8AC3E}">
+        <p14:creationId xmlns:p14="http://schemas.microsoft.com/office/powerpoint/2010/main" val="3812848171"/>
       </p:ext>
     </p:extLst>
   </p:cSld>

--- a/ver_4_kc_house/Mô hình dự đoán giá nhà.pptx
+++ b/ver_4_kc_house/Mô hình dự đoán giá nhà.pptx
@@ -17,6 +17,7 @@
     <p:sldId id="266" r:id="rId11"/>
     <p:sldId id="262" r:id="rId12"/>
     <p:sldId id="270" r:id="rId13"/>
+    <p:sldId id="271" r:id="rId14"/>
   </p:sldIdLst>
   <p:sldSz cx="12192000" cy="6858000"/>
   <p:notesSz cx="6858000" cy="9144000"/>
@@ -5333,10 +5334,6 @@
               </a:rPr>
               <a:t> 0</a:t>
             </a:r>
-            <a:endParaRPr lang="en-US" dirty="0">
-              <a:latin typeface="Arial" panose="020B0604020202020204" pitchFamily="34" charset="0"/>
-              <a:cs typeface="Arial" panose="020B0604020202020204" pitchFamily="34" charset="0"/>
-            </a:endParaRPr>
           </a:p>
         </p:txBody>
       </p:sp>
@@ -7071,7 +7068,7 @@
         <p:spPr>
           <a:xfrm>
             <a:off x="1088490" y="3114964"/>
-            <a:ext cx="5496867" cy="1952797"/>
+            <a:ext cx="5496867" cy="2161711"/>
           </a:xfrm>
           <a:prstGeom prst="rect">
             <a:avLst/>
@@ -7319,45 +7316,1910 @@
             </a:r>
           </a:p>
           <a:p>
-            <a:r>
-              <a:rPr lang="en-US" dirty="0" err="1" smtClean="0">
-                <a:latin typeface="Arial" panose="020B0604020202020204" pitchFamily="34" charset="0"/>
-                <a:cs typeface="Arial" panose="020B0604020202020204" pitchFamily="34" charset="0"/>
-              </a:rPr>
-              <a:t>Kết</a:t>
-            </a:r>
-            <a:r>
-              <a:rPr lang="en-US" dirty="0" smtClean="0">
-                <a:latin typeface="Arial" panose="020B0604020202020204" pitchFamily="34" charset="0"/>
-                <a:cs typeface="Arial" panose="020B0604020202020204" pitchFamily="34" charset="0"/>
-              </a:rPr>
-              <a:t> </a:t>
-            </a:r>
-            <a:r>
-              <a:rPr lang="en-US" dirty="0" err="1" smtClean="0">
-                <a:latin typeface="Arial" panose="020B0604020202020204" pitchFamily="34" charset="0"/>
-                <a:cs typeface="Arial" panose="020B0604020202020204" pitchFamily="34" charset="0"/>
-              </a:rPr>
-              <a:t>quả</a:t>
-            </a:r>
-            <a:r>
-              <a:rPr lang="en-US" dirty="0" smtClean="0">
-                <a:latin typeface="Arial" panose="020B0604020202020204" pitchFamily="34" charset="0"/>
-                <a:cs typeface="Arial" panose="020B0604020202020204" pitchFamily="34" charset="0"/>
-              </a:rPr>
-              <a:t> test</a:t>
-            </a:r>
+            <a:endParaRPr lang="en-US" dirty="0" smtClean="0">
+              <a:latin typeface="Arial" panose="020B0604020202020204" pitchFamily="34" charset="0"/>
+              <a:cs typeface="Arial" panose="020B0604020202020204" pitchFamily="34" charset="0"/>
+            </a:endParaRPr>
+          </a:p>
+          <a:p>
             <a:endParaRPr lang="en-US" dirty="0">
               <a:latin typeface="Arial" panose="020B0604020202020204" pitchFamily="34" charset="0"/>
               <a:cs typeface="Arial" panose="020B0604020202020204" pitchFamily="34" charset="0"/>
             </a:endParaRPr>
           </a:p>
+          <a:p>
+            <a:r>
+              <a:rPr lang="en-US" dirty="0" err="1" smtClean="0">
+                <a:latin typeface="Arial" panose="020B0604020202020204" pitchFamily="34" charset="0"/>
+                <a:cs typeface="Arial" panose="020B0604020202020204" pitchFamily="34" charset="0"/>
+              </a:rPr>
+              <a:t>Kết</a:t>
+            </a:r>
+            <a:r>
+              <a:rPr lang="en-US" dirty="0" smtClean="0">
+                <a:latin typeface="Arial" panose="020B0604020202020204" pitchFamily="34" charset="0"/>
+                <a:cs typeface="Arial" panose="020B0604020202020204" pitchFamily="34" charset="0"/>
+              </a:rPr>
+              <a:t> </a:t>
+            </a:r>
+            <a:r>
+              <a:rPr lang="en-US" dirty="0" err="1" smtClean="0">
+                <a:latin typeface="Arial" panose="020B0604020202020204" pitchFamily="34" charset="0"/>
+                <a:cs typeface="Arial" panose="020B0604020202020204" pitchFamily="34" charset="0"/>
+              </a:rPr>
+              <a:t>quả</a:t>
+            </a:r>
+            <a:r>
+              <a:rPr lang="en-US" dirty="0" smtClean="0">
+                <a:latin typeface="Arial" panose="020B0604020202020204" pitchFamily="34" charset="0"/>
+                <a:cs typeface="Arial" panose="020B0604020202020204" pitchFamily="34" charset="0"/>
+              </a:rPr>
+              <a:t> test</a:t>
+            </a:r>
+            <a:endParaRPr lang="en-US" dirty="0">
+              <a:latin typeface="Arial" panose="020B0604020202020204" pitchFamily="34" charset="0"/>
+              <a:cs typeface="Arial" panose="020B0604020202020204" pitchFamily="34" charset="0"/>
+            </a:endParaRPr>
+          </a:p>
         </p:txBody>
       </p:sp>
+      <p:pic>
+        <p:nvPicPr>
+          <p:cNvPr id="4" name="Picture 3"/>
+          <p:cNvPicPr>
+            <a:picLocks noChangeAspect="1"/>
+          </p:cNvPicPr>
+          <p:nvPr/>
+        </p:nvPicPr>
+        <p:blipFill>
+          <a:blip r:embed="rId3"/>
+          <a:stretch>
+            <a:fillRect/>
+          </a:stretch>
+        </p:blipFill>
+        <p:spPr>
+          <a:xfrm>
+            <a:off x="6585357" y="3140131"/>
+            <a:ext cx="2248214" cy="1371791"/>
+          </a:xfrm>
+          <a:prstGeom prst="rect">
+            <a:avLst/>
+          </a:prstGeom>
+        </p:spPr>
+      </p:pic>
+      <p:pic>
+        <p:nvPicPr>
+          <p:cNvPr id="5" name="Picture 4"/>
+          <p:cNvPicPr>
+            <a:picLocks noChangeAspect="1"/>
+          </p:cNvPicPr>
+          <p:nvPr/>
+        </p:nvPicPr>
+        <p:blipFill>
+          <a:blip r:embed="rId4"/>
+          <a:stretch>
+            <a:fillRect/>
+          </a:stretch>
+        </p:blipFill>
+        <p:spPr>
+          <a:xfrm>
+            <a:off x="6585357" y="4600305"/>
+            <a:ext cx="2248214" cy="1352739"/>
+          </a:xfrm>
+          <a:prstGeom prst="rect">
+            <a:avLst/>
+          </a:prstGeom>
+        </p:spPr>
+      </p:pic>
     </p:spTree>
     <p:extLst>
       <p:ext uri="{BB962C8B-B14F-4D97-AF65-F5344CB8AC3E}">
         <p14:creationId xmlns:p14="http://schemas.microsoft.com/office/powerpoint/2010/main" val="1461127275"/>
+      </p:ext>
+    </p:extLst>
+  </p:cSld>
+  <p:clrMapOvr>
+    <a:masterClrMapping/>
+  </p:clrMapOvr>
+</p:sld>
+</file>
+
+<file path=ppt/slides/slide13.xml><?xml version="1.0" encoding="utf-8"?>
+<p:sld xmlns:a="http://schemas.openxmlformats.org/drawingml/2006/main" xmlns:r="http://schemas.openxmlformats.org/officeDocument/2006/relationships" xmlns:p="http://schemas.openxmlformats.org/presentationml/2006/main">
+  <p:cSld>
+    <p:spTree>
+      <p:nvGrpSpPr>
+        <p:cNvPr id="1" name=""/>
+        <p:cNvGrpSpPr/>
+        <p:nvPr/>
+      </p:nvGrpSpPr>
+      <p:grpSpPr>
+        <a:xfrm>
+          <a:off x="0" y="0"/>
+          <a:ext cx="0" cy="0"/>
+          <a:chOff x="0" y="0"/>
+          <a:chExt cx="0" cy="0"/>
+        </a:xfrm>
+      </p:grpSpPr>
+      <p:sp>
+        <p:nvSpPr>
+          <p:cNvPr id="2" name="Title 1"/>
+          <p:cNvSpPr txBox="1">
+            <a:spLocks/>
+          </p:cNvSpPr>
+          <p:nvPr/>
+        </p:nvSpPr>
+        <p:spPr>
+          <a:xfrm>
+            <a:off x="1088491" y="167780"/>
+            <a:ext cx="9605635" cy="857515"/>
+          </a:xfrm>
+          <a:prstGeom prst="rect">
+            <a:avLst/>
+          </a:prstGeom>
+        </p:spPr>
+        <p:txBody>
+          <a:bodyPr/>
+          <a:lstStyle>
+            <a:lvl1pPr algn="l" defTabSz="914400" rtl="0" eaLnBrk="1" latinLnBrk="0" hangingPunct="1">
+              <a:lnSpc>
+                <a:spcPct val="90000"/>
+              </a:lnSpc>
+              <a:spcBef>
+                <a:spcPct val="0"/>
+              </a:spcBef>
+              <a:buNone/>
+              <a:defRPr sz="3200" b="0" i="0" kern="1200" cap="all">
+                <a:solidFill>
+                  <a:schemeClr val="tx1"/>
+                </a:solidFill>
+                <a:effectLst/>
+                <a:latin typeface="+mj-lt"/>
+                <a:ea typeface="+mj-ea"/>
+                <a:cs typeface="+mj-cs"/>
+              </a:defRPr>
+            </a:lvl1pPr>
+          </a:lstStyle>
+          <a:p>
+            <a:r>
+              <a:rPr lang="en-US" dirty="0" err="1" smtClean="0">
+                <a:latin typeface="Arial" panose="020B0604020202020204" pitchFamily="34" charset="0"/>
+                <a:cs typeface="Arial" panose="020B0604020202020204" pitchFamily="34" charset="0"/>
+              </a:rPr>
+              <a:t>Xây</a:t>
+            </a:r>
+            <a:r>
+              <a:rPr lang="en-US" dirty="0" smtClean="0">
+                <a:latin typeface="Arial" panose="020B0604020202020204" pitchFamily="34" charset="0"/>
+                <a:cs typeface="Arial" panose="020B0604020202020204" pitchFamily="34" charset="0"/>
+              </a:rPr>
+              <a:t> </a:t>
+            </a:r>
+            <a:r>
+              <a:rPr lang="en-US" dirty="0" err="1" smtClean="0">
+                <a:latin typeface="Arial" panose="020B0604020202020204" pitchFamily="34" charset="0"/>
+                <a:cs typeface="Arial" panose="020B0604020202020204" pitchFamily="34" charset="0"/>
+              </a:rPr>
+              <a:t>dựng</a:t>
+            </a:r>
+            <a:r>
+              <a:rPr lang="en-US" dirty="0" smtClean="0">
+                <a:latin typeface="Arial" panose="020B0604020202020204" pitchFamily="34" charset="0"/>
+                <a:cs typeface="Arial" panose="020B0604020202020204" pitchFamily="34" charset="0"/>
+              </a:rPr>
+              <a:t> </a:t>
+            </a:r>
+            <a:r>
+              <a:rPr lang="en-US" dirty="0" err="1" smtClean="0">
+                <a:latin typeface="Arial" panose="020B0604020202020204" pitchFamily="34" charset="0"/>
+                <a:cs typeface="Arial" panose="020B0604020202020204" pitchFamily="34" charset="0"/>
+              </a:rPr>
+              <a:t>mô</a:t>
+            </a:r>
+            <a:r>
+              <a:rPr lang="en-US" dirty="0" smtClean="0">
+                <a:latin typeface="Arial" panose="020B0604020202020204" pitchFamily="34" charset="0"/>
+                <a:cs typeface="Arial" panose="020B0604020202020204" pitchFamily="34" charset="0"/>
+              </a:rPr>
+              <a:t> </a:t>
+            </a:r>
+            <a:r>
+              <a:rPr lang="en-US" dirty="0" err="1" smtClean="0">
+                <a:latin typeface="Arial" panose="020B0604020202020204" pitchFamily="34" charset="0"/>
+                <a:cs typeface="Arial" panose="020B0604020202020204" pitchFamily="34" charset="0"/>
+              </a:rPr>
+              <a:t>hình</a:t>
+            </a:r>
+            <a:r>
+              <a:rPr lang="en-US" dirty="0" smtClean="0">
+                <a:latin typeface="Arial" panose="020B0604020202020204" pitchFamily="34" charset="0"/>
+                <a:cs typeface="Arial" panose="020B0604020202020204" pitchFamily="34" charset="0"/>
+              </a:rPr>
+              <a:t> </a:t>
+            </a:r>
+            <a:r>
+              <a:rPr lang="en-US" dirty="0" err="1" smtClean="0">
+                <a:latin typeface="Arial" panose="020B0604020202020204" pitchFamily="34" charset="0"/>
+                <a:cs typeface="Arial" panose="020B0604020202020204" pitchFamily="34" charset="0"/>
+              </a:rPr>
+              <a:t>dự</a:t>
+            </a:r>
+            <a:r>
+              <a:rPr lang="en-US" dirty="0" smtClean="0">
+                <a:latin typeface="Arial" panose="020B0604020202020204" pitchFamily="34" charset="0"/>
+                <a:cs typeface="Arial" panose="020B0604020202020204" pitchFamily="34" charset="0"/>
+              </a:rPr>
+              <a:t> </a:t>
+            </a:r>
+            <a:r>
+              <a:rPr lang="en-US" dirty="0" err="1" smtClean="0">
+                <a:latin typeface="Arial" panose="020B0604020202020204" pitchFamily="34" charset="0"/>
+                <a:cs typeface="Arial" panose="020B0604020202020204" pitchFamily="34" charset="0"/>
+              </a:rPr>
+              <a:t>đoán</a:t>
+            </a:r>
+            <a:r>
+              <a:rPr lang="en-US" dirty="0" smtClean="0">
+                <a:latin typeface="Arial" panose="020B0604020202020204" pitchFamily="34" charset="0"/>
+                <a:cs typeface="Arial" panose="020B0604020202020204" pitchFamily="34" charset="0"/>
+              </a:rPr>
+              <a:t> </a:t>
+            </a:r>
+            <a:br>
+              <a:rPr lang="en-US" dirty="0" smtClean="0">
+                <a:latin typeface="Arial" panose="020B0604020202020204" pitchFamily="34" charset="0"/>
+                <a:cs typeface="Arial" panose="020B0604020202020204" pitchFamily="34" charset="0"/>
+              </a:rPr>
+            </a:br>
+            <a:r>
+              <a:rPr lang="en-US" sz="2000" dirty="0" err="1" smtClean="0">
+                <a:latin typeface="Arial" panose="020B0604020202020204" pitchFamily="34" charset="0"/>
+                <a:cs typeface="Arial" panose="020B0604020202020204" pitchFamily="34" charset="0"/>
+              </a:rPr>
+              <a:t>sử</a:t>
+            </a:r>
+            <a:r>
+              <a:rPr lang="en-US" sz="2000" dirty="0" smtClean="0">
+                <a:latin typeface="Arial" panose="020B0604020202020204" pitchFamily="34" charset="0"/>
+                <a:cs typeface="Arial" panose="020B0604020202020204" pitchFamily="34" charset="0"/>
+              </a:rPr>
+              <a:t> </a:t>
+            </a:r>
+            <a:r>
+              <a:rPr lang="en-US" sz="2000" dirty="0" err="1" smtClean="0">
+                <a:latin typeface="Arial" panose="020B0604020202020204" pitchFamily="34" charset="0"/>
+                <a:cs typeface="Arial" panose="020B0604020202020204" pitchFamily="34" charset="0"/>
+              </a:rPr>
+              <a:t>dụng</a:t>
+            </a:r>
+            <a:r>
+              <a:rPr lang="en-US" sz="2000" dirty="0" smtClean="0">
+                <a:latin typeface="Arial" panose="020B0604020202020204" pitchFamily="34" charset="0"/>
+                <a:cs typeface="Arial" panose="020B0604020202020204" pitchFamily="34" charset="0"/>
+              </a:rPr>
+              <a:t> </a:t>
+            </a:r>
+            <a:r>
+              <a:rPr lang="en-US" sz="2000" dirty="0" err="1" smtClean="0">
+                <a:latin typeface="Arial" panose="020B0604020202020204" pitchFamily="34" charset="0"/>
+                <a:cs typeface="Arial" panose="020B0604020202020204" pitchFamily="34" charset="0"/>
+              </a:rPr>
+              <a:t>thuật</a:t>
+            </a:r>
+            <a:r>
+              <a:rPr lang="en-US" sz="2000" dirty="0" smtClean="0">
+                <a:latin typeface="Arial" panose="020B0604020202020204" pitchFamily="34" charset="0"/>
+                <a:cs typeface="Arial" panose="020B0604020202020204" pitchFamily="34" charset="0"/>
+              </a:rPr>
+              <a:t> </a:t>
+            </a:r>
+            <a:r>
+              <a:rPr lang="en-US" sz="2000" dirty="0" err="1" smtClean="0">
+                <a:latin typeface="Arial" panose="020B0604020202020204" pitchFamily="34" charset="0"/>
+                <a:cs typeface="Arial" panose="020B0604020202020204" pitchFamily="34" charset="0"/>
+              </a:rPr>
+              <a:t>toán</a:t>
+            </a:r>
+            <a:r>
+              <a:rPr lang="en-US" sz="2000" dirty="0" smtClean="0">
+                <a:latin typeface="Arial" panose="020B0604020202020204" pitchFamily="34" charset="0"/>
+                <a:cs typeface="Arial" panose="020B0604020202020204" pitchFamily="34" charset="0"/>
+              </a:rPr>
+              <a:t> </a:t>
+            </a:r>
+            <a:r>
+              <a:rPr lang="en-US" sz="2000" dirty="0" err="1" smtClean="0">
+                <a:latin typeface="Arial" panose="020B0604020202020204" pitchFamily="34" charset="0"/>
+                <a:cs typeface="Arial" panose="020B0604020202020204" pitchFamily="34" charset="0"/>
+              </a:rPr>
+              <a:t>Pycaret</a:t>
+            </a:r>
+            <a:endParaRPr lang="en-US" sz="2000" dirty="0">
+              <a:latin typeface="Arial" panose="020B0604020202020204" pitchFamily="34" charset="0"/>
+              <a:cs typeface="Arial" panose="020B0604020202020204" pitchFamily="34" charset="0"/>
+            </a:endParaRPr>
+          </a:p>
+        </p:txBody>
+      </p:sp>
+      <p:sp>
+        <p:nvSpPr>
+          <p:cNvPr id="3" name="Content Placeholder 2"/>
+          <p:cNvSpPr txBox="1">
+            <a:spLocks/>
+          </p:cNvSpPr>
+          <p:nvPr/>
+        </p:nvSpPr>
+        <p:spPr>
+          <a:xfrm>
+            <a:off x="937489" y="1023458"/>
+            <a:ext cx="3919737" cy="4932725"/>
+          </a:xfrm>
+          <a:prstGeom prst="rect">
+            <a:avLst/>
+          </a:prstGeom>
+        </p:spPr>
+        <p:txBody>
+          <a:bodyPr/>
+          <a:lstStyle>
+            <a:lvl1pPr marL="228600" indent="-228600" algn="l" defTabSz="914400" rtl="0" eaLnBrk="1" latinLnBrk="0" hangingPunct="1">
+              <a:lnSpc>
+                <a:spcPct val="120000"/>
+              </a:lnSpc>
+              <a:spcBef>
+                <a:spcPts val="1000"/>
+              </a:spcBef>
+              <a:buClr>
+                <a:schemeClr val="accent1"/>
+              </a:buClr>
+              <a:buSzPct val="100000"/>
+              <a:buFont typeface="Arial" panose="020B0604020202020204" pitchFamily="34" charset="0"/>
+              <a:buChar char="•"/>
+              <a:defRPr sz="2000" kern="1200">
+                <a:solidFill>
+                  <a:schemeClr val="tx1"/>
+                </a:solidFill>
+                <a:effectLst/>
+                <a:latin typeface="+mn-lt"/>
+                <a:ea typeface="+mn-ea"/>
+                <a:cs typeface="+mn-cs"/>
+              </a:defRPr>
+            </a:lvl1pPr>
+            <a:lvl2pPr marL="685800" indent="-228600" algn="l" defTabSz="914400" rtl="0" eaLnBrk="1" latinLnBrk="0" hangingPunct="1">
+              <a:lnSpc>
+                <a:spcPct val="120000"/>
+              </a:lnSpc>
+              <a:spcBef>
+                <a:spcPts val="500"/>
+              </a:spcBef>
+              <a:buClr>
+                <a:schemeClr val="accent1"/>
+              </a:buClr>
+              <a:buSzPct val="100000"/>
+              <a:buFont typeface="Arial" panose="020B0604020202020204" pitchFamily="34" charset="0"/>
+              <a:buChar char="•"/>
+              <a:defRPr sz="1800" kern="1200" cap="none" baseline="0">
+                <a:solidFill>
+                  <a:schemeClr val="tx1"/>
+                </a:solidFill>
+                <a:effectLst/>
+                <a:latin typeface="+mn-lt"/>
+                <a:ea typeface="+mn-ea"/>
+                <a:cs typeface="+mn-cs"/>
+              </a:defRPr>
+            </a:lvl2pPr>
+            <a:lvl3pPr marL="1143000" indent="-228600" algn="l" defTabSz="914400" rtl="0" eaLnBrk="1" latinLnBrk="0" hangingPunct="1">
+              <a:lnSpc>
+                <a:spcPct val="120000"/>
+              </a:lnSpc>
+              <a:spcBef>
+                <a:spcPts val="500"/>
+              </a:spcBef>
+              <a:buClr>
+                <a:schemeClr val="accent1"/>
+              </a:buClr>
+              <a:buSzPct val="100000"/>
+              <a:buFont typeface="Arial" panose="020B0604020202020204" pitchFamily="34" charset="0"/>
+              <a:buChar char="•"/>
+              <a:defRPr sz="1600" kern="1200">
+                <a:solidFill>
+                  <a:schemeClr val="tx1"/>
+                </a:solidFill>
+                <a:effectLst/>
+                <a:latin typeface="+mn-lt"/>
+                <a:ea typeface="+mn-ea"/>
+                <a:cs typeface="+mn-cs"/>
+              </a:defRPr>
+            </a:lvl3pPr>
+            <a:lvl4pPr marL="1600200" indent="-228600" algn="l" defTabSz="914400" rtl="0" eaLnBrk="1" latinLnBrk="0" hangingPunct="1">
+              <a:lnSpc>
+                <a:spcPct val="120000"/>
+              </a:lnSpc>
+              <a:spcBef>
+                <a:spcPts val="500"/>
+              </a:spcBef>
+              <a:buClr>
+                <a:schemeClr val="accent1"/>
+              </a:buClr>
+              <a:buSzPct val="100000"/>
+              <a:buFont typeface="Arial" panose="020B0604020202020204" pitchFamily="34" charset="0"/>
+              <a:buChar char="•"/>
+              <a:defRPr sz="1400" kern="1200" cap="none" baseline="0">
+                <a:solidFill>
+                  <a:schemeClr val="tx1"/>
+                </a:solidFill>
+                <a:effectLst/>
+                <a:latin typeface="+mn-lt"/>
+                <a:ea typeface="+mn-ea"/>
+                <a:cs typeface="+mn-cs"/>
+              </a:defRPr>
+            </a:lvl4pPr>
+            <a:lvl5pPr marL="2057400" indent="-228600" algn="l" defTabSz="914400" rtl="0" eaLnBrk="1" latinLnBrk="0" hangingPunct="1">
+              <a:lnSpc>
+                <a:spcPct val="120000"/>
+              </a:lnSpc>
+              <a:spcBef>
+                <a:spcPts val="500"/>
+              </a:spcBef>
+              <a:buClr>
+                <a:schemeClr val="accent1"/>
+              </a:buClr>
+              <a:buSzPct val="100000"/>
+              <a:buFont typeface="Arial" panose="020B0604020202020204" pitchFamily="34" charset="0"/>
+              <a:buChar char="•"/>
+              <a:defRPr sz="1200" kern="1200">
+                <a:solidFill>
+                  <a:schemeClr val="tx1"/>
+                </a:solidFill>
+                <a:effectLst/>
+                <a:latin typeface="+mn-lt"/>
+                <a:ea typeface="+mn-ea"/>
+                <a:cs typeface="+mn-cs"/>
+              </a:defRPr>
+            </a:lvl5pPr>
+            <a:lvl6pPr marL="2514600" indent="-228600" algn="l" defTabSz="914400" rtl="0" eaLnBrk="1" latinLnBrk="0" hangingPunct="1">
+              <a:lnSpc>
+                <a:spcPct val="120000"/>
+              </a:lnSpc>
+              <a:spcBef>
+                <a:spcPts val="500"/>
+              </a:spcBef>
+              <a:buClr>
+                <a:schemeClr val="accent1"/>
+              </a:buClr>
+              <a:buSzPct val="100000"/>
+              <a:buFont typeface="Arial" panose="020B0604020202020204" pitchFamily="34" charset="0"/>
+              <a:buChar char="•"/>
+              <a:defRPr sz="1200" kern="1200">
+                <a:solidFill>
+                  <a:schemeClr val="tx1"/>
+                </a:solidFill>
+                <a:effectLst/>
+                <a:latin typeface="+mn-lt"/>
+                <a:ea typeface="+mn-ea"/>
+                <a:cs typeface="+mn-cs"/>
+              </a:defRPr>
+            </a:lvl6pPr>
+            <a:lvl7pPr marL="2971800" indent="-228600" algn="l" defTabSz="914400" rtl="0" eaLnBrk="1" latinLnBrk="0" hangingPunct="1">
+              <a:lnSpc>
+                <a:spcPct val="120000"/>
+              </a:lnSpc>
+              <a:spcBef>
+                <a:spcPts val="500"/>
+              </a:spcBef>
+              <a:buClr>
+                <a:schemeClr val="accent1"/>
+              </a:buClr>
+              <a:buSzPct val="100000"/>
+              <a:buFont typeface="Arial" panose="020B0604020202020204" pitchFamily="34" charset="0"/>
+              <a:buChar char="•"/>
+              <a:defRPr sz="1200" kern="1200">
+                <a:solidFill>
+                  <a:schemeClr val="tx1"/>
+                </a:solidFill>
+                <a:effectLst/>
+                <a:latin typeface="+mn-lt"/>
+                <a:ea typeface="+mn-ea"/>
+                <a:cs typeface="+mn-cs"/>
+              </a:defRPr>
+            </a:lvl7pPr>
+            <a:lvl8pPr marL="3429000" indent="-228600" algn="l" defTabSz="914400" rtl="0" eaLnBrk="1" latinLnBrk="0" hangingPunct="1">
+              <a:lnSpc>
+                <a:spcPct val="120000"/>
+              </a:lnSpc>
+              <a:spcBef>
+                <a:spcPts val="500"/>
+              </a:spcBef>
+              <a:buClr>
+                <a:schemeClr val="accent1"/>
+              </a:buClr>
+              <a:buSzPct val="100000"/>
+              <a:buFont typeface="Arial" panose="020B0604020202020204" pitchFamily="34" charset="0"/>
+              <a:buChar char="•"/>
+              <a:defRPr sz="1200" kern="1200" baseline="0">
+                <a:solidFill>
+                  <a:schemeClr val="tx1"/>
+                </a:solidFill>
+                <a:effectLst/>
+                <a:latin typeface="+mn-lt"/>
+                <a:ea typeface="+mn-ea"/>
+                <a:cs typeface="+mn-cs"/>
+              </a:defRPr>
+            </a:lvl8pPr>
+            <a:lvl9pPr marL="3886200" indent="-228600" algn="l" defTabSz="914400" rtl="0" eaLnBrk="1" latinLnBrk="0" hangingPunct="1">
+              <a:lnSpc>
+                <a:spcPct val="120000"/>
+              </a:lnSpc>
+              <a:spcBef>
+                <a:spcPts val="500"/>
+              </a:spcBef>
+              <a:buClr>
+                <a:schemeClr val="accent1"/>
+              </a:buClr>
+              <a:buSzPct val="100000"/>
+              <a:buFont typeface="Arial" panose="020B0604020202020204" pitchFamily="34" charset="0"/>
+              <a:buChar char="•"/>
+              <a:defRPr sz="1200" kern="1200" baseline="0">
+                <a:solidFill>
+                  <a:schemeClr val="tx1"/>
+                </a:solidFill>
+                <a:effectLst/>
+                <a:latin typeface="+mn-lt"/>
+                <a:ea typeface="+mn-ea"/>
+                <a:cs typeface="+mn-cs"/>
+              </a:defRPr>
+            </a:lvl9pPr>
+          </a:lstStyle>
+          <a:p>
+            <a:r>
+              <a:rPr lang="en-US" sz="1500" dirty="0" err="1" smtClean="0">
+                <a:latin typeface="Arial" panose="020B0604020202020204" pitchFamily="34" charset="0"/>
+                <a:cs typeface="Arial" panose="020B0604020202020204" pitchFamily="34" charset="0"/>
+              </a:rPr>
+              <a:t>Thư</a:t>
+            </a:r>
+            <a:r>
+              <a:rPr lang="en-US" sz="1500" dirty="0" smtClean="0">
+                <a:latin typeface="Arial" panose="020B0604020202020204" pitchFamily="34" charset="0"/>
+                <a:cs typeface="Arial" panose="020B0604020202020204" pitchFamily="34" charset="0"/>
+              </a:rPr>
+              <a:t> </a:t>
+            </a:r>
+            <a:r>
+              <a:rPr lang="en-US" sz="1500" dirty="0" err="1" smtClean="0">
+                <a:latin typeface="Arial" panose="020B0604020202020204" pitchFamily="34" charset="0"/>
+                <a:cs typeface="Arial" panose="020B0604020202020204" pitchFamily="34" charset="0"/>
+              </a:rPr>
+              <a:t>viện</a:t>
+            </a:r>
+            <a:r>
+              <a:rPr lang="en-US" sz="1500" dirty="0" smtClean="0">
+                <a:latin typeface="Arial" panose="020B0604020202020204" pitchFamily="34" charset="0"/>
+                <a:cs typeface="Arial" panose="020B0604020202020204" pitchFamily="34" charset="0"/>
+              </a:rPr>
+              <a:t> </a:t>
+            </a:r>
+            <a:r>
+              <a:rPr lang="en-US" sz="1500" dirty="0" err="1" smtClean="0">
+                <a:latin typeface="Arial" panose="020B0604020202020204" pitchFamily="34" charset="0"/>
+                <a:cs typeface="Arial" panose="020B0604020202020204" pitchFamily="34" charset="0"/>
+              </a:rPr>
+              <a:t>Pycaret</a:t>
+            </a:r>
+            <a:r>
+              <a:rPr lang="en-US" sz="1500" dirty="0" smtClean="0">
+                <a:latin typeface="Arial" panose="020B0604020202020204" pitchFamily="34" charset="0"/>
+                <a:cs typeface="Arial" panose="020B0604020202020204" pitchFamily="34" charset="0"/>
+              </a:rPr>
+              <a:t> </a:t>
+            </a:r>
+            <a:r>
+              <a:rPr lang="en-US" sz="1500" dirty="0" err="1" smtClean="0">
+                <a:latin typeface="Arial" panose="020B0604020202020204" pitchFamily="34" charset="0"/>
+                <a:cs typeface="Arial" panose="020B0604020202020204" pitchFamily="34" charset="0"/>
+              </a:rPr>
+              <a:t>không</a:t>
+            </a:r>
+            <a:r>
+              <a:rPr lang="en-US" sz="1500" dirty="0" smtClean="0">
+                <a:latin typeface="Arial" panose="020B0604020202020204" pitchFamily="34" charset="0"/>
+                <a:cs typeface="Arial" panose="020B0604020202020204" pitchFamily="34" charset="0"/>
+              </a:rPr>
+              <a:t> chia train test </a:t>
+            </a:r>
+            <a:r>
+              <a:rPr lang="en-US" sz="1500" dirty="0" err="1" smtClean="0">
+                <a:latin typeface="Arial" panose="020B0604020202020204" pitchFamily="34" charset="0"/>
+                <a:cs typeface="Arial" panose="020B0604020202020204" pitchFamily="34" charset="0"/>
+              </a:rPr>
+              <a:t>mà</a:t>
+            </a:r>
+            <a:r>
+              <a:rPr lang="en-US" sz="1500" dirty="0" smtClean="0">
+                <a:latin typeface="Arial" panose="020B0604020202020204" pitchFamily="34" charset="0"/>
+                <a:cs typeface="Arial" panose="020B0604020202020204" pitchFamily="34" charset="0"/>
+              </a:rPr>
+              <a:t> </a:t>
+            </a:r>
+            <a:r>
+              <a:rPr lang="en-US" sz="1500" dirty="0" err="1" smtClean="0">
+                <a:latin typeface="Arial" panose="020B0604020202020204" pitchFamily="34" charset="0"/>
+                <a:cs typeface="Arial" panose="020B0604020202020204" pitchFamily="34" charset="0"/>
+              </a:rPr>
+              <a:t>sẽ</a:t>
+            </a:r>
+            <a:r>
+              <a:rPr lang="en-US" sz="1500" dirty="0" smtClean="0">
+                <a:latin typeface="Arial" panose="020B0604020202020204" pitchFamily="34" charset="0"/>
+                <a:cs typeface="Arial" panose="020B0604020202020204" pitchFamily="34" charset="0"/>
+              </a:rPr>
+              <a:t> </a:t>
+            </a:r>
+            <a:r>
+              <a:rPr lang="en-US" sz="1500" dirty="0" err="1" smtClean="0">
+                <a:latin typeface="Arial" panose="020B0604020202020204" pitchFamily="34" charset="0"/>
+                <a:cs typeface="Arial" panose="020B0604020202020204" pitchFamily="34" charset="0"/>
+              </a:rPr>
+              <a:t>dự</a:t>
+            </a:r>
+            <a:r>
+              <a:rPr lang="en-US" sz="1500" dirty="0" smtClean="0">
+                <a:latin typeface="Arial" panose="020B0604020202020204" pitchFamily="34" charset="0"/>
+                <a:cs typeface="Arial" panose="020B0604020202020204" pitchFamily="34" charset="0"/>
+              </a:rPr>
+              <a:t> </a:t>
+            </a:r>
+            <a:r>
+              <a:rPr lang="en-US" sz="1500" dirty="0" err="1" smtClean="0">
+                <a:latin typeface="Arial" panose="020B0604020202020204" pitchFamily="34" charset="0"/>
+                <a:cs typeface="Arial" panose="020B0604020202020204" pitchFamily="34" charset="0"/>
+              </a:rPr>
+              <a:t>đoán</a:t>
+            </a:r>
+            <a:r>
+              <a:rPr lang="en-US" sz="1500" dirty="0" smtClean="0">
+                <a:latin typeface="Arial" panose="020B0604020202020204" pitchFamily="34" charset="0"/>
+                <a:cs typeface="Arial" panose="020B0604020202020204" pitchFamily="34" charset="0"/>
+              </a:rPr>
+              <a:t> </a:t>
+            </a:r>
+            <a:r>
+              <a:rPr lang="en-US" sz="1500" dirty="0" err="1" smtClean="0">
+                <a:latin typeface="Arial" panose="020B0604020202020204" pitchFamily="34" charset="0"/>
+                <a:cs typeface="Arial" panose="020B0604020202020204" pitchFamily="34" charset="0"/>
+              </a:rPr>
+              <a:t>và</a:t>
+            </a:r>
+            <a:r>
+              <a:rPr lang="en-US" sz="1500" dirty="0" smtClean="0">
+                <a:latin typeface="Arial" panose="020B0604020202020204" pitchFamily="34" charset="0"/>
+                <a:cs typeface="Arial" panose="020B0604020202020204" pitchFamily="34" charset="0"/>
+              </a:rPr>
+              <a:t> </a:t>
+            </a:r>
+            <a:r>
+              <a:rPr lang="en-US" sz="1500" dirty="0" err="1" smtClean="0">
+                <a:latin typeface="Arial" panose="020B0604020202020204" pitchFamily="34" charset="0"/>
+                <a:cs typeface="Arial" panose="020B0604020202020204" pitchFamily="34" charset="0"/>
+              </a:rPr>
+              <a:t>huấn</a:t>
+            </a:r>
+            <a:r>
+              <a:rPr lang="en-US" sz="1500" dirty="0" smtClean="0">
+                <a:latin typeface="Arial" panose="020B0604020202020204" pitchFamily="34" charset="0"/>
+                <a:cs typeface="Arial" panose="020B0604020202020204" pitchFamily="34" charset="0"/>
+              </a:rPr>
+              <a:t> </a:t>
+            </a:r>
+            <a:r>
+              <a:rPr lang="en-US" sz="1500" dirty="0" err="1" smtClean="0">
+                <a:latin typeface="Arial" panose="020B0604020202020204" pitchFamily="34" charset="0"/>
+                <a:cs typeface="Arial" panose="020B0604020202020204" pitchFamily="34" charset="0"/>
+              </a:rPr>
+              <a:t>luyện</a:t>
+            </a:r>
+            <a:r>
+              <a:rPr lang="en-US" sz="1500" dirty="0" smtClean="0">
+                <a:latin typeface="Arial" panose="020B0604020202020204" pitchFamily="34" charset="0"/>
+                <a:cs typeface="Arial" panose="020B0604020202020204" pitchFamily="34" charset="0"/>
+              </a:rPr>
+              <a:t> </a:t>
+            </a:r>
+            <a:r>
+              <a:rPr lang="en-US" sz="1500" dirty="0" err="1" smtClean="0">
+                <a:latin typeface="Arial" panose="020B0604020202020204" pitchFamily="34" charset="0"/>
+                <a:cs typeface="Arial" panose="020B0604020202020204" pitchFamily="34" charset="0"/>
+              </a:rPr>
+              <a:t>trên</a:t>
+            </a:r>
+            <a:r>
+              <a:rPr lang="en-US" sz="1500" dirty="0" smtClean="0">
+                <a:latin typeface="Arial" panose="020B0604020202020204" pitchFamily="34" charset="0"/>
+                <a:cs typeface="Arial" panose="020B0604020202020204" pitchFamily="34" charset="0"/>
+              </a:rPr>
+              <a:t> </a:t>
+            </a:r>
+            <a:r>
+              <a:rPr lang="en-US" sz="1500" dirty="0" err="1" smtClean="0">
+                <a:latin typeface="Arial" panose="020B0604020202020204" pitchFamily="34" charset="0"/>
+                <a:cs typeface="Arial" panose="020B0604020202020204" pitchFamily="34" charset="0"/>
+              </a:rPr>
+              <a:t>toàn</a:t>
+            </a:r>
+            <a:r>
+              <a:rPr lang="en-US" sz="1500" dirty="0" smtClean="0">
+                <a:latin typeface="Arial" panose="020B0604020202020204" pitchFamily="34" charset="0"/>
+                <a:cs typeface="Arial" panose="020B0604020202020204" pitchFamily="34" charset="0"/>
+              </a:rPr>
+              <a:t> </a:t>
+            </a:r>
+            <a:r>
+              <a:rPr lang="en-US" sz="1500" dirty="0" err="1" smtClean="0">
+                <a:latin typeface="Arial" panose="020B0604020202020204" pitchFamily="34" charset="0"/>
+                <a:cs typeface="Arial" panose="020B0604020202020204" pitchFamily="34" charset="0"/>
+              </a:rPr>
+              <a:t>bộ</a:t>
+            </a:r>
+            <a:r>
+              <a:rPr lang="en-US" sz="1500" dirty="0" smtClean="0">
+                <a:latin typeface="Arial" panose="020B0604020202020204" pitchFamily="34" charset="0"/>
+                <a:cs typeface="Arial" panose="020B0604020202020204" pitchFamily="34" charset="0"/>
+              </a:rPr>
+              <a:t> </a:t>
+            </a:r>
+            <a:r>
+              <a:rPr lang="en-US" sz="1500" dirty="0" err="1" smtClean="0">
+                <a:latin typeface="Arial" panose="020B0604020202020204" pitchFamily="34" charset="0"/>
+                <a:cs typeface="Arial" panose="020B0604020202020204" pitchFamily="34" charset="0"/>
+              </a:rPr>
+              <a:t>tập</a:t>
+            </a:r>
+            <a:r>
+              <a:rPr lang="en-US" sz="1500" dirty="0" smtClean="0">
+                <a:latin typeface="Arial" panose="020B0604020202020204" pitchFamily="34" charset="0"/>
+                <a:cs typeface="Arial" panose="020B0604020202020204" pitchFamily="34" charset="0"/>
+              </a:rPr>
+              <a:t> </a:t>
+            </a:r>
+            <a:r>
+              <a:rPr lang="en-US" sz="1500" dirty="0" err="1" smtClean="0">
+                <a:latin typeface="Arial" panose="020B0604020202020204" pitchFamily="34" charset="0"/>
+                <a:cs typeface="Arial" panose="020B0604020202020204" pitchFamily="34" charset="0"/>
+              </a:rPr>
+              <a:t>dữ</a:t>
+            </a:r>
+            <a:r>
+              <a:rPr lang="en-US" sz="1500" dirty="0" smtClean="0">
+                <a:latin typeface="Arial" panose="020B0604020202020204" pitchFamily="34" charset="0"/>
+                <a:cs typeface="Arial" panose="020B0604020202020204" pitchFamily="34" charset="0"/>
+              </a:rPr>
+              <a:t> </a:t>
+            </a:r>
+            <a:r>
+              <a:rPr lang="en-US" sz="1500" dirty="0" err="1" smtClean="0">
+                <a:latin typeface="Arial" panose="020B0604020202020204" pitchFamily="34" charset="0"/>
+                <a:cs typeface="Arial" panose="020B0604020202020204" pitchFamily="34" charset="0"/>
+              </a:rPr>
+              <a:t>liệu</a:t>
+            </a:r>
+            <a:r>
+              <a:rPr lang="en-US" sz="1500" dirty="0" smtClean="0">
+                <a:latin typeface="Arial" panose="020B0604020202020204" pitchFamily="34" charset="0"/>
+                <a:cs typeface="Arial" panose="020B0604020202020204" pitchFamily="34" charset="0"/>
+              </a:rPr>
+              <a:t>.</a:t>
+            </a:r>
+          </a:p>
+          <a:p>
+            <a:r>
+              <a:rPr lang="en-US" sz="1500" dirty="0" err="1" smtClean="0">
+                <a:latin typeface="Arial" panose="020B0604020202020204" pitchFamily="34" charset="0"/>
+                <a:cs typeface="Arial" panose="020B0604020202020204" pitchFamily="34" charset="0"/>
+              </a:rPr>
+              <a:t>Thư</a:t>
+            </a:r>
+            <a:r>
+              <a:rPr lang="en-US" sz="1500" dirty="0" smtClean="0">
+                <a:latin typeface="Arial" panose="020B0604020202020204" pitchFamily="34" charset="0"/>
+                <a:cs typeface="Arial" panose="020B0604020202020204" pitchFamily="34" charset="0"/>
+              </a:rPr>
+              <a:t> </a:t>
+            </a:r>
+            <a:r>
+              <a:rPr lang="en-US" sz="1500" dirty="0" err="1" smtClean="0">
+                <a:latin typeface="Arial" panose="020B0604020202020204" pitchFamily="34" charset="0"/>
+                <a:cs typeface="Arial" panose="020B0604020202020204" pitchFamily="34" charset="0"/>
+              </a:rPr>
+              <a:t>viện</a:t>
+            </a:r>
+            <a:r>
+              <a:rPr lang="en-US" sz="1500" dirty="0" smtClean="0">
+                <a:latin typeface="Arial" panose="020B0604020202020204" pitchFamily="34" charset="0"/>
+                <a:cs typeface="Arial" panose="020B0604020202020204" pitchFamily="34" charset="0"/>
+              </a:rPr>
+              <a:t> </a:t>
+            </a:r>
+            <a:r>
+              <a:rPr lang="en-US" sz="1500" dirty="0" err="1" smtClean="0">
+                <a:latin typeface="Arial" panose="020B0604020202020204" pitchFamily="34" charset="0"/>
+                <a:cs typeface="Arial" panose="020B0604020202020204" pitchFamily="34" charset="0"/>
+              </a:rPr>
+              <a:t>Pycaret</a:t>
+            </a:r>
+            <a:r>
+              <a:rPr lang="en-US" sz="1500" dirty="0" smtClean="0">
+                <a:latin typeface="Arial" panose="020B0604020202020204" pitchFamily="34" charset="0"/>
+                <a:cs typeface="Arial" panose="020B0604020202020204" pitchFamily="34" charset="0"/>
+              </a:rPr>
+              <a:t> </a:t>
+            </a:r>
+            <a:r>
+              <a:rPr lang="en-US" sz="1500" dirty="0" err="1" smtClean="0">
+                <a:latin typeface="Arial" panose="020B0604020202020204" pitchFamily="34" charset="0"/>
+                <a:cs typeface="Arial" panose="020B0604020202020204" pitchFamily="34" charset="0"/>
+              </a:rPr>
+              <a:t>sẽ</a:t>
+            </a:r>
+            <a:r>
+              <a:rPr lang="en-US" sz="1500" dirty="0" smtClean="0">
+                <a:latin typeface="Arial" panose="020B0604020202020204" pitchFamily="34" charset="0"/>
+                <a:cs typeface="Arial" panose="020B0604020202020204" pitchFamily="34" charset="0"/>
+              </a:rPr>
+              <a:t> </a:t>
+            </a:r>
+            <a:r>
+              <a:rPr lang="en-US" sz="1500" dirty="0" err="1" smtClean="0">
+                <a:latin typeface="Arial" panose="020B0604020202020204" pitchFamily="34" charset="0"/>
+                <a:cs typeface="Arial" panose="020B0604020202020204" pitchFamily="34" charset="0"/>
+              </a:rPr>
+              <a:t>chạy</a:t>
+            </a:r>
+            <a:r>
+              <a:rPr lang="en-US" sz="1500" dirty="0" smtClean="0">
+                <a:latin typeface="Arial" panose="020B0604020202020204" pitchFamily="34" charset="0"/>
+                <a:cs typeface="Arial" panose="020B0604020202020204" pitchFamily="34" charset="0"/>
+              </a:rPr>
+              <a:t> </a:t>
+            </a:r>
+            <a:r>
+              <a:rPr lang="en-US" sz="1500" dirty="0" err="1" smtClean="0">
+                <a:latin typeface="Arial" panose="020B0604020202020204" pitchFamily="34" charset="0"/>
+                <a:cs typeface="Arial" panose="020B0604020202020204" pitchFamily="34" charset="0"/>
+              </a:rPr>
+              <a:t>toàn</a:t>
+            </a:r>
+            <a:r>
+              <a:rPr lang="en-US" sz="1500" dirty="0" smtClean="0">
+                <a:latin typeface="Arial" panose="020B0604020202020204" pitchFamily="34" charset="0"/>
+                <a:cs typeface="Arial" panose="020B0604020202020204" pitchFamily="34" charset="0"/>
+              </a:rPr>
+              <a:t> </a:t>
+            </a:r>
+            <a:r>
+              <a:rPr lang="en-US" sz="1500" dirty="0" err="1" smtClean="0">
+                <a:latin typeface="Arial" panose="020B0604020202020204" pitchFamily="34" charset="0"/>
+                <a:cs typeface="Arial" panose="020B0604020202020204" pitchFamily="34" charset="0"/>
+              </a:rPr>
+              <a:t>bộ</a:t>
+            </a:r>
+            <a:r>
+              <a:rPr lang="en-US" sz="1500" dirty="0" smtClean="0">
+                <a:latin typeface="Arial" panose="020B0604020202020204" pitchFamily="34" charset="0"/>
+                <a:cs typeface="Arial" panose="020B0604020202020204" pitchFamily="34" charset="0"/>
+              </a:rPr>
+              <a:t> </a:t>
+            </a:r>
+            <a:r>
+              <a:rPr lang="en-US" sz="1500" dirty="0" err="1" smtClean="0">
+                <a:latin typeface="Arial" panose="020B0604020202020204" pitchFamily="34" charset="0"/>
+                <a:cs typeface="Arial" panose="020B0604020202020204" pitchFamily="34" charset="0"/>
+              </a:rPr>
+              <a:t>các</a:t>
+            </a:r>
+            <a:r>
+              <a:rPr lang="en-US" sz="1500" dirty="0">
+                <a:latin typeface="Arial" panose="020B0604020202020204" pitchFamily="34" charset="0"/>
+                <a:cs typeface="Arial" panose="020B0604020202020204" pitchFamily="34" charset="0"/>
+              </a:rPr>
+              <a:t> </a:t>
+            </a:r>
+            <a:r>
+              <a:rPr lang="en-US" sz="1500" dirty="0" err="1" smtClean="0">
+                <a:latin typeface="Arial" panose="020B0604020202020204" pitchFamily="34" charset="0"/>
+                <a:cs typeface="Arial" panose="020B0604020202020204" pitchFamily="34" charset="0"/>
+              </a:rPr>
+              <a:t>thuật</a:t>
+            </a:r>
+            <a:r>
+              <a:rPr lang="en-US" sz="1500" dirty="0" smtClean="0">
+                <a:latin typeface="Arial" panose="020B0604020202020204" pitchFamily="34" charset="0"/>
+                <a:cs typeface="Arial" panose="020B0604020202020204" pitchFamily="34" charset="0"/>
+              </a:rPr>
+              <a:t> </a:t>
+            </a:r>
+            <a:r>
+              <a:rPr lang="en-US" sz="1500" dirty="0" err="1" smtClean="0">
+                <a:latin typeface="Arial" panose="020B0604020202020204" pitchFamily="34" charset="0"/>
+                <a:cs typeface="Arial" panose="020B0604020202020204" pitchFamily="34" charset="0"/>
+              </a:rPr>
+              <a:t>toán</a:t>
+            </a:r>
+            <a:r>
+              <a:rPr lang="en-US" sz="1500" dirty="0" smtClean="0">
+                <a:latin typeface="Arial" panose="020B0604020202020204" pitchFamily="34" charset="0"/>
+                <a:cs typeface="Arial" panose="020B0604020202020204" pitchFamily="34" charset="0"/>
+              </a:rPr>
+              <a:t> </a:t>
+            </a:r>
+            <a:r>
+              <a:rPr lang="en-US" sz="1500" dirty="0" err="1" smtClean="0">
+                <a:latin typeface="Arial" panose="020B0604020202020204" pitchFamily="34" charset="0"/>
+                <a:cs typeface="Arial" panose="020B0604020202020204" pitchFamily="34" charset="0"/>
+              </a:rPr>
+              <a:t>hồi</a:t>
+            </a:r>
+            <a:r>
+              <a:rPr lang="en-US" sz="1500" dirty="0" smtClean="0">
+                <a:latin typeface="Arial" panose="020B0604020202020204" pitchFamily="34" charset="0"/>
+                <a:cs typeface="Arial" panose="020B0604020202020204" pitchFamily="34" charset="0"/>
+              </a:rPr>
+              <a:t> </a:t>
+            </a:r>
+            <a:r>
+              <a:rPr lang="en-US" sz="1500" dirty="0" err="1" smtClean="0">
+                <a:latin typeface="Arial" panose="020B0604020202020204" pitchFamily="34" charset="0"/>
+                <a:cs typeface="Arial" panose="020B0604020202020204" pitchFamily="34" charset="0"/>
+              </a:rPr>
+              <a:t>quy</a:t>
+            </a:r>
+            <a:r>
+              <a:rPr lang="en-US" sz="1500" dirty="0" smtClean="0">
+                <a:latin typeface="Arial" panose="020B0604020202020204" pitchFamily="34" charset="0"/>
+                <a:cs typeface="Arial" panose="020B0604020202020204" pitchFamily="34" charset="0"/>
+              </a:rPr>
+              <a:t> </a:t>
+            </a:r>
+            <a:r>
+              <a:rPr lang="en-US" sz="1500" dirty="0" err="1" smtClean="0">
+                <a:latin typeface="Arial" panose="020B0604020202020204" pitchFamily="34" charset="0"/>
+                <a:cs typeface="Arial" panose="020B0604020202020204" pitchFamily="34" charset="0"/>
+              </a:rPr>
+              <a:t>có</a:t>
+            </a:r>
+            <a:r>
+              <a:rPr lang="en-US" sz="1500" dirty="0" smtClean="0">
+                <a:latin typeface="Arial" panose="020B0604020202020204" pitchFamily="34" charset="0"/>
+                <a:cs typeface="Arial" panose="020B0604020202020204" pitchFamily="34" charset="0"/>
+              </a:rPr>
+              <a:t> </a:t>
+            </a:r>
+            <a:r>
+              <a:rPr lang="en-US" sz="1500" dirty="0" err="1" smtClean="0">
+                <a:latin typeface="Arial" panose="020B0604020202020204" pitchFamily="34" charset="0"/>
+                <a:cs typeface="Arial" panose="020B0604020202020204" pitchFamily="34" charset="0"/>
+              </a:rPr>
+              <a:t>sẵn</a:t>
+            </a:r>
+            <a:r>
+              <a:rPr lang="en-US" sz="1500" dirty="0">
+                <a:latin typeface="Arial" panose="020B0604020202020204" pitchFamily="34" charset="0"/>
+                <a:cs typeface="Arial" panose="020B0604020202020204" pitchFamily="34" charset="0"/>
+              </a:rPr>
+              <a:t> </a:t>
+            </a:r>
+            <a:r>
+              <a:rPr lang="en-US" sz="1500" dirty="0" err="1" smtClean="0">
+                <a:latin typeface="Arial" panose="020B0604020202020204" pitchFamily="34" charset="0"/>
+                <a:cs typeface="Arial" panose="020B0604020202020204" pitchFamily="34" charset="0"/>
+              </a:rPr>
+              <a:t>khiến</a:t>
+            </a:r>
+            <a:r>
+              <a:rPr lang="en-US" sz="1500" dirty="0" smtClean="0">
+                <a:latin typeface="Arial" panose="020B0604020202020204" pitchFamily="34" charset="0"/>
+                <a:cs typeface="Arial" panose="020B0604020202020204" pitchFamily="34" charset="0"/>
+              </a:rPr>
+              <a:t> </a:t>
+            </a:r>
+            <a:r>
+              <a:rPr lang="en-US" sz="1500" dirty="0" err="1" smtClean="0">
+                <a:latin typeface="Arial" panose="020B0604020202020204" pitchFamily="34" charset="0"/>
+                <a:cs typeface="Arial" panose="020B0604020202020204" pitchFamily="34" charset="0"/>
+              </a:rPr>
+              <a:t>tốn</a:t>
+            </a:r>
+            <a:r>
+              <a:rPr lang="en-US" sz="1500" dirty="0" smtClean="0">
+                <a:latin typeface="Arial" panose="020B0604020202020204" pitchFamily="34" charset="0"/>
+                <a:cs typeface="Arial" panose="020B0604020202020204" pitchFamily="34" charset="0"/>
+              </a:rPr>
+              <a:t> </a:t>
+            </a:r>
+            <a:r>
+              <a:rPr lang="en-US" sz="1500" dirty="0" err="1" smtClean="0">
+                <a:latin typeface="Arial" panose="020B0604020202020204" pitchFamily="34" charset="0"/>
+                <a:cs typeface="Arial" panose="020B0604020202020204" pitchFamily="34" charset="0"/>
+              </a:rPr>
+              <a:t>thời</a:t>
+            </a:r>
+            <a:r>
+              <a:rPr lang="en-US" sz="1500" dirty="0" smtClean="0">
+                <a:latin typeface="Arial" panose="020B0604020202020204" pitchFamily="34" charset="0"/>
+                <a:cs typeface="Arial" panose="020B0604020202020204" pitchFamily="34" charset="0"/>
+              </a:rPr>
+              <a:t> </a:t>
+            </a:r>
+            <a:r>
+              <a:rPr lang="en-US" sz="1500" dirty="0" err="1" smtClean="0">
+                <a:latin typeface="Arial" panose="020B0604020202020204" pitchFamily="34" charset="0"/>
+                <a:cs typeface="Arial" panose="020B0604020202020204" pitchFamily="34" charset="0"/>
+              </a:rPr>
+              <a:t>gian</a:t>
+            </a:r>
+            <a:r>
+              <a:rPr lang="en-US" sz="1500" dirty="0" smtClean="0">
+                <a:latin typeface="Arial" panose="020B0604020202020204" pitchFamily="34" charset="0"/>
+                <a:cs typeface="Arial" panose="020B0604020202020204" pitchFamily="34" charset="0"/>
+              </a:rPr>
+              <a:t> </a:t>
+            </a:r>
+            <a:r>
+              <a:rPr lang="en-US" sz="1500" dirty="0" err="1" smtClean="0">
+                <a:latin typeface="Arial" panose="020B0604020202020204" pitchFamily="34" charset="0"/>
+                <a:cs typeface="Arial" panose="020B0604020202020204" pitchFamily="34" charset="0"/>
+              </a:rPr>
+              <a:t>chạy</a:t>
+            </a:r>
+            <a:r>
+              <a:rPr lang="en-US" sz="1500" dirty="0" smtClean="0">
+                <a:latin typeface="Arial" panose="020B0604020202020204" pitchFamily="34" charset="0"/>
+                <a:cs typeface="Arial" panose="020B0604020202020204" pitchFamily="34" charset="0"/>
+              </a:rPr>
+              <a:t>,</a:t>
+            </a:r>
+            <a:r>
+              <a:rPr lang="en-US" sz="1500" dirty="0">
+                <a:latin typeface="Arial" panose="020B0604020202020204" pitchFamily="34" charset="0"/>
+                <a:cs typeface="Arial" panose="020B0604020202020204" pitchFamily="34" charset="0"/>
+              </a:rPr>
+              <a:t> </a:t>
+            </a:r>
+            <a:r>
+              <a:rPr lang="en-US" sz="1500" dirty="0" err="1" smtClean="0">
+                <a:latin typeface="Arial" panose="020B0604020202020204" pitchFamily="34" charset="0"/>
+                <a:cs typeface="Arial" panose="020B0604020202020204" pitchFamily="34" charset="0"/>
+              </a:rPr>
+              <a:t>nhưng</a:t>
+            </a:r>
+            <a:r>
+              <a:rPr lang="en-US" sz="1500" dirty="0" smtClean="0">
+                <a:latin typeface="Arial" panose="020B0604020202020204" pitchFamily="34" charset="0"/>
+                <a:cs typeface="Arial" panose="020B0604020202020204" pitchFamily="34" charset="0"/>
+              </a:rPr>
+              <a:t> </a:t>
+            </a:r>
+            <a:r>
+              <a:rPr lang="en-US" sz="1500" dirty="0" err="1" smtClean="0">
+                <a:latin typeface="Arial" panose="020B0604020202020204" pitchFamily="34" charset="0"/>
+                <a:cs typeface="Arial" panose="020B0604020202020204" pitchFamily="34" charset="0"/>
+              </a:rPr>
+              <a:t>sẽ</a:t>
+            </a:r>
+            <a:r>
+              <a:rPr lang="en-US" sz="1500" dirty="0" smtClean="0">
+                <a:latin typeface="Arial" panose="020B0604020202020204" pitchFamily="34" charset="0"/>
+                <a:cs typeface="Arial" panose="020B0604020202020204" pitchFamily="34" charset="0"/>
+              </a:rPr>
+              <a:t> </a:t>
+            </a:r>
+            <a:r>
+              <a:rPr lang="en-US" sz="1500" dirty="0" err="1" smtClean="0">
+                <a:latin typeface="Arial" panose="020B0604020202020204" pitchFamily="34" charset="0"/>
+                <a:cs typeface="Arial" panose="020B0604020202020204" pitchFamily="34" charset="0"/>
+              </a:rPr>
+              <a:t>chỉ</a:t>
+            </a:r>
+            <a:r>
+              <a:rPr lang="en-US" sz="1500" dirty="0" smtClean="0">
+                <a:latin typeface="Arial" panose="020B0604020202020204" pitchFamily="34" charset="0"/>
+                <a:cs typeface="Arial" panose="020B0604020202020204" pitchFamily="34" charset="0"/>
+              </a:rPr>
+              <a:t> </a:t>
+            </a:r>
+            <a:r>
+              <a:rPr lang="en-US" sz="1500" dirty="0" err="1" smtClean="0">
+                <a:latin typeface="Arial" panose="020B0604020202020204" pitchFamily="34" charset="0"/>
+                <a:cs typeface="Arial" panose="020B0604020202020204" pitchFamily="34" charset="0"/>
+              </a:rPr>
+              <a:t>ra</a:t>
+            </a:r>
+            <a:r>
+              <a:rPr lang="en-US" sz="1500" dirty="0" smtClean="0">
+                <a:latin typeface="Arial" panose="020B0604020202020204" pitchFamily="34" charset="0"/>
+                <a:cs typeface="Arial" panose="020B0604020202020204" pitchFamily="34" charset="0"/>
+              </a:rPr>
+              <a:t> </a:t>
+            </a:r>
+            <a:r>
+              <a:rPr lang="en-US" sz="1500" dirty="0" err="1" smtClean="0">
+                <a:latin typeface="Arial" panose="020B0604020202020204" pitchFamily="34" charset="0"/>
+                <a:cs typeface="Arial" panose="020B0604020202020204" pitchFamily="34" charset="0"/>
+              </a:rPr>
+              <a:t>đâu</a:t>
+            </a:r>
+            <a:r>
+              <a:rPr lang="en-US" sz="1500" dirty="0" smtClean="0">
+                <a:latin typeface="Arial" panose="020B0604020202020204" pitchFamily="34" charset="0"/>
+                <a:cs typeface="Arial" panose="020B0604020202020204" pitchFamily="34" charset="0"/>
+              </a:rPr>
+              <a:t> </a:t>
+            </a:r>
+            <a:r>
+              <a:rPr lang="en-US" sz="1500" dirty="0" err="1" smtClean="0">
+                <a:latin typeface="Arial" panose="020B0604020202020204" pitchFamily="34" charset="0"/>
+                <a:cs typeface="Arial" panose="020B0604020202020204" pitchFamily="34" charset="0"/>
+              </a:rPr>
+              <a:t>là</a:t>
+            </a:r>
+            <a:r>
+              <a:rPr lang="en-US" sz="1500" dirty="0" smtClean="0">
+                <a:latin typeface="Arial" panose="020B0604020202020204" pitchFamily="34" charset="0"/>
+                <a:cs typeface="Arial" panose="020B0604020202020204" pitchFamily="34" charset="0"/>
+              </a:rPr>
+              <a:t> </a:t>
+            </a:r>
+            <a:r>
+              <a:rPr lang="en-US" sz="1500" dirty="0" err="1" smtClean="0">
+                <a:latin typeface="Arial" panose="020B0604020202020204" pitchFamily="34" charset="0"/>
+                <a:cs typeface="Arial" panose="020B0604020202020204" pitchFamily="34" charset="0"/>
+              </a:rPr>
+              <a:t>mô</a:t>
+            </a:r>
+            <a:r>
+              <a:rPr lang="en-US" sz="1500" dirty="0" smtClean="0">
+                <a:latin typeface="Arial" panose="020B0604020202020204" pitchFamily="34" charset="0"/>
+                <a:cs typeface="Arial" panose="020B0604020202020204" pitchFamily="34" charset="0"/>
+              </a:rPr>
+              <a:t> </a:t>
+            </a:r>
+            <a:r>
+              <a:rPr lang="en-US" sz="1500" dirty="0" err="1" smtClean="0">
+                <a:latin typeface="Arial" panose="020B0604020202020204" pitchFamily="34" charset="0"/>
+                <a:cs typeface="Arial" panose="020B0604020202020204" pitchFamily="34" charset="0"/>
+              </a:rPr>
+              <a:t>hình</a:t>
+            </a:r>
+            <a:r>
+              <a:rPr lang="en-US" sz="1500" dirty="0" smtClean="0">
+                <a:latin typeface="Arial" panose="020B0604020202020204" pitchFamily="34" charset="0"/>
+                <a:cs typeface="Arial" panose="020B0604020202020204" pitchFamily="34" charset="0"/>
+              </a:rPr>
+              <a:t> </a:t>
+            </a:r>
+            <a:r>
+              <a:rPr lang="en-US" sz="1500" dirty="0" err="1" smtClean="0">
+                <a:latin typeface="Arial" panose="020B0604020202020204" pitchFamily="34" charset="0"/>
+                <a:cs typeface="Arial" panose="020B0604020202020204" pitchFamily="34" charset="0"/>
+              </a:rPr>
+              <a:t>tốt</a:t>
+            </a:r>
+            <a:r>
+              <a:rPr lang="en-US" sz="1500" dirty="0" smtClean="0">
+                <a:latin typeface="Arial" panose="020B0604020202020204" pitchFamily="34" charset="0"/>
+                <a:cs typeface="Arial" panose="020B0604020202020204" pitchFamily="34" charset="0"/>
+              </a:rPr>
+              <a:t> </a:t>
+            </a:r>
+            <a:r>
+              <a:rPr lang="en-US" sz="1500" dirty="0" err="1" smtClean="0">
+                <a:latin typeface="Arial" panose="020B0604020202020204" pitchFamily="34" charset="0"/>
+                <a:cs typeface="Arial" panose="020B0604020202020204" pitchFamily="34" charset="0"/>
+              </a:rPr>
+              <a:t>nhất</a:t>
+            </a:r>
+            <a:r>
+              <a:rPr lang="en-US" sz="1500" dirty="0" smtClean="0">
+                <a:latin typeface="Arial" panose="020B0604020202020204" pitchFamily="34" charset="0"/>
+                <a:cs typeface="Arial" panose="020B0604020202020204" pitchFamily="34" charset="0"/>
+              </a:rPr>
+              <a:t>.</a:t>
+            </a:r>
+          </a:p>
+          <a:p>
+            <a:r>
+              <a:rPr lang="en-US" sz="1500" dirty="0" err="1" smtClean="0">
+                <a:latin typeface="Arial" panose="020B0604020202020204" pitchFamily="34" charset="0"/>
+                <a:cs typeface="Arial" panose="020B0604020202020204" pitchFamily="34" charset="0"/>
+              </a:rPr>
+              <a:t>Kết</a:t>
+            </a:r>
+            <a:r>
+              <a:rPr lang="en-US" sz="1500" dirty="0" smtClean="0">
+                <a:latin typeface="Arial" panose="020B0604020202020204" pitchFamily="34" charset="0"/>
+                <a:cs typeface="Arial" panose="020B0604020202020204" pitchFamily="34" charset="0"/>
+              </a:rPr>
+              <a:t> </a:t>
+            </a:r>
+            <a:r>
+              <a:rPr lang="en-US" sz="1500" dirty="0" err="1" smtClean="0">
+                <a:latin typeface="Arial" panose="020B0604020202020204" pitchFamily="34" charset="0"/>
+                <a:cs typeface="Arial" panose="020B0604020202020204" pitchFamily="34" charset="0"/>
+              </a:rPr>
+              <a:t>quả</a:t>
+            </a:r>
+            <a:r>
+              <a:rPr lang="en-US" sz="1500" dirty="0" smtClean="0">
+                <a:latin typeface="Arial" panose="020B0604020202020204" pitchFamily="34" charset="0"/>
+                <a:cs typeface="Arial" panose="020B0604020202020204" pitchFamily="34" charset="0"/>
+              </a:rPr>
+              <a:t> </a:t>
+            </a:r>
+            <a:r>
+              <a:rPr lang="en-US" sz="1500" dirty="0" err="1" smtClean="0">
+                <a:latin typeface="Arial" panose="020B0604020202020204" pitchFamily="34" charset="0"/>
+                <a:cs typeface="Arial" panose="020B0604020202020204" pitchFamily="34" charset="0"/>
+              </a:rPr>
+              <a:t>trả</a:t>
+            </a:r>
+            <a:r>
+              <a:rPr lang="en-US" sz="1500" dirty="0" smtClean="0">
+                <a:latin typeface="Arial" panose="020B0604020202020204" pitchFamily="34" charset="0"/>
+                <a:cs typeface="Arial" panose="020B0604020202020204" pitchFamily="34" charset="0"/>
+              </a:rPr>
+              <a:t> </a:t>
+            </a:r>
+            <a:r>
+              <a:rPr lang="en-US" sz="1500" dirty="0" err="1" smtClean="0">
+                <a:latin typeface="Arial" panose="020B0604020202020204" pitchFamily="34" charset="0"/>
+                <a:cs typeface="Arial" panose="020B0604020202020204" pitchFamily="34" charset="0"/>
+              </a:rPr>
+              <a:t>về</a:t>
+            </a:r>
+            <a:r>
+              <a:rPr lang="en-US" sz="1500" dirty="0" smtClean="0">
+                <a:latin typeface="Arial" panose="020B0604020202020204" pitchFamily="34" charset="0"/>
+                <a:cs typeface="Arial" panose="020B0604020202020204" pitchFamily="34" charset="0"/>
+              </a:rPr>
+              <a:t> </a:t>
+            </a:r>
+            <a:r>
+              <a:rPr lang="en-US" sz="1500" dirty="0" err="1" smtClean="0">
+                <a:latin typeface="Arial" panose="020B0604020202020204" pitchFamily="34" charset="0"/>
+                <a:cs typeface="Arial" panose="020B0604020202020204" pitchFamily="34" charset="0"/>
+              </a:rPr>
+              <a:t>sẽ</a:t>
+            </a:r>
+            <a:r>
+              <a:rPr lang="en-US" sz="1500" dirty="0" smtClean="0">
+                <a:latin typeface="Arial" panose="020B0604020202020204" pitchFamily="34" charset="0"/>
+                <a:cs typeface="Arial" panose="020B0604020202020204" pitchFamily="34" charset="0"/>
+              </a:rPr>
+              <a:t> </a:t>
+            </a:r>
+            <a:r>
+              <a:rPr lang="en-US" sz="1500" dirty="0" err="1" smtClean="0">
+                <a:latin typeface="Arial" panose="020B0604020202020204" pitchFamily="34" charset="0"/>
+                <a:cs typeface="Arial" panose="020B0604020202020204" pitchFamily="34" charset="0"/>
+              </a:rPr>
+              <a:t>thể</a:t>
+            </a:r>
+            <a:r>
+              <a:rPr lang="en-US" sz="1500" dirty="0" smtClean="0">
+                <a:latin typeface="Arial" panose="020B0604020202020204" pitchFamily="34" charset="0"/>
+                <a:cs typeface="Arial" panose="020B0604020202020204" pitchFamily="34" charset="0"/>
+              </a:rPr>
+              <a:t> </a:t>
+            </a:r>
+            <a:r>
+              <a:rPr lang="en-US" sz="1500" dirty="0" err="1" smtClean="0">
+                <a:latin typeface="Arial" panose="020B0604020202020204" pitchFamily="34" charset="0"/>
+                <a:cs typeface="Arial" panose="020B0604020202020204" pitchFamily="34" charset="0"/>
+              </a:rPr>
+              <a:t>hiện</a:t>
+            </a:r>
+            <a:r>
+              <a:rPr lang="en-US" sz="1500" dirty="0" smtClean="0">
+                <a:latin typeface="Arial" panose="020B0604020202020204" pitchFamily="34" charset="0"/>
+                <a:cs typeface="Arial" panose="020B0604020202020204" pitchFamily="34" charset="0"/>
+              </a:rPr>
+              <a:t> </a:t>
+            </a:r>
+            <a:r>
+              <a:rPr lang="en-US" sz="1500" dirty="0" err="1" smtClean="0">
+                <a:latin typeface="Arial" panose="020B0604020202020204" pitchFamily="34" charset="0"/>
+                <a:cs typeface="Arial" panose="020B0604020202020204" pitchFamily="34" charset="0"/>
+              </a:rPr>
+              <a:t>kết</a:t>
+            </a:r>
+            <a:r>
+              <a:rPr lang="en-US" sz="1500" dirty="0" smtClean="0">
+                <a:latin typeface="Arial" panose="020B0604020202020204" pitchFamily="34" charset="0"/>
+                <a:cs typeface="Arial" panose="020B0604020202020204" pitchFamily="34" charset="0"/>
+              </a:rPr>
+              <a:t> </a:t>
+            </a:r>
+            <a:r>
+              <a:rPr lang="en-US" sz="1500" dirty="0" err="1" smtClean="0">
+                <a:latin typeface="Arial" panose="020B0604020202020204" pitchFamily="34" charset="0"/>
+                <a:cs typeface="Arial" panose="020B0604020202020204" pitchFamily="34" charset="0"/>
+              </a:rPr>
+              <a:t>quả</a:t>
+            </a:r>
+            <a:r>
+              <a:rPr lang="en-US" sz="1500" dirty="0" smtClean="0">
+                <a:latin typeface="Arial" panose="020B0604020202020204" pitchFamily="34" charset="0"/>
+                <a:cs typeface="Arial" panose="020B0604020202020204" pitchFamily="34" charset="0"/>
+              </a:rPr>
+              <a:t> </a:t>
+            </a:r>
+            <a:r>
+              <a:rPr lang="en-US" sz="1500" dirty="0" err="1" smtClean="0">
+                <a:latin typeface="Arial" panose="020B0604020202020204" pitchFamily="34" charset="0"/>
+                <a:cs typeface="Arial" panose="020B0604020202020204" pitchFamily="34" charset="0"/>
+              </a:rPr>
+              <a:t>ngay</a:t>
+            </a:r>
+            <a:r>
+              <a:rPr lang="en-US" sz="1500" dirty="0" smtClean="0">
+                <a:latin typeface="Arial" panose="020B0604020202020204" pitchFamily="34" charset="0"/>
+                <a:cs typeface="Arial" panose="020B0604020202020204" pitchFamily="34" charset="0"/>
+              </a:rPr>
+              <a:t> </a:t>
+            </a:r>
+            <a:r>
+              <a:rPr lang="en-US" sz="1500" dirty="0" err="1" smtClean="0">
+                <a:latin typeface="Arial" panose="020B0604020202020204" pitchFamily="34" charset="0"/>
+                <a:cs typeface="Arial" panose="020B0604020202020204" pitchFamily="34" charset="0"/>
+              </a:rPr>
+              <a:t>trên</a:t>
+            </a:r>
+            <a:r>
+              <a:rPr lang="en-US" sz="1500" dirty="0" smtClean="0">
+                <a:latin typeface="Arial" panose="020B0604020202020204" pitchFamily="34" charset="0"/>
+                <a:cs typeface="Arial" panose="020B0604020202020204" pitchFamily="34" charset="0"/>
+              </a:rPr>
+              <a:t> </a:t>
+            </a:r>
+            <a:r>
+              <a:rPr lang="en-US" sz="1500" dirty="0" err="1" smtClean="0">
+                <a:latin typeface="Arial" panose="020B0604020202020204" pitchFamily="34" charset="0"/>
+                <a:cs typeface="Arial" panose="020B0604020202020204" pitchFamily="34" charset="0"/>
+              </a:rPr>
+              <a:t>DataFrame</a:t>
+            </a:r>
+            <a:r>
+              <a:rPr lang="en-US" sz="1500" dirty="0" smtClean="0">
+                <a:latin typeface="Arial" panose="020B0604020202020204" pitchFamily="34" charset="0"/>
+                <a:cs typeface="Arial" panose="020B0604020202020204" pitchFamily="34" charset="0"/>
+              </a:rPr>
+              <a:t>.</a:t>
+            </a:r>
+          </a:p>
+          <a:p>
+            <a:r>
+              <a:rPr lang="en-US" sz="1500" dirty="0" err="1" smtClean="0">
+                <a:latin typeface="Arial" panose="020B0604020202020204" pitchFamily="34" charset="0"/>
+                <a:cs typeface="Arial" panose="020B0604020202020204" pitchFamily="34" charset="0"/>
+              </a:rPr>
+              <a:t>Để</a:t>
+            </a:r>
+            <a:r>
+              <a:rPr lang="en-US" sz="1500" dirty="0" smtClean="0">
+                <a:latin typeface="Arial" panose="020B0604020202020204" pitchFamily="34" charset="0"/>
+                <a:cs typeface="Arial" panose="020B0604020202020204" pitchFamily="34" charset="0"/>
+              </a:rPr>
+              <a:t> </a:t>
+            </a:r>
+            <a:r>
+              <a:rPr lang="en-US" sz="1500" dirty="0" err="1" smtClean="0">
+                <a:latin typeface="Arial" panose="020B0604020202020204" pitchFamily="34" charset="0"/>
+                <a:cs typeface="Arial" panose="020B0604020202020204" pitchFamily="34" charset="0"/>
+              </a:rPr>
+              <a:t>tính</a:t>
+            </a:r>
+            <a:r>
+              <a:rPr lang="en-US" sz="1500" dirty="0" smtClean="0">
+                <a:latin typeface="Arial" panose="020B0604020202020204" pitchFamily="34" charset="0"/>
+                <a:cs typeface="Arial" panose="020B0604020202020204" pitchFamily="34" charset="0"/>
+              </a:rPr>
+              <a:t> </a:t>
+            </a:r>
+            <a:r>
+              <a:rPr lang="en-US" sz="1500" dirty="0" err="1" smtClean="0">
+                <a:latin typeface="Arial" panose="020B0604020202020204" pitchFamily="34" charset="0"/>
+                <a:cs typeface="Arial" panose="020B0604020202020204" pitchFamily="34" charset="0"/>
+              </a:rPr>
+              <a:t>toán</a:t>
+            </a:r>
+            <a:r>
+              <a:rPr lang="en-US" sz="1500" dirty="0" smtClean="0">
+                <a:latin typeface="Arial" panose="020B0604020202020204" pitchFamily="34" charset="0"/>
+                <a:cs typeface="Arial" panose="020B0604020202020204" pitchFamily="34" charset="0"/>
+              </a:rPr>
+              <a:t> </a:t>
+            </a:r>
+            <a:r>
+              <a:rPr lang="en-US" sz="1500" dirty="0" err="1" smtClean="0">
+                <a:latin typeface="Arial" panose="020B0604020202020204" pitchFamily="34" charset="0"/>
+                <a:cs typeface="Arial" panose="020B0604020202020204" pitchFamily="34" charset="0"/>
+              </a:rPr>
+              <a:t>độ</a:t>
+            </a:r>
+            <a:r>
+              <a:rPr lang="en-US" sz="1500" dirty="0" smtClean="0">
+                <a:latin typeface="Arial" panose="020B0604020202020204" pitchFamily="34" charset="0"/>
+                <a:cs typeface="Arial" panose="020B0604020202020204" pitchFamily="34" charset="0"/>
+              </a:rPr>
+              <a:t> </a:t>
+            </a:r>
+            <a:r>
+              <a:rPr lang="en-US" sz="1500" dirty="0" err="1" smtClean="0">
+                <a:latin typeface="Arial" panose="020B0604020202020204" pitchFamily="34" charset="0"/>
+                <a:cs typeface="Arial" panose="020B0604020202020204" pitchFamily="34" charset="0"/>
+              </a:rPr>
+              <a:t>chính</a:t>
+            </a:r>
+            <a:r>
+              <a:rPr lang="en-US" sz="1500" dirty="0" smtClean="0">
+                <a:latin typeface="Arial" panose="020B0604020202020204" pitchFamily="34" charset="0"/>
+                <a:cs typeface="Arial" panose="020B0604020202020204" pitchFamily="34" charset="0"/>
+              </a:rPr>
+              <a:t> </a:t>
+            </a:r>
+            <a:r>
+              <a:rPr lang="en-US" sz="1500" dirty="0" err="1" smtClean="0">
+                <a:latin typeface="Arial" panose="020B0604020202020204" pitchFamily="34" charset="0"/>
+                <a:cs typeface="Arial" panose="020B0604020202020204" pitchFamily="34" charset="0"/>
+              </a:rPr>
+              <a:t>xác</a:t>
+            </a:r>
+            <a:r>
+              <a:rPr lang="en-US" sz="1500" dirty="0" smtClean="0">
+                <a:latin typeface="Arial" panose="020B0604020202020204" pitchFamily="34" charset="0"/>
+                <a:cs typeface="Arial" panose="020B0604020202020204" pitchFamily="34" charset="0"/>
+              </a:rPr>
+              <a:t> </a:t>
+            </a:r>
+            <a:r>
+              <a:rPr lang="en-US" sz="1500" dirty="0" err="1" smtClean="0">
+                <a:latin typeface="Arial" panose="020B0604020202020204" pitchFamily="34" charset="0"/>
+                <a:cs typeface="Arial" panose="020B0604020202020204" pitchFamily="34" charset="0"/>
+              </a:rPr>
+              <a:t>của</a:t>
+            </a:r>
+            <a:r>
+              <a:rPr lang="en-US" sz="1500" dirty="0" smtClean="0">
+                <a:latin typeface="Arial" panose="020B0604020202020204" pitchFamily="34" charset="0"/>
+                <a:cs typeface="Arial" panose="020B0604020202020204" pitchFamily="34" charset="0"/>
+              </a:rPr>
+              <a:t> </a:t>
+            </a:r>
+            <a:r>
+              <a:rPr lang="en-US" sz="1500" dirty="0" err="1" smtClean="0">
+                <a:latin typeface="Arial" panose="020B0604020202020204" pitchFamily="34" charset="0"/>
+                <a:cs typeface="Arial" panose="020B0604020202020204" pitchFamily="34" charset="0"/>
+              </a:rPr>
+              <a:t>mô</a:t>
+            </a:r>
+            <a:r>
+              <a:rPr lang="en-US" sz="1500" dirty="0" smtClean="0">
+                <a:latin typeface="Arial" panose="020B0604020202020204" pitchFamily="34" charset="0"/>
+                <a:cs typeface="Arial" panose="020B0604020202020204" pitchFamily="34" charset="0"/>
+              </a:rPr>
+              <a:t> </a:t>
+            </a:r>
+            <a:r>
+              <a:rPr lang="en-US" sz="1500" dirty="0" err="1" smtClean="0">
+                <a:latin typeface="Arial" panose="020B0604020202020204" pitchFamily="34" charset="0"/>
+                <a:cs typeface="Arial" panose="020B0604020202020204" pitchFamily="34" charset="0"/>
+              </a:rPr>
+              <a:t>hình</a:t>
+            </a:r>
+            <a:r>
+              <a:rPr lang="en-US" sz="1500" dirty="0" smtClean="0">
+                <a:latin typeface="Arial" panose="020B0604020202020204" pitchFamily="34" charset="0"/>
+                <a:cs typeface="Arial" panose="020B0604020202020204" pitchFamily="34" charset="0"/>
+              </a:rPr>
+              <a:t>, ta </a:t>
+            </a:r>
+            <a:r>
+              <a:rPr lang="en-US" sz="1500" dirty="0" err="1" smtClean="0">
+                <a:latin typeface="Arial" panose="020B0604020202020204" pitchFamily="34" charset="0"/>
+                <a:cs typeface="Arial" panose="020B0604020202020204" pitchFamily="34" charset="0"/>
+              </a:rPr>
+              <a:t>sẽ</a:t>
+            </a:r>
+            <a:r>
+              <a:rPr lang="en-US" sz="1500" dirty="0" smtClean="0">
+                <a:latin typeface="Arial" panose="020B0604020202020204" pitchFamily="34" charset="0"/>
+                <a:cs typeface="Arial" panose="020B0604020202020204" pitchFamily="34" charset="0"/>
+              </a:rPr>
+              <a:t> so </a:t>
+            </a:r>
+            <a:r>
+              <a:rPr lang="en-US" sz="1500" dirty="0" err="1" smtClean="0">
+                <a:latin typeface="Arial" panose="020B0604020202020204" pitchFamily="34" charset="0"/>
+                <a:cs typeface="Arial" panose="020B0604020202020204" pitchFamily="34" charset="0"/>
+              </a:rPr>
+              <a:t>sánh</a:t>
+            </a:r>
+            <a:r>
+              <a:rPr lang="en-US" sz="1500" dirty="0" smtClean="0">
+                <a:latin typeface="Arial" panose="020B0604020202020204" pitchFamily="34" charset="0"/>
+                <a:cs typeface="Arial" panose="020B0604020202020204" pitchFamily="34" charset="0"/>
+              </a:rPr>
+              <a:t> </a:t>
+            </a:r>
+            <a:r>
+              <a:rPr lang="en-US" sz="1500" dirty="0" err="1" smtClean="0">
+                <a:latin typeface="Arial" panose="020B0604020202020204" pitchFamily="34" charset="0"/>
+                <a:cs typeface="Arial" panose="020B0604020202020204" pitchFamily="34" charset="0"/>
+              </a:rPr>
+              <a:t>kết</a:t>
+            </a:r>
+            <a:r>
+              <a:rPr lang="en-US" sz="1500" dirty="0" smtClean="0">
+                <a:latin typeface="Arial" panose="020B0604020202020204" pitchFamily="34" charset="0"/>
+                <a:cs typeface="Arial" panose="020B0604020202020204" pitchFamily="34" charset="0"/>
+              </a:rPr>
+              <a:t> </a:t>
+            </a:r>
+            <a:r>
+              <a:rPr lang="en-US" sz="1500" dirty="0" err="1" smtClean="0">
+                <a:latin typeface="Arial" panose="020B0604020202020204" pitchFamily="34" charset="0"/>
+                <a:cs typeface="Arial" panose="020B0604020202020204" pitchFamily="34" charset="0"/>
+              </a:rPr>
+              <a:t>quả</a:t>
+            </a:r>
+            <a:r>
+              <a:rPr lang="en-US" sz="1500" dirty="0" smtClean="0">
+                <a:latin typeface="Arial" panose="020B0604020202020204" pitchFamily="34" charset="0"/>
+                <a:cs typeface="Arial" panose="020B0604020202020204" pitchFamily="34" charset="0"/>
+              </a:rPr>
+              <a:t> </a:t>
+            </a:r>
+            <a:r>
+              <a:rPr lang="en-US" sz="1500" dirty="0" err="1" smtClean="0">
+                <a:latin typeface="Arial" panose="020B0604020202020204" pitchFamily="34" charset="0"/>
+                <a:cs typeface="Arial" panose="020B0604020202020204" pitchFamily="34" charset="0"/>
+              </a:rPr>
+              <a:t>giữa</a:t>
+            </a:r>
+            <a:r>
+              <a:rPr lang="en-US" sz="1500" dirty="0" smtClean="0">
+                <a:latin typeface="Arial" panose="020B0604020202020204" pitchFamily="34" charset="0"/>
+                <a:cs typeface="Arial" panose="020B0604020202020204" pitchFamily="34" charset="0"/>
+              </a:rPr>
+              <a:t> 2 </a:t>
+            </a:r>
+            <a:r>
+              <a:rPr lang="en-US" sz="1500" dirty="0" err="1" smtClean="0">
+                <a:latin typeface="Arial" panose="020B0604020202020204" pitchFamily="34" charset="0"/>
+                <a:cs typeface="Arial" panose="020B0604020202020204" pitchFamily="34" charset="0"/>
+              </a:rPr>
+              <a:t>cột</a:t>
+            </a:r>
+            <a:r>
+              <a:rPr lang="en-US" sz="1500" dirty="0" smtClean="0">
+                <a:latin typeface="Arial" panose="020B0604020202020204" pitchFamily="34" charset="0"/>
+                <a:cs typeface="Arial" panose="020B0604020202020204" pitchFamily="34" charset="0"/>
+              </a:rPr>
+              <a:t> price, Label:</a:t>
+            </a:r>
+          </a:p>
+          <a:p>
+            <a:pPr lvl="1"/>
+            <a:r>
+              <a:rPr lang="en-US" sz="1300" dirty="0" err="1" smtClean="0">
+                <a:latin typeface="Arial" panose="020B0604020202020204" pitchFamily="34" charset="0"/>
+                <a:cs typeface="Arial" panose="020B0604020202020204" pitchFamily="34" charset="0"/>
+              </a:rPr>
+              <a:t>Giống</a:t>
+            </a:r>
+            <a:r>
+              <a:rPr lang="en-US" sz="1300" dirty="0" smtClean="0">
+                <a:latin typeface="Arial" panose="020B0604020202020204" pitchFamily="34" charset="0"/>
+                <a:cs typeface="Arial" panose="020B0604020202020204" pitchFamily="34" charset="0"/>
+              </a:rPr>
+              <a:t>: 0</a:t>
+            </a:r>
+          </a:p>
+          <a:p>
+            <a:pPr lvl="1"/>
+            <a:r>
+              <a:rPr lang="en-US" sz="1300" dirty="0" err="1" smtClean="0">
+                <a:latin typeface="Arial" panose="020B0604020202020204" pitchFamily="34" charset="0"/>
+                <a:cs typeface="Arial" panose="020B0604020202020204" pitchFamily="34" charset="0"/>
+              </a:rPr>
+              <a:t>Khác</a:t>
+            </a:r>
+            <a:r>
+              <a:rPr lang="en-US" sz="1300" dirty="0" smtClean="0">
+                <a:latin typeface="Arial" panose="020B0604020202020204" pitchFamily="34" charset="0"/>
+                <a:cs typeface="Arial" panose="020B0604020202020204" pitchFamily="34" charset="0"/>
+              </a:rPr>
+              <a:t>: 1</a:t>
+            </a:r>
+          </a:p>
+          <a:p>
+            <a:r>
+              <a:rPr lang="en-US" sz="1500" dirty="0" err="1" smtClean="0">
+                <a:latin typeface="Arial" panose="020B0604020202020204" pitchFamily="34" charset="0"/>
+                <a:cs typeface="Arial" panose="020B0604020202020204" pitchFamily="34" charset="0"/>
+              </a:rPr>
+              <a:t>Kết</a:t>
+            </a:r>
+            <a:r>
+              <a:rPr lang="en-US" sz="1500" dirty="0" smtClean="0">
+                <a:latin typeface="Arial" panose="020B0604020202020204" pitchFamily="34" charset="0"/>
+                <a:cs typeface="Arial" panose="020B0604020202020204" pitchFamily="34" charset="0"/>
+              </a:rPr>
+              <a:t> </a:t>
+            </a:r>
+            <a:r>
+              <a:rPr lang="en-US" sz="1500" dirty="0" err="1" smtClean="0">
+                <a:latin typeface="Arial" panose="020B0604020202020204" pitchFamily="34" charset="0"/>
+                <a:cs typeface="Arial" panose="020B0604020202020204" pitchFamily="34" charset="0"/>
+              </a:rPr>
+              <a:t>quả</a:t>
+            </a:r>
+            <a:r>
+              <a:rPr lang="en-US" sz="1500" dirty="0" smtClean="0">
+                <a:latin typeface="Arial" panose="020B0604020202020204" pitchFamily="34" charset="0"/>
+                <a:cs typeface="Arial" panose="020B0604020202020204" pitchFamily="34" charset="0"/>
+              </a:rPr>
+              <a:t> test </a:t>
+            </a:r>
+            <a:r>
+              <a:rPr lang="en-US" sz="1500" dirty="0" err="1" smtClean="0">
+                <a:latin typeface="Arial" panose="020B0604020202020204" pitchFamily="34" charset="0"/>
+                <a:cs typeface="Arial" panose="020B0604020202020204" pitchFamily="34" charset="0"/>
+              </a:rPr>
+              <a:t>cho</a:t>
+            </a:r>
+            <a:r>
+              <a:rPr lang="en-US" sz="1500" dirty="0" smtClean="0">
+                <a:latin typeface="Arial" panose="020B0604020202020204" pitchFamily="34" charset="0"/>
+                <a:cs typeface="Arial" panose="020B0604020202020204" pitchFamily="34" charset="0"/>
+              </a:rPr>
+              <a:t> </a:t>
+            </a:r>
+            <a:r>
+              <a:rPr lang="en-US" sz="1500" dirty="0" err="1" smtClean="0">
+                <a:latin typeface="Arial" panose="020B0604020202020204" pitchFamily="34" charset="0"/>
+                <a:cs typeface="Arial" panose="020B0604020202020204" pitchFamily="34" charset="0"/>
+              </a:rPr>
+              <a:t>thấy</a:t>
+            </a:r>
+            <a:r>
+              <a:rPr lang="en-US" sz="1500" dirty="0" smtClean="0">
+                <a:latin typeface="Arial" panose="020B0604020202020204" pitchFamily="34" charset="0"/>
+                <a:cs typeface="Arial" panose="020B0604020202020204" pitchFamily="34" charset="0"/>
+              </a:rPr>
+              <a:t> </a:t>
+            </a:r>
+            <a:r>
+              <a:rPr lang="en-US" sz="1500" dirty="0" err="1" smtClean="0">
+                <a:latin typeface="Arial" panose="020B0604020202020204" pitchFamily="34" charset="0"/>
+                <a:cs typeface="Arial" panose="020B0604020202020204" pitchFamily="34" charset="0"/>
+              </a:rPr>
+              <a:t>độ</a:t>
+            </a:r>
+            <a:r>
+              <a:rPr lang="en-US" sz="1500" dirty="0" smtClean="0">
+                <a:latin typeface="Arial" panose="020B0604020202020204" pitchFamily="34" charset="0"/>
+                <a:cs typeface="Arial" panose="020B0604020202020204" pitchFamily="34" charset="0"/>
+              </a:rPr>
+              <a:t> </a:t>
+            </a:r>
+            <a:r>
+              <a:rPr lang="en-US" sz="1500" dirty="0" err="1" smtClean="0">
+                <a:latin typeface="Arial" panose="020B0604020202020204" pitchFamily="34" charset="0"/>
+                <a:cs typeface="Arial" panose="020B0604020202020204" pitchFamily="34" charset="0"/>
+              </a:rPr>
+              <a:t>chính</a:t>
+            </a:r>
+            <a:r>
+              <a:rPr lang="en-US" sz="1500" dirty="0" smtClean="0">
+                <a:latin typeface="Arial" panose="020B0604020202020204" pitchFamily="34" charset="0"/>
+                <a:cs typeface="Arial" panose="020B0604020202020204" pitchFamily="34" charset="0"/>
+              </a:rPr>
+              <a:t> </a:t>
+            </a:r>
+            <a:r>
+              <a:rPr lang="en-US" sz="1500" dirty="0" err="1" smtClean="0">
+                <a:latin typeface="Arial" panose="020B0604020202020204" pitchFamily="34" charset="0"/>
+                <a:cs typeface="Arial" panose="020B0604020202020204" pitchFamily="34" charset="0"/>
+              </a:rPr>
+              <a:t>xác</a:t>
+            </a:r>
+            <a:r>
+              <a:rPr lang="en-US" sz="1500" dirty="0" smtClean="0">
+                <a:latin typeface="Arial" panose="020B0604020202020204" pitchFamily="34" charset="0"/>
+                <a:cs typeface="Arial" panose="020B0604020202020204" pitchFamily="34" charset="0"/>
+              </a:rPr>
+              <a:t> </a:t>
+            </a:r>
+            <a:r>
+              <a:rPr lang="en-US" sz="1500" dirty="0" err="1" smtClean="0">
+                <a:latin typeface="Arial" panose="020B0604020202020204" pitchFamily="34" charset="0"/>
+                <a:cs typeface="Arial" panose="020B0604020202020204" pitchFamily="34" charset="0"/>
+              </a:rPr>
+              <a:t>của</a:t>
+            </a:r>
+            <a:r>
+              <a:rPr lang="en-US" sz="1500" dirty="0" smtClean="0">
+                <a:latin typeface="Arial" panose="020B0604020202020204" pitchFamily="34" charset="0"/>
+                <a:cs typeface="Arial" panose="020B0604020202020204" pitchFamily="34" charset="0"/>
+              </a:rPr>
+              <a:t> </a:t>
+            </a:r>
+            <a:r>
+              <a:rPr lang="en-US" sz="1500" dirty="0" err="1" smtClean="0">
+                <a:latin typeface="Arial" panose="020B0604020202020204" pitchFamily="34" charset="0"/>
+                <a:cs typeface="Arial" panose="020B0604020202020204" pitchFamily="34" charset="0"/>
+              </a:rPr>
+              <a:t>mô</a:t>
+            </a:r>
+            <a:r>
+              <a:rPr lang="en-US" sz="1500" dirty="0" smtClean="0">
+                <a:latin typeface="Arial" panose="020B0604020202020204" pitchFamily="34" charset="0"/>
+                <a:cs typeface="Arial" panose="020B0604020202020204" pitchFamily="34" charset="0"/>
+              </a:rPr>
+              <a:t> </a:t>
+            </a:r>
+            <a:r>
+              <a:rPr lang="en-US" sz="1500" dirty="0" err="1" smtClean="0">
+                <a:latin typeface="Arial" panose="020B0604020202020204" pitchFamily="34" charset="0"/>
+                <a:cs typeface="Arial" panose="020B0604020202020204" pitchFamily="34" charset="0"/>
+              </a:rPr>
+              <a:t>hình</a:t>
+            </a:r>
+            <a:r>
+              <a:rPr lang="en-US" sz="1500" dirty="0" smtClean="0">
+                <a:latin typeface="Arial" panose="020B0604020202020204" pitchFamily="34" charset="0"/>
+                <a:cs typeface="Arial" panose="020B0604020202020204" pitchFamily="34" charset="0"/>
+              </a:rPr>
+              <a:t> </a:t>
+            </a:r>
+            <a:r>
+              <a:rPr lang="en-US" sz="1500" dirty="0" err="1" smtClean="0">
+                <a:latin typeface="Arial" panose="020B0604020202020204" pitchFamily="34" charset="0"/>
+                <a:cs typeface="Arial" panose="020B0604020202020204" pitchFamily="34" charset="0"/>
+              </a:rPr>
+              <a:t>không</a:t>
+            </a:r>
+            <a:r>
+              <a:rPr lang="en-US" sz="1500" dirty="0" smtClean="0">
+                <a:latin typeface="Arial" panose="020B0604020202020204" pitchFamily="34" charset="0"/>
+                <a:cs typeface="Arial" panose="020B0604020202020204" pitchFamily="34" charset="0"/>
+              </a:rPr>
+              <a:t> </a:t>
+            </a:r>
+            <a:r>
+              <a:rPr lang="en-US" sz="1500" dirty="0" err="1" smtClean="0">
+                <a:latin typeface="Arial" panose="020B0604020202020204" pitchFamily="34" charset="0"/>
+                <a:cs typeface="Arial" panose="020B0604020202020204" pitchFamily="34" charset="0"/>
+              </a:rPr>
+              <a:t>cao</a:t>
+            </a:r>
+            <a:endParaRPr lang="en-US" sz="1500" dirty="0" smtClean="0">
+              <a:latin typeface="Arial" panose="020B0604020202020204" pitchFamily="34" charset="0"/>
+              <a:cs typeface="Arial" panose="020B0604020202020204" pitchFamily="34" charset="0"/>
+            </a:endParaRPr>
+          </a:p>
+        </p:txBody>
+      </p:sp>
+      <p:cxnSp>
+        <p:nvCxnSpPr>
+          <p:cNvPr id="9" name="Straight Connector 8"/>
+          <p:cNvCxnSpPr/>
+          <p:nvPr/>
+        </p:nvCxnSpPr>
+        <p:spPr>
+          <a:xfrm flipV="1">
+            <a:off x="864066" y="922789"/>
+            <a:ext cx="10981189" cy="16778"/>
+          </a:xfrm>
+          <a:prstGeom prst="line">
+            <a:avLst/>
+          </a:prstGeom>
+          <a:ln>
+            <a:solidFill>
+              <a:srgbClr val="C00000"/>
+            </a:solidFill>
+          </a:ln>
+        </p:spPr>
+        <p:style>
+          <a:lnRef idx="3">
+            <a:schemeClr val="accent1"/>
+          </a:lnRef>
+          <a:fillRef idx="0">
+            <a:schemeClr val="accent1"/>
+          </a:fillRef>
+          <a:effectRef idx="2">
+            <a:schemeClr val="accent1"/>
+          </a:effectRef>
+          <a:fontRef idx="minor">
+            <a:schemeClr val="tx1"/>
+          </a:fontRef>
+        </p:style>
+      </p:cxnSp>
+      <p:pic>
+        <p:nvPicPr>
+          <p:cNvPr id="6" name="Picture 5"/>
+          <p:cNvPicPr>
+            <a:picLocks noChangeAspect="1"/>
+          </p:cNvPicPr>
+          <p:nvPr/>
+        </p:nvPicPr>
+        <p:blipFill>
+          <a:blip r:embed="rId2"/>
+          <a:stretch>
+            <a:fillRect/>
+          </a:stretch>
+        </p:blipFill>
+        <p:spPr>
+          <a:xfrm>
+            <a:off x="6266576" y="1023458"/>
+            <a:ext cx="5578679" cy="2457974"/>
+          </a:xfrm>
+          <a:prstGeom prst="rect">
+            <a:avLst/>
+          </a:prstGeom>
+        </p:spPr>
+      </p:pic>
+      <p:pic>
+        <p:nvPicPr>
+          <p:cNvPr id="10" name="Picture 9"/>
+          <p:cNvPicPr>
+            <a:picLocks noChangeAspect="1"/>
+          </p:cNvPicPr>
+          <p:nvPr/>
+        </p:nvPicPr>
+        <p:blipFill>
+          <a:blip r:embed="rId3"/>
+          <a:stretch>
+            <a:fillRect/>
+          </a:stretch>
+        </p:blipFill>
+        <p:spPr>
+          <a:xfrm>
+            <a:off x="4857225" y="3565322"/>
+            <a:ext cx="6988029" cy="2038523"/>
+          </a:xfrm>
+          <a:prstGeom prst="rect">
+            <a:avLst/>
+          </a:prstGeom>
+        </p:spPr>
+      </p:pic>
+      <p:pic>
+        <p:nvPicPr>
+          <p:cNvPr id="13" name="Picture 12"/>
+          <p:cNvPicPr>
+            <a:picLocks noChangeAspect="1"/>
+          </p:cNvPicPr>
+          <p:nvPr/>
+        </p:nvPicPr>
+        <p:blipFill>
+          <a:blip r:embed="rId4"/>
+          <a:stretch>
+            <a:fillRect/>
+          </a:stretch>
+        </p:blipFill>
+        <p:spPr>
+          <a:xfrm>
+            <a:off x="6354660" y="5687735"/>
+            <a:ext cx="2333951" cy="619211"/>
+          </a:xfrm>
+          <a:prstGeom prst="rect">
+            <a:avLst/>
+          </a:prstGeom>
+        </p:spPr>
+      </p:pic>
+    </p:spTree>
+    <p:extLst>
+      <p:ext uri="{BB962C8B-B14F-4D97-AF65-F5344CB8AC3E}">
+        <p14:creationId xmlns:p14="http://schemas.microsoft.com/office/powerpoint/2010/main" val="1234919657"/>
       </p:ext>
     </p:extLst>
   </p:cSld>
